--- a/きよし＿船.pptx
+++ b/きよし＿船.pptx
@@ -5,11 +5,13 @@
     <p:sldMasterId id="2147483648" r:id="rId1"/>
   </p:sldMasterIdLst>
   <p:notesMasterIdLst>
-    <p:notesMasterId r:id="rId4"/>
+    <p:notesMasterId r:id="rId6"/>
   </p:notesMasterIdLst>
   <p:sldIdLst>
     <p:sldId id="257" r:id="rId2"/>
     <p:sldId id="258" r:id="rId3"/>
+    <p:sldId id="260" r:id="rId4"/>
+    <p:sldId id="259" r:id="rId5"/>
   </p:sldIdLst>
   <p:sldSz cx="12192000" cy="6858000"/>
   <p:notesSz cx="6858000" cy="9144000"/>
@@ -198,7 +200,7 @@
           <a:p>
             <a:fld id="{AD15C658-6E08-1B45-B1CA-6D99F752F486}" type="datetimeFigureOut">
               <a:rPr kumimoji="1" lang="ja-JP" altLang="en-US" smtClean="0"/>
-              <a:t>2021/12/22</a:t>
+              <a:t>2022/1/4</a:t>
             </a:fld>
             <a:endParaRPr kumimoji="1" lang="ja-JP" altLang="en-US"/>
           </a:p>
@@ -581,6 +583,90 @@
 </p:notes>
 </file>
 
+<file path=ppt/notesSlides/notesSlide2.xml><?xml version="1.0" encoding="utf-8"?>
+<p:notes xmlns:a="http://schemas.openxmlformats.org/drawingml/2006/main" xmlns:r="http://schemas.openxmlformats.org/officeDocument/2006/relationships" xmlns:p="http://schemas.openxmlformats.org/presentationml/2006/main">
+  <p:cSld>
+    <p:spTree>
+      <p:nvGrpSpPr>
+        <p:cNvPr id="1" name=""/>
+        <p:cNvGrpSpPr/>
+        <p:nvPr/>
+      </p:nvGrpSpPr>
+      <p:grpSpPr>
+        <a:xfrm>
+          <a:off x="0" y="0"/>
+          <a:ext cx="0" cy="0"/>
+          <a:chOff x="0" y="0"/>
+          <a:chExt cx="0" cy="0"/>
+        </a:xfrm>
+      </p:grpSpPr>
+      <p:sp>
+        <p:nvSpPr>
+          <p:cNvPr id="2" name="スライド イメージ プレースホルダー 1"/>
+          <p:cNvSpPr>
+            <a:spLocks noGrp="1" noRot="1" noChangeAspect="1"/>
+          </p:cNvSpPr>
+          <p:nvPr>
+            <p:ph type="sldImg"/>
+          </p:nvPr>
+        </p:nvSpPr>
+        <p:spPr/>
+      </p:sp>
+      <p:sp>
+        <p:nvSpPr>
+          <p:cNvPr id="3" name="ノート プレースホルダー 2"/>
+          <p:cNvSpPr>
+            <a:spLocks noGrp="1"/>
+          </p:cNvSpPr>
+          <p:nvPr>
+            <p:ph type="body" idx="1"/>
+          </p:nvPr>
+        </p:nvSpPr>
+        <p:spPr/>
+        <p:txBody>
+          <a:bodyPr/>
+          <a:lstStyle/>
+          <a:p>
+            <a:endParaRPr kumimoji="1" lang="ja-JP" altLang="en-US"/>
+          </a:p>
+        </p:txBody>
+      </p:sp>
+      <p:sp>
+        <p:nvSpPr>
+          <p:cNvPr id="4" name="スライド番号プレースホルダー 3"/>
+          <p:cNvSpPr>
+            <a:spLocks noGrp="1"/>
+          </p:cNvSpPr>
+          <p:nvPr>
+            <p:ph type="sldNum" sz="quarter" idx="5"/>
+          </p:nvPr>
+        </p:nvSpPr>
+        <p:spPr/>
+        <p:txBody>
+          <a:bodyPr/>
+          <a:lstStyle/>
+          <a:p>
+            <a:fld id="{1AE8CFB7-0F18-0240-AC4E-5BAEBAFDD5F5}" type="slidenum">
+              <a:rPr kumimoji="1" lang="ja-JP" altLang="en-US" smtClean="0"/>
+              <a:t>3</a:t>
+            </a:fld>
+            <a:endParaRPr kumimoji="1" lang="ja-JP" altLang="en-US"/>
+          </a:p>
+        </p:txBody>
+      </p:sp>
+    </p:spTree>
+    <p:extLst>
+      <p:ext uri="{BB962C8B-B14F-4D97-AF65-F5344CB8AC3E}">
+        <p14:creationId xmlns:p14="http://schemas.microsoft.com/office/powerpoint/2010/main" val="127310795"/>
+      </p:ext>
+    </p:extLst>
+  </p:cSld>
+  <p:clrMapOvr>
+    <a:masterClrMapping/>
+  </p:clrMapOvr>
+</p:notes>
+</file>
+
 <file path=ppt/slideLayouts/slideLayout1.xml><?xml version="1.0" encoding="utf-8"?>
 <p:sldLayout xmlns:a="http://schemas.openxmlformats.org/drawingml/2006/main" xmlns:r="http://schemas.openxmlformats.org/officeDocument/2006/relationships" xmlns:p="http://schemas.openxmlformats.org/presentationml/2006/main" type="title" preserve="1">
   <p:cSld name="タイトル スライド">
@@ -728,7 +814,7 @@
           <a:p>
             <a:fld id="{2BF4BE7D-BE22-5944-AC3B-FFB96F373BCE}" type="datetimeFigureOut">
               <a:rPr kumimoji="1" lang="ja-JP" altLang="en-US" smtClean="0"/>
-              <a:t>2021/12/22</a:t>
+              <a:t>2022/1/4</a:t>
             </a:fld>
             <a:endParaRPr kumimoji="1" lang="ja-JP" altLang="en-US"/>
           </a:p>
@@ -958,7 +1044,7 @@
           <a:p>
             <a:fld id="{2BF4BE7D-BE22-5944-AC3B-FFB96F373BCE}" type="datetimeFigureOut">
               <a:rPr kumimoji="1" lang="ja-JP" altLang="en-US" smtClean="0"/>
-              <a:t>2021/12/22</a:t>
+              <a:t>2022/1/4</a:t>
             </a:fld>
             <a:endParaRPr kumimoji="1" lang="ja-JP" altLang="en-US"/>
           </a:p>
@@ -1198,7 +1284,7 @@
           <a:p>
             <a:fld id="{2BF4BE7D-BE22-5944-AC3B-FFB96F373BCE}" type="datetimeFigureOut">
               <a:rPr kumimoji="1" lang="ja-JP" altLang="en-US" smtClean="0"/>
-              <a:t>2021/12/22</a:t>
+              <a:t>2022/1/4</a:t>
             </a:fld>
             <a:endParaRPr kumimoji="1" lang="ja-JP" altLang="en-US"/>
           </a:p>
@@ -1428,7 +1514,7 @@
           <a:p>
             <a:fld id="{2BF4BE7D-BE22-5944-AC3B-FFB96F373BCE}" type="datetimeFigureOut">
               <a:rPr kumimoji="1" lang="ja-JP" altLang="en-US" smtClean="0"/>
-              <a:t>2021/12/22</a:t>
+              <a:t>2022/1/4</a:t>
             </a:fld>
             <a:endParaRPr kumimoji="1" lang="ja-JP" altLang="en-US"/>
           </a:p>
@@ -1703,7 +1789,7 @@
           <a:p>
             <a:fld id="{2BF4BE7D-BE22-5944-AC3B-FFB96F373BCE}" type="datetimeFigureOut">
               <a:rPr kumimoji="1" lang="ja-JP" altLang="en-US" smtClean="0"/>
-              <a:t>2021/12/22</a:t>
+              <a:t>2022/1/4</a:t>
             </a:fld>
             <a:endParaRPr kumimoji="1" lang="ja-JP" altLang="en-US"/>
           </a:p>
@@ -2032,7 +2118,7 @@
           <a:p>
             <a:fld id="{2BF4BE7D-BE22-5944-AC3B-FFB96F373BCE}" type="datetimeFigureOut">
               <a:rPr kumimoji="1" lang="ja-JP" altLang="en-US" smtClean="0"/>
-              <a:t>2021/12/22</a:t>
+              <a:t>2022/1/4</a:t>
             </a:fld>
             <a:endParaRPr kumimoji="1" lang="ja-JP" altLang="en-US"/>
           </a:p>
@@ -2508,7 +2594,7 @@
           <a:p>
             <a:fld id="{2BF4BE7D-BE22-5944-AC3B-FFB96F373BCE}" type="datetimeFigureOut">
               <a:rPr kumimoji="1" lang="ja-JP" altLang="en-US" smtClean="0"/>
-              <a:t>2021/12/22</a:t>
+              <a:t>2022/1/4</a:t>
             </a:fld>
             <a:endParaRPr kumimoji="1" lang="ja-JP" altLang="en-US"/>
           </a:p>
@@ -2649,7 +2735,7 @@
           <a:p>
             <a:fld id="{2BF4BE7D-BE22-5944-AC3B-FFB96F373BCE}" type="datetimeFigureOut">
               <a:rPr kumimoji="1" lang="ja-JP" altLang="en-US" smtClean="0"/>
-              <a:t>2021/12/22</a:t>
+              <a:t>2022/1/4</a:t>
             </a:fld>
             <a:endParaRPr kumimoji="1" lang="ja-JP" altLang="en-US"/>
           </a:p>
@@ -2762,7 +2848,7 @@
           <a:p>
             <a:fld id="{2BF4BE7D-BE22-5944-AC3B-FFB96F373BCE}" type="datetimeFigureOut">
               <a:rPr kumimoji="1" lang="ja-JP" altLang="en-US" smtClean="0"/>
-              <a:t>2021/12/22</a:t>
+              <a:t>2022/1/4</a:t>
             </a:fld>
             <a:endParaRPr kumimoji="1" lang="ja-JP" altLang="en-US"/>
           </a:p>
@@ -3105,7 +3191,7 @@
           <a:p>
             <a:fld id="{2BF4BE7D-BE22-5944-AC3B-FFB96F373BCE}" type="datetimeFigureOut">
               <a:rPr kumimoji="1" lang="ja-JP" altLang="en-US" smtClean="0"/>
-              <a:t>2021/12/22</a:t>
+              <a:t>2022/1/4</a:t>
             </a:fld>
             <a:endParaRPr kumimoji="1" lang="ja-JP" altLang="en-US"/>
           </a:p>
@@ -3393,7 +3479,7 @@
           <a:p>
             <a:fld id="{2BF4BE7D-BE22-5944-AC3B-FFB96F373BCE}" type="datetimeFigureOut">
               <a:rPr kumimoji="1" lang="ja-JP" altLang="en-US" smtClean="0"/>
-              <a:t>2021/12/22</a:t>
+              <a:t>2022/1/4</a:t>
             </a:fld>
             <a:endParaRPr kumimoji="1" lang="ja-JP" altLang="en-US"/>
           </a:p>
@@ -3666,7 +3752,7 @@
           <a:p>
             <a:fld id="{2BF4BE7D-BE22-5944-AC3B-FFB96F373BCE}" type="datetimeFigureOut">
               <a:rPr kumimoji="1" lang="ja-JP" altLang="en-US" smtClean="0"/>
-              <a:t>2021/12/22</a:t>
+              <a:t>2022/1/4</a:t>
             </a:fld>
             <a:endParaRPr kumimoji="1" lang="ja-JP" altLang="en-US"/>
           </a:p>
@@ -4098,7 +4184,7 @@
           <p:nvPr>
             <p:extLst>
               <p:ext uri="{D42A27DB-BD31-4B8C-83A1-F6EECF244321}">
-                <p14:modId xmlns:p14="http://schemas.microsoft.com/office/powerpoint/2010/main" val="1188793050"/>
+                <p14:modId xmlns:p14="http://schemas.microsoft.com/office/powerpoint/2010/main" val="2588770203"/>
               </p:ext>
             </p:extLst>
           </p:nvPr>
@@ -7556,6 +7642,3618 @@
     <p:extLst>
       <p:ext uri="{BB962C8B-B14F-4D97-AF65-F5344CB8AC3E}">
         <p14:creationId xmlns:p14="http://schemas.microsoft.com/office/powerpoint/2010/main" val="2803068642"/>
+      </p:ext>
+    </p:extLst>
+  </p:cSld>
+  <p:clrMapOvr>
+    <a:masterClrMapping/>
+  </p:clrMapOvr>
+</p:sld>
+</file>
+
+<file path=ppt/slides/slide3.xml><?xml version="1.0" encoding="utf-8"?>
+<p:sld xmlns:a="http://schemas.openxmlformats.org/drawingml/2006/main" xmlns:r="http://schemas.openxmlformats.org/officeDocument/2006/relationships" xmlns:p="http://schemas.openxmlformats.org/presentationml/2006/main">
+  <p:cSld>
+    <p:spTree>
+      <p:nvGrpSpPr>
+        <p:cNvPr id="1" name=""/>
+        <p:cNvGrpSpPr/>
+        <p:nvPr/>
+      </p:nvGrpSpPr>
+      <p:grpSpPr>
+        <a:xfrm>
+          <a:off x="0" y="0"/>
+          <a:ext cx="0" cy="0"/>
+          <a:chOff x="0" y="0"/>
+          <a:chExt cx="0" cy="0"/>
+        </a:xfrm>
+      </p:grpSpPr>
+      <p:grpSp>
+        <p:nvGrpSpPr>
+          <p:cNvPr id="5" name="グループ化 4">
+            <a:extLst>
+              <a:ext uri="{FF2B5EF4-FFF2-40B4-BE49-F238E27FC236}">
+                <a16:creationId xmlns:a16="http://schemas.microsoft.com/office/drawing/2014/main" id="{28EBBC02-E319-BD43-BF6C-7BCE5F31008C}"/>
+              </a:ext>
+            </a:extLst>
+          </p:cNvPr>
+          <p:cNvGrpSpPr/>
+          <p:nvPr/>
+        </p:nvGrpSpPr>
+        <p:grpSpPr>
+          <a:xfrm>
+            <a:off x="5189634" y="1675273"/>
+            <a:ext cx="7698657" cy="2946004"/>
+            <a:chOff x="5189634" y="1675273"/>
+            <a:chExt cx="7698657" cy="2946004"/>
+          </a:xfrm>
+        </p:grpSpPr>
+        <p:sp>
+          <p:nvSpPr>
+            <p:cNvPr id="12" name="ホームベース 11">
+              <a:extLst>
+                <a:ext uri="{FF2B5EF4-FFF2-40B4-BE49-F238E27FC236}">
+                  <a16:creationId xmlns:a16="http://schemas.microsoft.com/office/drawing/2014/main" id="{A62E56CF-FE34-8C4C-B2D6-1158072C7885}"/>
+                </a:ext>
+              </a:extLst>
+            </p:cNvPr>
+            <p:cNvSpPr/>
+            <p:nvPr/>
+          </p:nvSpPr>
+          <p:spPr>
+            <a:xfrm>
+              <a:off x="8644154" y="2147282"/>
+              <a:ext cx="2396691" cy="1281718"/>
+            </a:xfrm>
+            <a:prstGeom prst="homePlate">
+              <a:avLst/>
+            </a:prstGeom>
+            <a:noFill/>
+            <a:ln>
+              <a:solidFill>
+                <a:schemeClr val="tx1"/>
+              </a:solidFill>
+            </a:ln>
+          </p:spPr>
+          <p:style>
+            <a:lnRef idx="2">
+              <a:schemeClr val="accent1">
+                <a:shade val="50000"/>
+              </a:schemeClr>
+            </a:lnRef>
+            <a:fillRef idx="1">
+              <a:schemeClr val="accent1"/>
+            </a:fillRef>
+            <a:effectRef idx="0">
+              <a:schemeClr val="accent1"/>
+            </a:effectRef>
+            <a:fontRef idx="minor">
+              <a:schemeClr val="lt1"/>
+            </a:fontRef>
+          </p:style>
+          <p:txBody>
+            <a:bodyPr rtlCol="0" anchor="ctr"/>
+            <a:lstStyle/>
+            <a:p>
+              <a:pPr algn="ctr"/>
+              <a:endParaRPr kumimoji="1" lang="ja-JP" altLang="en-US"/>
+            </a:p>
+          </p:txBody>
+        </p:sp>
+        <p:sp>
+          <p:nvSpPr>
+            <p:cNvPr id="13" name="円/楕円 12">
+              <a:extLst>
+                <a:ext uri="{FF2B5EF4-FFF2-40B4-BE49-F238E27FC236}">
+                  <a16:creationId xmlns:a16="http://schemas.microsoft.com/office/drawing/2014/main" id="{A5AF72D6-57C1-CE4F-B30F-24EF655E3270}"/>
+                </a:ext>
+              </a:extLst>
+            </p:cNvPr>
+            <p:cNvSpPr/>
+            <p:nvPr/>
+          </p:nvSpPr>
+          <p:spPr>
+            <a:xfrm>
+              <a:off x="8870348" y="2339008"/>
+              <a:ext cx="250257" cy="250257"/>
+            </a:xfrm>
+            <a:prstGeom prst="ellipse">
+              <a:avLst/>
+            </a:prstGeom>
+            <a:solidFill>
+              <a:schemeClr val="bg1">
+                <a:lumMod val="75000"/>
+              </a:schemeClr>
+            </a:solidFill>
+            <a:ln>
+              <a:solidFill>
+                <a:schemeClr val="tx1"/>
+              </a:solidFill>
+            </a:ln>
+          </p:spPr>
+          <p:style>
+            <a:lnRef idx="2">
+              <a:schemeClr val="accent1">
+                <a:shade val="50000"/>
+              </a:schemeClr>
+            </a:lnRef>
+            <a:fillRef idx="1">
+              <a:schemeClr val="accent1"/>
+            </a:fillRef>
+            <a:effectRef idx="0">
+              <a:schemeClr val="accent1"/>
+            </a:effectRef>
+            <a:fontRef idx="minor">
+              <a:schemeClr val="lt1"/>
+            </a:fontRef>
+          </p:style>
+          <p:txBody>
+            <a:bodyPr rtlCol="0" anchor="ctr"/>
+            <a:lstStyle/>
+            <a:p>
+              <a:pPr algn="ctr"/>
+              <a:endParaRPr kumimoji="1" lang="ja-JP" altLang="en-US"/>
+            </a:p>
+          </p:txBody>
+        </p:sp>
+        <p:sp>
+          <p:nvSpPr>
+            <p:cNvPr id="14" name="円/楕円 13">
+              <a:extLst>
+                <a:ext uri="{FF2B5EF4-FFF2-40B4-BE49-F238E27FC236}">
+                  <a16:creationId xmlns:a16="http://schemas.microsoft.com/office/drawing/2014/main" id="{55ED3B84-71E4-4C49-98D9-153861B71901}"/>
+                </a:ext>
+              </a:extLst>
+            </p:cNvPr>
+            <p:cNvSpPr/>
+            <p:nvPr/>
+          </p:nvSpPr>
+          <p:spPr>
+            <a:xfrm>
+              <a:off x="9395325" y="2339008"/>
+              <a:ext cx="250257" cy="250257"/>
+            </a:xfrm>
+            <a:prstGeom prst="ellipse">
+              <a:avLst/>
+            </a:prstGeom>
+            <a:solidFill>
+              <a:schemeClr val="bg1">
+                <a:lumMod val="75000"/>
+              </a:schemeClr>
+            </a:solidFill>
+            <a:ln>
+              <a:solidFill>
+                <a:schemeClr val="tx1"/>
+              </a:solidFill>
+            </a:ln>
+          </p:spPr>
+          <p:style>
+            <a:lnRef idx="2">
+              <a:schemeClr val="accent1">
+                <a:shade val="50000"/>
+              </a:schemeClr>
+            </a:lnRef>
+            <a:fillRef idx="1">
+              <a:schemeClr val="accent1"/>
+            </a:fillRef>
+            <a:effectRef idx="0">
+              <a:schemeClr val="accent1"/>
+            </a:effectRef>
+            <a:fontRef idx="minor">
+              <a:schemeClr val="lt1"/>
+            </a:fontRef>
+          </p:style>
+          <p:txBody>
+            <a:bodyPr rtlCol="0" anchor="ctr"/>
+            <a:lstStyle/>
+            <a:p>
+              <a:pPr algn="ctr"/>
+              <a:endParaRPr kumimoji="1" lang="ja-JP" altLang="en-US"/>
+            </a:p>
+          </p:txBody>
+        </p:sp>
+        <p:sp>
+          <p:nvSpPr>
+            <p:cNvPr id="15" name="円/楕円 14">
+              <a:extLst>
+                <a:ext uri="{FF2B5EF4-FFF2-40B4-BE49-F238E27FC236}">
+                  <a16:creationId xmlns:a16="http://schemas.microsoft.com/office/drawing/2014/main" id="{0AF81A3A-DF47-8744-A2FF-4D0152CB8E7E}"/>
+                </a:ext>
+              </a:extLst>
+            </p:cNvPr>
+            <p:cNvSpPr/>
+            <p:nvPr/>
+          </p:nvSpPr>
+          <p:spPr>
+            <a:xfrm>
+              <a:off x="9920303" y="2339008"/>
+              <a:ext cx="250257" cy="250257"/>
+            </a:xfrm>
+            <a:prstGeom prst="ellipse">
+              <a:avLst/>
+            </a:prstGeom>
+            <a:solidFill>
+              <a:schemeClr val="bg1">
+                <a:lumMod val="75000"/>
+              </a:schemeClr>
+            </a:solidFill>
+            <a:ln>
+              <a:solidFill>
+                <a:schemeClr val="tx1"/>
+              </a:solidFill>
+            </a:ln>
+          </p:spPr>
+          <p:style>
+            <a:lnRef idx="2">
+              <a:schemeClr val="accent1">
+                <a:shade val="50000"/>
+              </a:schemeClr>
+            </a:lnRef>
+            <a:fillRef idx="1">
+              <a:schemeClr val="accent1"/>
+            </a:fillRef>
+            <a:effectRef idx="0">
+              <a:schemeClr val="accent1"/>
+            </a:effectRef>
+            <a:fontRef idx="minor">
+              <a:schemeClr val="lt1"/>
+            </a:fontRef>
+          </p:style>
+          <p:txBody>
+            <a:bodyPr rtlCol="0" anchor="ctr"/>
+            <a:lstStyle/>
+            <a:p>
+              <a:pPr algn="ctr"/>
+              <a:endParaRPr kumimoji="1" lang="ja-JP" altLang="en-US"/>
+            </a:p>
+          </p:txBody>
+        </p:sp>
+        <p:sp>
+          <p:nvSpPr>
+            <p:cNvPr id="16" name="直角三角形 15">
+              <a:extLst>
+                <a:ext uri="{FF2B5EF4-FFF2-40B4-BE49-F238E27FC236}">
+                  <a16:creationId xmlns:a16="http://schemas.microsoft.com/office/drawing/2014/main" id="{39573A9B-A7CF-BD48-8359-8B6897371C13}"/>
+                </a:ext>
+              </a:extLst>
+            </p:cNvPr>
+            <p:cNvSpPr/>
+            <p:nvPr/>
+          </p:nvSpPr>
+          <p:spPr>
+            <a:xfrm rot="10800000">
+              <a:off x="6215914" y="2788139"/>
+              <a:ext cx="503999" cy="1534515"/>
+            </a:xfrm>
+            <a:prstGeom prst="rtTriangle">
+              <a:avLst/>
+            </a:prstGeom>
+            <a:solidFill>
+              <a:schemeClr val="bg1">
+                <a:lumMod val="75000"/>
+              </a:schemeClr>
+            </a:solidFill>
+            <a:ln>
+              <a:solidFill>
+                <a:schemeClr val="tx1"/>
+              </a:solidFill>
+            </a:ln>
+          </p:spPr>
+          <p:style>
+            <a:lnRef idx="2">
+              <a:schemeClr val="accent1">
+                <a:shade val="50000"/>
+              </a:schemeClr>
+            </a:lnRef>
+            <a:fillRef idx="1">
+              <a:schemeClr val="accent1"/>
+            </a:fillRef>
+            <a:effectRef idx="0">
+              <a:schemeClr val="accent1"/>
+            </a:effectRef>
+            <a:fontRef idx="minor">
+              <a:schemeClr val="lt1"/>
+            </a:fontRef>
+          </p:style>
+          <p:txBody>
+            <a:bodyPr rtlCol="0" anchor="ctr"/>
+            <a:lstStyle/>
+            <a:p>
+              <a:pPr algn="ctr"/>
+              <a:endParaRPr kumimoji="1" lang="ja-JP" altLang="en-US"/>
+            </a:p>
+          </p:txBody>
+        </p:sp>
+        <p:sp>
+          <p:nvSpPr>
+            <p:cNvPr id="17" name="直角三角形 16">
+              <a:extLst>
+                <a:ext uri="{FF2B5EF4-FFF2-40B4-BE49-F238E27FC236}">
+                  <a16:creationId xmlns:a16="http://schemas.microsoft.com/office/drawing/2014/main" id="{A9DEC2DB-A5FA-2E46-96FA-0C4DF9A7ACF8}"/>
+                </a:ext>
+              </a:extLst>
+            </p:cNvPr>
+            <p:cNvSpPr/>
+            <p:nvPr/>
+          </p:nvSpPr>
+          <p:spPr>
+            <a:xfrm rot="10800000" flipH="1">
+              <a:off x="11364133" y="2788138"/>
+              <a:ext cx="503999" cy="1534513"/>
+            </a:xfrm>
+            <a:prstGeom prst="rtTriangle">
+              <a:avLst/>
+            </a:prstGeom>
+            <a:solidFill>
+              <a:schemeClr val="bg1">
+                <a:lumMod val="75000"/>
+              </a:schemeClr>
+            </a:solidFill>
+            <a:ln>
+              <a:solidFill>
+                <a:schemeClr val="tx1"/>
+              </a:solidFill>
+            </a:ln>
+          </p:spPr>
+          <p:style>
+            <a:lnRef idx="2">
+              <a:schemeClr val="accent1">
+                <a:shade val="50000"/>
+              </a:schemeClr>
+            </a:lnRef>
+            <a:fillRef idx="1">
+              <a:schemeClr val="accent1"/>
+            </a:fillRef>
+            <a:effectRef idx="0">
+              <a:schemeClr val="accent1"/>
+            </a:effectRef>
+            <a:fontRef idx="minor">
+              <a:schemeClr val="lt1"/>
+            </a:fontRef>
+          </p:style>
+          <p:txBody>
+            <a:bodyPr rtlCol="0" anchor="ctr"/>
+            <a:lstStyle/>
+            <a:p>
+              <a:pPr algn="ctr"/>
+              <a:endParaRPr kumimoji="1" lang="ja-JP" altLang="en-US"/>
+            </a:p>
+          </p:txBody>
+        </p:sp>
+        <p:sp>
+          <p:nvSpPr>
+            <p:cNvPr id="18" name="弦 17">
+              <a:extLst>
+                <a:ext uri="{FF2B5EF4-FFF2-40B4-BE49-F238E27FC236}">
+                  <a16:creationId xmlns:a16="http://schemas.microsoft.com/office/drawing/2014/main" id="{AE2C39A9-D03E-4448-8C10-38AAC69E60EB}"/>
+                </a:ext>
+              </a:extLst>
+            </p:cNvPr>
+            <p:cNvSpPr/>
+            <p:nvPr/>
+          </p:nvSpPr>
+          <p:spPr>
+            <a:xfrm>
+              <a:off x="5189634" y="1681058"/>
+              <a:ext cx="7698657" cy="2940219"/>
+            </a:xfrm>
+            <a:prstGeom prst="chord">
+              <a:avLst>
+                <a:gd name="adj1" fmla="val 1611090"/>
+                <a:gd name="adj2" fmla="val 9184230"/>
+              </a:avLst>
+            </a:prstGeom>
+            <a:solidFill>
+              <a:schemeClr val="bg1">
+                <a:lumMod val="75000"/>
+              </a:schemeClr>
+            </a:solidFill>
+            <a:ln>
+              <a:solidFill>
+                <a:schemeClr val="tx1"/>
+              </a:solidFill>
+            </a:ln>
+          </p:spPr>
+          <p:style>
+            <a:lnRef idx="2">
+              <a:schemeClr val="accent1">
+                <a:shade val="50000"/>
+              </a:schemeClr>
+            </a:lnRef>
+            <a:fillRef idx="1">
+              <a:schemeClr val="accent1"/>
+            </a:fillRef>
+            <a:effectRef idx="0">
+              <a:schemeClr val="accent1"/>
+            </a:effectRef>
+            <a:fontRef idx="minor">
+              <a:schemeClr val="lt1"/>
+            </a:fontRef>
+          </p:style>
+          <p:txBody>
+            <a:bodyPr rtlCol="0" anchor="ctr"/>
+            <a:lstStyle/>
+            <a:p>
+              <a:pPr algn="ctr"/>
+              <a:endParaRPr kumimoji="1" lang="ja-JP" altLang="en-US"/>
+            </a:p>
+          </p:txBody>
+        </p:sp>
+        <p:sp>
+          <p:nvSpPr>
+            <p:cNvPr id="19" name="正方形/長方形 18">
+              <a:extLst>
+                <a:ext uri="{FF2B5EF4-FFF2-40B4-BE49-F238E27FC236}">
+                  <a16:creationId xmlns:a16="http://schemas.microsoft.com/office/drawing/2014/main" id="{C9C02457-3440-6C49-9E4E-75781C021AC5}"/>
+                </a:ext>
+              </a:extLst>
+            </p:cNvPr>
+            <p:cNvSpPr/>
+            <p:nvPr/>
+          </p:nvSpPr>
+          <p:spPr>
+            <a:xfrm>
+              <a:off x="9670047" y="1675273"/>
+              <a:ext cx="250256" cy="472009"/>
+            </a:xfrm>
+            <a:prstGeom prst="rect">
+              <a:avLst/>
+            </a:prstGeom>
+            <a:solidFill>
+              <a:schemeClr val="bg1">
+                <a:lumMod val="75000"/>
+              </a:schemeClr>
+            </a:solidFill>
+            <a:ln>
+              <a:solidFill>
+                <a:schemeClr val="tx1"/>
+              </a:solidFill>
+            </a:ln>
+          </p:spPr>
+          <p:style>
+            <a:lnRef idx="2">
+              <a:schemeClr val="accent1">
+                <a:shade val="50000"/>
+              </a:schemeClr>
+            </a:lnRef>
+            <a:fillRef idx="1">
+              <a:schemeClr val="accent1"/>
+            </a:fillRef>
+            <a:effectRef idx="0">
+              <a:schemeClr val="accent1"/>
+            </a:effectRef>
+            <a:fontRef idx="minor">
+              <a:schemeClr val="lt1"/>
+            </a:fontRef>
+          </p:style>
+          <p:txBody>
+            <a:bodyPr rtlCol="0" anchor="ctr"/>
+            <a:lstStyle/>
+            <a:p>
+              <a:pPr algn="ctr"/>
+              <a:endParaRPr kumimoji="1" lang="ja-JP" altLang="en-US"/>
+            </a:p>
+          </p:txBody>
+        </p:sp>
+      </p:grpSp>
+      <p:graphicFrame>
+        <p:nvGraphicFramePr>
+          <p:cNvPr id="11" name="表 11">
+            <a:extLst>
+              <a:ext uri="{FF2B5EF4-FFF2-40B4-BE49-F238E27FC236}">
+                <a16:creationId xmlns:a16="http://schemas.microsoft.com/office/drawing/2014/main" id="{C4CBB207-E9A2-E34E-B643-538FB5FA51ED}"/>
+              </a:ext>
+            </a:extLst>
+          </p:cNvPr>
+          <p:cNvGraphicFramePr>
+            <a:graphicFrameLocks noGrp="1"/>
+          </p:cNvGraphicFramePr>
+          <p:nvPr>
+            <p:extLst>
+              <p:ext uri="{D42A27DB-BD31-4B8C-83A1-F6EECF244321}">
+                <p14:modId xmlns:p14="http://schemas.microsoft.com/office/powerpoint/2010/main" val="4231851671"/>
+              </p:ext>
+            </p:extLst>
+          </p:nvPr>
+        </p:nvGraphicFramePr>
+        <p:xfrm>
+          <a:off x="6718701" y="2788141"/>
+          <a:ext cx="4644222" cy="1534515"/>
+        </p:xfrm>
+        <a:graphic>
+          <a:graphicData uri="http://schemas.openxmlformats.org/drawingml/2006/table">
+            <a:tbl>
+              <a:tblPr firstRow="1" bandRow="1">
+                <a:tableStyleId>{5C22544A-7EE6-4342-B048-85BDC9FD1C3A}</a:tableStyleId>
+              </a:tblPr>
+              <a:tblGrid>
+                <a:gridCol w="1548074">
+                  <a:extLst>
+                    <a:ext uri="{9D8B030D-6E8A-4147-A177-3AD203B41FA5}">
+                      <a16:colId xmlns:a16="http://schemas.microsoft.com/office/drawing/2014/main" val="1120760323"/>
+                    </a:ext>
+                  </a:extLst>
+                </a:gridCol>
+                <a:gridCol w="1548074">
+                  <a:extLst>
+                    <a:ext uri="{9D8B030D-6E8A-4147-A177-3AD203B41FA5}">
+                      <a16:colId xmlns:a16="http://schemas.microsoft.com/office/drawing/2014/main" val="1830531746"/>
+                    </a:ext>
+                  </a:extLst>
+                </a:gridCol>
+                <a:gridCol w="1548074">
+                  <a:extLst>
+                    <a:ext uri="{9D8B030D-6E8A-4147-A177-3AD203B41FA5}">
+                      <a16:colId xmlns:a16="http://schemas.microsoft.com/office/drawing/2014/main" val="3898694262"/>
+                    </a:ext>
+                  </a:extLst>
+                </a:gridCol>
+              </a:tblGrid>
+              <a:tr h="511505">
+                <a:tc>
+                  <a:txBody>
+                    <a:bodyPr/>
+                    <a:lstStyle/>
+                    <a:p>
+                      <a:endParaRPr kumimoji="1" lang="ja-JP" altLang="en-US"/>
+                    </a:p>
+                  </a:txBody>
+                  <a:tcPr>
+                    <a:lnL w="12700" cap="flat" cmpd="sng" algn="ctr">
+                      <a:solidFill>
+                        <a:schemeClr val="tx1"/>
+                      </a:solidFill>
+                      <a:prstDash val="solid"/>
+                      <a:round/>
+                      <a:headEnd type="none" w="med" len="med"/>
+                      <a:tailEnd type="none" w="med" len="med"/>
+                    </a:lnL>
+                    <a:lnR w="12700" cap="flat" cmpd="sng" algn="ctr">
+                      <a:solidFill>
+                        <a:schemeClr val="tx1"/>
+                      </a:solidFill>
+                      <a:prstDash val="solid"/>
+                      <a:round/>
+                      <a:headEnd type="none" w="med" len="med"/>
+                      <a:tailEnd type="none" w="med" len="med"/>
+                    </a:lnR>
+                    <a:lnT w="12700" cap="flat" cmpd="sng" algn="ctr">
+                      <a:solidFill>
+                        <a:schemeClr val="tx1"/>
+                      </a:solidFill>
+                      <a:prstDash val="solid"/>
+                      <a:round/>
+                      <a:headEnd type="none" w="med" len="med"/>
+                      <a:tailEnd type="none" w="med" len="med"/>
+                    </a:lnT>
+                    <a:lnB w="12700" cap="flat" cmpd="sng" algn="ctr">
+                      <a:solidFill>
+                        <a:schemeClr val="tx1"/>
+                      </a:solidFill>
+                      <a:prstDash val="solid"/>
+                      <a:round/>
+                      <a:headEnd type="none" w="med" len="med"/>
+                      <a:tailEnd type="none" w="med" len="med"/>
+                    </a:lnB>
+                    <a:lnTlToBr w="12700" cmpd="sng">
+                      <a:noFill/>
+                      <a:prstDash val="solid"/>
+                    </a:lnTlToBr>
+                    <a:lnBlToTr w="12700" cmpd="sng">
+                      <a:noFill/>
+                      <a:prstDash val="solid"/>
+                    </a:lnBlToTr>
+                    <a:solidFill>
+                      <a:schemeClr val="bg1"/>
+                    </a:solidFill>
+                  </a:tcPr>
+                </a:tc>
+                <a:tc>
+                  <a:txBody>
+                    <a:bodyPr/>
+                    <a:lstStyle/>
+                    <a:p>
+                      <a:endParaRPr kumimoji="1" lang="ja-JP" altLang="en-US"/>
+                    </a:p>
+                  </a:txBody>
+                  <a:tcPr>
+                    <a:lnL w="12700" cap="flat" cmpd="sng" algn="ctr">
+                      <a:solidFill>
+                        <a:schemeClr val="tx1"/>
+                      </a:solidFill>
+                      <a:prstDash val="solid"/>
+                      <a:round/>
+                      <a:headEnd type="none" w="med" len="med"/>
+                      <a:tailEnd type="none" w="med" len="med"/>
+                    </a:lnL>
+                    <a:lnR w="12700" cap="flat" cmpd="sng" algn="ctr">
+                      <a:solidFill>
+                        <a:schemeClr val="tx1"/>
+                      </a:solidFill>
+                      <a:prstDash val="solid"/>
+                      <a:round/>
+                      <a:headEnd type="none" w="med" len="med"/>
+                      <a:tailEnd type="none" w="med" len="med"/>
+                    </a:lnR>
+                    <a:lnT w="12700" cap="flat" cmpd="sng" algn="ctr">
+                      <a:solidFill>
+                        <a:schemeClr val="tx1"/>
+                      </a:solidFill>
+                      <a:prstDash val="solid"/>
+                      <a:round/>
+                      <a:headEnd type="none" w="med" len="med"/>
+                      <a:tailEnd type="none" w="med" len="med"/>
+                    </a:lnT>
+                    <a:lnB w="12700" cap="flat" cmpd="sng" algn="ctr">
+                      <a:solidFill>
+                        <a:schemeClr val="tx1"/>
+                      </a:solidFill>
+                      <a:prstDash val="solid"/>
+                      <a:round/>
+                      <a:headEnd type="none" w="med" len="med"/>
+                      <a:tailEnd type="none" w="med" len="med"/>
+                    </a:lnB>
+                    <a:lnTlToBr w="12700" cmpd="sng">
+                      <a:noFill/>
+                      <a:prstDash val="solid"/>
+                    </a:lnTlToBr>
+                    <a:lnBlToTr w="12700" cmpd="sng">
+                      <a:noFill/>
+                      <a:prstDash val="solid"/>
+                    </a:lnBlToTr>
+                    <a:solidFill>
+                      <a:schemeClr val="bg1"/>
+                    </a:solidFill>
+                  </a:tcPr>
+                </a:tc>
+                <a:tc>
+                  <a:txBody>
+                    <a:bodyPr/>
+                    <a:lstStyle/>
+                    <a:p>
+                      <a:endParaRPr kumimoji="1" lang="ja-JP" altLang="en-US"/>
+                    </a:p>
+                  </a:txBody>
+                  <a:tcPr>
+                    <a:lnL w="12700" cap="flat" cmpd="sng" algn="ctr">
+                      <a:solidFill>
+                        <a:schemeClr val="tx1"/>
+                      </a:solidFill>
+                      <a:prstDash val="solid"/>
+                      <a:round/>
+                      <a:headEnd type="none" w="med" len="med"/>
+                      <a:tailEnd type="none" w="med" len="med"/>
+                    </a:lnL>
+                    <a:lnR w="12700" cap="flat" cmpd="sng" algn="ctr">
+                      <a:solidFill>
+                        <a:schemeClr val="tx1"/>
+                      </a:solidFill>
+                      <a:prstDash val="solid"/>
+                      <a:round/>
+                      <a:headEnd type="none" w="med" len="med"/>
+                      <a:tailEnd type="none" w="med" len="med"/>
+                    </a:lnR>
+                    <a:lnT w="12700" cap="flat" cmpd="sng" algn="ctr">
+                      <a:solidFill>
+                        <a:schemeClr val="tx1"/>
+                      </a:solidFill>
+                      <a:prstDash val="solid"/>
+                      <a:round/>
+                      <a:headEnd type="none" w="med" len="med"/>
+                      <a:tailEnd type="none" w="med" len="med"/>
+                    </a:lnT>
+                    <a:lnB w="12700" cap="flat" cmpd="sng" algn="ctr">
+                      <a:solidFill>
+                        <a:schemeClr val="tx1"/>
+                      </a:solidFill>
+                      <a:prstDash val="solid"/>
+                      <a:round/>
+                      <a:headEnd type="none" w="med" len="med"/>
+                      <a:tailEnd type="none" w="med" len="med"/>
+                    </a:lnB>
+                    <a:solidFill>
+                      <a:schemeClr val="bg1"/>
+                    </a:solidFill>
+                  </a:tcPr>
+                </a:tc>
+                <a:extLst>
+                  <a:ext uri="{0D108BD9-81ED-4DB2-BD59-A6C34878D82A}">
+                    <a16:rowId xmlns:a16="http://schemas.microsoft.com/office/drawing/2014/main" val="4197178994"/>
+                  </a:ext>
+                </a:extLst>
+              </a:tr>
+              <a:tr h="511505">
+                <a:tc>
+                  <a:txBody>
+                    <a:bodyPr/>
+                    <a:lstStyle/>
+                    <a:p>
+                      <a:endParaRPr kumimoji="1" lang="ja-JP" altLang="en-US">
+                        <a:solidFill>
+                          <a:srgbClr val="FF0000"/>
+                        </a:solidFill>
+                      </a:endParaRPr>
+                    </a:p>
+                  </a:txBody>
+                  <a:tcPr>
+                    <a:lnL w="12700" cap="flat" cmpd="sng" algn="ctr">
+                      <a:solidFill>
+                        <a:schemeClr val="tx1"/>
+                      </a:solidFill>
+                      <a:prstDash val="solid"/>
+                      <a:round/>
+                      <a:headEnd type="none" w="med" len="med"/>
+                      <a:tailEnd type="none" w="med" len="med"/>
+                    </a:lnL>
+                    <a:lnR w="12700" cap="flat" cmpd="sng" algn="ctr">
+                      <a:solidFill>
+                        <a:schemeClr val="tx1"/>
+                      </a:solidFill>
+                      <a:prstDash val="solid"/>
+                      <a:round/>
+                      <a:headEnd type="none" w="med" len="med"/>
+                      <a:tailEnd type="none" w="med" len="med"/>
+                    </a:lnR>
+                    <a:lnT w="12700" cap="flat" cmpd="sng" algn="ctr">
+                      <a:solidFill>
+                        <a:schemeClr val="tx1"/>
+                      </a:solidFill>
+                      <a:prstDash val="solid"/>
+                      <a:round/>
+                      <a:headEnd type="none" w="med" len="med"/>
+                      <a:tailEnd type="none" w="med" len="med"/>
+                    </a:lnT>
+                    <a:lnB w="12700" cap="flat" cmpd="sng" algn="ctr">
+                      <a:solidFill>
+                        <a:schemeClr val="tx1"/>
+                      </a:solidFill>
+                      <a:prstDash val="solid"/>
+                      <a:round/>
+                      <a:headEnd type="none" w="med" len="med"/>
+                      <a:tailEnd type="none" w="med" len="med"/>
+                    </a:lnB>
+                    <a:solidFill>
+                      <a:schemeClr val="bg1"/>
+                    </a:solidFill>
+                  </a:tcPr>
+                </a:tc>
+                <a:tc>
+                  <a:txBody>
+                    <a:bodyPr/>
+                    <a:lstStyle/>
+                    <a:p>
+                      <a:endParaRPr kumimoji="1" lang="ja-JP" altLang="en-US"/>
+                    </a:p>
+                  </a:txBody>
+                  <a:tcPr>
+                    <a:lnL w="12700" cap="flat" cmpd="sng" algn="ctr">
+                      <a:solidFill>
+                        <a:schemeClr val="tx1"/>
+                      </a:solidFill>
+                      <a:prstDash val="solid"/>
+                      <a:round/>
+                      <a:headEnd type="none" w="med" len="med"/>
+                      <a:tailEnd type="none" w="med" len="med"/>
+                    </a:lnL>
+                    <a:lnR w="12700" cap="flat" cmpd="sng" algn="ctr">
+                      <a:solidFill>
+                        <a:schemeClr val="tx1"/>
+                      </a:solidFill>
+                      <a:prstDash val="solid"/>
+                      <a:round/>
+                      <a:headEnd type="none" w="med" len="med"/>
+                      <a:tailEnd type="none" w="med" len="med"/>
+                    </a:lnR>
+                    <a:lnT w="12700" cap="flat" cmpd="sng" algn="ctr">
+                      <a:solidFill>
+                        <a:schemeClr val="tx1"/>
+                      </a:solidFill>
+                      <a:prstDash val="solid"/>
+                      <a:round/>
+                      <a:headEnd type="none" w="med" len="med"/>
+                      <a:tailEnd type="none" w="med" len="med"/>
+                    </a:lnT>
+                    <a:lnB w="12700" cap="flat" cmpd="sng" algn="ctr">
+                      <a:solidFill>
+                        <a:schemeClr val="tx1"/>
+                      </a:solidFill>
+                      <a:prstDash val="solid"/>
+                      <a:round/>
+                      <a:headEnd type="none" w="med" len="med"/>
+                      <a:tailEnd type="none" w="med" len="med"/>
+                    </a:lnB>
+                    <a:solidFill>
+                      <a:schemeClr val="bg1"/>
+                    </a:solidFill>
+                  </a:tcPr>
+                </a:tc>
+                <a:tc>
+                  <a:txBody>
+                    <a:bodyPr/>
+                    <a:lstStyle/>
+                    <a:p>
+                      <a:endParaRPr kumimoji="1" lang="ja-JP" altLang="en-US"/>
+                    </a:p>
+                  </a:txBody>
+                  <a:tcPr>
+                    <a:lnL w="12700" cap="flat" cmpd="sng" algn="ctr">
+                      <a:solidFill>
+                        <a:schemeClr val="tx1"/>
+                      </a:solidFill>
+                      <a:prstDash val="solid"/>
+                      <a:round/>
+                      <a:headEnd type="none" w="med" len="med"/>
+                      <a:tailEnd type="none" w="med" len="med"/>
+                    </a:lnL>
+                    <a:lnR w="12700" cap="flat" cmpd="sng" algn="ctr">
+                      <a:solidFill>
+                        <a:schemeClr val="tx1"/>
+                      </a:solidFill>
+                      <a:prstDash val="solid"/>
+                      <a:round/>
+                      <a:headEnd type="none" w="med" len="med"/>
+                      <a:tailEnd type="none" w="med" len="med"/>
+                    </a:lnR>
+                    <a:lnT w="12700" cap="flat" cmpd="sng" algn="ctr">
+                      <a:solidFill>
+                        <a:schemeClr val="tx1"/>
+                      </a:solidFill>
+                      <a:prstDash val="solid"/>
+                      <a:round/>
+                      <a:headEnd type="none" w="med" len="med"/>
+                      <a:tailEnd type="none" w="med" len="med"/>
+                    </a:lnT>
+                    <a:lnB w="12700" cap="flat" cmpd="sng" algn="ctr">
+                      <a:solidFill>
+                        <a:schemeClr val="tx1"/>
+                      </a:solidFill>
+                      <a:prstDash val="solid"/>
+                      <a:round/>
+                      <a:headEnd type="none" w="med" len="med"/>
+                      <a:tailEnd type="none" w="med" len="med"/>
+                    </a:lnB>
+                    <a:solidFill>
+                      <a:schemeClr val="bg1"/>
+                    </a:solidFill>
+                  </a:tcPr>
+                </a:tc>
+                <a:extLst>
+                  <a:ext uri="{0D108BD9-81ED-4DB2-BD59-A6C34878D82A}">
+                    <a16:rowId xmlns:a16="http://schemas.microsoft.com/office/drawing/2014/main" val="3688764702"/>
+                  </a:ext>
+                </a:extLst>
+              </a:tr>
+              <a:tr h="511505">
+                <a:tc>
+                  <a:txBody>
+                    <a:bodyPr/>
+                    <a:lstStyle/>
+                    <a:p>
+                      <a:endParaRPr kumimoji="1" lang="ja-JP" altLang="en-US"/>
+                    </a:p>
+                  </a:txBody>
+                  <a:tcPr>
+                    <a:lnL w="12700" cap="flat" cmpd="sng" algn="ctr">
+                      <a:solidFill>
+                        <a:schemeClr val="tx1"/>
+                      </a:solidFill>
+                      <a:prstDash val="solid"/>
+                      <a:round/>
+                      <a:headEnd type="none" w="med" len="med"/>
+                      <a:tailEnd type="none" w="med" len="med"/>
+                    </a:lnL>
+                    <a:lnR w="12700" cap="flat" cmpd="sng" algn="ctr">
+                      <a:solidFill>
+                        <a:schemeClr val="tx1"/>
+                      </a:solidFill>
+                      <a:prstDash val="solid"/>
+                      <a:round/>
+                      <a:headEnd type="none" w="med" len="med"/>
+                      <a:tailEnd type="none" w="med" len="med"/>
+                    </a:lnR>
+                    <a:lnT w="12700" cap="flat" cmpd="sng" algn="ctr">
+                      <a:solidFill>
+                        <a:schemeClr val="tx1"/>
+                      </a:solidFill>
+                      <a:prstDash val="solid"/>
+                      <a:round/>
+                      <a:headEnd type="none" w="med" len="med"/>
+                      <a:tailEnd type="none" w="med" len="med"/>
+                    </a:lnT>
+                    <a:lnB w="12700" cap="flat" cmpd="sng" algn="ctr">
+                      <a:solidFill>
+                        <a:schemeClr val="tx1"/>
+                      </a:solidFill>
+                      <a:prstDash val="solid"/>
+                      <a:round/>
+                      <a:headEnd type="none" w="med" len="med"/>
+                      <a:tailEnd type="none" w="med" len="med"/>
+                    </a:lnB>
+                    <a:solidFill>
+                      <a:schemeClr val="bg1"/>
+                    </a:solidFill>
+                  </a:tcPr>
+                </a:tc>
+                <a:tc>
+                  <a:txBody>
+                    <a:bodyPr/>
+                    <a:lstStyle/>
+                    <a:p>
+                      <a:endParaRPr kumimoji="1" lang="ja-JP" altLang="en-US"/>
+                    </a:p>
+                  </a:txBody>
+                  <a:tcPr>
+                    <a:lnL w="12700" cap="flat" cmpd="sng" algn="ctr">
+                      <a:solidFill>
+                        <a:schemeClr val="tx1"/>
+                      </a:solidFill>
+                      <a:prstDash val="solid"/>
+                      <a:round/>
+                      <a:headEnd type="none" w="med" len="med"/>
+                      <a:tailEnd type="none" w="med" len="med"/>
+                    </a:lnL>
+                    <a:lnR w="12700" cap="flat" cmpd="sng" algn="ctr">
+                      <a:solidFill>
+                        <a:schemeClr val="tx1"/>
+                      </a:solidFill>
+                      <a:prstDash val="solid"/>
+                      <a:round/>
+                      <a:headEnd type="none" w="med" len="med"/>
+                      <a:tailEnd type="none" w="med" len="med"/>
+                    </a:lnR>
+                    <a:lnT w="12700" cap="flat" cmpd="sng" algn="ctr">
+                      <a:solidFill>
+                        <a:schemeClr val="tx1"/>
+                      </a:solidFill>
+                      <a:prstDash val="solid"/>
+                      <a:round/>
+                      <a:headEnd type="none" w="med" len="med"/>
+                      <a:tailEnd type="none" w="med" len="med"/>
+                    </a:lnT>
+                    <a:lnB w="12700" cap="flat" cmpd="sng" algn="ctr">
+                      <a:solidFill>
+                        <a:schemeClr val="tx1"/>
+                      </a:solidFill>
+                      <a:prstDash val="solid"/>
+                      <a:round/>
+                      <a:headEnd type="none" w="med" len="med"/>
+                      <a:tailEnd type="none" w="med" len="med"/>
+                    </a:lnB>
+                    <a:solidFill>
+                      <a:schemeClr val="bg1"/>
+                    </a:solidFill>
+                  </a:tcPr>
+                </a:tc>
+                <a:tc>
+                  <a:txBody>
+                    <a:bodyPr/>
+                    <a:lstStyle/>
+                    <a:p>
+                      <a:endParaRPr kumimoji="1" lang="ja-JP" altLang="en-US"/>
+                    </a:p>
+                  </a:txBody>
+                  <a:tcPr>
+                    <a:lnL w="12700" cap="flat" cmpd="sng" algn="ctr">
+                      <a:solidFill>
+                        <a:schemeClr val="tx1"/>
+                      </a:solidFill>
+                      <a:prstDash val="solid"/>
+                      <a:round/>
+                      <a:headEnd type="none" w="med" len="med"/>
+                      <a:tailEnd type="none" w="med" len="med"/>
+                    </a:lnL>
+                    <a:lnR w="12700" cap="flat" cmpd="sng" algn="ctr">
+                      <a:solidFill>
+                        <a:schemeClr val="tx1"/>
+                      </a:solidFill>
+                      <a:prstDash val="solid"/>
+                      <a:round/>
+                      <a:headEnd type="none" w="med" len="med"/>
+                      <a:tailEnd type="none" w="med" len="med"/>
+                    </a:lnR>
+                    <a:lnT w="12700" cap="flat" cmpd="sng" algn="ctr">
+                      <a:solidFill>
+                        <a:schemeClr val="tx1"/>
+                      </a:solidFill>
+                      <a:prstDash val="solid"/>
+                      <a:round/>
+                      <a:headEnd type="none" w="med" len="med"/>
+                      <a:tailEnd type="none" w="med" len="med"/>
+                    </a:lnT>
+                    <a:lnB w="12700" cap="flat" cmpd="sng" algn="ctr">
+                      <a:solidFill>
+                        <a:schemeClr val="tx1"/>
+                      </a:solidFill>
+                      <a:prstDash val="solid"/>
+                      <a:round/>
+                      <a:headEnd type="none" w="med" len="med"/>
+                      <a:tailEnd type="none" w="med" len="med"/>
+                    </a:lnB>
+                    <a:solidFill>
+                      <a:schemeClr val="bg1"/>
+                    </a:solidFill>
+                  </a:tcPr>
+                </a:tc>
+                <a:extLst>
+                  <a:ext uri="{0D108BD9-81ED-4DB2-BD59-A6C34878D82A}">
+                    <a16:rowId xmlns:a16="http://schemas.microsoft.com/office/drawing/2014/main" val="1514342851"/>
+                  </a:ext>
+                </a:extLst>
+              </a:tr>
+            </a:tbl>
+          </a:graphicData>
+        </a:graphic>
+      </p:graphicFrame>
+      <p:pic>
+        <p:nvPicPr>
+          <p:cNvPr id="30" name="図 29">
+            <a:extLst>
+              <a:ext uri="{FF2B5EF4-FFF2-40B4-BE49-F238E27FC236}">
+                <a16:creationId xmlns:a16="http://schemas.microsoft.com/office/drawing/2014/main" id="{DBE0B304-5400-E34D-B213-B790A87DC787}"/>
+              </a:ext>
+            </a:extLst>
+          </p:cNvPr>
+          <p:cNvPicPr>
+            <a:picLocks noChangeAspect="1"/>
+          </p:cNvPicPr>
+          <p:nvPr/>
+        </p:nvPicPr>
+        <p:blipFill>
+          <a:blip r:embed="rId3"/>
+          <a:stretch>
+            <a:fillRect/>
+          </a:stretch>
+        </p:blipFill>
+        <p:spPr>
+          <a:xfrm>
+            <a:off x="9853057" y="2844124"/>
+            <a:ext cx="672921" cy="487913"/>
+          </a:xfrm>
+          <a:prstGeom prst="rect">
+            <a:avLst/>
+          </a:prstGeom>
+        </p:spPr>
+      </p:pic>
+      <p:pic>
+        <p:nvPicPr>
+          <p:cNvPr id="33" name="図 32">
+            <a:extLst>
+              <a:ext uri="{FF2B5EF4-FFF2-40B4-BE49-F238E27FC236}">
+                <a16:creationId xmlns:a16="http://schemas.microsoft.com/office/drawing/2014/main" id="{B4B47701-9492-D141-A5A5-3B2CFDA8D6D7}"/>
+              </a:ext>
+            </a:extLst>
+          </p:cNvPr>
+          <p:cNvPicPr>
+            <a:picLocks noChangeAspect="1"/>
+          </p:cNvPicPr>
+          <p:nvPr/>
+        </p:nvPicPr>
+        <p:blipFill>
+          <a:blip r:embed="rId3"/>
+          <a:stretch>
+            <a:fillRect/>
+          </a:stretch>
+        </p:blipFill>
+        <p:spPr>
+          <a:xfrm>
+            <a:off x="10601404" y="2847742"/>
+            <a:ext cx="672921" cy="487913"/>
+          </a:xfrm>
+          <a:prstGeom prst="rect">
+            <a:avLst/>
+          </a:prstGeom>
+        </p:spPr>
+      </p:pic>
+      <p:pic>
+        <p:nvPicPr>
+          <p:cNvPr id="34" name="図 33">
+            <a:extLst>
+              <a:ext uri="{FF2B5EF4-FFF2-40B4-BE49-F238E27FC236}">
+                <a16:creationId xmlns:a16="http://schemas.microsoft.com/office/drawing/2014/main" id="{D25228E4-4B98-7C42-89C4-196EF18DA40D}"/>
+              </a:ext>
+            </a:extLst>
+          </p:cNvPr>
+          <p:cNvPicPr>
+            <a:picLocks noChangeAspect="1"/>
+          </p:cNvPicPr>
+          <p:nvPr/>
+        </p:nvPicPr>
+        <p:blipFill>
+          <a:blip r:embed="rId3"/>
+          <a:stretch>
+            <a:fillRect/>
+          </a:stretch>
+        </p:blipFill>
+        <p:spPr>
+          <a:xfrm>
+            <a:off x="7473129" y="2856743"/>
+            <a:ext cx="672921" cy="487913"/>
+          </a:xfrm>
+          <a:prstGeom prst="rect">
+            <a:avLst/>
+          </a:prstGeom>
+        </p:spPr>
+      </p:pic>
+      <p:pic>
+        <p:nvPicPr>
+          <p:cNvPr id="35" name="図 34">
+            <a:extLst>
+              <a:ext uri="{FF2B5EF4-FFF2-40B4-BE49-F238E27FC236}">
+                <a16:creationId xmlns:a16="http://schemas.microsoft.com/office/drawing/2014/main" id="{63C6B958-48FE-2C47-942D-4B54F5BCE2E6}"/>
+              </a:ext>
+            </a:extLst>
+          </p:cNvPr>
+          <p:cNvPicPr>
+            <a:picLocks noChangeAspect="1"/>
+          </p:cNvPicPr>
+          <p:nvPr/>
+        </p:nvPicPr>
+        <p:blipFill>
+          <a:blip r:embed="rId3"/>
+          <a:stretch>
+            <a:fillRect/>
+          </a:stretch>
+        </p:blipFill>
+        <p:spPr>
+          <a:xfrm>
+            <a:off x="6762351" y="2856744"/>
+            <a:ext cx="672921" cy="487913"/>
+          </a:xfrm>
+          <a:prstGeom prst="rect">
+            <a:avLst/>
+          </a:prstGeom>
+        </p:spPr>
+      </p:pic>
+      <p:pic>
+        <p:nvPicPr>
+          <p:cNvPr id="36" name="図 35">
+            <a:extLst>
+              <a:ext uri="{FF2B5EF4-FFF2-40B4-BE49-F238E27FC236}">
+                <a16:creationId xmlns:a16="http://schemas.microsoft.com/office/drawing/2014/main" id="{135EAE9E-73DD-8441-B9D8-3C4338231BCB}"/>
+              </a:ext>
+            </a:extLst>
+          </p:cNvPr>
+          <p:cNvPicPr>
+            <a:picLocks noChangeAspect="1"/>
+          </p:cNvPicPr>
+          <p:nvPr/>
+        </p:nvPicPr>
+        <p:blipFill>
+          <a:blip r:embed="rId3"/>
+          <a:stretch>
+            <a:fillRect/>
+          </a:stretch>
+        </p:blipFill>
+        <p:spPr>
+          <a:xfrm>
+            <a:off x="8340245" y="2856744"/>
+            <a:ext cx="672921" cy="487913"/>
+          </a:xfrm>
+          <a:prstGeom prst="rect">
+            <a:avLst/>
+          </a:prstGeom>
+        </p:spPr>
+      </p:pic>
+      <p:pic>
+        <p:nvPicPr>
+          <p:cNvPr id="37" name="図 36">
+            <a:extLst>
+              <a:ext uri="{FF2B5EF4-FFF2-40B4-BE49-F238E27FC236}">
+                <a16:creationId xmlns:a16="http://schemas.microsoft.com/office/drawing/2014/main" id="{892916AA-3A55-C04E-8D83-153ED2787DC2}"/>
+              </a:ext>
+            </a:extLst>
+          </p:cNvPr>
+          <p:cNvPicPr>
+            <a:picLocks noChangeAspect="1"/>
+          </p:cNvPicPr>
+          <p:nvPr/>
+        </p:nvPicPr>
+        <p:blipFill>
+          <a:blip r:embed="rId3"/>
+          <a:stretch>
+            <a:fillRect/>
+          </a:stretch>
+        </p:blipFill>
+        <p:spPr>
+          <a:xfrm>
+            <a:off x="9068823" y="2856745"/>
+            <a:ext cx="672921" cy="487913"/>
+          </a:xfrm>
+          <a:prstGeom prst="rect">
+            <a:avLst/>
+          </a:prstGeom>
+        </p:spPr>
+      </p:pic>
+      <p:pic>
+        <p:nvPicPr>
+          <p:cNvPr id="38" name="図 37">
+            <a:extLst>
+              <a:ext uri="{FF2B5EF4-FFF2-40B4-BE49-F238E27FC236}">
+                <a16:creationId xmlns:a16="http://schemas.microsoft.com/office/drawing/2014/main" id="{C54AF915-5543-474E-8DD8-5BC6ABB81351}"/>
+              </a:ext>
+            </a:extLst>
+          </p:cNvPr>
+          <p:cNvPicPr>
+            <a:picLocks noChangeAspect="1"/>
+          </p:cNvPicPr>
+          <p:nvPr/>
+        </p:nvPicPr>
+        <p:blipFill>
+          <a:blip r:embed="rId4"/>
+          <a:stretch>
+            <a:fillRect/>
+          </a:stretch>
+        </p:blipFill>
+        <p:spPr>
+          <a:xfrm>
+            <a:off x="6772127" y="3543987"/>
+            <a:ext cx="416618" cy="302076"/>
+          </a:xfrm>
+          <a:prstGeom prst="rect">
+            <a:avLst/>
+          </a:prstGeom>
+        </p:spPr>
+      </p:pic>
+      <p:pic>
+        <p:nvPicPr>
+          <p:cNvPr id="39" name="図 38">
+            <a:extLst>
+              <a:ext uri="{FF2B5EF4-FFF2-40B4-BE49-F238E27FC236}">
+                <a16:creationId xmlns:a16="http://schemas.microsoft.com/office/drawing/2014/main" id="{5207AEE1-B87C-054A-AE11-FDE715A6315B}"/>
+              </a:ext>
+            </a:extLst>
+          </p:cNvPr>
+          <p:cNvPicPr>
+            <a:picLocks noChangeAspect="1"/>
+          </p:cNvPicPr>
+          <p:nvPr/>
+        </p:nvPicPr>
+        <p:blipFill>
+          <a:blip r:embed="rId4"/>
+          <a:stretch>
+            <a:fillRect/>
+          </a:stretch>
+        </p:blipFill>
+        <p:spPr>
+          <a:xfrm>
+            <a:off x="7285270" y="3550460"/>
+            <a:ext cx="416618" cy="302076"/>
+          </a:xfrm>
+          <a:prstGeom prst="rect">
+            <a:avLst/>
+          </a:prstGeom>
+        </p:spPr>
+      </p:pic>
+      <p:pic>
+        <p:nvPicPr>
+          <p:cNvPr id="40" name="図 39">
+            <a:extLst>
+              <a:ext uri="{FF2B5EF4-FFF2-40B4-BE49-F238E27FC236}">
+                <a16:creationId xmlns:a16="http://schemas.microsoft.com/office/drawing/2014/main" id="{611943A8-1753-AB44-B9C3-D62D5B618BE7}"/>
+              </a:ext>
+            </a:extLst>
+          </p:cNvPr>
+          <p:cNvPicPr>
+            <a:picLocks noChangeAspect="1"/>
+          </p:cNvPicPr>
+          <p:nvPr/>
+        </p:nvPicPr>
+        <p:blipFill>
+          <a:blip r:embed="rId4"/>
+          <a:stretch>
+            <a:fillRect/>
+          </a:stretch>
+        </p:blipFill>
+        <p:spPr>
+          <a:xfrm>
+            <a:off x="7770355" y="3539765"/>
+            <a:ext cx="416618" cy="302076"/>
+          </a:xfrm>
+          <a:prstGeom prst="rect">
+            <a:avLst/>
+          </a:prstGeom>
+        </p:spPr>
+      </p:pic>
+      <p:pic>
+        <p:nvPicPr>
+          <p:cNvPr id="41" name="図 40">
+            <a:extLst>
+              <a:ext uri="{FF2B5EF4-FFF2-40B4-BE49-F238E27FC236}">
+                <a16:creationId xmlns:a16="http://schemas.microsoft.com/office/drawing/2014/main" id="{FEA0DF73-6685-144C-9CCA-47BC68E7923E}"/>
+              </a:ext>
+            </a:extLst>
+          </p:cNvPr>
+          <p:cNvPicPr>
+            <a:picLocks noChangeAspect="1"/>
+          </p:cNvPicPr>
+          <p:nvPr/>
+        </p:nvPicPr>
+        <p:blipFill>
+          <a:blip r:embed="rId4"/>
+          <a:stretch>
+            <a:fillRect/>
+          </a:stretch>
+        </p:blipFill>
+        <p:spPr>
+          <a:xfrm>
+            <a:off x="8244505" y="3544867"/>
+            <a:ext cx="416618" cy="302076"/>
+          </a:xfrm>
+          <a:prstGeom prst="rect">
+            <a:avLst/>
+          </a:prstGeom>
+        </p:spPr>
+      </p:pic>
+      <p:pic>
+        <p:nvPicPr>
+          <p:cNvPr id="42" name="図 41">
+            <a:extLst>
+              <a:ext uri="{FF2B5EF4-FFF2-40B4-BE49-F238E27FC236}">
+                <a16:creationId xmlns:a16="http://schemas.microsoft.com/office/drawing/2014/main" id="{F2689015-F72A-7447-AA88-80BC3DFFEAFF}"/>
+              </a:ext>
+            </a:extLst>
+          </p:cNvPr>
+          <p:cNvPicPr>
+            <a:picLocks noChangeAspect="1"/>
+          </p:cNvPicPr>
+          <p:nvPr/>
+        </p:nvPicPr>
+        <p:blipFill>
+          <a:blip r:embed="rId4"/>
+          <a:stretch>
+            <a:fillRect/>
+          </a:stretch>
+        </p:blipFill>
+        <p:spPr>
+          <a:xfrm>
+            <a:off x="8624195" y="3544867"/>
+            <a:ext cx="416618" cy="302076"/>
+          </a:xfrm>
+          <a:prstGeom prst="rect">
+            <a:avLst/>
+          </a:prstGeom>
+        </p:spPr>
+      </p:pic>
+      <p:pic>
+        <p:nvPicPr>
+          <p:cNvPr id="43" name="図 42">
+            <a:extLst>
+              <a:ext uri="{FF2B5EF4-FFF2-40B4-BE49-F238E27FC236}">
+                <a16:creationId xmlns:a16="http://schemas.microsoft.com/office/drawing/2014/main" id="{249F4782-91D6-484F-A72E-1E4230D93CDB}"/>
+              </a:ext>
+            </a:extLst>
+          </p:cNvPr>
+          <p:cNvPicPr>
+            <a:picLocks noChangeAspect="1"/>
+          </p:cNvPicPr>
+          <p:nvPr/>
+        </p:nvPicPr>
+        <p:blipFill>
+          <a:blip r:embed="rId4"/>
+          <a:stretch>
+            <a:fillRect/>
+          </a:stretch>
+        </p:blipFill>
+        <p:spPr>
+          <a:xfrm>
+            <a:off x="9415764" y="3539765"/>
+            <a:ext cx="416618" cy="302076"/>
+          </a:xfrm>
+          <a:prstGeom prst="rect">
+            <a:avLst/>
+          </a:prstGeom>
+        </p:spPr>
+      </p:pic>
+      <p:pic>
+        <p:nvPicPr>
+          <p:cNvPr id="44" name="図 43">
+            <a:extLst>
+              <a:ext uri="{FF2B5EF4-FFF2-40B4-BE49-F238E27FC236}">
+                <a16:creationId xmlns:a16="http://schemas.microsoft.com/office/drawing/2014/main" id="{AF3F2696-F566-FB40-92B0-96BEF99D156F}"/>
+              </a:ext>
+            </a:extLst>
+          </p:cNvPr>
+          <p:cNvPicPr>
+            <a:picLocks noChangeAspect="1"/>
+          </p:cNvPicPr>
+          <p:nvPr/>
+        </p:nvPicPr>
+        <p:blipFill>
+          <a:blip r:embed="rId4"/>
+          <a:stretch>
+            <a:fillRect/>
+          </a:stretch>
+        </p:blipFill>
+        <p:spPr>
+          <a:xfrm>
+            <a:off x="9916412" y="3552452"/>
+            <a:ext cx="416618" cy="302076"/>
+          </a:xfrm>
+          <a:prstGeom prst="rect">
+            <a:avLst/>
+          </a:prstGeom>
+        </p:spPr>
+      </p:pic>
+      <p:pic>
+        <p:nvPicPr>
+          <p:cNvPr id="45" name="図 44">
+            <a:extLst>
+              <a:ext uri="{FF2B5EF4-FFF2-40B4-BE49-F238E27FC236}">
+                <a16:creationId xmlns:a16="http://schemas.microsoft.com/office/drawing/2014/main" id="{288F1187-A6F3-2047-92EC-81F5E5578A76}"/>
+              </a:ext>
+            </a:extLst>
+          </p:cNvPr>
+          <p:cNvPicPr>
+            <a:picLocks noChangeAspect="1"/>
+          </p:cNvPicPr>
+          <p:nvPr/>
+        </p:nvPicPr>
+        <p:blipFill>
+          <a:blip r:embed="rId4"/>
+          <a:stretch>
+            <a:fillRect/>
+          </a:stretch>
+        </p:blipFill>
+        <p:spPr>
+          <a:xfrm>
+            <a:off x="10393095" y="3543987"/>
+            <a:ext cx="416618" cy="302076"/>
+          </a:xfrm>
+          <a:prstGeom prst="rect">
+            <a:avLst/>
+          </a:prstGeom>
+        </p:spPr>
+      </p:pic>
+      <p:pic>
+        <p:nvPicPr>
+          <p:cNvPr id="46" name="図 45">
+            <a:extLst>
+              <a:ext uri="{FF2B5EF4-FFF2-40B4-BE49-F238E27FC236}">
+                <a16:creationId xmlns:a16="http://schemas.microsoft.com/office/drawing/2014/main" id="{58E0CC99-3111-2C47-9A35-84C60D74E3BB}"/>
+              </a:ext>
+            </a:extLst>
+          </p:cNvPr>
+          <p:cNvPicPr>
+            <a:picLocks noChangeAspect="1"/>
+          </p:cNvPicPr>
+          <p:nvPr/>
+        </p:nvPicPr>
+        <p:blipFill>
+          <a:blip r:embed="rId4"/>
+          <a:stretch>
+            <a:fillRect/>
+          </a:stretch>
+        </p:blipFill>
+        <p:spPr>
+          <a:xfrm>
+            <a:off x="10892009" y="3534531"/>
+            <a:ext cx="416618" cy="302076"/>
+          </a:xfrm>
+          <a:prstGeom prst="rect">
+            <a:avLst/>
+          </a:prstGeom>
+        </p:spPr>
+      </p:pic>
+      <p:pic>
+        <p:nvPicPr>
+          <p:cNvPr id="47" name="図 46">
+            <a:extLst>
+              <a:ext uri="{FF2B5EF4-FFF2-40B4-BE49-F238E27FC236}">
+                <a16:creationId xmlns:a16="http://schemas.microsoft.com/office/drawing/2014/main" id="{A4CC9303-A67B-6C4F-BDEB-C8A6DE4CAD3D}"/>
+              </a:ext>
+            </a:extLst>
+          </p:cNvPr>
+          <p:cNvPicPr>
+            <a:picLocks noChangeAspect="1"/>
+          </p:cNvPicPr>
+          <p:nvPr/>
+        </p:nvPicPr>
+        <p:blipFill>
+          <a:blip r:embed="rId4"/>
+          <a:stretch>
+            <a:fillRect/>
+          </a:stretch>
+        </p:blipFill>
+        <p:spPr>
+          <a:xfrm>
+            <a:off x="9017245" y="3543987"/>
+            <a:ext cx="416618" cy="302076"/>
+          </a:xfrm>
+          <a:prstGeom prst="rect">
+            <a:avLst/>
+          </a:prstGeom>
+        </p:spPr>
+      </p:pic>
+      <p:pic>
+        <p:nvPicPr>
+          <p:cNvPr id="48" name="図 47">
+            <a:extLst>
+              <a:ext uri="{FF2B5EF4-FFF2-40B4-BE49-F238E27FC236}">
+                <a16:creationId xmlns:a16="http://schemas.microsoft.com/office/drawing/2014/main" id="{982299D1-A7CF-1642-BD1A-D1EE675A9EA2}"/>
+              </a:ext>
+            </a:extLst>
+          </p:cNvPr>
+          <p:cNvPicPr>
+            <a:picLocks noChangeAspect="1"/>
+          </p:cNvPicPr>
+          <p:nvPr/>
+        </p:nvPicPr>
+        <p:blipFill>
+          <a:blip r:embed="rId5"/>
+          <a:stretch>
+            <a:fillRect/>
+          </a:stretch>
+        </p:blipFill>
+        <p:spPr>
+          <a:xfrm>
+            <a:off x="6755326" y="3885155"/>
+            <a:ext cx="686133" cy="497492"/>
+          </a:xfrm>
+          <a:prstGeom prst="rect">
+            <a:avLst/>
+          </a:prstGeom>
+        </p:spPr>
+      </p:pic>
+      <p:pic>
+        <p:nvPicPr>
+          <p:cNvPr id="49" name="図 48">
+            <a:extLst>
+              <a:ext uri="{FF2B5EF4-FFF2-40B4-BE49-F238E27FC236}">
+                <a16:creationId xmlns:a16="http://schemas.microsoft.com/office/drawing/2014/main" id="{BA87A037-FD7A-1845-B0ED-4354A0DF26BC}"/>
+              </a:ext>
+            </a:extLst>
+          </p:cNvPr>
+          <p:cNvPicPr>
+            <a:picLocks noChangeAspect="1"/>
+          </p:cNvPicPr>
+          <p:nvPr/>
+        </p:nvPicPr>
+        <p:blipFill>
+          <a:blip r:embed="rId5"/>
+          <a:stretch>
+            <a:fillRect/>
+          </a:stretch>
+        </p:blipFill>
+        <p:spPr>
+          <a:xfrm>
+            <a:off x="7466522" y="3879133"/>
+            <a:ext cx="686133" cy="497492"/>
+          </a:xfrm>
+          <a:prstGeom prst="rect">
+            <a:avLst/>
+          </a:prstGeom>
+        </p:spPr>
+      </p:pic>
+      <p:pic>
+        <p:nvPicPr>
+          <p:cNvPr id="50" name="図 49">
+            <a:extLst>
+              <a:ext uri="{FF2B5EF4-FFF2-40B4-BE49-F238E27FC236}">
+                <a16:creationId xmlns:a16="http://schemas.microsoft.com/office/drawing/2014/main" id="{62036347-0430-A845-9F51-7E0DFDC185D5}"/>
+              </a:ext>
+            </a:extLst>
+          </p:cNvPr>
+          <p:cNvPicPr>
+            <a:picLocks noChangeAspect="1"/>
+          </p:cNvPicPr>
+          <p:nvPr/>
+        </p:nvPicPr>
+        <p:blipFill>
+          <a:blip r:embed="rId5"/>
+          <a:stretch>
+            <a:fillRect/>
+          </a:stretch>
+        </p:blipFill>
+        <p:spPr>
+          <a:xfrm>
+            <a:off x="9017682" y="3885155"/>
+            <a:ext cx="686133" cy="497492"/>
+          </a:xfrm>
+          <a:prstGeom prst="rect">
+            <a:avLst/>
+          </a:prstGeom>
+        </p:spPr>
+      </p:pic>
+      <p:pic>
+        <p:nvPicPr>
+          <p:cNvPr id="51" name="図 50">
+            <a:extLst>
+              <a:ext uri="{FF2B5EF4-FFF2-40B4-BE49-F238E27FC236}">
+                <a16:creationId xmlns:a16="http://schemas.microsoft.com/office/drawing/2014/main" id="{A42D191C-DE75-F246-B18A-18CA2325861E}"/>
+              </a:ext>
+            </a:extLst>
+          </p:cNvPr>
+          <p:cNvPicPr>
+            <a:picLocks noChangeAspect="1"/>
+          </p:cNvPicPr>
+          <p:nvPr/>
+        </p:nvPicPr>
+        <p:blipFill>
+          <a:blip r:embed="rId5"/>
+          <a:stretch>
+            <a:fillRect/>
+          </a:stretch>
+        </p:blipFill>
+        <p:spPr>
+          <a:xfrm>
+            <a:off x="8287561" y="3867336"/>
+            <a:ext cx="686133" cy="497492"/>
+          </a:xfrm>
+          <a:prstGeom prst="rect">
+            <a:avLst/>
+          </a:prstGeom>
+        </p:spPr>
+      </p:pic>
+      <p:pic>
+        <p:nvPicPr>
+          <p:cNvPr id="52" name="図 51">
+            <a:extLst>
+              <a:ext uri="{FF2B5EF4-FFF2-40B4-BE49-F238E27FC236}">
+                <a16:creationId xmlns:a16="http://schemas.microsoft.com/office/drawing/2014/main" id="{A2CF6A4F-FCA5-C144-BAE0-70017F0EBFDD}"/>
+              </a:ext>
+            </a:extLst>
+          </p:cNvPr>
+          <p:cNvPicPr>
+            <a:picLocks noChangeAspect="1"/>
+          </p:cNvPicPr>
+          <p:nvPr/>
+        </p:nvPicPr>
+        <p:blipFill>
+          <a:blip r:embed="rId5"/>
+          <a:stretch>
+            <a:fillRect/>
+          </a:stretch>
+        </p:blipFill>
+        <p:spPr>
+          <a:xfrm>
+            <a:off x="9908667" y="3879133"/>
+            <a:ext cx="686133" cy="497492"/>
+          </a:xfrm>
+          <a:prstGeom prst="rect">
+            <a:avLst/>
+          </a:prstGeom>
+        </p:spPr>
+      </p:pic>
+      <p:pic>
+        <p:nvPicPr>
+          <p:cNvPr id="53" name="図 52">
+            <a:extLst>
+              <a:ext uri="{FF2B5EF4-FFF2-40B4-BE49-F238E27FC236}">
+                <a16:creationId xmlns:a16="http://schemas.microsoft.com/office/drawing/2014/main" id="{6ABE03EB-4325-7C46-A7D5-D5CC6E706E84}"/>
+              </a:ext>
+            </a:extLst>
+          </p:cNvPr>
+          <p:cNvPicPr>
+            <a:picLocks noChangeAspect="1"/>
+          </p:cNvPicPr>
+          <p:nvPr/>
+        </p:nvPicPr>
+        <p:blipFill>
+          <a:blip r:embed="rId5"/>
+          <a:stretch>
+            <a:fillRect/>
+          </a:stretch>
+        </p:blipFill>
+        <p:spPr>
+          <a:xfrm>
+            <a:off x="10619863" y="3871837"/>
+            <a:ext cx="686133" cy="497492"/>
+          </a:xfrm>
+          <a:prstGeom prst="rect">
+            <a:avLst/>
+          </a:prstGeom>
+        </p:spPr>
+      </p:pic>
+    </p:spTree>
+    <p:extLst>
+      <p:ext uri="{BB962C8B-B14F-4D97-AF65-F5344CB8AC3E}">
+        <p14:creationId xmlns:p14="http://schemas.microsoft.com/office/powerpoint/2010/main" val="2828691759"/>
+      </p:ext>
+    </p:extLst>
+  </p:cSld>
+  <p:clrMapOvr>
+    <a:masterClrMapping/>
+  </p:clrMapOvr>
+</p:sld>
+</file>
+
+<file path=ppt/slides/slide4.xml><?xml version="1.0" encoding="utf-8"?>
+<p:sld xmlns:a="http://schemas.openxmlformats.org/drawingml/2006/main" xmlns:r="http://schemas.openxmlformats.org/officeDocument/2006/relationships" xmlns:p="http://schemas.openxmlformats.org/presentationml/2006/main">
+  <p:cSld>
+    <p:spTree>
+      <p:nvGrpSpPr>
+        <p:cNvPr id="1" name=""/>
+        <p:cNvGrpSpPr/>
+        <p:nvPr/>
+      </p:nvGrpSpPr>
+      <p:grpSpPr>
+        <a:xfrm>
+          <a:off x="0" y="0"/>
+          <a:ext cx="0" cy="0"/>
+          <a:chOff x="0" y="0"/>
+          <a:chExt cx="0" cy="0"/>
+        </a:xfrm>
+      </p:grpSpPr>
+      <p:sp>
+        <p:nvSpPr>
+          <p:cNvPr id="4" name="ホームベース 3">
+            <a:extLst>
+              <a:ext uri="{FF2B5EF4-FFF2-40B4-BE49-F238E27FC236}">
+                <a16:creationId xmlns:a16="http://schemas.microsoft.com/office/drawing/2014/main" id="{68ACCAF3-F699-0C43-A2B1-B36CF1CA148B}"/>
+              </a:ext>
+            </a:extLst>
+          </p:cNvPr>
+          <p:cNvSpPr/>
+          <p:nvPr/>
+        </p:nvSpPr>
+        <p:spPr>
+          <a:xfrm>
+            <a:off x="8644154" y="2147282"/>
+            <a:ext cx="2396691" cy="1281718"/>
+          </a:xfrm>
+          <a:prstGeom prst="homePlate">
+            <a:avLst/>
+          </a:prstGeom>
+          <a:noFill/>
+          <a:ln>
+            <a:solidFill>
+              <a:schemeClr val="tx1"/>
+            </a:solidFill>
+          </a:ln>
+        </p:spPr>
+        <p:style>
+          <a:lnRef idx="2">
+            <a:schemeClr val="accent1">
+              <a:shade val="50000"/>
+            </a:schemeClr>
+          </a:lnRef>
+          <a:fillRef idx="1">
+            <a:schemeClr val="accent1"/>
+          </a:fillRef>
+          <a:effectRef idx="0">
+            <a:schemeClr val="accent1"/>
+          </a:effectRef>
+          <a:fontRef idx="minor">
+            <a:schemeClr val="lt1"/>
+          </a:fontRef>
+        </p:style>
+        <p:txBody>
+          <a:bodyPr rtlCol="0" anchor="ctr"/>
+          <a:lstStyle/>
+          <a:p>
+            <a:pPr algn="ctr"/>
+            <a:endParaRPr kumimoji="1" lang="ja-JP" altLang="en-US"/>
+          </a:p>
+        </p:txBody>
+      </p:sp>
+      <p:graphicFrame>
+        <p:nvGraphicFramePr>
+          <p:cNvPr id="5" name="表 11">
+            <a:extLst>
+              <a:ext uri="{FF2B5EF4-FFF2-40B4-BE49-F238E27FC236}">
+                <a16:creationId xmlns:a16="http://schemas.microsoft.com/office/drawing/2014/main" id="{5D457B9F-113E-AC4E-93E9-D5C0247C2DDF}"/>
+              </a:ext>
+            </a:extLst>
+          </p:cNvPr>
+          <p:cNvGraphicFramePr>
+            <a:graphicFrameLocks noGrp="1"/>
+          </p:cNvGraphicFramePr>
+          <p:nvPr>
+            <p:extLst>
+              <p:ext uri="{D42A27DB-BD31-4B8C-83A1-F6EECF244321}">
+                <p14:modId xmlns:p14="http://schemas.microsoft.com/office/powerpoint/2010/main" val="4022131278"/>
+              </p:ext>
+            </p:extLst>
+          </p:nvPr>
+        </p:nvGraphicFramePr>
+        <p:xfrm>
+          <a:off x="6718701" y="2788141"/>
+          <a:ext cx="4644316" cy="1534515"/>
+        </p:xfrm>
+        <a:graphic>
+          <a:graphicData uri="http://schemas.openxmlformats.org/drawingml/2006/table">
+            <a:tbl>
+              <a:tblPr firstRow="1" bandRow="1">
+                <a:tableStyleId>{5C22544A-7EE6-4342-B048-85BDC9FD1C3A}</a:tableStyleId>
+              </a:tblPr>
+              <a:tblGrid>
+                <a:gridCol w="1161079">
+                  <a:extLst>
+                    <a:ext uri="{9D8B030D-6E8A-4147-A177-3AD203B41FA5}">
+                      <a16:colId xmlns:a16="http://schemas.microsoft.com/office/drawing/2014/main" val="415769867"/>
+                    </a:ext>
+                  </a:extLst>
+                </a:gridCol>
+                <a:gridCol w="1161079">
+                  <a:extLst>
+                    <a:ext uri="{9D8B030D-6E8A-4147-A177-3AD203B41FA5}">
+                      <a16:colId xmlns:a16="http://schemas.microsoft.com/office/drawing/2014/main" val="1120760323"/>
+                    </a:ext>
+                  </a:extLst>
+                </a:gridCol>
+                <a:gridCol w="1161079">
+                  <a:extLst>
+                    <a:ext uri="{9D8B030D-6E8A-4147-A177-3AD203B41FA5}">
+                      <a16:colId xmlns:a16="http://schemas.microsoft.com/office/drawing/2014/main" val="1830531746"/>
+                    </a:ext>
+                  </a:extLst>
+                </a:gridCol>
+                <a:gridCol w="1161079">
+                  <a:extLst>
+                    <a:ext uri="{9D8B030D-6E8A-4147-A177-3AD203B41FA5}">
+                      <a16:colId xmlns:a16="http://schemas.microsoft.com/office/drawing/2014/main" val="3898694262"/>
+                    </a:ext>
+                  </a:extLst>
+                </a:gridCol>
+              </a:tblGrid>
+              <a:tr h="511505">
+                <a:tc>
+                  <a:txBody>
+                    <a:bodyPr/>
+                    <a:lstStyle/>
+                    <a:p>
+                      <a:endParaRPr kumimoji="1" lang="ja-JP" altLang="en-US"/>
+                    </a:p>
+                  </a:txBody>
+                  <a:tcPr>
+                    <a:lnL w="12700" cap="flat" cmpd="sng" algn="ctr">
+                      <a:solidFill>
+                        <a:schemeClr val="tx1"/>
+                      </a:solidFill>
+                      <a:prstDash val="solid"/>
+                      <a:round/>
+                      <a:headEnd type="none" w="med" len="med"/>
+                      <a:tailEnd type="none" w="med" len="med"/>
+                    </a:lnL>
+                    <a:lnR w="12700" cap="flat" cmpd="sng" algn="ctr">
+                      <a:solidFill>
+                        <a:schemeClr val="tx1"/>
+                      </a:solidFill>
+                      <a:prstDash val="solid"/>
+                      <a:round/>
+                      <a:headEnd type="none" w="med" len="med"/>
+                      <a:tailEnd type="none" w="med" len="med"/>
+                    </a:lnR>
+                    <a:lnT w="12700" cap="flat" cmpd="sng" algn="ctr">
+                      <a:solidFill>
+                        <a:schemeClr val="tx1"/>
+                      </a:solidFill>
+                      <a:prstDash val="solid"/>
+                      <a:round/>
+                      <a:headEnd type="none" w="med" len="med"/>
+                      <a:tailEnd type="none" w="med" len="med"/>
+                    </a:lnT>
+                    <a:lnB w="12700" cap="flat" cmpd="sng" algn="ctr">
+                      <a:solidFill>
+                        <a:schemeClr val="tx1"/>
+                      </a:solidFill>
+                      <a:prstDash val="solid"/>
+                      <a:round/>
+                      <a:headEnd type="none" w="med" len="med"/>
+                      <a:tailEnd type="none" w="med" len="med"/>
+                    </a:lnB>
+                    <a:lnTlToBr w="12700" cmpd="sng">
+                      <a:noFill/>
+                      <a:prstDash val="solid"/>
+                    </a:lnTlToBr>
+                    <a:lnBlToTr w="12700" cmpd="sng">
+                      <a:noFill/>
+                      <a:prstDash val="solid"/>
+                    </a:lnBlToTr>
+                    <a:noFill/>
+                  </a:tcPr>
+                </a:tc>
+                <a:tc>
+                  <a:txBody>
+                    <a:bodyPr/>
+                    <a:lstStyle/>
+                    <a:p>
+                      <a:endParaRPr kumimoji="1" lang="ja-JP" altLang="en-US"/>
+                    </a:p>
+                  </a:txBody>
+                  <a:tcPr>
+                    <a:lnL w="12700" cap="flat" cmpd="sng" algn="ctr">
+                      <a:solidFill>
+                        <a:schemeClr val="tx1"/>
+                      </a:solidFill>
+                      <a:prstDash val="solid"/>
+                      <a:round/>
+                      <a:headEnd type="none" w="med" len="med"/>
+                      <a:tailEnd type="none" w="med" len="med"/>
+                    </a:lnL>
+                    <a:lnR w="12700" cap="flat" cmpd="sng" algn="ctr">
+                      <a:solidFill>
+                        <a:schemeClr val="tx1"/>
+                      </a:solidFill>
+                      <a:prstDash val="solid"/>
+                      <a:round/>
+                      <a:headEnd type="none" w="med" len="med"/>
+                      <a:tailEnd type="none" w="med" len="med"/>
+                    </a:lnR>
+                    <a:lnT w="12700" cap="flat" cmpd="sng" algn="ctr">
+                      <a:solidFill>
+                        <a:schemeClr val="tx1"/>
+                      </a:solidFill>
+                      <a:prstDash val="solid"/>
+                      <a:round/>
+                      <a:headEnd type="none" w="med" len="med"/>
+                      <a:tailEnd type="none" w="med" len="med"/>
+                    </a:lnT>
+                    <a:lnB w="12700" cap="flat" cmpd="sng" algn="ctr">
+                      <a:solidFill>
+                        <a:schemeClr val="tx1"/>
+                      </a:solidFill>
+                      <a:prstDash val="solid"/>
+                      <a:round/>
+                      <a:headEnd type="none" w="med" len="med"/>
+                      <a:tailEnd type="none" w="med" len="med"/>
+                    </a:lnB>
+                    <a:lnTlToBr w="12700" cmpd="sng">
+                      <a:noFill/>
+                      <a:prstDash val="solid"/>
+                    </a:lnTlToBr>
+                    <a:lnBlToTr w="12700" cmpd="sng">
+                      <a:noFill/>
+                      <a:prstDash val="solid"/>
+                    </a:lnBlToTr>
+                    <a:solidFill>
+                      <a:schemeClr val="bg1"/>
+                    </a:solidFill>
+                  </a:tcPr>
+                </a:tc>
+                <a:tc>
+                  <a:txBody>
+                    <a:bodyPr/>
+                    <a:lstStyle/>
+                    <a:p>
+                      <a:endParaRPr kumimoji="1" lang="ja-JP" altLang="en-US"/>
+                    </a:p>
+                  </a:txBody>
+                  <a:tcPr>
+                    <a:lnL w="12700" cap="flat" cmpd="sng" algn="ctr">
+                      <a:solidFill>
+                        <a:schemeClr val="tx1"/>
+                      </a:solidFill>
+                      <a:prstDash val="solid"/>
+                      <a:round/>
+                      <a:headEnd type="none" w="med" len="med"/>
+                      <a:tailEnd type="none" w="med" len="med"/>
+                    </a:lnL>
+                    <a:lnR w="12700" cap="flat" cmpd="sng" algn="ctr">
+                      <a:solidFill>
+                        <a:schemeClr val="tx1"/>
+                      </a:solidFill>
+                      <a:prstDash val="solid"/>
+                      <a:round/>
+                      <a:headEnd type="none" w="med" len="med"/>
+                      <a:tailEnd type="none" w="med" len="med"/>
+                    </a:lnR>
+                    <a:lnT w="12700" cap="flat" cmpd="sng" algn="ctr">
+                      <a:solidFill>
+                        <a:schemeClr val="tx1"/>
+                      </a:solidFill>
+                      <a:prstDash val="solid"/>
+                      <a:round/>
+                      <a:headEnd type="none" w="med" len="med"/>
+                      <a:tailEnd type="none" w="med" len="med"/>
+                    </a:lnT>
+                    <a:lnB w="12700" cap="flat" cmpd="sng" algn="ctr">
+                      <a:solidFill>
+                        <a:schemeClr val="tx1"/>
+                      </a:solidFill>
+                      <a:prstDash val="solid"/>
+                      <a:round/>
+                      <a:headEnd type="none" w="med" len="med"/>
+                      <a:tailEnd type="none" w="med" len="med"/>
+                    </a:lnB>
+                    <a:lnTlToBr w="12700" cmpd="sng">
+                      <a:noFill/>
+                      <a:prstDash val="solid"/>
+                    </a:lnTlToBr>
+                    <a:lnBlToTr w="12700" cmpd="sng">
+                      <a:noFill/>
+                      <a:prstDash val="solid"/>
+                    </a:lnBlToTr>
+                    <a:noFill/>
+                  </a:tcPr>
+                </a:tc>
+                <a:tc>
+                  <a:txBody>
+                    <a:bodyPr/>
+                    <a:lstStyle/>
+                    <a:p>
+                      <a:endParaRPr kumimoji="1" lang="ja-JP" altLang="en-US"/>
+                    </a:p>
+                  </a:txBody>
+                  <a:tcPr>
+                    <a:lnL w="12700" cap="flat" cmpd="sng" algn="ctr">
+                      <a:solidFill>
+                        <a:schemeClr val="tx1"/>
+                      </a:solidFill>
+                      <a:prstDash val="solid"/>
+                      <a:round/>
+                      <a:headEnd type="none" w="med" len="med"/>
+                      <a:tailEnd type="none" w="med" len="med"/>
+                    </a:lnL>
+                    <a:lnR w="12700" cap="flat" cmpd="sng" algn="ctr">
+                      <a:solidFill>
+                        <a:schemeClr val="tx1"/>
+                      </a:solidFill>
+                      <a:prstDash val="solid"/>
+                      <a:round/>
+                      <a:headEnd type="none" w="med" len="med"/>
+                      <a:tailEnd type="none" w="med" len="med"/>
+                    </a:lnR>
+                    <a:lnT w="12700" cap="flat" cmpd="sng" algn="ctr">
+                      <a:solidFill>
+                        <a:schemeClr val="tx1"/>
+                      </a:solidFill>
+                      <a:prstDash val="solid"/>
+                      <a:round/>
+                      <a:headEnd type="none" w="med" len="med"/>
+                      <a:tailEnd type="none" w="med" len="med"/>
+                    </a:lnT>
+                    <a:lnB w="12700" cap="flat" cmpd="sng" algn="ctr">
+                      <a:solidFill>
+                        <a:schemeClr val="tx1"/>
+                      </a:solidFill>
+                      <a:prstDash val="solid"/>
+                      <a:round/>
+                      <a:headEnd type="none" w="med" len="med"/>
+                      <a:tailEnd type="none" w="med" len="med"/>
+                    </a:lnB>
+                    <a:solidFill>
+                      <a:schemeClr val="bg1"/>
+                    </a:solidFill>
+                  </a:tcPr>
+                </a:tc>
+                <a:extLst>
+                  <a:ext uri="{0D108BD9-81ED-4DB2-BD59-A6C34878D82A}">
+                    <a16:rowId xmlns:a16="http://schemas.microsoft.com/office/drawing/2014/main" val="4197178994"/>
+                  </a:ext>
+                </a:extLst>
+              </a:tr>
+              <a:tr h="511505">
+                <a:tc>
+                  <a:txBody>
+                    <a:bodyPr/>
+                    <a:lstStyle/>
+                    <a:p>
+                      <a:endParaRPr kumimoji="1" lang="ja-JP" altLang="en-US"/>
+                    </a:p>
+                  </a:txBody>
+                  <a:tcPr>
+                    <a:lnL w="12700" cap="flat" cmpd="sng" algn="ctr">
+                      <a:solidFill>
+                        <a:schemeClr val="tx1"/>
+                      </a:solidFill>
+                      <a:prstDash val="solid"/>
+                      <a:round/>
+                      <a:headEnd type="none" w="med" len="med"/>
+                      <a:tailEnd type="none" w="med" len="med"/>
+                    </a:lnL>
+                    <a:lnR w="12700" cap="flat" cmpd="sng" algn="ctr">
+                      <a:solidFill>
+                        <a:schemeClr val="tx1"/>
+                      </a:solidFill>
+                      <a:prstDash val="solid"/>
+                      <a:round/>
+                      <a:headEnd type="none" w="med" len="med"/>
+                      <a:tailEnd type="none" w="med" len="med"/>
+                    </a:lnR>
+                    <a:lnT w="12700" cap="flat" cmpd="sng" algn="ctr">
+                      <a:solidFill>
+                        <a:schemeClr val="tx1"/>
+                      </a:solidFill>
+                      <a:prstDash val="solid"/>
+                      <a:round/>
+                      <a:headEnd type="none" w="med" len="med"/>
+                      <a:tailEnd type="none" w="med" len="med"/>
+                    </a:lnT>
+                    <a:lnB w="12700" cap="flat" cmpd="sng" algn="ctr">
+                      <a:solidFill>
+                        <a:schemeClr val="tx1"/>
+                      </a:solidFill>
+                      <a:prstDash val="solid"/>
+                      <a:round/>
+                      <a:headEnd type="none" w="med" len="med"/>
+                      <a:tailEnd type="none" w="med" len="med"/>
+                    </a:lnB>
+                    <a:noFill/>
+                  </a:tcPr>
+                </a:tc>
+                <a:tc>
+                  <a:txBody>
+                    <a:bodyPr/>
+                    <a:lstStyle/>
+                    <a:p>
+                      <a:endParaRPr kumimoji="1" lang="ja-JP" altLang="en-US">
+                        <a:solidFill>
+                          <a:srgbClr val="FF0000"/>
+                        </a:solidFill>
+                      </a:endParaRPr>
+                    </a:p>
+                  </a:txBody>
+                  <a:tcPr>
+                    <a:lnL w="12700" cap="flat" cmpd="sng" algn="ctr">
+                      <a:solidFill>
+                        <a:schemeClr val="tx1"/>
+                      </a:solidFill>
+                      <a:prstDash val="solid"/>
+                      <a:round/>
+                      <a:headEnd type="none" w="med" len="med"/>
+                      <a:tailEnd type="none" w="med" len="med"/>
+                    </a:lnL>
+                    <a:lnR w="12700" cap="flat" cmpd="sng" algn="ctr">
+                      <a:solidFill>
+                        <a:schemeClr val="tx1"/>
+                      </a:solidFill>
+                      <a:prstDash val="solid"/>
+                      <a:round/>
+                      <a:headEnd type="none" w="med" len="med"/>
+                      <a:tailEnd type="none" w="med" len="med"/>
+                    </a:lnR>
+                    <a:lnT w="12700" cap="flat" cmpd="sng" algn="ctr">
+                      <a:solidFill>
+                        <a:schemeClr val="tx1"/>
+                      </a:solidFill>
+                      <a:prstDash val="solid"/>
+                      <a:round/>
+                      <a:headEnd type="none" w="med" len="med"/>
+                      <a:tailEnd type="none" w="med" len="med"/>
+                    </a:lnT>
+                    <a:lnB w="12700" cap="flat" cmpd="sng" algn="ctr">
+                      <a:solidFill>
+                        <a:schemeClr val="tx1"/>
+                      </a:solidFill>
+                      <a:prstDash val="solid"/>
+                      <a:round/>
+                      <a:headEnd type="none" w="med" len="med"/>
+                      <a:tailEnd type="none" w="med" len="med"/>
+                    </a:lnB>
+                    <a:solidFill>
+                      <a:schemeClr val="bg1"/>
+                    </a:solidFill>
+                  </a:tcPr>
+                </a:tc>
+                <a:tc>
+                  <a:txBody>
+                    <a:bodyPr/>
+                    <a:lstStyle/>
+                    <a:p>
+                      <a:endParaRPr kumimoji="1" lang="ja-JP" altLang="en-US"/>
+                    </a:p>
+                  </a:txBody>
+                  <a:tcPr>
+                    <a:lnL w="12700" cap="flat" cmpd="sng" algn="ctr">
+                      <a:solidFill>
+                        <a:schemeClr val="tx1"/>
+                      </a:solidFill>
+                      <a:prstDash val="solid"/>
+                      <a:round/>
+                      <a:headEnd type="none" w="med" len="med"/>
+                      <a:tailEnd type="none" w="med" len="med"/>
+                    </a:lnL>
+                    <a:lnR w="12700" cap="flat" cmpd="sng" algn="ctr">
+                      <a:solidFill>
+                        <a:schemeClr val="tx1"/>
+                      </a:solidFill>
+                      <a:prstDash val="solid"/>
+                      <a:round/>
+                      <a:headEnd type="none" w="med" len="med"/>
+                      <a:tailEnd type="none" w="med" len="med"/>
+                    </a:lnR>
+                    <a:lnT w="12700" cap="flat" cmpd="sng" algn="ctr">
+                      <a:solidFill>
+                        <a:schemeClr val="tx1"/>
+                      </a:solidFill>
+                      <a:prstDash val="solid"/>
+                      <a:round/>
+                      <a:headEnd type="none" w="med" len="med"/>
+                      <a:tailEnd type="none" w="med" len="med"/>
+                    </a:lnT>
+                    <a:lnB w="12700" cap="flat" cmpd="sng" algn="ctr">
+                      <a:solidFill>
+                        <a:schemeClr val="tx1"/>
+                      </a:solidFill>
+                      <a:prstDash val="solid"/>
+                      <a:round/>
+                      <a:headEnd type="none" w="med" len="med"/>
+                      <a:tailEnd type="none" w="med" len="med"/>
+                    </a:lnB>
+                    <a:solidFill>
+                      <a:schemeClr val="bg1"/>
+                    </a:solidFill>
+                  </a:tcPr>
+                </a:tc>
+                <a:tc>
+                  <a:txBody>
+                    <a:bodyPr/>
+                    <a:lstStyle/>
+                    <a:p>
+                      <a:endParaRPr kumimoji="1" lang="ja-JP" altLang="en-US"/>
+                    </a:p>
+                  </a:txBody>
+                  <a:tcPr>
+                    <a:lnL w="12700" cap="flat" cmpd="sng" algn="ctr">
+                      <a:solidFill>
+                        <a:schemeClr val="tx1"/>
+                      </a:solidFill>
+                      <a:prstDash val="solid"/>
+                      <a:round/>
+                      <a:headEnd type="none" w="med" len="med"/>
+                      <a:tailEnd type="none" w="med" len="med"/>
+                    </a:lnL>
+                    <a:lnR w="12700" cap="flat" cmpd="sng" algn="ctr">
+                      <a:solidFill>
+                        <a:schemeClr val="tx1"/>
+                      </a:solidFill>
+                      <a:prstDash val="solid"/>
+                      <a:round/>
+                      <a:headEnd type="none" w="med" len="med"/>
+                      <a:tailEnd type="none" w="med" len="med"/>
+                    </a:lnR>
+                    <a:lnT w="12700" cap="flat" cmpd="sng" algn="ctr">
+                      <a:solidFill>
+                        <a:schemeClr val="tx1"/>
+                      </a:solidFill>
+                      <a:prstDash val="solid"/>
+                      <a:round/>
+                      <a:headEnd type="none" w="med" len="med"/>
+                      <a:tailEnd type="none" w="med" len="med"/>
+                    </a:lnT>
+                    <a:lnB w="12700" cap="flat" cmpd="sng" algn="ctr">
+                      <a:solidFill>
+                        <a:schemeClr val="tx1"/>
+                      </a:solidFill>
+                      <a:prstDash val="solid"/>
+                      <a:round/>
+                      <a:headEnd type="none" w="med" len="med"/>
+                      <a:tailEnd type="none" w="med" len="med"/>
+                    </a:lnB>
+                    <a:solidFill>
+                      <a:schemeClr val="bg1"/>
+                    </a:solidFill>
+                  </a:tcPr>
+                </a:tc>
+                <a:extLst>
+                  <a:ext uri="{0D108BD9-81ED-4DB2-BD59-A6C34878D82A}">
+                    <a16:rowId xmlns:a16="http://schemas.microsoft.com/office/drawing/2014/main" val="3688764702"/>
+                  </a:ext>
+                </a:extLst>
+              </a:tr>
+              <a:tr h="511505">
+                <a:tc>
+                  <a:txBody>
+                    <a:bodyPr/>
+                    <a:lstStyle/>
+                    <a:p>
+                      <a:endParaRPr kumimoji="1" lang="ja-JP" altLang="en-US">
+                        <a:solidFill>
+                          <a:srgbClr val="FF0000"/>
+                        </a:solidFill>
+                      </a:endParaRPr>
+                    </a:p>
+                  </a:txBody>
+                  <a:tcPr>
+                    <a:lnL w="12700" cap="flat" cmpd="sng" algn="ctr">
+                      <a:solidFill>
+                        <a:schemeClr val="tx1"/>
+                      </a:solidFill>
+                      <a:prstDash val="solid"/>
+                      <a:round/>
+                      <a:headEnd type="none" w="med" len="med"/>
+                      <a:tailEnd type="none" w="med" len="med"/>
+                    </a:lnL>
+                    <a:lnR w="12700" cap="flat" cmpd="sng" algn="ctr">
+                      <a:solidFill>
+                        <a:schemeClr val="tx1"/>
+                      </a:solidFill>
+                      <a:prstDash val="solid"/>
+                      <a:round/>
+                      <a:headEnd type="none" w="med" len="med"/>
+                      <a:tailEnd type="none" w="med" len="med"/>
+                    </a:lnR>
+                    <a:lnT w="12700" cap="flat" cmpd="sng" algn="ctr">
+                      <a:solidFill>
+                        <a:schemeClr val="tx1"/>
+                      </a:solidFill>
+                      <a:prstDash val="solid"/>
+                      <a:round/>
+                      <a:headEnd type="none" w="med" len="med"/>
+                      <a:tailEnd type="none" w="med" len="med"/>
+                    </a:lnT>
+                    <a:lnB w="12700" cap="flat" cmpd="sng" algn="ctr">
+                      <a:solidFill>
+                        <a:schemeClr val="tx1"/>
+                      </a:solidFill>
+                      <a:prstDash val="solid"/>
+                      <a:round/>
+                      <a:headEnd type="none" w="med" len="med"/>
+                      <a:tailEnd type="none" w="med" len="med"/>
+                    </a:lnB>
+                    <a:solidFill>
+                      <a:schemeClr val="bg1"/>
+                    </a:solidFill>
+                  </a:tcPr>
+                </a:tc>
+                <a:tc>
+                  <a:txBody>
+                    <a:bodyPr/>
+                    <a:lstStyle/>
+                    <a:p>
+                      <a:endParaRPr kumimoji="1" lang="ja-JP" altLang="en-US"/>
+                    </a:p>
+                  </a:txBody>
+                  <a:tcPr>
+                    <a:lnL w="12700" cap="flat" cmpd="sng" algn="ctr">
+                      <a:solidFill>
+                        <a:schemeClr val="tx1"/>
+                      </a:solidFill>
+                      <a:prstDash val="solid"/>
+                      <a:round/>
+                      <a:headEnd type="none" w="med" len="med"/>
+                      <a:tailEnd type="none" w="med" len="med"/>
+                    </a:lnL>
+                    <a:lnR w="12700" cap="flat" cmpd="sng" algn="ctr">
+                      <a:solidFill>
+                        <a:schemeClr val="tx1"/>
+                      </a:solidFill>
+                      <a:prstDash val="solid"/>
+                      <a:round/>
+                      <a:headEnd type="none" w="med" len="med"/>
+                      <a:tailEnd type="none" w="med" len="med"/>
+                    </a:lnR>
+                    <a:lnT w="12700" cap="flat" cmpd="sng" algn="ctr">
+                      <a:solidFill>
+                        <a:schemeClr val="tx1"/>
+                      </a:solidFill>
+                      <a:prstDash val="solid"/>
+                      <a:round/>
+                      <a:headEnd type="none" w="med" len="med"/>
+                      <a:tailEnd type="none" w="med" len="med"/>
+                    </a:lnT>
+                    <a:lnB w="12700" cap="flat" cmpd="sng" algn="ctr">
+                      <a:solidFill>
+                        <a:schemeClr val="tx1"/>
+                      </a:solidFill>
+                      <a:prstDash val="solid"/>
+                      <a:round/>
+                      <a:headEnd type="none" w="med" len="med"/>
+                      <a:tailEnd type="none" w="med" len="med"/>
+                    </a:lnB>
+                    <a:noFill/>
+                  </a:tcPr>
+                </a:tc>
+                <a:tc>
+                  <a:txBody>
+                    <a:bodyPr/>
+                    <a:lstStyle/>
+                    <a:p>
+                      <a:endParaRPr kumimoji="1" lang="ja-JP" altLang="en-US"/>
+                    </a:p>
+                  </a:txBody>
+                  <a:tcPr>
+                    <a:lnL w="12700" cap="flat" cmpd="sng" algn="ctr">
+                      <a:solidFill>
+                        <a:schemeClr val="tx1"/>
+                      </a:solidFill>
+                      <a:prstDash val="solid"/>
+                      <a:round/>
+                      <a:headEnd type="none" w="med" len="med"/>
+                      <a:tailEnd type="none" w="med" len="med"/>
+                    </a:lnL>
+                    <a:lnR w="12700" cap="flat" cmpd="sng" algn="ctr">
+                      <a:solidFill>
+                        <a:schemeClr val="tx1"/>
+                      </a:solidFill>
+                      <a:prstDash val="solid"/>
+                      <a:round/>
+                      <a:headEnd type="none" w="med" len="med"/>
+                      <a:tailEnd type="none" w="med" len="med"/>
+                    </a:lnR>
+                    <a:lnT w="12700" cap="flat" cmpd="sng" algn="ctr">
+                      <a:solidFill>
+                        <a:schemeClr val="tx1"/>
+                      </a:solidFill>
+                      <a:prstDash val="solid"/>
+                      <a:round/>
+                      <a:headEnd type="none" w="med" len="med"/>
+                      <a:tailEnd type="none" w="med" len="med"/>
+                    </a:lnT>
+                    <a:lnB w="12700" cap="flat" cmpd="sng" algn="ctr">
+                      <a:solidFill>
+                        <a:schemeClr val="tx1"/>
+                      </a:solidFill>
+                      <a:prstDash val="solid"/>
+                      <a:round/>
+                      <a:headEnd type="none" w="med" len="med"/>
+                      <a:tailEnd type="none" w="med" len="med"/>
+                    </a:lnB>
+                    <a:solidFill>
+                      <a:schemeClr val="bg1"/>
+                    </a:solidFill>
+                  </a:tcPr>
+                </a:tc>
+                <a:tc>
+                  <a:txBody>
+                    <a:bodyPr/>
+                    <a:lstStyle/>
+                    <a:p>
+                      <a:endParaRPr kumimoji="1" lang="ja-JP" altLang="en-US"/>
+                    </a:p>
+                  </a:txBody>
+                  <a:tcPr>
+                    <a:lnL w="12700" cap="flat" cmpd="sng" algn="ctr">
+                      <a:solidFill>
+                        <a:schemeClr val="tx1"/>
+                      </a:solidFill>
+                      <a:prstDash val="solid"/>
+                      <a:round/>
+                      <a:headEnd type="none" w="med" len="med"/>
+                      <a:tailEnd type="none" w="med" len="med"/>
+                    </a:lnL>
+                    <a:lnR w="12700" cap="flat" cmpd="sng" algn="ctr">
+                      <a:solidFill>
+                        <a:schemeClr val="tx1"/>
+                      </a:solidFill>
+                      <a:prstDash val="solid"/>
+                      <a:round/>
+                      <a:headEnd type="none" w="med" len="med"/>
+                      <a:tailEnd type="none" w="med" len="med"/>
+                    </a:lnR>
+                    <a:lnT w="12700" cap="flat" cmpd="sng" algn="ctr">
+                      <a:solidFill>
+                        <a:schemeClr val="tx1"/>
+                      </a:solidFill>
+                      <a:prstDash val="solid"/>
+                      <a:round/>
+                      <a:headEnd type="none" w="med" len="med"/>
+                      <a:tailEnd type="none" w="med" len="med"/>
+                    </a:lnT>
+                    <a:lnB w="12700" cap="flat" cmpd="sng" algn="ctr">
+                      <a:solidFill>
+                        <a:schemeClr val="tx1"/>
+                      </a:solidFill>
+                      <a:prstDash val="solid"/>
+                      <a:round/>
+                      <a:headEnd type="none" w="med" len="med"/>
+                      <a:tailEnd type="none" w="med" len="med"/>
+                    </a:lnB>
+                    <a:solidFill>
+                      <a:schemeClr val="bg1"/>
+                    </a:solidFill>
+                  </a:tcPr>
+                </a:tc>
+                <a:extLst>
+                  <a:ext uri="{0D108BD9-81ED-4DB2-BD59-A6C34878D82A}">
+                    <a16:rowId xmlns:a16="http://schemas.microsoft.com/office/drawing/2014/main" val="1514342851"/>
+                  </a:ext>
+                </a:extLst>
+              </a:tr>
+            </a:tbl>
+          </a:graphicData>
+        </a:graphic>
+      </p:graphicFrame>
+      <p:sp>
+        <p:nvSpPr>
+          <p:cNvPr id="6" name="円/楕円 5">
+            <a:extLst>
+              <a:ext uri="{FF2B5EF4-FFF2-40B4-BE49-F238E27FC236}">
+                <a16:creationId xmlns:a16="http://schemas.microsoft.com/office/drawing/2014/main" id="{D99FFDD4-295F-2A44-847D-AF55AF2D5AA5}"/>
+              </a:ext>
+            </a:extLst>
+          </p:cNvPr>
+          <p:cNvSpPr/>
+          <p:nvPr/>
+        </p:nvSpPr>
+        <p:spPr>
+          <a:xfrm>
+            <a:off x="8870348" y="2339008"/>
+            <a:ext cx="250257" cy="250257"/>
+          </a:xfrm>
+          <a:prstGeom prst="ellipse">
+            <a:avLst/>
+          </a:prstGeom>
+          <a:solidFill>
+            <a:schemeClr val="bg1">
+              <a:lumMod val="75000"/>
+            </a:schemeClr>
+          </a:solidFill>
+          <a:ln>
+            <a:solidFill>
+              <a:schemeClr val="tx1"/>
+            </a:solidFill>
+          </a:ln>
+        </p:spPr>
+        <p:style>
+          <a:lnRef idx="2">
+            <a:schemeClr val="accent1">
+              <a:shade val="50000"/>
+            </a:schemeClr>
+          </a:lnRef>
+          <a:fillRef idx="1">
+            <a:schemeClr val="accent1"/>
+          </a:fillRef>
+          <a:effectRef idx="0">
+            <a:schemeClr val="accent1"/>
+          </a:effectRef>
+          <a:fontRef idx="minor">
+            <a:schemeClr val="lt1"/>
+          </a:fontRef>
+        </p:style>
+        <p:txBody>
+          <a:bodyPr rtlCol="0" anchor="ctr"/>
+          <a:lstStyle/>
+          <a:p>
+            <a:pPr algn="ctr"/>
+            <a:endParaRPr kumimoji="1" lang="ja-JP" altLang="en-US"/>
+          </a:p>
+        </p:txBody>
+      </p:sp>
+      <p:sp>
+        <p:nvSpPr>
+          <p:cNvPr id="7" name="円/楕円 6">
+            <a:extLst>
+              <a:ext uri="{FF2B5EF4-FFF2-40B4-BE49-F238E27FC236}">
+                <a16:creationId xmlns:a16="http://schemas.microsoft.com/office/drawing/2014/main" id="{CB788A48-84F4-B142-8D42-46B5EC554935}"/>
+              </a:ext>
+            </a:extLst>
+          </p:cNvPr>
+          <p:cNvSpPr/>
+          <p:nvPr/>
+        </p:nvSpPr>
+        <p:spPr>
+          <a:xfrm>
+            <a:off x="9395325" y="2339008"/>
+            <a:ext cx="250257" cy="250257"/>
+          </a:xfrm>
+          <a:prstGeom prst="ellipse">
+            <a:avLst/>
+          </a:prstGeom>
+          <a:solidFill>
+            <a:schemeClr val="bg1">
+              <a:lumMod val="75000"/>
+            </a:schemeClr>
+          </a:solidFill>
+          <a:ln>
+            <a:solidFill>
+              <a:schemeClr val="tx1"/>
+            </a:solidFill>
+          </a:ln>
+        </p:spPr>
+        <p:style>
+          <a:lnRef idx="2">
+            <a:schemeClr val="accent1">
+              <a:shade val="50000"/>
+            </a:schemeClr>
+          </a:lnRef>
+          <a:fillRef idx="1">
+            <a:schemeClr val="accent1"/>
+          </a:fillRef>
+          <a:effectRef idx="0">
+            <a:schemeClr val="accent1"/>
+          </a:effectRef>
+          <a:fontRef idx="minor">
+            <a:schemeClr val="lt1"/>
+          </a:fontRef>
+        </p:style>
+        <p:txBody>
+          <a:bodyPr rtlCol="0" anchor="ctr"/>
+          <a:lstStyle/>
+          <a:p>
+            <a:pPr algn="ctr"/>
+            <a:endParaRPr kumimoji="1" lang="ja-JP" altLang="en-US"/>
+          </a:p>
+        </p:txBody>
+      </p:sp>
+      <p:sp>
+        <p:nvSpPr>
+          <p:cNvPr id="8" name="円/楕円 7">
+            <a:extLst>
+              <a:ext uri="{FF2B5EF4-FFF2-40B4-BE49-F238E27FC236}">
+                <a16:creationId xmlns:a16="http://schemas.microsoft.com/office/drawing/2014/main" id="{0227D3B4-9DF5-DE46-8561-C91A96B82459}"/>
+              </a:ext>
+            </a:extLst>
+          </p:cNvPr>
+          <p:cNvSpPr/>
+          <p:nvPr/>
+        </p:nvSpPr>
+        <p:spPr>
+          <a:xfrm>
+            <a:off x="9920303" y="2339008"/>
+            <a:ext cx="250257" cy="250257"/>
+          </a:xfrm>
+          <a:prstGeom prst="ellipse">
+            <a:avLst/>
+          </a:prstGeom>
+          <a:solidFill>
+            <a:schemeClr val="bg1">
+              <a:lumMod val="75000"/>
+            </a:schemeClr>
+          </a:solidFill>
+          <a:ln>
+            <a:solidFill>
+              <a:schemeClr val="tx1"/>
+            </a:solidFill>
+          </a:ln>
+        </p:spPr>
+        <p:style>
+          <a:lnRef idx="2">
+            <a:schemeClr val="accent1">
+              <a:shade val="50000"/>
+            </a:schemeClr>
+          </a:lnRef>
+          <a:fillRef idx="1">
+            <a:schemeClr val="accent1"/>
+          </a:fillRef>
+          <a:effectRef idx="0">
+            <a:schemeClr val="accent1"/>
+          </a:effectRef>
+          <a:fontRef idx="minor">
+            <a:schemeClr val="lt1"/>
+          </a:fontRef>
+        </p:style>
+        <p:txBody>
+          <a:bodyPr rtlCol="0" anchor="ctr"/>
+          <a:lstStyle/>
+          <a:p>
+            <a:pPr algn="ctr"/>
+            <a:endParaRPr kumimoji="1" lang="ja-JP" altLang="en-US"/>
+          </a:p>
+        </p:txBody>
+      </p:sp>
+      <p:sp>
+        <p:nvSpPr>
+          <p:cNvPr id="9" name="直角三角形 8">
+            <a:extLst>
+              <a:ext uri="{FF2B5EF4-FFF2-40B4-BE49-F238E27FC236}">
+                <a16:creationId xmlns:a16="http://schemas.microsoft.com/office/drawing/2014/main" id="{074BA6BF-9D1A-0845-8313-B5792E99F1C6}"/>
+              </a:ext>
+            </a:extLst>
+          </p:cNvPr>
+          <p:cNvSpPr/>
+          <p:nvPr/>
+        </p:nvSpPr>
+        <p:spPr>
+          <a:xfrm rot="10800000">
+            <a:off x="6215914" y="2788139"/>
+            <a:ext cx="503999" cy="1534515"/>
+          </a:xfrm>
+          <a:prstGeom prst="rtTriangle">
+            <a:avLst/>
+          </a:prstGeom>
+          <a:solidFill>
+            <a:schemeClr val="bg1">
+              <a:lumMod val="75000"/>
+            </a:schemeClr>
+          </a:solidFill>
+          <a:ln>
+            <a:solidFill>
+              <a:schemeClr val="tx1"/>
+            </a:solidFill>
+          </a:ln>
+        </p:spPr>
+        <p:style>
+          <a:lnRef idx="2">
+            <a:schemeClr val="accent1">
+              <a:shade val="50000"/>
+            </a:schemeClr>
+          </a:lnRef>
+          <a:fillRef idx="1">
+            <a:schemeClr val="accent1"/>
+          </a:fillRef>
+          <a:effectRef idx="0">
+            <a:schemeClr val="accent1"/>
+          </a:effectRef>
+          <a:fontRef idx="minor">
+            <a:schemeClr val="lt1"/>
+          </a:fontRef>
+        </p:style>
+        <p:txBody>
+          <a:bodyPr rtlCol="0" anchor="ctr"/>
+          <a:lstStyle/>
+          <a:p>
+            <a:pPr algn="ctr"/>
+            <a:endParaRPr kumimoji="1" lang="ja-JP" altLang="en-US"/>
+          </a:p>
+        </p:txBody>
+      </p:sp>
+      <p:sp>
+        <p:nvSpPr>
+          <p:cNvPr id="10" name="直角三角形 9">
+            <a:extLst>
+              <a:ext uri="{FF2B5EF4-FFF2-40B4-BE49-F238E27FC236}">
+                <a16:creationId xmlns:a16="http://schemas.microsoft.com/office/drawing/2014/main" id="{46BFC79D-C97A-4D4A-89BA-D4AB3DE8BAD1}"/>
+              </a:ext>
+            </a:extLst>
+          </p:cNvPr>
+          <p:cNvSpPr/>
+          <p:nvPr/>
+        </p:nvSpPr>
+        <p:spPr>
+          <a:xfrm rot="10800000" flipH="1">
+            <a:off x="11364133" y="2788138"/>
+            <a:ext cx="503999" cy="1534513"/>
+          </a:xfrm>
+          <a:prstGeom prst="rtTriangle">
+            <a:avLst/>
+          </a:prstGeom>
+          <a:solidFill>
+            <a:schemeClr val="bg1">
+              <a:lumMod val="75000"/>
+            </a:schemeClr>
+          </a:solidFill>
+          <a:ln>
+            <a:solidFill>
+              <a:schemeClr val="tx1"/>
+            </a:solidFill>
+          </a:ln>
+        </p:spPr>
+        <p:style>
+          <a:lnRef idx="2">
+            <a:schemeClr val="accent1">
+              <a:shade val="50000"/>
+            </a:schemeClr>
+          </a:lnRef>
+          <a:fillRef idx="1">
+            <a:schemeClr val="accent1"/>
+          </a:fillRef>
+          <a:effectRef idx="0">
+            <a:schemeClr val="accent1"/>
+          </a:effectRef>
+          <a:fontRef idx="minor">
+            <a:schemeClr val="lt1"/>
+          </a:fontRef>
+        </p:style>
+        <p:txBody>
+          <a:bodyPr rtlCol="0" anchor="ctr"/>
+          <a:lstStyle/>
+          <a:p>
+            <a:pPr algn="ctr"/>
+            <a:endParaRPr kumimoji="1" lang="ja-JP" altLang="en-US"/>
+          </a:p>
+        </p:txBody>
+      </p:sp>
+      <p:sp>
+        <p:nvSpPr>
+          <p:cNvPr id="11" name="正方形/長方形 10">
+            <a:extLst>
+              <a:ext uri="{FF2B5EF4-FFF2-40B4-BE49-F238E27FC236}">
+                <a16:creationId xmlns:a16="http://schemas.microsoft.com/office/drawing/2014/main" id="{91105F31-6C2D-A74A-A33A-5A900AA09120}"/>
+              </a:ext>
+            </a:extLst>
+          </p:cNvPr>
+          <p:cNvSpPr/>
+          <p:nvPr/>
+        </p:nvSpPr>
+        <p:spPr>
+          <a:xfrm>
+            <a:off x="9670047" y="1675273"/>
+            <a:ext cx="250256" cy="472009"/>
+          </a:xfrm>
+          <a:prstGeom prst="rect">
+            <a:avLst/>
+          </a:prstGeom>
+          <a:solidFill>
+            <a:schemeClr val="bg1">
+              <a:lumMod val="75000"/>
+            </a:schemeClr>
+          </a:solidFill>
+          <a:ln>
+            <a:solidFill>
+              <a:schemeClr val="tx1"/>
+            </a:solidFill>
+          </a:ln>
+        </p:spPr>
+        <p:style>
+          <a:lnRef idx="2">
+            <a:schemeClr val="accent1">
+              <a:shade val="50000"/>
+            </a:schemeClr>
+          </a:lnRef>
+          <a:fillRef idx="1">
+            <a:schemeClr val="accent1"/>
+          </a:fillRef>
+          <a:effectRef idx="0">
+            <a:schemeClr val="accent1"/>
+          </a:effectRef>
+          <a:fontRef idx="minor">
+            <a:schemeClr val="lt1"/>
+          </a:fontRef>
+        </p:style>
+        <p:txBody>
+          <a:bodyPr rtlCol="0" anchor="ctr"/>
+          <a:lstStyle/>
+          <a:p>
+            <a:pPr algn="ctr"/>
+            <a:endParaRPr kumimoji="1" lang="ja-JP" altLang="en-US"/>
+          </a:p>
+        </p:txBody>
+      </p:sp>
+      <p:sp>
+        <p:nvSpPr>
+          <p:cNvPr id="18" name="弦 17">
+            <a:extLst>
+              <a:ext uri="{FF2B5EF4-FFF2-40B4-BE49-F238E27FC236}">
+                <a16:creationId xmlns:a16="http://schemas.microsoft.com/office/drawing/2014/main" id="{445FA7A9-3722-E743-BDB8-382F3571EF60}"/>
+              </a:ext>
+            </a:extLst>
+          </p:cNvPr>
+          <p:cNvSpPr/>
+          <p:nvPr/>
+        </p:nvSpPr>
+        <p:spPr>
+          <a:xfrm>
+            <a:off x="5189634" y="1681058"/>
+            <a:ext cx="7698657" cy="2940219"/>
+          </a:xfrm>
+          <a:prstGeom prst="chord">
+            <a:avLst>
+              <a:gd name="adj1" fmla="val 1611090"/>
+              <a:gd name="adj2" fmla="val 9184230"/>
+            </a:avLst>
+          </a:prstGeom>
+          <a:solidFill>
+            <a:schemeClr val="bg1">
+              <a:lumMod val="75000"/>
+            </a:schemeClr>
+          </a:solidFill>
+          <a:ln>
+            <a:solidFill>
+              <a:schemeClr val="tx1"/>
+            </a:solidFill>
+          </a:ln>
+        </p:spPr>
+        <p:style>
+          <a:lnRef idx="2">
+            <a:schemeClr val="accent1">
+              <a:shade val="50000"/>
+            </a:schemeClr>
+          </a:lnRef>
+          <a:fillRef idx="1">
+            <a:schemeClr val="accent1"/>
+          </a:fillRef>
+          <a:effectRef idx="0">
+            <a:schemeClr val="accent1"/>
+          </a:effectRef>
+          <a:fontRef idx="minor">
+            <a:schemeClr val="lt1"/>
+          </a:fontRef>
+        </p:style>
+        <p:txBody>
+          <a:bodyPr rtlCol="0" anchor="ctr"/>
+          <a:lstStyle/>
+          <a:p>
+            <a:pPr algn="ctr"/>
+            <a:endParaRPr kumimoji="1" lang="ja-JP" altLang="en-US"/>
+          </a:p>
+        </p:txBody>
+      </p:sp>
+      <p:pic>
+        <p:nvPicPr>
+          <p:cNvPr id="33" name="図 32">
+            <a:extLst>
+              <a:ext uri="{FF2B5EF4-FFF2-40B4-BE49-F238E27FC236}">
+                <a16:creationId xmlns:a16="http://schemas.microsoft.com/office/drawing/2014/main" id="{9A20E3D9-A9DF-8B4C-BD83-5A7C9BFD3C4A}"/>
+              </a:ext>
+            </a:extLst>
+          </p:cNvPr>
+          <p:cNvPicPr>
+            <a:picLocks noChangeAspect="1"/>
+          </p:cNvPicPr>
+          <p:nvPr/>
+        </p:nvPicPr>
+        <p:blipFill>
+          <a:blip r:embed="rId2"/>
+          <a:stretch>
+            <a:fillRect/>
+          </a:stretch>
+        </p:blipFill>
+        <p:spPr>
+          <a:xfrm>
+            <a:off x="7304805" y="3945807"/>
+            <a:ext cx="560136" cy="406136"/>
+          </a:xfrm>
+          <a:prstGeom prst="rect">
+            <a:avLst/>
+          </a:prstGeom>
+        </p:spPr>
+      </p:pic>
+      <p:pic>
+        <p:nvPicPr>
+          <p:cNvPr id="38" name="図 37">
+            <a:extLst>
+              <a:ext uri="{FF2B5EF4-FFF2-40B4-BE49-F238E27FC236}">
+                <a16:creationId xmlns:a16="http://schemas.microsoft.com/office/drawing/2014/main" id="{4AA6436C-54F4-B542-A3FB-8011B98B0C5C}"/>
+              </a:ext>
+            </a:extLst>
+          </p:cNvPr>
+          <p:cNvPicPr>
+            <a:picLocks noChangeAspect="1"/>
+          </p:cNvPicPr>
+          <p:nvPr/>
+        </p:nvPicPr>
+        <p:blipFill>
+          <a:blip r:embed="rId3"/>
+          <a:stretch>
+            <a:fillRect/>
+          </a:stretch>
+        </p:blipFill>
+        <p:spPr>
+          <a:xfrm>
+            <a:off x="7864941" y="3445794"/>
+            <a:ext cx="554426" cy="401996"/>
+          </a:xfrm>
+          <a:prstGeom prst="rect">
+            <a:avLst/>
+          </a:prstGeom>
+        </p:spPr>
+      </p:pic>
+      <p:pic>
+        <p:nvPicPr>
+          <p:cNvPr id="39" name="図 38">
+            <a:extLst>
+              <a:ext uri="{FF2B5EF4-FFF2-40B4-BE49-F238E27FC236}">
+                <a16:creationId xmlns:a16="http://schemas.microsoft.com/office/drawing/2014/main" id="{79A8DA5D-A683-AB4B-BDF6-BAFFA60578A6}"/>
+              </a:ext>
+            </a:extLst>
+          </p:cNvPr>
+          <p:cNvPicPr>
+            <a:picLocks noChangeAspect="1"/>
+          </p:cNvPicPr>
+          <p:nvPr/>
+        </p:nvPicPr>
+        <p:blipFill>
+          <a:blip r:embed="rId3"/>
+          <a:stretch>
+            <a:fillRect/>
+          </a:stretch>
+        </p:blipFill>
+        <p:spPr>
+          <a:xfrm>
+            <a:off x="8449619" y="3439544"/>
+            <a:ext cx="554426" cy="401996"/>
+          </a:xfrm>
+          <a:prstGeom prst="rect">
+            <a:avLst/>
+          </a:prstGeom>
+        </p:spPr>
+      </p:pic>
+      <p:pic>
+        <p:nvPicPr>
+          <p:cNvPr id="40" name="図 39">
+            <a:extLst>
+              <a:ext uri="{FF2B5EF4-FFF2-40B4-BE49-F238E27FC236}">
+                <a16:creationId xmlns:a16="http://schemas.microsoft.com/office/drawing/2014/main" id="{E007BD98-DD22-B146-80D4-A9DD17B2DC27}"/>
+              </a:ext>
+            </a:extLst>
+          </p:cNvPr>
+          <p:cNvPicPr>
+            <a:picLocks noChangeAspect="1"/>
+          </p:cNvPicPr>
+          <p:nvPr/>
+        </p:nvPicPr>
+        <p:blipFill>
+          <a:blip r:embed="rId3"/>
+          <a:stretch>
+            <a:fillRect/>
+          </a:stretch>
+        </p:blipFill>
+        <p:spPr>
+          <a:xfrm>
+            <a:off x="9056604" y="3445794"/>
+            <a:ext cx="554426" cy="401996"/>
+          </a:xfrm>
+          <a:prstGeom prst="rect">
+            <a:avLst/>
+          </a:prstGeom>
+        </p:spPr>
+      </p:pic>
+      <p:pic>
+        <p:nvPicPr>
+          <p:cNvPr id="41" name="図 40">
+            <a:extLst>
+              <a:ext uri="{FF2B5EF4-FFF2-40B4-BE49-F238E27FC236}">
+                <a16:creationId xmlns:a16="http://schemas.microsoft.com/office/drawing/2014/main" id="{EFE2FE22-EE59-5C4A-B470-1170373F5D54}"/>
+              </a:ext>
+            </a:extLst>
+          </p:cNvPr>
+          <p:cNvPicPr>
+            <a:picLocks noChangeAspect="1"/>
+          </p:cNvPicPr>
+          <p:nvPr/>
+        </p:nvPicPr>
+        <p:blipFill>
+          <a:blip r:embed="rId3"/>
+          <a:stretch>
+            <a:fillRect/>
+          </a:stretch>
+        </p:blipFill>
+        <p:spPr>
+          <a:xfrm>
+            <a:off x="9625540" y="3433156"/>
+            <a:ext cx="554426" cy="401996"/>
+          </a:xfrm>
+          <a:prstGeom prst="rect">
+            <a:avLst/>
+          </a:prstGeom>
+        </p:spPr>
+      </p:pic>
+      <p:pic>
+        <p:nvPicPr>
+          <p:cNvPr id="45" name="図 44">
+            <a:extLst>
+              <a:ext uri="{FF2B5EF4-FFF2-40B4-BE49-F238E27FC236}">
+                <a16:creationId xmlns:a16="http://schemas.microsoft.com/office/drawing/2014/main" id="{59CD855F-1572-EA4D-9BD6-9F738AFFE79A}"/>
+              </a:ext>
+            </a:extLst>
+          </p:cNvPr>
+          <p:cNvPicPr>
+            <a:picLocks noChangeAspect="1"/>
+          </p:cNvPicPr>
+          <p:nvPr/>
+        </p:nvPicPr>
+        <p:blipFill>
+          <a:blip r:embed="rId4"/>
+          <a:stretch>
+            <a:fillRect/>
+          </a:stretch>
+        </p:blipFill>
+        <p:spPr>
+          <a:xfrm>
+            <a:off x="10217767" y="2917408"/>
+            <a:ext cx="575872" cy="417546"/>
+          </a:xfrm>
+          <a:prstGeom prst="rect">
+            <a:avLst/>
+          </a:prstGeom>
+        </p:spPr>
+      </p:pic>
+      <p:pic>
+        <p:nvPicPr>
+          <p:cNvPr id="46" name="図 45">
+            <a:extLst>
+              <a:ext uri="{FF2B5EF4-FFF2-40B4-BE49-F238E27FC236}">
+                <a16:creationId xmlns:a16="http://schemas.microsoft.com/office/drawing/2014/main" id="{807CF8CF-4D50-2C4F-B56A-0F86362ADF94}"/>
+              </a:ext>
+            </a:extLst>
+          </p:cNvPr>
+          <p:cNvPicPr>
+            <a:picLocks noChangeAspect="1"/>
+          </p:cNvPicPr>
+          <p:nvPr/>
+        </p:nvPicPr>
+        <p:blipFill>
+          <a:blip r:embed="rId4"/>
+          <a:stretch>
+            <a:fillRect/>
+          </a:stretch>
+        </p:blipFill>
+        <p:spPr>
+          <a:xfrm>
+            <a:off x="10781706" y="2907625"/>
+            <a:ext cx="575872" cy="417546"/>
+          </a:xfrm>
+          <a:prstGeom prst="rect">
+            <a:avLst/>
+          </a:prstGeom>
+        </p:spPr>
+      </p:pic>
+      <p:pic>
+        <p:nvPicPr>
+          <p:cNvPr id="51" name="図 50">
+            <a:extLst>
+              <a:ext uri="{FF2B5EF4-FFF2-40B4-BE49-F238E27FC236}">
+                <a16:creationId xmlns:a16="http://schemas.microsoft.com/office/drawing/2014/main" id="{E62396BC-221C-AB43-9E5E-AD9557DA57E5}"/>
+              </a:ext>
+            </a:extLst>
+          </p:cNvPr>
+          <p:cNvPicPr>
+            <a:picLocks noChangeAspect="1"/>
+          </p:cNvPicPr>
+          <p:nvPr/>
+        </p:nvPicPr>
+        <p:blipFill>
+          <a:blip r:embed="rId2"/>
+          <a:stretch>
+            <a:fillRect/>
+          </a:stretch>
+        </p:blipFill>
+        <p:spPr>
+          <a:xfrm>
+            <a:off x="6763133" y="3945807"/>
+            <a:ext cx="560136" cy="406136"/>
+          </a:xfrm>
+          <a:prstGeom prst="rect">
+            <a:avLst/>
+          </a:prstGeom>
+        </p:spPr>
+      </p:pic>
+      <p:pic>
+        <p:nvPicPr>
+          <p:cNvPr id="52" name="図 51">
+            <a:extLst>
+              <a:ext uri="{FF2B5EF4-FFF2-40B4-BE49-F238E27FC236}">
+                <a16:creationId xmlns:a16="http://schemas.microsoft.com/office/drawing/2014/main" id="{59B6D407-2318-4343-BBF3-38D7F6AC5982}"/>
+              </a:ext>
+            </a:extLst>
+          </p:cNvPr>
+          <p:cNvPicPr>
+            <a:picLocks noChangeAspect="1"/>
+          </p:cNvPicPr>
+          <p:nvPr/>
+        </p:nvPicPr>
+        <p:blipFill>
+          <a:blip r:embed="rId2"/>
+          <a:stretch>
+            <a:fillRect/>
+          </a:stretch>
+        </p:blipFill>
+        <p:spPr>
+          <a:xfrm>
+            <a:off x="8462266" y="3945807"/>
+            <a:ext cx="560136" cy="406136"/>
+          </a:xfrm>
+          <a:prstGeom prst="rect">
+            <a:avLst/>
+          </a:prstGeom>
+        </p:spPr>
+      </p:pic>
+      <p:pic>
+        <p:nvPicPr>
+          <p:cNvPr id="53" name="図 52">
+            <a:extLst>
+              <a:ext uri="{FF2B5EF4-FFF2-40B4-BE49-F238E27FC236}">
+                <a16:creationId xmlns:a16="http://schemas.microsoft.com/office/drawing/2014/main" id="{90E99B71-102F-F548-859F-8D823C80AF85}"/>
+              </a:ext>
+            </a:extLst>
+          </p:cNvPr>
+          <p:cNvPicPr>
+            <a:picLocks noChangeAspect="1"/>
+          </p:cNvPicPr>
+          <p:nvPr/>
+        </p:nvPicPr>
+        <p:blipFill>
+          <a:blip r:embed="rId2"/>
+          <a:stretch>
+            <a:fillRect/>
+          </a:stretch>
+        </p:blipFill>
+        <p:spPr>
+          <a:xfrm>
+            <a:off x="7887466" y="3945807"/>
+            <a:ext cx="560136" cy="406136"/>
+          </a:xfrm>
+          <a:prstGeom prst="rect">
+            <a:avLst/>
+          </a:prstGeom>
+        </p:spPr>
+      </p:pic>
+      <p:pic>
+        <p:nvPicPr>
+          <p:cNvPr id="54" name="図 53">
+            <a:extLst>
+              <a:ext uri="{FF2B5EF4-FFF2-40B4-BE49-F238E27FC236}">
+                <a16:creationId xmlns:a16="http://schemas.microsoft.com/office/drawing/2014/main" id="{C81D66FD-C292-F04E-8B04-44CCCFC72DEE}"/>
+              </a:ext>
+            </a:extLst>
+          </p:cNvPr>
+          <p:cNvPicPr>
+            <a:picLocks noChangeAspect="1"/>
+          </p:cNvPicPr>
+          <p:nvPr/>
+        </p:nvPicPr>
+        <p:blipFill>
+          <a:blip r:embed="rId2"/>
+          <a:stretch>
+            <a:fillRect/>
+          </a:stretch>
+        </p:blipFill>
+        <p:spPr>
+          <a:xfrm>
+            <a:off x="10760777" y="3948088"/>
+            <a:ext cx="560136" cy="406136"/>
+          </a:xfrm>
+          <a:prstGeom prst="rect">
+            <a:avLst/>
+          </a:prstGeom>
+        </p:spPr>
+      </p:pic>
+      <p:pic>
+        <p:nvPicPr>
+          <p:cNvPr id="55" name="図 54">
+            <a:extLst>
+              <a:ext uri="{FF2B5EF4-FFF2-40B4-BE49-F238E27FC236}">
+                <a16:creationId xmlns:a16="http://schemas.microsoft.com/office/drawing/2014/main" id="{316807AB-F217-0E43-9BC3-8CEF7A010F57}"/>
+              </a:ext>
+            </a:extLst>
+          </p:cNvPr>
+          <p:cNvPicPr>
+            <a:picLocks noChangeAspect="1"/>
+          </p:cNvPicPr>
+          <p:nvPr/>
+        </p:nvPicPr>
+        <p:blipFill>
+          <a:blip r:embed="rId2"/>
+          <a:stretch>
+            <a:fillRect/>
+          </a:stretch>
+        </p:blipFill>
+        <p:spPr>
+          <a:xfrm>
+            <a:off x="10198133" y="3948088"/>
+            <a:ext cx="560136" cy="406136"/>
+          </a:xfrm>
+          <a:prstGeom prst="rect">
+            <a:avLst/>
+          </a:prstGeom>
+        </p:spPr>
+      </p:pic>
+      <p:pic>
+        <p:nvPicPr>
+          <p:cNvPr id="56" name="図 55">
+            <a:extLst>
+              <a:ext uri="{FF2B5EF4-FFF2-40B4-BE49-F238E27FC236}">
+                <a16:creationId xmlns:a16="http://schemas.microsoft.com/office/drawing/2014/main" id="{BDC83F33-8DCC-8F43-8050-62ABBBD42441}"/>
+              </a:ext>
+            </a:extLst>
+          </p:cNvPr>
+          <p:cNvPicPr>
+            <a:picLocks noChangeAspect="1"/>
+          </p:cNvPicPr>
+          <p:nvPr/>
+        </p:nvPicPr>
+        <p:blipFill>
+          <a:blip r:embed="rId2"/>
+          <a:stretch>
+            <a:fillRect/>
+          </a:stretch>
+        </p:blipFill>
+        <p:spPr>
+          <a:xfrm>
+            <a:off x="9582193" y="3948088"/>
+            <a:ext cx="560136" cy="406136"/>
+          </a:xfrm>
+          <a:prstGeom prst="rect">
+            <a:avLst/>
+          </a:prstGeom>
+        </p:spPr>
+      </p:pic>
+      <p:pic>
+        <p:nvPicPr>
+          <p:cNvPr id="57" name="図 56">
+            <a:extLst>
+              <a:ext uri="{FF2B5EF4-FFF2-40B4-BE49-F238E27FC236}">
+                <a16:creationId xmlns:a16="http://schemas.microsoft.com/office/drawing/2014/main" id="{EF52042D-E1A4-A246-9C39-A9FC0DF4CFED}"/>
+              </a:ext>
+            </a:extLst>
+          </p:cNvPr>
+          <p:cNvPicPr>
+            <a:picLocks noChangeAspect="1"/>
+          </p:cNvPicPr>
+          <p:nvPr/>
+        </p:nvPicPr>
+        <p:blipFill>
+          <a:blip r:embed="rId2"/>
+          <a:stretch>
+            <a:fillRect/>
+          </a:stretch>
+        </p:blipFill>
+        <p:spPr>
+          <a:xfrm>
+            <a:off x="9030036" y="3948088"/>
+            <a:ext cx="560136" cy="406136"/>
+          </a:xfrm>
+          <a:prstGeom prst="rect">
+            <a:avLst/>
+          </a:prstGeom>
+        </p:spPr>
+      </p:pic>
+      <p:pic>
+        <p:nvPicPr>
+          <p:cNvPr id="58" name="図 57">
+            <a:extLst>
+              <a:ext uri="{FF2B5EF4-FFF2-40B4-BE49-F238E27FC236}">
+                <a16:creationId xmlns:a16="http://schemas.microsoft.com/office/drawing/2014/main" id="{90BA822B-5402-FF42-851A-B71DFC0F62A8}"/>
+              </a:ext>
+            </a:extLst>
+          </p:cNvPr>
+          <p:cNvPicPr>
+            <a:picLocks noChangeAspect="1"/>
+          </p:cNvPicPr>
+          <p:nvPr/>
+        </p:nvPicPr>
+        <p:blipFill>
+          <a:blip r:embed="rId3"/>
+          <a:stretch>
+            <a:fillRect/>
+          </a:stretch>
+        </p:blipFill>
+        <p:spPr>
+          <a:xfrm>
+            <a:off x="7320548" y="3443613"/>
+            <a:ext cx="554426" cy="401996"/>
+          </a:xfrm>
+          <a:prstGeom prst="rect">
+            <a:avLst/>
+          </a:prstGeom>
+        </p:spPr>
+      </p:pic>
+      <p:pic>
+        <p:nvPicPr>
+          <p:cNvPr id="59" name="図 58">
+            <a:extLst>
+              <a:ext uri="{FF2B5EF4-FFF2-40B4-BE49-F238E27FC236}">
+                <a16:creationId xmlns:a16="http://schemas.microsoft.com/office/drawing/2014/main" id="{4BADDD9C-2646-5A42-88AC-282BBD74C533}"/>
+              </a:ext>
+            </a:extLst>
+          </p:cNvPr>
+          <p:cNvPicPr>
+            <a:picLocks noChangeAspect="1"/>
+          </p:cNvPicPr>
+          <p:nvPr/>
+        </p:nvPicPr>
+        <p:blipFill>
+          <a:blip r:embed="rId3"/>
+          <a:stretch>
+            <a:fillRect/>
+          </a:stretch>
+        </p:blipFill>
+        <p:spPr>
+          <a:xfrm>
+            <a:off x="6743623" y="3443613"/>
+            <a:ext cx="554426" cy="401996"/>
+          </a:xfrm>
+          <a:prstGeom prst="rect">
+            <a:avLst/>
+          </a:prstGeom>
+        </p:spPr>
+      </p:pic>
+      <p:pic>
+        <p:nvPicPr>
+          <p:cNvPr id="60" name="図 59">
+            <a:extLst>
+              <a:ext uri="{FF2B5EF4-FFF2-40B4-BE49-F238E27FC236}">
+                <a16:creationId xmlns:a16="http://schemas.microsoft.com/office/drawing/2014/main" id="{C32CB372-09A5-554C-ACE6-024733A921A7}"/>
+              </a:ext>
+            </a:extLst>
+          </p:cNvPr>
+          <p:cNvPicPr>
+            <a:picLocks noChangeAspect="1"/>
+          </p:cNvPicPr>
+          <p:nvPr/>
+        </p:nvPicPr>
+        <p:blipFill>
+          <a:blip r:embed="rId3"/>
+          <a:stretch>
+            <a:fillRect/>
+          </a:stretch>
+        </p:blipFill>
+        <p:spPr>
+          <a:xfrm>
+            <a:off x="10232281" y="3443613"/>
+            <a:ext cx="554426" cy="401996"/>
+          </a:xfrm>
+          <a:prstGeom prst="rect">
+            <a:avLst/>
+          </a:prstGeom>
+        </p:spPr>
+      </p:pic>
+      <p:pic>
+        <p:nvPicPr>
+          <p:cNvPr id="61" name="図 60">
+            <a:extLst>
+              <a:ext uri="{FF2B5EF4-FFF2-40B4-BE49-F238E27FC236}">
+                <a16:creationId xmlns:a16="http://schemas.microsoft.com/office/drawing/2014/main" id="{57CCBFA9-C36E-9A4A-8462-281E41E3CEE3}"/>
+              </a:ext>
+            </a:extLst>
+          </p:cNvPr>
+          <p:cNvPicPr>
+            <a:picLocks noChangeAspect="1"/>
+          </p:cNvPicPr>
+          <p:nvPr/>
+        </p:nvPicPr>
+        <p:blipFill>
+          <a:blip r:embed="rId3"/>
+          <a:stretch>
+            <a:fillRect/>
+          </a:stretch>
+        </p:blipFill>
+        <p:spPr>
+          <a:xfrm>
+            <a:off x="10794897" y="3433156"/>
+            <a:ext cx="554426" cy="401996"/>
+          </a:xfrm>
+          <a:prstGeom prst="rect">
+            <a:avLst/>
+          </a:prstGeom>
+        </p:spPr>
+      </p:pic>
+      <p:pic>
+        <p:nvPicPr>
+          <p:cNvPr id="62" name="図 61">
+            <a:extLst>
+              <a:ext uri="{FF2B5EF4-FFF2-40B4-BE49-F238E27FC236}">
+                <a16:creationId xmlns:a16="http://schemas.microsoft.com/office/drawing/2014/main" id="{248A638E-2CE1-6A4E-B1B8-BBFCC9925944}"/>
+              </a:ext>
+            </a:extLst>
+          </p:cNvPr>
+          <p:cNvPicPr>
+            <a:picLocks noChangeAspect="1"/>
+          </p:cNvPicPr>
+          <p:nvPr/>
+        </p:nvPicPr>
+        <p:blipFill>
+          <a:blip r:embed="rId4"/>
+          <a:stretch>
+            <a:fillRect/>
+          </a:stretch>
+        </p:blipFill>
+        <p:spPr>
+          <a:xfrm>
+            <a:off x="9589868" y="2907625"/>
+            <a:ext cx="575872" cy="417546"/>
+          </a:xfrm>
+          <a:prstGeom prst="rect">
+            <a:avLst/>
+          </a:prstGeom>
+        </p:spPr>
+      </p:pic>
+      <p:pic>
+        <p:nvPicPr>
+          <p:cNvPr id="63" name="図 62">
+            <a:extLst>
+              <a:ext uri="{FF2B5EF4-FFF2-40B4-BE49-F238E27FC236}">
+                <a16:creationId xmlns:a16="http://schemas.microsoft.com/office/drawing/2014/main" id="{FCBD5944-957B-2E46-BA8A-56083493D994}"/>
+              </a:ext>
+            </a:extLst>
+          </p:cNvPr>
+          <p:cNvPicPr>
+            <a:picLocks noChangeAspect="1"/>
+          </p:cNvPicPr>
+          <p:nvPr/>
+        </p:nvPicPr>
+        <p:blipFill>
+          <a:blip r:embed="rId4"/>
+          <a:stretch>
+            <a:fillRect/>
+          </a:stretch>
+        </p:blipFill>
+        <p:spPr>
+          <a:xfrm>
+            <a:off x="8447602" y="2918311"/>
+            <a:ext cx="575872" cy="417546"/>
+          </a:xfrm>
+          <a:prstGeom prst="rect">
+            <a:avLst/>
+          </a:prstGeom>
+        </p:spPr>
+      </p:pic>
+      <p:pic>
+        <p:nvPicPr>
+          <p:cNvPr id="64" name="図 63">
+            <a:extLst>
+              <a:ext uri="{FF2B5EF4-FFF2-40B4-BE49-F238E27FC236}">
+                <a16:creationId xmlns:a16="http://schemas.microsoft.com/office/drawing/2014/main" id="{945F14FD-355C-3742-84DA-F5E56B4F9739}"/>
+              </a:ext>
+            </a:extLst>
+          </p:cNvPr>
+          <p:cNvPicPr>
+            <a:picLocks noChangeAspect="1"/>
+          </p:cNvPicPr>
+          <p:nvPr/>
+        </p:nvPicPr>
+        <p:blipFill>
+          <a:blip r:embed="rId4"/>
+          <a:stretch>
+            <a:fillRect/>
+          </a:stretch>
+        </p:blipFill>
+        <p:spPr>
+          <a:xfrm>
+            <a:off x="7896768" y="2917731"/>
+            <a:ext cx="575872" cy="417546"/>
+          </a:xfrm>
+          <a:prstGeom prst="rect">
+            <a:avLst/>
+          </a:prstGeom>
+        </p:spPr>
+      </p:pic>
+      <p:pic>
+        <p:nvPicPr>
+          <p:cNvPr id="65" name="図 64">
+            <a:extLst>
+              <a:ext uri="{FF2B5EF4-FFF2-40B4-BE49-F238E27FC236}">
+                <a16:creationId xmlns:a16="http://schemas.microsoft.com/office/drawing/2014/main" id="{4C1DAEF6-BD8E-7D4E-9B55-15E2BF0105B8}"/>
+              </a:ext>
+            </a:extLst>
+          </p:cNvPr>
+          <p:cNvPicPr>
+            <a:picLocks noChangeAspect="1"/>
+          </p:cNvPicPr>
+          <p:nvPr/>
+        </p:nvPicPr>
+        <p:blipFill>
+          <a:blip r:embed="rId4"/>
+          <a:stretch>
+            <a:fillRect/>
+          </a:stretch>
+        </p:blipFill>
+        <p:spPr>
+          <a:xfrm>
+            <a:off x="7280802" y="2907104"/>
+            <a:ext cx="575872" cy="417546"/>
+          </a:xfrm>
+          <a:prstGeom prst="rect">
+            <a:avLst/>
+          </a:prstGeom>
+        </p:spPr>
+      </p:pic>
+      <p:pic>
+        <p:nvPicPr>
+          <p:cNvPr id="66" name="図 65">
+            <a:extLst>
+              <a:ext uri="{FF2B5EF4-FFF2-40B4-BE49-F238E27FC236}">
+                <a16:creationId xmlns:a16="http://schemas.microsoft.com/office/drawing/2014/main" id="{561C59C8-9E4A-D645-80EB-4DC8D4ABCA80}"/>
+              </a:ext>
+            </a:extLst>
+          </p:cNvPr>
+          <p:cNvPicPr>
+            <a:picLocks noChangeAspect="1"/>
+          </p:cNvPicPr>
+          <p:nvPr/>
+        </p:nvPicPr>
+        <p:blipFill>
+          <a:blip r:embed="rId4"/>
+          <a:stretch>
+            <a:fillRect/>
+          </a:stretch>
+        </p:blipFill>
+        <p:spPr>
+          <a:xfrm>
+            <a:off x="6716863" y="2914491"/>
+            <a:ext cx="575872" cy="417546"/>
+          </a:xfrm>
+          <a:prstGeom prst="rect">
+            <a:avLst/>
+          </a:prstGeom>
+        </p:spPr>
+      </p:pic>
+      <p:pic>
+        <p:nvPicPr>
+          <p:cNvPr id="68" name="図 67">
+            <a:extLst>
+              <a:ext uri="{FF2B5EF4-FFF2-40B4-BE49-F238E27FC236}">
+                <a16:creationId xmlns:a16="http://schemas.microsoft.com/office/drawing/2014/main" id="{DB0102BC-1624-F44D-AB3E-686F7C969063}"/>
+              </a:ext>
+            </a:extLst>
+          </p:cNvPr>
+          <p:cNvPicPr>
+            <a:picLocks noChangeAspect="1"/>
+          </p:cNvPicPr>
+          <p:nvPr/>
+        </p:nvPicPr>
+        <p:blipFill>
+          <a:blip r:embed="rId4"/>
+          <a:stretch>
+            <a:fillRect/>
+          </a:stretch>
+        </p:blipFill>
+        <p:spPr>
+          <a:xfrm>
+            <a:off x="9044748" y="2911781"/>
+            <a:ext cx="575872" cy="417546"/>
+          </a:xfrm>
+          <a:prstGeom prst="rect">
+            <a:avLst/>
+          </a:prstGeom>
+        </p:spPr>
+      </p:pic>
+    </p:spTree>
+    <p:extLst>
+      <p:ext uri="{BB962C8B-B14F-4D97-AF65-F5344CB8AC3E}">
+        <p14:creationId xmlns:p14="http://schemas.microsoft.com/office/powerpoint/2010/main" val="452549147"/>
       </p:ext>
     </p:extLst>
   </p:cSld>

--- a/きよし＿船.pptx
+++ b/きよし＿船.pptx
@@ -5,13 +5,14 @@
     <p:sldMasterId id="2147483648" r:id="rId1"/>
   </p:sldMasterIdLst>
   <p:notesMasterIdLst>
-    <p:notesMasterId r:id="rId6"/>
+    <p:notesMasterId r:id="rId7"/>
   </p:notesMasterIdLst>
   <p:sldIdLst>
     <p:sldId id="257" r:id="rId2"/>
     <p:sldId id="258" r:id="rId3"/>
     <p:sldId id="260" r:id="rId4"/>
-    <p:sldId id="259" r:id="rId5"/>
+    <p:sldId id="261" r:id="rId5"/>
+    <p:sldId id="262" r:id="rId6"/>
   </p:sldIdLst>
   <p:sldSz cx="12192000" cy="6858000"/>
   <p:notesSz cx="6858000" cy="9144000"/>
@@ -658,6 +659,90 @@
     <p:extLst>
       <p:ext uri="{BB962C8B-B14F-4D97-AF65-F5344CB8AC3E}">
         <p14:creationId xmlns:p14="http://schemas.microsoft.com/office/powerpoint/2010/main" val="127310795"/>
+      </p:ext>
+    </p:extLst>
+  </p:cSld>
+  <p:clrMapOvr>
+    <a:masterClrMapping/>
+  </p:clrMapOvr>
+</p:notes>
+</file>
+
+<file path=ppt/notesSlides/notesSlide3.xml><?xml version="1.0" encoding="utf-8"?>
+<p:notes xmlns:a="http://schemas.openxmlformats.org/drawingml/2006/main" xmlns:r="http://schemas.openxmlformats.org/officeDocument/2006/relationships" xmlns:p="http://schemas.openxmlformats.org/presentationml/2006/main">
+  <p:cSld>
+    <p:spTree>
+      <p:nvGrpSpPr>
+        <p:cNvPr id="1" name=""/>
+        <p:cNvGrpSpPr/>
+        <p:nvPr/>
+      </p:nvGrpSpPr>
+      <p:grpSpPr>
+        <a:xfrm>
+          <a:off x="0" y="0"/>
+          <a:ext cx="0" cy="0"/>
+          <a:chOff x="0" y="0"/>
+          <a:chExt cx="0" cy="0"/>
+        </a:xfrm>
+      </p:grpSpPr>
+      <p:sp>
+        <p:nvSpPr>
+          <p:cNvPr id="2" name="スライド イメージ プレースホルダー 1"/>
+          <p:cNvSpPr>
+            <a:spLocks noGrp="1" noRot="1" noChangeAspect="1"/>
+          </p:cNvSpPr>
+          <p:nvPr>
+            <p:ph type="sldImg"/>
+          </p:nvPr>
+        </p:nvSpPr>
+        <p:spPr/>
+      </p:sp>
+      <p:sp>
+        <p:nvSpPr>
+          <p:cNvPr id="3" name="ノート プレースホルダー 2"/>
+          <p:cNvSpPr>
+            <a:spLocks noGrp="1"/>
+          </p:cNvSpPr>
+          <p:nvPr>
+            <p:ph type="body" idx="1"/>
+          </p:nvPr>
+        </p:nvSpPr>
+        <p:spPr/>
+        <p:txBody>
+          <a:bodyPr/>
+          <a:lstStyle/>
+          <a:p>
+            <a:endParaRPr kumimoji="1" lang="ja-JP" altLang="en-US"/>
+          </a:p>
+        </p:txBody>
+      </p:sp>
+      <p:sp>
+        <p:nvSpPr>
+          <p:cNvPr id="4" name="スライド番号プレースホルダー 3"/>
+          <p:cNvSpPr>
+            <a:spLocks noGrp="1"/>
+          </p:cNvSpPr>
+          <p:nvPr>
+            <p:ph type="sldNum" sz="quarter" idx="5"/>
+          </p:nvPr>
+        </p:nvSpPr>
+        <p:spPr/>
+        <p:txBody>
+          <a:bodyPr/>
+          <a:lstStyle/>
+          <a:p>
+            <a:fld id="{1AE8CFB7-0F18-0240-AC4E-5BAEBAFDD5F5}" type="slidenum">
+              <a:rPr kumimoji="1" lang="ja-JP" altLang="en-US" smtClean="0"/>
+              <a:t>5</a:t>
+            </a:fld>
+            <a:endParaRPr kumimoji="1" lang="ja-JP" altLang="en-US"/>
+          </a:p>
+        </p:txBody>
+      </p:sp>
+    </p:spTree>
+    <p:extLst>
+      <p:ext uri="{BB962C8B-B14F-4D97-AF65-F5344CB8AC3E}">
+        <p14:creationId xmlns:p14="http://schemas.microsoft.com/office/powerpoint/2010/main" val="2774396199"/>
       </p:ext>
     </p:extLst>
   </p:cSld>
@@ -6007,7 +6092,7 @@
           <p:nvPr>
             <p:extLst>
               <p:ext uri="{D42A27DB-BD31-4B8C-83A1-F6EECF244321}">
-                <p14:modId xmlns:p14="http://schemas.microsoft.com/office/powerpoint/2010/main" val="1744576411"/>
+                <p14:modId xmlns:p14="http://schemas.microsoft.com/office/powerpoint/2010/main" val="1145516296"/>
               </p:ext>
             </p:extLst>
           </p:nvPr>
@@ -6107,7 +6192,7 @@
                       <a:prstDash val="solid"/>
                     </a:lnBlToTr>
                     <a:solidFill>
-                      <a:schemeClr val="accent2"/>
+                      <a:schemeClr val="bg1"/>
                     </a:solidFill>
                   </a:tcPr>
                 </a:tc>
@@ -6165,7 +6250,7 @@
                       <a:prstDash val="solid"/>
                     </a:lnBlToTr>
                     <a:solidFill>
-                      <a:schemeClr val="accent2"/>
+                      <a:schemeClr val="bg1"/>
                     </a:solidFill>
                   </a:tcPr>
                 </a:tc>
@@ -6223,7 +6308,7 @@
                       <a:prstDash val="solid"/>
                     </a:lnBlToTr>
                     <a:solidFill>
-                      <a:schemeClr val="accent1"/>
+                      <a:schemeClr val="bg1"/>
                     </a:solidFill>
                   </a:tcPr>
                 </a:tc>
@@ -6330,7 +6415,7 @@
                       <a:tailEnd type="none" w="med" len="med"/>
                     </a:lnB>
                     <a:solidFill>
-                      <a:schemeClr val="accent2"/>
+                      <a:schemeClr val="bg1"/>
                     </a:solidFill>
                   </a:tcPr>
                 </a:tc>
@@ -6591,7 +6676,7 @@
                       <a:tailEnd type="none" w="med" len="med"/>
                     </a:lnB>
                     <a:solidFill>
-                      <a:srgbClr val="FFC000"/>
+                      <a:schemeClr val="bg1"/>
                     </a:solidFill>
                   </a:tcPr>
                 </a:tc>
@@ -7668,474 +7753,453 @@
           <a:chExt cx="0" cy="0"/>
         </a:xfrm>
       </p:grpSpPr>
-      <p:grpSp>
-        <p:nvGrpSpPr>
-          <p:cNvPr id="5" name="グループ化 4">
-            <a:extLst>
-              <a:ext uri="{FF2B5EF4-FFF2-40B4-BE49-F238E27FC236}">
-                <a16:creationId xmlns:a16="http://schemas.microsoft.com/office/drawing/2014/main" id="{28EBBC02-E319-BD43-BF6C-7BCE5F31008C}"/>
-              </a:ext>
-            </a:extLst>
-          </p:cNvPr>
-          <p:cNvGrpSpPr/>
+      <p:sp>
+        <p:nvSpPr>
+          <p:cNvPr id="12" name="ホームベース 11">
+            <a:extLst>
+              <a:ext uri="{FF2B5EF4-FFF2-40B4-BE49-F238E27FC236}">
+                <a16:creationId xmlns:a16="http://schemas.microsoft.com/office/drawing/2014/main" id="{A62E56CF-FE34-8C4C-B2D6-1158072C7885}"/>
+              </a:ext>
+            </a:extLst>
+          </p:cNvPr>
+          <p:cNvSpPr/>
           <p:nvPr/>
-        </p:nvGrpSpPr>
-        <p:grpSpPr>
+        </p:nvSpPr>
+        <p:spPr>
           <a:xfrm>
-            <a:off x="5189634" y="1675273"/>
-            <a:ext cx="7698657" cy="2946004"/>
-            <a:chOff x="5189634" y="1675273"/>
-            <a:chExt cx="7698657" cy="2946004"/>
+            <a:off x="8644154" y="2147282"/>
+            <a:ext cx="2396691" cy="1281718"/>
           </a:xfrm>
-        </p:grpSpPr>
-        <p:sp>
-          <p:nvSpPr>
-            <p:cNvPr id="12" name="ホームベース 11">
-              <a:extLst>
-                <a:ext uri="{FF2B5EF4-FFF2-40B4-BE49-F238E27FC236}">
-                  <a16:creationId xmlns:a16="http://schemas.microsoft.com/office/drawing/2014/main" id="{A62E56CF-FE34-8C4C-B2D6-1158072C7885}"/>
-                </a:ext>
-              </a:extLst>
-            </p:cNvPr>
-            <p:cNvSpPr/>
-            <p:nvPr/>
-          </p:nvSpPr>
-          <p:spPr>
-            <a:xfrm>
-              <a:off x="8644154" y="2147282"/>
-              <a:ext cx="2396691" cy="1281718"/>
-            </a:xfrm>
-            <a:prstGeom prst="homePlate">
-              <a:avLst/>
-            </a:prstGeom>
-            <a:noFill/>
-            <a:ln>
-              <a:solidFill>
-                <a:schemeClr val="tx1"/>
-              </a:solidFill>
-            </a:ln>
-          </p:spPr>
-          <p:style>
-            <a:lnRef idx="2">
-              <a:schemeClr val="accent1">
-                <a:shade val="50000"/>
-              </a:schemeClr>
-            </a:lnRef>
-            <a:fillRef idx="1">
-              <a:schemeClr val="accent1"/>
-            </a:fillRef>
-            <a:effectRef idx="0">
-              <a:schemeClr val="accent1"/>
-            </a:effectRef>
-            <a:fontRef idx="minor">
-              <a:schemeClr val="lt1"/>
-            </a:fontRef>
-          </p:style>
-          <p:txBody>
-            <a:bodyPr rtlCol="0" anchor="ctr"/>
-            <a:lstStyle/>
-            <a:p>
-              <a:pPr algn="ctr"/>
-              <a:endParaRPr kumimoji="1" lang="ja-JP" altLang="en-US"/>
-            </a:p>
-          </p:txBody>
-        </p:sp>
-        <p:sp>
-          <p:nvSpPr>
-            <p:cNvPr id="13" name="円/楕円 12">
-              <a:extLst>
-                <a:ext uri="{FF2B5EF4-FFF2-40B4-BE49-F238E27FC236}">
-                  <a16:creationId xmlns:a16="http://schemas.microsoft.com/office/drawing/2014/main" id="{A5AF72D6-57C1-CE4F-B30F-24EF655E3270}"/>
-                </a:ext>
-              </a:extLst>
-            </p:cNvPr>
-            <p:cNvSpPr/>
-            <p:nvPr/>
-          </p:nvSpPr>
-          <p:spPr>
-            <a:xfrm>
-              <a:off x="8870348" y="2339008"/>
-              <a:ext cx="250257" cy="250257"/>
-            </a:xfrm>
-            <a:prstGeom prst="ellipse">
-              <a:avLst/>
-            </a:prstGeom>
+          <a:prstGeom prst="homePlate">
+            <a:avLst/>
+          </a:prstGeom>
+          <a:noFill/>
+          <a:ln>
             <a:solidFill>
-              <a:schemeClr val="bg1">
-                <a:lumMod val="75000"/>
-              </a:schemeClr>
+              <a:schemeClr val="tx1"/>
             </a:solidFill>
-            <a:ln>
-              <a:solidFill>
-                <a:schemeClr val="tx1"/>
-              </a:solidFill>
-            </a:ln>
-          </p:spPr>
-          <p:style>
-            <a:lnRef idx="2">
-              <a:schemeClr val="accent1">
-                <a:shade val="50000"/>
-              </a:schemeClr>
-            </a:lnRef>
-            <a:fillRef idx="1">
-              <a:schemeClr val="accent1"/>
-            </a:fillRef>
-            <a:effectRef idx="0">
-              <a:schemeClr val="accent1"/>
-            </a:effectRef>
-            <a:fontRef idx="minor">
-              <a:schemeClr val="lt1"/>
-            </a:fontRef>
-          </p:style>
-          <p:txBody>
-            <a:bodyPr rtlCol="0" anchor="ctr"/>
-            <a:lstStyle/>
-            <a:p>
-              <a:pPr algn="ctr"/>
-              <a:endParaRPr kumimoji="1" lang="ja-JP" altLang="en-US"/>
-            </a:p>
-          </p:txBody>
-        </p:sp>
-        <p:sp>
-          <p:nvSpPr>
-            <p:cNvPr id="14" name="円/楕円 13">
-              <a:extLst>
-                <a:ext uri="{FF2B5EF4-FFF2-40B4-BE49-F238E27FC236}">
-                  <a16:creationId xmlns:a16="http://schemas.microsoft.com/office/drawing/2014/main" id="{55ED3B84-71E4-4C49-98D9-153861B71901}"/>
-                </a:ext>
-              </a:extLst>
-            </p:cNvPr>
-            <p:cNvSpPr/>
-            <p:nvPr/>
-          </p:nvSpPr>
-          <p:spPr>
-            <a:xfrm>
-              <a:off x="9395325" y="2339008"/>
-              <a:ext cx="250257" cy="250257"/>
-            </a:xfrm>
-            <a:prstGeom prst="ellipse">
-              <a:avLst/>
-            </a:prstGeom>
+          </a:ln>
+        </p:spPr>
+        <p:style>
+          <a:lnRef idx="2">
+            <a:schemeClr val="accent1">
+              <a:shade val="50000"/>
+            </a:schemeClr>
+          </a:lnRef>
+          <a:fillRef idx="1">
+            <a:schemeClr val="accent1"/>
+          </a:fillRef>
+          <a:effectRef idx="0">
+            <a:schemeClr val="accent1"/>
+          </a:effectRef>
+          <a:fontRef idx="minor">
+            <a:schemeClr val="lt1"/>
+          </a:fontRef>
+        </p:style>
+        <p:txBody>
+          <a:bodyPr rtlCol="0" anchor="ctr"/>
+          <a:lstStyle/>
+          <a:p>
+            <a:pPr algn="ctr"/>
+            <a:endParaRPr kumimoji="1" lang="ja-JP" altLang="en-US"/>
+          </a:p>
+        </p:txBody>
+      </p:sp>
+      <p:sp>
+        <p:nvSpPr>
+          <p:cNvPr id="13" name="円/楕円 12">
+            <a:extLst>
+              <a:ext uri="{FF2B5EF4-FFF2-40B4-BE49-F238E27FC236}">
+                <a16:creationId xmlns:a16="http://schemas.microsoft.com/office/drawing/2014/main" id="{A5AF72D6-57C1-CE4F-B30F-24EF655E3270}"/>
+              </a:ext>
+            </a:extLst>
+          </p:cNvPr>
+          <p:cNvSpPr/>
+          <p:nvPr/>
+        </p:nvSpPr>
+        <p:spPr>
+          <a:xfrm>
+            <a:off x="8870348" y="2339008"/>
+            <a:ext cx="250257" cy="250257"/>
+          </a:xfrm>
+          <a:prstGeom prst="ellipse">
+            <a:avLst/>
+          </a:prstGeom>
+          <a:solidFill>
+            <a:schemeClr val="bg1">
+              <a:lumMod val="75000"/>
+            </a:schemeClr>
+          </a:solidFill>
+          <a:ln>
             <a:solidFill>
-              <a:schemeClr val="bg1">
-                <a:lumMod val="75000"/>
-              </a:schemeClr>
+              <a:schemeClr val="tx1"/>
             </a:solidFill>
-            <a:ln>
-              <a:solidFill>
-                <a:schemeClr val="tx1"/>
-              </a:solidFill>
-            </a:ln>
-          </p:spPr>
-          <p:style>
-            <a:lnRef idx="2">
-              <a:schemeClr val="accent1">
-                <a:shade val="50000"/>
-              </a:schemeClr>
-            </a:lnRef>
-            <a:fillRef idx="1">
-              <a:schemeClr val="accent1"/>
-            </a:fillRef>
-            <a:effectRef idx="0">
-              <a:schemeClr val="accent1"/>
-            </a:effectRef>
-            <a:fontRef idx="minor">
-              <a:schemeClr val="lt1"/>
-            </a:fontRef>
-          </p:style>
-          <p:txBody>
-            <a:bodyPr rtlCol="0" anchor="ctr"/>
-            <a:lstStyle/>
-            <a:p>
-              <a:pPr algn="ctr"/>
-              <a:endParaRPr kumimoji="1" lang="ja-JP" altLang="en-US"/>
-            </a:p>
-          </p:txBody>
-        </p:sp>
-        <p:sp>
-          <p:nvSpPr>
-            <p:cNvPr id="15" name="円/楕円 14">
-              <a:extLst>
-                <a:ext uri="{FF2B5EF4-FFF2-40B4-BE49-F238E27FC236}">
-                  <a16:creationId xmlns:a16="http://schemas.microsoft.com/office/drawing/2014/main" id="{0AF81A3A-DF47-8744-A2FF-4D0152CB8E7E}"/>
-                </a:ext>
-              </a:extLst>
-            </p:cNvPr>
-            <p:cNvSpPr/>
-            <p:nvPr/>
-          </p:nvSpPr>
-          <p:spPr>
-            <a:xfrm>
-              <a:off x="9920303" y="2339008"/>
-              <a:ext cx="250257" cy="250257"/>
-            </a:xfrm>
-            <a:prstGeom prst="ellipse">
-              <a:avLst/>
-            </a:prstGeom>
+          </a:ln>
+        </p:spPr>
+        <p:style>
+          <a:lnRef idx="2">
+            <a:schemeClr val="accent1">
+              <a:shade val="50000"/>
+            </a:schemeClr>
+          </a:lnRef>
+          <a:fillRef idx="1">
+            <a:schemeClr val="accent1"/>
+          </a:fillRef>
+          <a:effectRef idx="0">
+            <a:schemeClr val="accent1"/>
+          </a:effectRef>
+          <a:fontRef idx="minor">
+            <a:schemeClr val="lt1"/>
+          </a:fontRef>
+        </p:style>
+        <p:txBody>
+          <a:bodyPr rtlCol="0" anchor="ctr"/>
+          <a:lstStyle/>
+          <a:p>
+            <a:pPr algn="ctr"/>
+            <a:endParaRPr kumimoji="1" lang="ja-JP" altLang="en-US"/>
+          </a:p>
+        </p:txBody>
+      </p:sp>
+      <p:sp>
+        <p:nvSpPr>
+          <p:cNvPr id="14" name="円/楕円 13">
+            <a:extLst>
+              <a:ext uri="{FF2B5EF4-FFF2-40B4-BE49-F238E27FC236}">
+                <a16:creationId xmlns:a16="http://schemas.microsoft.com/office/drawing/2014/main" id="{55ED3B84-71E4-4C49-98D9-153861B71901}"/>
+              </a:ext>
+            </a:extLst>
+          </p:cNvPr>
+          <p:cNvSpPr/>
+          <p:nvPr/>
+        </p:nvSpPr>
+        <p:spPr>
+          <a:xfrm>
+            <a:off x="9395325" y="2339008"/>
+            <a:ext cx="250257" cy="250257"/>
+          </a:xfrm>
+          <a:prstGeom prst="ellipse">
+            <a:avLst/>
+          </a:prstGeom>
+          <a:solidFill>
+            <a:schemeClr val="bg1">
+              <a:lumMod val="75000"/>
+            </a:schemeClr>
+          </a:solidFill>
+          <a:ln>
             <a:solidFill>
-              <a:schemeClr val="bg1">
-                <a:lumMod val="75000"/>
-              </a:schemeClr>
+              <a:schemeClr val="tx1"/>
             </a:solidFill>
-            <a:ln>
-              <a:solidFill>
-                <a:schemeClr val="tx1"/>
-              </a:solidFill>
-            </a:ln>
-          </p:spPr>
-          <p:style>
-            <a:lnRef idx="2">
-              <a:schemeClr val="accent1">
-                <a:shade val="50000"/>
-              </a:schemeClr>
-            </a:lnRef>
-            <a:fillRef idx="1">
-              <a:schemeClr val="accent1"/>
-            </a:fillRef>
-            <a:effectRef idx="0">
-              <a:schemeClr val="accent1"/>
-            </a:effectRef>
-            <a:fontRef idx="minor">
-              <a:schemeClr val="lt1"/>
-            </a:fontRef>
-          </p:style>
-          <p:txBody>
-            <a:bodyPr rtlCol="0" anchor="ctr"/>
-            <a:lstStyle/>
-            <a:p>
-              <a:pPr algn="ctr"/>
-              <a:endParaRPr kumimoji="1" lang="ja-JP" altLang="en-US"/>
-            </a:p>
-          </p:txBody>
-        </p:sp>
-        <p:sp>
-          <p:nvSpPr>
-            <p:cNvPr id="16" name="直角三角形 15">
-              <a:extLst>
-                <a:ext uri="{FF2B5EF4-FFF2-40B4-BE49-F238E27FC236}">
-                  <a16:creationId xmlns:a16="http://schemas.microsoft.com/office/drawing/2014/main" id="{39573A9B-A7CF-BD48-8359-8B6897371C13}"/>
-                </a:ext>
-              </a:extLst>
-            </p:cNvPr>
-            <p:cNvSpPr/>
-            <p:nvPr/>
-          </p:nvSpPr>
-          <p:spPr>
-            <a:xfrm rot="10800000">
-              <a:off x="6215914" y="2788139"/>
-              <a:ext cx="503999" cy="1534515"/>
-            </a:xfrm>
-            <a:prstGeom prst="rtTriangle">
-              <a:avLst/>
-            </a:prstGeom>
+          </a:ln>
+        </p:spPr>
+        <p:style>
+          <a:lnRef idx="2">
+            <a:schemeClr val="accent1">
+              <a:shade val="50000"/>
+            </a:schemeClr>
+          </a:lnRef>
+          <a:fillRef idx="1">
+            <a:schemeClr val="accent1"/>
+          </a:fillRef>
+          <a:effectRef idx="0">
+            <a:schemeClr val="accent1"/>
+          </a:effectRef>
+          <a:fontRef idx="minor">
+            <a:schemeClr val="lt1"/>
+          </a:fontRef>
+        </p:style>
+        <p:txBody>
+          <a:bodyPr rtlCol="0" anchor="ctr"/>
+          <a:lstStyle/>
+          <a:p>
+            <a:pPr algn="ctr"/>
+            <a:endParaRPr kumimoji="1" lang="ja-JP" altLang="en-US"/>
+          </a:p>
+        </p:txBody>
+      </p:sp>
+      <p:sp>
+        <p:nvSpPr>
+          <p:cNvPr id="15" name="円/楕円 14">
+            <a:extLst>
+              <a:ext uri="{FF2B5EF4-FFF2-40B4-BE49-F238E27FC236}">
+                <a16:creationId xmlns:a16="http://schemas.microsoft.com/office/drawing/2014/main" id="{0AF81A3A-DF47-8744-A2FF-4D0152CB8E7E}"/>
+              </a:ext>
+            </a:extLst>
+          </p:cNvPr>
+          <p:cNvSpPr/>
+          <p:nvPr/>
+        </p:nvSpPr>
+        <p:spPr>
+          <a:xfrm>
+            <a:off x="9920303" y="2339008"/>
+            <a:ext cx="250257" cy="250257"/>
+          </a:xfrm>
+          <a:prstGeom prst="ellipse">
+            <a:avLst/>
+          </a:prstGeom>
+          <a:solidFill>
+            <a:schemeClr val="bg1">
+              <a:lumMod val="75000"/>
+            </a:schemeClr>
+          </a:solidFill>
+          <a:ln>
             <a:solidFill>
-              <a:schemeClr val="bg1">
-                <a:lumMod val="75000"/>
-              </a:schemeClr>
+              <a:schemeClr val="tx1"/>
             </a:solidFill>
-            <a:ln>
-              <a:solidFill>
-                <a:schemeClr val="tx1"/>
-              </a:solidFill>
-            </a:ln>
-          </p:spPr>
-          <p:style>
-            <a:lnRef idx="2">
-              <a:schemeClr val="accent1">
-                <a:shade val="50000"/>
-              </a:schemeClr>
-            </a:lnRef>
-            <a:fillRef idx="1">
-              <a:schemeClr val="accent1"/>
-            </a:fillRef>
-            <a:effectRef idx="0">
-              <a:schemeClr val="accent1"/>
-            </a:effectRef>
-            <a:fontRef idx="minor">
-              <a:schemeClr val="lt1"/>
-            </a:fontRef>
-          </p:style>
-          <p:txBody>
-            <a:bodyPr rtlCol="0" anchor="ctr"/>
-            <a:lstStyle/>
-            <a:p>
-              <a:pPr algn="ctr"/>
-              <a:endParaRPr kumimoji="1" lang="ja-JP" altLang="en-US"/>
-            </a:p>
-          </p:txBody>
-        </p:sp>
-        <p:sp>
-          <p:nvSpPr>
-            <p:cNvPr id="17" name="直角三角形 16">
-              <a:extLst>
-                <a:ext uri="{FF2B5EF4-FFF2-40B4-BE49-F238E27FC236}">
-                  <a16:creationId xmlns:a16="http://schemas.microsoft.com/office/drawing/2014/main" id="{A9DEC2DB-A5FA-2E46-96FA-0C4DF9A7ACF8}"/>
-                </a:ext>
-              </a:extLst>
-            </p:cNvPr>
-            <p:cNvSpPr/>
-            <p:nvPr/>
-          </p:nvSpPr>
-          <p:spPr>
-            <a:xfrm rot="10800000" flipH="1">
-              <a:off x="11364133" y="2788138"/>
-              <a:ext cx="503999" cy="1534513"/>
-            </a:xfrm>
-            <a:prstGeom prst="rtTriangle">
-              <a:avLst/>
-            </a:prstGeom>
+          </a:ln>
+        </p:spPr>
+        <p:style>
+          <a:lnRef idx="2">
+            <a:schemeClr val="accent1">
+              <a:shade val="50000"/>
+            </a:schemeClr>
+          </a:lnRef>
+          <a:fillRef idx="1">
+            <a:schemeClr val="accent1"/>
+          </a:fillRef>
+          <a:effectRef idx="0">
+            <a:schemeClr val="accent1"/>
+          </a:effectRef>
+          <a:fontRef idx="minor">
+            <a:schemeClr val="lt1"/>
+          </a:fontRef>
+        </p:style>
+        <p:txBody>
+          <a:bodyPr rtlCol="0" anchor="ctr"/>
+          <a:lstStyle/>
+          <a:p>
+            <a:pPr algn="ctr"/>
+            <a:endParaRPr kumimoji="1" lang="ja-JP" altLang="en-US"/>
+          </a:p>
+        </p:txBody>
+      </p:sp>
+      <p:sp>
+        <p:nvSpPr>
+          <p:cNvPr id="16" name="直角三角形 15">
+            <a:extLst>
+              <a:ext uri="{FF2B5EF4-FFF2-40B4-BE49-F238E27FC236}">
+                <a16:creationId xmlns:a16="http://schemas.microsoft.com/office/drawing/2014/main" id="{39573A9B-A7CF-BD48-8359-8B6897371C13}"/>
+              </a:ext>
+            </a:extLst>
+          </p:cNvPr>
+          <p:cNvSpPr/>
+          <p:nvPr/>
+        </p:nvSpPr>
+        <p:spPr>
+          <a:xfrm rot="10800000">
+            <a:off x="6215914" y="2788139"/>
+            <a:ext cx="503999" cy="1534515"/>
+          </a:xfrm>
+          <a:prstGeom prst="rtTriangle">
+            <a:avLst/>
+          </a:prstGeom>
+          <a:solidFill>
+            <a:schemeClr val="bg1">
+              <a:lumMod val="75000"/>
+            </a:schemeClr>
+          </a:solidFill>
+          <a:ln>
             <a:solidFill>
-              <a:schemeClr val="bg1">
-                <a:lumMod val="75000"/>
-              </a:schemeClr>
+              <a:schemeClr val="tx1"/>
             </a:solidFill>
-            <a:ln>
-              <a:solidFill>
-                <a:schemeClr val="tx1"/>
-              </a:solidFill>
-            </a:ln>
-          </p:spPr>
-          <p:style>
-            <a:lnRef idx="2">
-              <a:schemeClr val="accent1">
-                <a:shade val="50000"/>
-              </a:schemeClr>
-            </a:lnRef>
-            <a:fillRef idx="1">
-              <a:schemeClr val="accent1"/>
-            </a:fillRef>
-            <a:effectRef idx="0">
-              <a:schemeClr val="accent1"/>
-            </a:effectRef>
-            <a:fontRef idx="minor">
-              <a:schemeClr val="lt1"/>
-            </a:fontRef>
-          </p:style>
-          <p:txBody>
-            <a:bodyPr rtlCol="0" anchor="ctr"/>
-            <a:lstStyle/>
-            <a:p>
-              <a:pPr algn="ctr"/>
-              <a:endParaRPr kumimoji="1" lang="ja-JP" altLang="en-US"/>
-            </a:p>
-          </p:txBody>
-        </p:sp>
-        <p:sp>
-          <p:nvSpPr>
-            <p:cNvPr id="18" name="弦 17">
-              <a:extLst>
-                <a:ext uri="{FF2B5EF4-FFF2-40B4-BE49-F238E27FC236}">
-                  <a16:creationId xmlns:a16="http://schemas.microsoft.com/office/drawing/2014/main" id="{AE2C39A9-D03E-4448-8C10-38AAC69E60EB}"/>
-                </a:ext>
-              </a:extLst>
-            </p:cNvPr>
-            <p:cNvSpPr/>
-            <p:nvPr/>
-          </p:nvSpPr>
-          <p:spPr>
-            <a:xfrm>
-              <a:off x="5189634" y="1681058"/>
-              <a:ext cx="7698657" cy="2940219"/>
-            </a:xfrm>
-            <a:prstGeom prst="chord">
-              <a:avLst>
-                <a:gd name="adj1" fmla="val 1611090"/>
-                <a:gd name="adj2" fmla="val 9184230"/>
-              </a:avLst>
-            </a:prstGeom>
+          </a:ln>
+        </p:spPr>
+        <p:style>
+          <a:lnRef idx="2">
+            <a:schemeClr val="accent1">
+              <a:shade val="50000"/>
+            </a:schemeClr>
+          </a:lnRef>
+          <a:fillRef idx="1">
+            <a:schemeClr val="accent1"/>
+          </a:fillRef>
+          <a:effectRef idx="0">
+            <a:schemeClr val="accent1"/>
+          </a:effectRef>
+          <a:fontRef idx="minor">
+            <a:schemeClr val="lt1"/>
+          </a:fontRef>
+        </p:style>
+        <p:txBody>
+          <a:bodyPr rtlCol="0" anchor="ctr"/>
+          <a:lstStyle/>
+          <a:p>
+            <a:pPr algn="ctr"/>
+            <a:endParaRPr kumimoji="1" lang="ja-JP" altLang="en-US"/>
+          </a:p>
+        </p:txBody>
+      </p:sp>
+      <p:sp>
+        <p:nvSpPr>
+          <p:cNvPr id="17" name="直角三角形 16">
+            <a:extLst>
+              <a:ext uri="{FF2B5EF4-FFF2-40B4-BE49-F238E27FC236}">
+                <a16:creationId xmlns:a16="http://schemas.microsoft.com/office/drawing/2014/main" id="{A9DEC2DB-A5FA-2E46-96FA-0C4DF9A7ACF8}"/>
+              </a:ext>
+            </a:extLst>
+          </p:cNvPr>
+          <p:cNvSpPr/>
+          <p:nvPr/>
+        </p:nvSpPr>
+        <p:spPr>
+          <a:xfrm rot="10800000" flipH="1">
+            <a:off x="11364133" y="2788138"/>
+            <a:ext cx="503999" cy="1534513"/>
+          </a:xfrm>
+          <a:prstGeom prst="rtTriangle">
+            <a:avLst/>
+          </a:prstGeom>
+          <a:solidFill>
+            <a:schemeClr val="bg1">
+              <a:lumMod val="75000"/>
+            </a:schemeClr>
+          </a:solidFill>
+          <a:ln>
             <a:solidFill>
-              <a:schemeClr val="bg1">
-                <a:lumMod val="75000"/>
-              </a:schemeClr>
+              <a:schemeClr val="tx1"/>
             </a:solidFill>
-            <a:ln>
-              <a:solidFill>
-                <a:schemeClr val="tx1"/>
-              </a:solidFill>
-            </a:ln>
-          </p:spPr>
-          <p:style>
-            <a:lnRef idx="2">
-              <a:schemeClr val="accent1">
-                <a:shade val="50000"/>
-              </a:schemeClr>
-            </a:lnRef>
-            <a:fillRef idx="1">
-              <a:schemeClr val="accent1"/>
-            </a:fillRef>
-            <a:effectRef idx="0">
-              <a:schemeClr val="accent1"/>
-            </a:effectRef>
-            <a:fontRef idx="minor">
-              <a:schemeClr val="lt1"/>
-            </a:fontRef>
-          </p:style>
-          <p:txBody>
-            <a:bodyPr rtlCol="0" anchor="ctr"/>
-            <a:lstStyle/>
-            <a:p>
-              <a:pPr algn="ctr"/>
-              <a:endParaRPr kumimoji="1" lang="ja-JP" altLang="en-US"/>
-            </a:p>
-          </p:txBody>
-        </p:sp>
-        <p:sp>
-          <p:nvSpPr>
-            <p:cNvPr id="19" name="正方形/長方形 18">
-              <a:extLst>
-                <a:ext uri="{FF2B5EF4-FFF2-40B4-BE49-F238E27FC236}">
-                  <a16:creationId xmlns:a16="http://schemas.microsoft.com/office/drawing/2014/main" id="{C9C02457-3440-6C49-9E4E-75781C021AC5}"/>
-                </a:ext>
-              </a:extLst>
-            </p:cNvPr>
-            <p:cNvSpPr/>
-            <p:nvPr/>
-          </p:nvSpPr>
-          <p:spPr>
-            <a:xfrm>
-              <a:off x="9670047" y="1675273"/>
-              <a:ext cx="250256" cy="472009"/>
-            </a:xfrm>
-            <a:prstGeom prst="rect">
-              <a:avLst/>
-            </a:prstGeom>
+          </a:ln>
+        </p:spPr>
+        <p:style>
+          <a:lnRef idx="2">
+            <a:schemeClr val="accent1">
+              <a:shade val="50000"/>
+            </a:schemeClr>
+          </a:lnRef>
+          <a:fillRef idx="1">
+            <a:schemeClr val="accent1"/>
+          </a:fillRef>
+          <a:effectRef idx="0">
+            <a:schemeClr val="accent1"/>
+          </a:effectRef>
+          <a:fontRef idx="minor">
+            <a:schemeClr val="lt1"/>
+          </a:fontRef>
+        </p:style>
+        <p:txBody>
+          <a:bodyPr rtlCol="0" anchor="ctr"/>
+          <a:lstStyle/>
+          <a:p>
+            <a:pPr algn="ctr"/>
+            <a:endParaRPr kumimoji="1" lang="ja-JP" altLang="en-US"/>
+          </a:p>
+        </p:txBody>
+      </p:sp>
+      <p:sp>
+        <p:nvSpPr>
+          <p:cNvPr id="18" name="弦 17">
+            <a:extLst>
+              <a:ext uri="{FF2B5EF4-FFF2-40B4-BE49-F238E27FC236}">
+                <a16:creationId xmlns:a16="http://schemas.microsoft.com/office/drawing/2014/main" id="{AE2C39A9-D03E-4448-8C10-38AAC69E60EB}"/>
+              </a:ext>
+            </a:extLst>
+          </p:cNvPr>
+          <p:cNvSpPr/>
+          <p:nvPr/>
+        </p:nvSpPr>
+        <p:spPr>
+          <a:xfrm>
+            <a:off x="5189634" y="1681058"/>
+            <a:ext cx="7698657" cy="2940219"/>
+          </a:xfrm>
+          <a:prstGeom prst="chord">
+            <a:avLst>
+              <a:gd name="adj1" fmla="val 1611090"/>
+              <a:gd name="adj2" fmla="val 9184230"/>
+            </a:avLst>
+          </a:prstGeom>
+          <a:solidFill>
+            <a:schemeClr val="bg1">
+              <a:lumMod val="75000"/>
+            </a:schemeClr>
+          </a:solidFill>
+          <a:ln>
             <a:solidFill>
-              <a:schemeClr val="bg1">
-                <a:lumMod val="75000"/>
-              </a:schemeClr>
+              <a:schemeClr val="tx1"/>
             </a:solidFill>
-            <a:ln>
-              <a:solidFill>
-                <a:schemeClr val="tx1"/>
-              </a:solidFill>
-            </a:ln>
-          </p:spPr>
-          <p:style>
-            <a:lnRef idx="2">
-              <a:schemeClr val="accent1">
-                <a:shade val="50000"/>
-              </a:schemeClr>
-            </a:lnRef>
-            <a:fillRef idx="1">
-              <a:schemeClr val="accent1"/>
-            </a:fillRef>
-            <a:effectRef idx="0">
-              <a:schemeClr val="accent1"/>
-            </a:effectRef>
-            <a:fontRef idx="minor">
-              <a:schemeClr val="lt1"/>
-            </a:fontRef>
-          </p:style>
-          <p:txBody>
-            <a:bodyPr rtlCol="0" anchor="ctr"/>
-            <a:lstStyle/>
-            <a:p>
-              <a:pPr algn="ctr"/>
-              <a:endParaRPr kumimoji="1" lang="ja-JP" altLang="en-US"/>
-            </a:p>
-          </p:txBody>
-        </p:sp>
-      </p:grpSp>
+          </a:ln>
+        </p:spPr>
+        <p:style>
+          <a:lnRef idx="2">
+            <a:schemeClr val="accent1">
+              <a:shade val="50000"/>
+            </a:schemeClr>
+          </a:lnRef>
+          <a:fillRef idx="1">
+            <a:schemeClr val="accent1"/>
+          </a:fillRef>
+          <a:effectRef idx="0">
+            <a:schemeClr val="accent1"/>
+          </a:effectRef>
+          <a:fontRef idx="minor">
+            <a:schemeClr val="lt1"/>
+          </a:fontRef>
+        </p:style>
+        <p:txBody>
+          <a:bodyPr rtlCol="0" anchor="ctr"/>
+          <a:lstStyle/>
+          <a:p>
+            <a:pPr algn="ctr"/>
+            <a:endParaRPr kumimoji="1" lang="ja-JP" altLang="en-US"/>
+          </a:p>
+        </p:txBody>
+      </p:sp>
+      <p:sp>
+        <p:nvSpPr>
+          <p:cNvPr id="19" name="正方形/長方形 18">
+            <a:extLst>
+              <a:ext uri="{FF2B5EF4-FFF2-40B4-BE49-F238E27FC236}">
+                <a16:creationId xmlns:a16="http://schemas.microsoft.com/office/drawing/2014/main" id="{C9C02457-3440-6C49-9E4E-75781C021AC5}"/>
+              </a:ext>
+            </a:extLst>
+          </p:cNvPr>
+          <p:cNvSpPr/>
+          <p:nvPr/>
+        </p:nvSpPr>
+        <p:spPr>
+          <a:xfrm>
+            <a:off x="9670047" y="1675273"/>
+            <a:ext cx="250256" cy="472009"/>
+          </a:xfrm>
+          <a:prstGeom prst="rect">
+            <a:avLst/>
+          </a:prstGeom>
+          <a:solidFill>
+            <a:schemeClr val="bg1">
+              <a:lumMod val="75000"/>
+            </a:schemeClr>
+          </a:solidFill>
+          <a:ln>
+            <a:solidFill>
+              <a:schemeClr val="tx1"/>
+            </a:solidFill>
+          </a:ln>
+        </p:spPr>
+        <p:style>
+          <a:lnRef idx="2">
+            <a:schemeClr val="accent1">
+              <a:shade val="50000"/>
+            </a:schemeClr>
+          </a:lnRef>
+          <a:fillRef idx="1">
+            <a:schemeClr val="accent1"/>
+          </a:fillRef>
+          <a:effectRef idx="0">
+            <a:schemeClr val="accent1"/>
+          </a:effectRef>
+          <a:fontRef idx="minor">
+            <a:schemeClr val="lt1"/>
+          </a:fontRef>
+        </p:style>
+        <p:txBody>
+          <a:bodyPr rtlCol="0" anchor="ctr"/>
+          <a:lstStyle/>
+          <a:p>
+            <a:pPr algn="ctr"/>
+            <a:endParaRPr kumimoji="1" lang="ja-JP" altLang="en-US"/>
+          </a:p>
+        </p:txBody>
+      </p:sp>
       <p:graphicFrame>
         <p:nvGraphicFramePr>
           <p:cNvPr id="11" name="表 11">
@@ -8151,14 +8215,14 @@
           <p:nvPr>
             <p:extLst>
               <p:ext uri="{D42A27DB-BD31-4B8C-83A1-F6EECF244321}">
-                <p14:modId xmlns:p14="http://schemas.microsoft.com/office/powerpoint/2010/main" val="4231851671"/>
+                <p14:modId xmlns:p14="http://schemas.microsoft.com/office/powerpoint/2010/main" val="2588224384"/>
               </p:ext>
             </p:extLst>
           </p:nvPr>
         </p:nvGraphicFramePr>
         <p:xfrm>
           <a:off x="6718701" y="2788141"/>
-          <a:ext cx="4644222" cy="1534515"/>
+          <a:ext cx="4645432" cy="1534515"/>
         </p:xfrm>
         <a:graphic>
           <a:graphicData uri="http://schemas.openxmlformats.org/drawingml/2006/table">
@@ -8167,24 +8231,17 @@
                 <a:tableStyleId>{5C22544A-7EE6-4342-B048-85BDC9FD1C3A}</a:tableStyleId>
               </a:tblPr>
               <a:tblGrid>
-                <a:gridCol w="1548074">
+                <a:gridCol w="2080066">
                   <a:extLst>
                     <a:ext uri="{9D8B030D-6E8A-4147-A177-3AD203B41FA5}">
                       <a16:colId xmlns:a16="http://schemas.microsoft.com/office/drawing/2014/main" val="1120760323"/>
                     </a:ext>
                   </a:extLst>
                 </a:gridCol>
-                <a:gridCol w="1548074">
+                <a:gridCol w="2565366">
                   <a:extLst>
                     <a:ext uri="{9D8B030D-6E8A-4147-A177-3AD203B41FA5}">
                       <a16:colId xmlns:a16="http://schemas.microsoft.com/office/drawing/2014/main" val="1830531746"/>
-                    </a:ext>
-                  </a:extLst>
-                </a:gridCol>
-                <a:gridCol w="1548074">
-                  <a:extLst>
-                    <a:ext uri="{9D8B030D-6E8A-4147-A177-3AD203B41FA5}">
-                      <a16:colId xmlns:a16="http://schemas.microsoft.com/office/drawing/2014/main" val="3898694262"/>
                     </a:ext>
                   </a:extLst>
                 </a:gridCol>
@@ -8301,56 +8358,6 @@
                       <a:noFill/>
                       <a:prstDash val="solid"/>
                     </a:lnBlToTr>
-                    <a:solidFill>
-                      <a:schemeClr val="bg1"/>
-                    </a:solidFill>
-                  </a:tcPr>
-                </a:tc>
-                <a:tc>
-                  <a:txBody>
-                    <a:bodyPr/>
-                    <a:lstStyle/>
-                    <a:p>
-                      <a:endParaRPr kumimoji="1" lang="ja-JP" altLang="en-US"/>
-                    </a:p>
-                  </a:txBody>
-                  <a:tcPr>
-                    <a:lnL w="12700" cap="flat" cmpd="sng" algn="ctr">
-                      <a:solidFill>
-                        <a:schemeClr val="tx1"/>
-                      </a:solidFill>
-                      <a:prstDash val="solid"/>
-                      <a:round/>
-                      <a:headEnd type="none" w="med" len="med"/>
-                      <a:tailEnd type="none" w="med" len="med"/>
-                    </a:lnL>
-                    <a:lnR w="12700" cap="flat" cmpd="sng" algn="ctr">
-                      <a:solidFill>
-                        <a:schemeClr val="tx1"/>
-                      </a:solidFill>
-                      <a:prstDash val="solid"/>
-                      <a:round/>
-                      <a:headEnd type="none" w="med" len="med"/>
-                      <a:tailEnd type="none" w="med" len="med"/>
-                    </a:lnR>
-                    <a:lnT w="12700" cap="flat" cmpd="sng" algn="ctr">
-                      <a:solidFill>
-                        <a:schemeClr val="tx1"/>
-                      </a:solidFill>
-                      <a:prstDash val="solid"/>
-                      <a:round/>
-                      <a:headEnd type="none" w="med" len="med"/>
-                      <a:tailEnd type="none" w="med" len="med"/>
-                    </a:lnT>
-                    <a:lnB w="12700" cap="flat" cmpd="sng" algn="ctr">
-                      <a:solidFill>
-                        <a:schemeClr val="tx1"/>
-                      </a:solidFill>
-                      <a:prstDash val="solid"/>
-                      <a:round/>
-                      <a:headEnd type="none" w="med" len="med"/>
-                      <a:tailEnd type="none" w="med" len="med"/>
-                    </a:lnB>
                     <a:solidFill>
                       <a:schemeClr val="bg1"/>
                     </a:solidFill>
@@ -8467,56 +8474,6 @@
                     </a:solidFill>
                   </a:tcPr>
                 </a:tc>
-                <a:tc>
-                  <a:txBody>
-                    <a:bodyPr/>
-                    <a:lstStyle/>
-                    <a:p>
-                      <a:endParaRPr kumimoji="1" lang="ja-JP" altLang="en-US"/>
-                    </a:p>
-                  </a:txBody>
-                  <a:tcPr>
-                    <a:lnL w="12700" cap="flat" cmpd="sng" algn="ctr">
-                      <a:solidFill>
-                        <a:schemeClr val="tx1"/>
-                      </a:solidFill>
-                      <a:prstDash val="solid"/>
-                      <a:round/>
-                      <a:headEnd type="none" w="med" len="med"/>
-                      <a:tailEnd type="none" w="med" len="med"/>
-                    </a:lnL>
-                    <a:lnR w="12700" cap="flat" cmpd="sng" algn="ctr">
-                      <a:solidFill>
-                        <a:schemeClr val="tx1"/>
-                      </a:solidFill>
-                      <a:prstDash val="solid"/>
-                      <a:round/>
-                      <a:headEnd type="none" w="med" len="med"/>
-                      <a:tailEnd type="none" w="med" len="med"/>
-                    </a:lnR>
-                    <a:lnT w="12700" cap="flat" cmpd="sng" algn="ctr">
-                      <a:solidFill>
-                        <a:schemeClr val="tx1"/>
-                      </a:solidFill>
-                      <a:prstDash val="solid"/>
-                      <a:round/>
-                      <a:headEnd type="none" w="med" len="med"/>
-                      <a:tailEnd type="none" w="med" len="med"/>
-                    </a:lnT>
-                    <a:lnB w="12700" cap="flat" cmpd="sng" algn="ctr">
-                      <a:solidFill>
-                        <a:schemeClr val="tx1"/>
-                      </a:solidFill>
-                      <a:prstDash val="solid"/>
-                      <a:round/>
-                      <a:headEnd type="none" w="med" len="med"/>
-                      <a:tailEnd type="none" w="med" len="med"/>
-                    </a:lnB>
-                    <a:solidFill>
-                      <a:schemeClr val="bg1"/>
-                    </a:solidFill>
-                  </a:tcPr>
-                </a:tc>
                 <a:extLst>
                   <a:ext uri="{0D108BD9-81ED-4DB2-BD59-A6C34878D82A}">
                     <a16:rowId xmlns:a16="http://schemas.microsoft.com/office/drawing/2014/main" val="3688764702"/>
@@ -8524,56 +8481,6 @@
                 </a:extLst>
               </a:tr>
               <a:tr h="511505">
-                <a:tc>
-                  <a:txBody>
-                    <a:bodyPr/>
-                    <a:lstStyle/>
-                    <a:p>
-                      <a:endParaRPr kumimoji="1" lang="ja-JP" altLang="en-US"/>
-                    </a:p>
-                  </a:txBody>
-                  <a:tcPr>
-                    <a:lnL w="12700" cap="flat" cmpd="sng" algn="ctr">
-                      <a:solidFill>
-                        <a:schemeClr val="tx1"/>
-                      </a:solidFill>
-                      <a:prstDash val="solid"/>
-                      <a:round/>
-                      <a:headEnd type="none" w="med" len="med"/>
-                      <a:tailEnd type="none" w="med" len="med"/>
-                    </a:lnL>
-                    <a:lnR w="12700" cap="flat" cmpd="sng" algn="ctr">
-                      <a:solidFill>
-                        <a:schemeClr val="tx1"/>
-                      </a:solidFill>
-                      <a:prstDash val="solid"/>
-                      <a:round/>
-                      <a:headEnd type="none" w="med" len="med"/>
-                      <a:tailEnd type="none" w="med" len="med"/>
-                    </a:lnR>
-                    <a:lnT w="12700" cap="flat" cmpd="sng" algn="ctr">
-                      <a:solidFill>
-                        <a:schemeClr val="tx1"/>
-                      </a:solidFill>
-                      <a:prstDash val="solid"/>
-                      <a:round/>
-                      <a:headEnd type="none" w="med" len="med"/>
-                      <a:tailEnd type="none" w="med" len="med"/>
-                    </a:lnT>
-                    <a:lnB w="12700" cap="flat" cmpd="sng" algn="ctr">
-                      <a:solidFill>
-                        <a:schemeClr val="tx1"/>
-                      </a:solidFill>
-                      <a:prstDash val="solid"/>
-                      <a:round/>
-                      <a:headEnd type="none" w="med" len="med"/>
-                      <a:tailEnd type="none" w="med" len="med"/>
-                    </a:lnB>
-                    <a:solidFill>
-                      <a:schemeClr val="bg1"/>
-                    </a:solidFill>
-                  </a:tcPr>
-                </a:tc>
                 <a:tc>
                   <a:txBody>
                     <a:bodyPr/>
@@ -8706,7 +8613,7 @@
         </p:blipFill>
         <p:spPr>
           <a:xfrm>
-            <a:off x="9853057" y="2844124"/>
+            <a:off x="10070957" y="2852281"/>
             <a:ext cx="672921" cy="487913"/>
           </a:xfrm>
           <a:prstGeom prst="rect">
@@ -8736,7 +8643,7 @@
         </p:blipFill>
         <p:spPr>
           <a:xfrm>
-            <a:off x="10601404" y="2847742"/>
+            <a:off x="10681768" y="2865649"/>
             <a:ext cx="672921" cy="487913"/>
           </a:xfrm>
           <a:prstGeom prst="rect">
@@ -8766,7 +8673,7 @@
         </p:blipFill>
         <p:spPr>
           <a:xfrm>
-            <a:off x="7473129" y="2856743"/>
+            <a:off x="7435220" y="2856744"/>
             <a:ext cx="672921" cy="487913"/>
           </a:xfrm>
           <a:prstGeom prst="rect">
@@ -8826,7 +8733,7 @@
         </p:blipFill>
         <p:spPr>
           <a:xfrm>
-            <a:off x="8340245" y="2856744"/>
+            <a:off x="8118692" y="2865649"/>
             <a:ext cx="672921" cy="487913"/>
           </a:xfrm>
           <a:prstGeom prst="rect">
@@ -8856,7 +8763,7 @@
         </p:blipFill>
         <p:spPr>
           <a:xfrm>
-            <a:off x="9068823" y="2856745"/>
+            <a:off x="9442273" y="2865649"/>
             <a:ext cx="672921" cy="487913"/>
           </a:xfrm>
           <a:prstGeom prst="rect">
@@ -8886,7 +8793,7 @@
         </p:blipFill>
         <p:spPr>
           <a:xfrm>
-            <a:off x="6772127" y="3543987"/>
+            <a:off x="6725848" y="3543987"/>
             <a:ext cx="416618" cy="302076"/>
           </a:xfrm>
           <a:prstGeom prst="rect">
@@ -8916,7 +8823,7 @@
         </p:blipFill>
         <p:spPr>
           <a:xfrm>
-            <a:off x="7285270" y="3550460"/>
+            <a:off x="7128175" y="3531580"/>
             <a:ext cx="416618" cy="302076"/>
           </a:xfrm>
           <a:prstGeom prst="rect">
@@ -8946,7 +8853,7 @@
         </p:blipFill>
         <p:spPr>
           <a:xfrm>
-            <a:off x="7770355" y="3539765"/>
+            <a:off x="7539607" y="3551689"/>
             <a:ext cx="416618" cy="302076"/>
           </a:xfrm>
           <a:prstGeom prst="rect">
@@ -8976,7 +8883,7 @@
         </p:blipFill>
         <p:spPr>
           <a:xfrm>
-            <a:off x="8244505" y="3544867"/>
+            <a:off x="7975369" y="3542522"/>
             <a:ext cx="416618" cy="302076"/>
           </a:xfrm>
           <a:prstGeom prst="rect">
@@ -9006,7 +8913,7 @@
         </p:blipFill>
         <p:spPr>
           <a:xfrm>
-            <a:off x="8624195" y="3544867"/>
+            <a:off x="8373888" y="3548307"/>
             <a:ext cx="416618" cy="302076"/>
           </a:xfrm>
           <a:prstGeom prst="rect">
@@ -9036,7 +8943,7 @@
         </p:blipFill>
         <p:spPr>
           <a:xfrm>
-            <a:off x="9415764" y="3539765"/>
+            <a:off x="9677104" y="3539765"/>
             <a:ext cx="416618" cy="302076"/>
           </a:xfrm>
           <a:prstGeom prst="rect">
@@ -9066,7 +8973,7 @@
         </p:blipFill>
         <p:spPr>
           <a:xfrm>
-            <a:off x="9916412" y="3552452"/>
+            <a:off x="10084667" y="3534951"/>
             <a:ext cx="416618" cy="302076"/>
           </a:xfrm>
           <a:prstGeom prst="rect">
@@ -9096,7 +9003,7 @@
         </p:blipFill>
         <p:spPr>
           <a:xfrm>
-            <a:off x="10393095" y="3543987"/>
+            <a:off x="10516091" y="3539765"/>
             <a:ext cx="416618" cy="302076"/>
           </a:xfrm>
           <a:prstGeom prst="rect">
@@ -9126,7 +9033,7 @@
         </p:blipFill>
         <p:spPr>
           <a:xfrm>
-            <a:off x="10892009" y="3534531"/>
+            <a:off x="10950175" y="3544319"/>
             <a:ext cx="416618" cy="302076"/>
           </a:xfrm>
           <a:prstGeom prst="rect">
@@ -9156,7 +9063,7 @@
         </p:blipFill>
         <p:spPr>
           <a:xfrm>
-            <a:off x="9017245" y="3543987"/>
+            <a:off x="9240338" y="3552420"/>
             <a:ext cx="416618" cy="302076"/>
           </a:xfrm>
           <a:prstGeom prst="rect">
@@ -9216,7 +9123,7 @@
         </p:blipFill>
         <p:spPr>
           <a:xfrm>
-            <a:off x="7466522" y="3879133"/>
+            <a:off x="7429688" y="3888105"/>
             <a:ext cx="686133" cy="497492"/>
           </a:xfrm>
           <a:prstGeom prst="rect">
@@ -9246,7 +9153,7 @@
         </p:blipFill>
         <p:spPr>
           <a:xfrm>
-            <a:off x="9017682" y="3885155"/>
+            <a:off x="9420635" y="3876779"/>
             <a:ext cx="686133" cy="497492"/>
           </a:xfrm>
           <a:prstGeom prst="rect">
@@ -9276,7 +9183,7 @@
         </p:blipFill>
         <p:spPr>
           <a:xfrm>
-            <a:off x="8287561" y="3867336"/>
+            <a:off x="8119827" y="3879133"/>
             <a:ext cx="686133" cy="497492"/>
           </a:xfrm>
           <a:prstGeom prst="rect">
@@ -9306,7 +9213,7 @@
         </p:blipFill>
         <p:spPr>
           <a:xfrm>
-            <a:off x="9908667" y="3879133"/>
+            <a:off x="10078409" y="3879133"/>
             <a:ext cx="686133" cy="497492"/>
           </a:xfrm>
           <a:prstGeom prst="rect">
@@ -9336,7 +9243,97 @@
         </p:blipFill>
         <p:spPr>
           <a:xfrm>
-            <a:off x="10619863" y="3871837"/>
+            <a:off x="10713413" y="3902024"/>
+            <a:ext cx="686133" cy="497492"/>
+          </a:xfrm>
+          <a:prstGeom prst="rect">
+            <a:avLst/>
+          </a:prstGeom>
+        </p:spPr>
+      </p:pic>
+      <p:pic>
+        <p:nvPicPr>
+          <p:cNvPr id="55" name="図 54">
+            <a:extLst>
+              <a:ext uri="{FF2B5EF4-FFF2-40B4-BE49-F238E27FC236}">
+                <a16:creationId xmlns:a16="http://schemas.microsoft.com/office/drawing/2014/main" id="{D72B42C2-2F1F-8842-95CB-6210757B44CF}"/>
+              </a:ext>
+            </a:extLst>
+          </p:cNvPr>
+          <p:cNvPicPr>
+            <a:picLocks noChangeAspect="1"/>
+          </p:cNvPicPr>
+          <p:nvPr/>
+        </p:nvPicPr>
+        <p:blipFill>
+          <a:blip r:embed="rId3"/>
+          <a:stretch>
+            <a:fillRect/>
+          </a:stretch>
+        </p:blipFill>
+        <p:spPr>
+          <a:xfrm>
+            <a:off x="8813589" y="2876291"/>
+            <a:ext cx="672921" cy="487913"/>
+          </a:xfrm>
+          <a:prstGeom prst="rect">
+            <a:avLst/>
+          </a:prstGeom>
+        </p:spPr>
+      </p:pic>
+      <p:pic>
+        <p:nvPicPr>
+          <p:cNvPr id="56" name="図 55">
+            <a:extLst>
+              <a:ext uri="{FF2B5EF4-FFF2-40B4-BE49-F238E27FC236}">
+                <a16:creationId xmlns:a16="http://schemas.microsoft.com/office/drawing/2014/main" id="{68C06BE0-3453-4D48-907A-20BCE7F1AB49}"/>
+              </a:ext>
+            </a:extLst>
+          </p:cNvPr>
+          <p:cNvPicPr>
+            <a:picLocks noChangeAspect="1"/>
+          </p:cNvPicPr>
+          <p:nvPr/>
+        </p:nvPicPr>
+        <p:blipFill>
+          <a:blip r:embed="rId4"/>
+          <a:stretch>
+            <a:fillRect/>
+          </a:stretch>
+        </p:blipFill>
+        <p:spPr>
+          <a:xfrm>
+            <a:off x="8803573" y="3545333"/>
+            <a:ext cx="416618" cy="302076"/>
+          </a:xfrm>
+          <a:prstGeom prst="rect">
+            <a:avLst/>
+          </a:prstGeom>
+        </p:spPr>
+      </p:pic>
+      <p:pic>
+        <p:nvPicPr>
+          <p:cNvPr id="57" name="図 56">
+            <a:extLst>
+              <a:ext uri="{FF2B5EF4-FFF2-40B4-BE49-F238E27FC236}">
+                <a16:creationId xmlns:a16="http://schemas.microsoft.com/office/drawing/2014/main" id="{87770F70-EEEE-1D4D-9CDE-948F92E8F639}"/>
+              </a:ext>
+            </a:extLst>
+          </p:cNvPr>
+          <p:cNvPicPr>
+            <a:picLocks noChangeAspect="1"/>
+          </p:cNvPicPr>
+          <p:nvPr/>
+        </p:nvPicPr>
+        <p:blipFill>
+          <a:blip r:embed="rId5"/>
+          <a:stretch>
+            <a:fillRect/>
+          </a:stretch>
+        </p:blipFill>
+        <p:spPr>
+          <a:xfrm>
+            <a:off x="8792685" y="3876216"/>
             <a:ext cx="686133" cy="497492"/>
           </a:xfrm>
           <a:prstGeom prst="rect">
@@ -9441,7 +9438,7 @@
           <p:nvPr>
             <p:extLst>
               <p:ext uri="{D42A27DB-BD31-4B8C-83A1-F6EECF244321}">
-                <p14:modId xmlns:p14="http://schemas.microsoft.com/office/powerpoint/2010/main" val="4022131278"/>
+                <p14:modId xmlns:p14="http://schemas.microsoft.com/office/powerpoint/2010/main" val="3254792120"/>
               </p:ext>
             </p:extLst>
           </p:nvPr>
@@ -9540,7 +9537,9 @@
                       <a:noFill/>
                       <a:prstDash val="solid"/>
                     </a:lnBlToTr>
-                    <a:noFill/>
+                    <a:solidFill>
+                      <a:schemeClr val="bg1"/>
+                    </a:solidFill>
                   </a:tcPr>
                 </a:tc>
                 <a:tc>
@@ -9654,7 +9653,9 @@
                       <a:noFill/>
                       <a:prstDash val="solid"/>
                     </a:lnBlToTr>
-                    <a:noFill/>
+                    <a:solidFill>
+                      <a:schemeClr val="bg1"/>
+                    </a:solidFill>
                   </a:tcPr>
                 </a:tc>
                 <a:tc>
@@ -9759,7 +9760,9 @@
                       <a:headEnd type="none" w="med" len="med"/>
                       <a:tailEnd type="none" w="med" len="med"/>
                     </a:lnB>
-                    <a:noFill/>
+                    <a:solidFill>
+                      <a:schemeClr val="bg1"/>
+                    </a:solidFill>
                   </a:tcPr>
                 </a:tc>
                 <a:tc>
@@ -9928,11 +9931,7 @@
                     <a:bodyPr/>
                     <a:lstStyle/>
                     <a:p>
-                      <a:endParaRPr kumimoji="1" lang="ja-JP" altLang="en-US">
-                        <a:solidFill>
-                          <a:srgbClr val="FF0000"/>
-                        </a:solidFill>
-                      </a:endParaRPr>
+                      <a:endParaRPr kumimoji="1" lang="ja-JP" altLang="en-US"/>
                     </a:p>
                   </a:txBody>
                   <a:tcPr>
@@ -10022,7 +10021,9 @@
                       <a:headEnd type="none" w="med" len="med"/>
                       <a:tailEnd type="none" w="med" len="med"/>
                     </a:lnB>
-                    <a:noFill/>
+                    <a:solidFill>
+                      <a:schemeClr val="bg1"/>
+                    </a:solidFill>
                   </a:tcPr>
                 </a:tc>
                 <a:tc>
@@ -10530,730 +10531,1115 @@
           </a:p>
         </p:txBody>
       </p:sp>
-      <p:pic>
-        <p:nvPicPr>
-          <p:cNvPr id="33" name="図 32">
-            <a:extLst>
-              <a:ext uri="{FF2B5EF4-FFF2-40B4-BE49-F238E27FC236}">
-                <a16:creationId xmlns:a16="http://schemas.microsoft.com/office/drawing/2014/main" id="{9A20E3D9-A9DF-8B4C-BD83-5A7C9BFD3C4A}"/>
-              </a:ext>
-            </a:extLst>
-          </p:cNvPr>
-          <p:cNvPicPr>
-            <a:picLocks noChangeAspect="1"/>
-          </p:cNvPicPr>
+    </p:spTree>
+    <p:extLst>
+      <p:ext uri="{BB962C8B-B14F-4D97-AF65-F5344CB8AC3E}">
+        <p14:creationId xmlns:p14="http://schemas.microsoft.com/office/powerpoint/2010/main" val="29998194"/>
+      </p:ext>
+    </p:extLst>
+  </p:cSld>
+  <p:clrMapOvr>
+    <a:masterClrMapping/>
+  </p:clrMapOvr>
+</p:sld>
+</file>
+
+<file path=ppt/slides/slide5.xml><?xml version="1.0" encoding="utf-8"?>
+<p:sld xmlns:a="http://schemas.openxmlformats.org/drawingml/2006/main" xmlns:r="http://schemas.openxmlformats.org/officeDocument/2006/relationships" xmlns:p="http://schemas.openxmlformats.org/presentationml/2006/main">
+  <p:cSld>
+    <p:spTree>
+      <p:nvGrpSpPr>
+        <p:cNvPr id="1" name=""/>
+        <p:cNvGrpSpPr/>
+        <p:nvPr/>
+      </p:nvGrpSpPr>
+      <p:grpSpPr>
+        <a:xfrm>
+          <a:off x="0" y="0"/>
+          <a:ext cx="0" cy="0"/>
+          <a:chOff x="0" y="0"/>
+          <a:chExt cx="0" cy="0"/>
+        </a:xfrm>
+      </p:grpSpPr>
+      <p:sp>
+        <p:nvSpPr>
+          <p:cNvPr id="12" name="ホームベース 11">
+            <a:extLst>
+              <a:ext uri="{FF2B5EF4-FFF2-40B4-BE49-F238E27FC236}">
+                <a16:creationId xmlns:a16="http://schemas.microsoft.com/office/drawing/2014/main" id="{A62E56CF-FE34-8C4C-B2D6-1158072C7885}"/>
+              </a:ext>
+            </a:extLst>
+          </p:cNvPr>
+          <p:cNvSpPr/>
           <p:nvPr/>
-        </p:nvPicPr>
-        <p:blipFill>
-          <a:blip r:embed="rId2"/>
-          <a:stretch>
-            <a:fillRect/>
-          </a:stretch>
-        </p:blipFill>
+        </p:nvSpPr>
         <p:spPr>
           <a:xfrm>
-            <a:off x="7304805" y="3945807"/>
-            <a:ext cx="560136" cy="406136"/>
+            <a:off x="8644154" y="2147282"/>
+            <a:ext cx="2396691" cy="1281718"/>
+          </a:xfrm>
+          <a:prstGeom prst="homePlate">
+            <a:avLst/>
+          </a:prstGeom>
+          <a:noFill/>
+          <a:ln>
+            <a:solidFill>
+              <a:schemeClr val="tx1"/>
+            </a:solidFill>
+          </a:ln>
+        </p:spPr>
+        <p:style>
+          <a:lnRef idx="2">
+            <a:schemeClr val="accent1">
+              <a:shade val="50000"/>
+            </a:schemeClr>
+          </a:lnRef>
+          <a:fillRef idx="1">
+            <a:schemeClr val="accent1"/>
+          </a:fillRef>
+          <a:effectRef idx="0">
+            <a:schemeClr val="accent1"/>
+          </a:effectRef>
+          <a:fontRef idx="minor">
+            <a:schemeClr val="lt1"/>
+          </a:fontRef>
+        </p:style>
+        <p:txBody>
+          <a:bodyPr rtlCol="0" anchor="ctr"/>
+          <a:lstStyle/>
+          <a:p>
+            <a:pPr algn="ctr"/>
+            <a:endParaRPr kumimoji="1" lang="ja-JP" altLang="en-US"/>
+          </a:p>
+        </p:txBody>
+      </p:sp>
+      <p:graphicFrame>
+        <p:nvGraphicFramePr>
+          <p:cNvPr id="11" name="表 11">
+            <a:extLst>
+              <a:ext uri="{FF2B5EF4-FFF2-40B4-BE49-F238E27FC236}">
+                <a16:creationId xmlns:a16="http://schemas.microsoft.com/office/drawing/2014/main" id="{C4CBB207-E9A2-E34E-B643-538FB5FA51ED}"/>
+              </a:ext>
+            </a:extLst>
+          </p:cNvPr>
+          <p:cNvGraphicFramePr>
+            <a:graphicFrameLocks noGrp="1"/>
+          </p:cNvGraphicFramePr>
+          <p:nvPr>
+            <p:extLst>
+              <p:ext uri="{D42A27DB-BD31-4B8C-83A1-F6EECF244321}">
+                <p14:modId xmlns:p14="http://schemas.microsoft.com/office/powerpoint/2010/main" val="4016008817"/>
+              </p:ext>
+            </p:extLst>
+          </p:nvPr>
+        </p:nvGraphicFramePr>
+        <p:xfrm>
+          <a:off x="6718701" y="2788141"/>
+          <a:ext cx="4645431" cy="1534515"/>
+        </p:xfrm>
+        <a:graphic>
+          <a:graphicData uri="http://schemas.openxmlformats.org/drawingml/2006/table">
+            <a:tbl>
+              <a:tblPr firstRow="1" bandRow="1">
+                <a:tableStyleId>{5C22544A-7EE6-4342-B048-85BDC9FD1C3A}</a:tableStyleId>
+              </a:tblPr>
+              <a:tblGrid>
+                <a:gridCol w="1548477">
+                  <a:extLst>
+                    <a:ext uri="{9D8B030D-6E8A-4147-A177-3AD203B41FA5}">
+                      <a16:colId xmlns:a16="http://schemas.microsoft.com/office/drawing/2014/main" val="1120760323"/>
+                    </a:ext>
+                  </a:extLst>
+                </a:gridCol>
+                <a:gridCol w="1548477">
+                  <a:extLst>
+                    <a:ext uri="{9D8B030D-6E8A-4147-A177-3AD203B41FA5}">
+                      <a16:colId xmlns:a16="http://schemas.microsoft.com/office/drawing/2014/main" val="1830531746"/>
+                    </a:ext>
+                  </a:extLst>
+                </a:gridCol>
+                <a:gridCol w="1548477">
+                  <a:extLst>
+                    <a:ext uri="{9D8B030D-6E8A-4147-A177-3AD203B41FA5}">
+                      <a16:colId xmlns:a16="http://schemas.microsoft.com/office/drawing/2014/main" val="3898694262"/>
+                    </a:ext>
+                  </a:extLst>
+                </a:gridCol>
+              </a:tblGrid>
+              <a:tr h="511505">
+                <a:tc>
+                  <a:txBody>
+                    <a:bodyPr/>
+                    <a:lstStyle/>
+                    <a:p>
+                      <a:endParaRPr kumimoji="1" lang="ja-JP" altLang="en-US"/>
+                    </a:p>
+                  </a:txBody>
+                  <a:tcPr>
+                    <a:lnL w="12700" cap="flat" cmpd="sng" algn="ctr">
+                      <a:solidFill>
+                        <a:schemeClr val="tx1"/>
+                      </a:solidFill>
+                      <a:prstDash val="solid"/>
+                      <a:round/>
+                      <a:headEnd type="none" w="med" len="med"/>
+                      <a:tailEnd type="none" w="med" len="med"/>
+                    </a:lnL>
+                    <a:lnR w="12700" cap="flat" cmpd="sng" algn="ctr">
+                      <a:solidFill>
+                        <a:schemeClr val="tx1"/>
+                      </a:solidFill>
+                      <a:prstDash val="solid"/>
+                      <a:round/>
+                      <a:headEnd type="none" w="med" len="med"/>
+                      <a:tailEnd type="none" w="med" len="med"/>
+                    </a:lnR>
+                    <a:lnT w="12700" cap="flat" cmpd="sng" algn="ctr">
+                      <a:solidFill>
+                        <a:schemeClr val="tx1"/>
+                      </a:solidFill>
+                      <a:prstDash val="solid"/>
+                      <a:round/>
+                      <a:headEnd type="none" w="med" len="med"/>
+                      <a:tailEnd type="none" w="med" len="med"/>
+                    </a:lnT>
+                    <a:lnB w="12700" cap="flat" cmpd="sng" algn="ctr">
+                      <a:solidFill>
+                        <a:schemeClr val="tx1"/>
+                      </a:solidFill>
+                      <a:prstDash val="solid"/>
+                      <a:round/>
+                      <a:headEnd type="none" w="med" len="med"/>
+                      <a:tailEnd type="none" w="med" len="med"/>
+                    </a:lnB>
+                    <a:lnTlToBr w="12700" cmpd="sng">
+                      <a:noFill/>
+                      <a:prstDash val="solid"/>
+                    </a:lnTlToBr>
+                    <a:lnBlToTr w="12700" cmpd="sng">
+                      <a:noFill/>
+                      <a:prstDash val="solid"/>
+                    </a:lnBlToTr>
+                    <a:solidFill>
+                      <a:srgbClr val="00B0F0"/>
+                    </a:solidFill>
+                  </a:tcPr>
+                </a:tc>
+                <a:tc>
+                  <a:txBody>
+                    <a:bodyPr/>
+                    <a:lstStyle/>
+                    <a:p>
+                      <a:endParaRPr kumimoji="1" lang="ja-JP" altLang="en-US"/>
+                    </a:p>
+                  </a:txBody>
+                  <a:tcPr>
+                    <a:lnL w="12700" cap="flat" cmpd="sng" algn="ctr">
+                      <a:solidFill>
+                        <a:schemeClr val="tx1"/>
+                      </a:solidFill>
+                      <a:prstDash val="solid"/>
+                      <a:round/>
+                      <a:headEnd type="none" w="med" len="med"/>
+                      <a:tailEnd type="none" w="med" len="med"/>
+                    </a:lnL>
+                    <a:lnR w="12700" cap="flat" cmpd="sng" algn="ctr">
+                      <a:solidFill>
+                        <a:schemeClr val="tx1"/>
+                      </a:solidFill>
+                      <a:prstDash val="solid"/>
+                      <a:round/>
+                      <a:headEnd type="none" w="med" len="med"/>
+                      <a:tailEnd type="none" w="med" len="med"/>
+                    </a:lnR>
+                    <a:lnT w="12700" cap="flat" cmpd="sng" algn="ctr">
+                      <a:solidFill>
+                        <a:schemeClr val="tx1"/>
+                      </a:solidFill>
+                      <a:prstDash val="solid"/>
+                      <a:round/>
+                      <a:headEnd type="none" w="med" len="med"/>
+                      <a:tailEnd type="none" w="med" len="med"/>
+                    </a:lnT>
+                    <a:lnB w="12700" cap="flat" cmpd="sng" algn="ctr">
+                      <a:solidFill>
+                        <a:schemeClr val="tx1"/>
+                      </a:solidFill>
+                      <a:prstDash val="solid"/>
+                      <a:round/>
+                      <a:headEnd type="none" w="med" len="med"/>
+                      <a:tailEnd type="none" w="med" len="med"/>
+                    </a:lnB>
+                    <a:lnTlToBr w="12700" cmpd="sng">
+                      <a:noFill/>
+                      <a:prstDash val="solid"/>
+                    </a:lnTlToBr>
+                    <a:lnBlToTr w="12700" cmpd="sng">
+                      <a:noFill/>
+                      <a:prstDash val="solid"/>
+                    </a:lnBlToTr>
+                    <a:solidFill>
+                      <a:srgbClr val="92D050"/>
+                    </a:solidFill>
+                  </a:tcPr>
+                </a:tc>
+                <a:tc>
+                  <a:txBody>
+                    <a:bodyPr/>
+                    <a:lstStyle/>
+                    <a:p>
+                      <a:endParaRPr kumimoji="1" lang="ja-JP" altLang="en-US"/>
+                    </a:p>
+                  </a:txBody>
+                  <a:tcPr>
+                    <a:lnL w="12700" cap="flat" cmpd="sng" algn="ctr">
+                      <a:solidFill>
+                        <a:schemeClr val="tx1"/>
+                      </a:solidFill>
+                      <a:prstDash val="solid"/>
+                      <a:round/>
+                      <a:headEnd type="none" w="med" len="med"/>
+                      <a:tailEnd type="none" w="med" len="med"/>
+                    </a:lnL>
+                    <a:lnR w="12700" cap="flat" cmpd="sng" algn="ctr">
+                      <a:solidFill>
+                        <a:schemeClr val="tx1"/>
+                      </a:solidFill>
+                      <a:prstDash val="solid"/>
+                      <a:round/>
+                      <a:headEnd type="none" w="med" len="med"/>
+                      <a:tailEnd type="none" w="med" len="med"/>
+                    </a:lnR>
+                    <a:lnT w="12700" cap="flat" cmpd="sng" algn="ctr">
+                      <a:solidFill>
+                        <a:schemeClr val="tx1"/>
+                      </a:solidFill>
+                      <a:prstDash val="solid"/>
+                      <a:round/>
+                      <a:headEnd type="none" w="med" len="med"/>
+                      <a:tailEnd type="none" w="med" len="med"/>
+                    </a:lnT>
+                    <a:lnB w="12700" cap="flat" cmpd="sng" algn="ctr">
+                      <a:solidFill>
+                        <a:schemeClr val="tx1"/>
+                      </a:solidFill>
+                      <a:prstDash val="solid"/>
+                      <a:round/>
+                      <a:headEnd type="none" w="med" len="med"/>
+                      <a:tailEnd type="none" w="med" len="med"/>
+                    </a:lnB>
+                    <a:solidFill>
+                      <a:srgbClr val="00B0F0"/>
+                    </a:solidFill>
+                  </a:tcPr>
+                </a:tc>
+                <a:extLst>
+                  <a:ext uri="{0D108BD9-81ED-4DB2-BD59-A6C34878D82A}">
+                    <a16:rowId xmlns:a16="http://schemas.microsoft.com/office/drawing/2014/main" val="4197178994"/>
+                  </a:ext>
+                </a:extLst>
+              </a:tr>
+              <a:tr h="511505">
+                <a:tc>
+                  <a:txBody>
+                    <a:bodyPr/>
+                    <a:lstStyle/>
+                    <a:p>
+                      <a:endParaRPr kumimoji="1" lang="ja-JP" altLang="en-US">
+                        <a:solidFill>
+                          <a:srgbClr val="FF0000"/>
+                        </a:solidFill>
+                      </a:endParaRPr>
+                    </a:p>
+                  </a:txBody>
+                  <a:tcPr>
+                    <a:lnL w="12700" cap="flat" cmpd="sng" algn="ctr">
+                      <a:solidFill>
+                        <a:schemeClr val="tx1"/>
+                      </a:solidFill>
+                      <a:prstDash val="solid"/>
+                      <a:round/>
+                      <a:headEnd type="none" w="med" len="med"/>
+                      <a:tailEnd type="none" w="med" len="med"/>
+                    </a:lnL>
+                    <a:lnR w="12700" cap="flat" cmpd="sng" algn="ctr">
+                      <a:solidFill>
+                        <a:schemeClr val="tx1"/>
+                      </a:solidFill>
+                      <a:prstDash val="solid"/>
+                      <a:round/>
+                      <a:headEnd type="none" w="med" len="med"/>
+                      <a:tailEnd type="none" w="med" len="med"/>
+                    </a:lnR>
+                    <a:lnT w="12700" cap="flat" cmpd="sng" algn="ctr">
+                      <a:solidFill>
+                        <a:schemeClr val="tx1"/>
+                      </a:solidFill>
+                      <a:prstDash val="solid"/>
+                      <a:round/>
+                      <a:headEnd type="none" w="med" len="med"/>
+                      <a:tailEnd type="none" w="med" len="med"/>
+                    </a:lnT>
+                    <a:lnB w="12700" cap="flat" cmpd="sng" algn="ctr">
+                      <a:solidFill>
+                        <a:schemeClr val="tx1"/>
+                      </a:solidFill>
+                      <a:prstDash val="solid"/>
+                      <a:round/>
+                      <a:headEnd type="none" w="med" len="med"/>
+                      <a:tailEnd type="none" w="med" len="med"/>
+                    </a:lnB>
+                    <a:solidFill>
+                      <a:srgbClr val="92D050"/>
+                    </a:solidFill>
+                  </a:tcPr>
+                </a:tc>
+                <a:tc>
+                  <a:txBody>
+                    <a:bodyPr/>
+                    <a:lstStyle/>
+                    <a:p>
+                      <a:endParaRPr kumimoji="1" lang="ja-JP" altLang="en-US"/>
+                    </a:p>
+                  </a:txBody>
+                  <a:tcPr>
+                    <a:lnL w="12700" cap="flat" cmpd="sng" algn="ctr">
+                      <a:solidFill>
+                        <a:schemeClr val="tx1"/>
+                      </a:solidFill>
+                      <a:prstDash val="solid"/>
+                      <a:round/>
+                      <a:headEnd type="none" w="med" len="med"/>
+                      <a:tailEnd type="none" w="med" len="med"/>
+                    </a:lnL>
+                    <a:lnR w="12700" cap="flat" cmpd="sng" algn="ctr">
+                      <a:solidFill>
+                        <a:schemeClr val="tx1"/>
+                      </a:solidFill>
+                      <a:prstDash val="solid"/>
+                      <a:round/>
+                      <a:headEnd type="none" w="med" len="med"/>
+                      <a:tailEnd type="none" w="med" len="med"/>
+                    </a:lnR>
+                    <a:lnT w="12700" cap="flat" cmpd="sng" algn="ctr">
+                      <a:solidFill>
+                        <a:schemeClr val="tx1"/>
+                      </a:solidFill>
+                      <a:prstDash val="solid"/>
+                      <a:round/>
+                      <a:headEnd type="none" w="med" len="med"/>
+                      <a:tailEnd type="none" w="med" len="med"/>
+                    </a:lnT>
+                    <a:lnB w="12700" cap="flat" cmpd="sng" algn="ctr">
+                      <a:solidFill>
+                        <a:schemeClr val="tx1"/>
+                      </a:solidFill>
+                      <a:prstDash val="solid"/>
+                      <a:round/>
+                      <a:headEnd type="none" w="med" len="med"/>
+                      <a:tailEnd type="none" w="med" len="med"/>
+                    </a:lnB>
+                    <a:solidFill>
+                      <a:srgbClr val="FFC000"/>
+                    </a:solidFill>
+                  </a:tcPr>
+                </a:tc>
+                <a:tc>
+                  <a:txBody>
+                    <a:bodyPr/>
+                    <a:lstStyle/>
+                    <a:p>
+                      <a:endParaRPr kumimoji="1" lang="ja-JP" altLang="en-US"/>
+                    </a:p>
+                  </a:txBody>
+                  <a:tcPr>
+                    <a:lnL w="12700" cap="flat" cmpd="sng" algn="ctr">
+                      <a:solidFill>
+                        <a:schemeClr val="tx1"/>
+                      </a:solidFill>
+                      <a:prstDash val="solid"/>
+                      <a:round/>
+                      <a:headEnd type="none" w="med" len="med"/>
+                      <a:tailEnd type="none" w="med" len="med"/>
+                    </a:lnL>
+                    <a:lnR w="12700" cap="flat" cmpd="sng" algn="ctr">
+                      <a:solidFill>
+                        <a:schemeClr val="tx1"/>
+                      </a:solidFill>
+                      <a:prstDash val="solid"/>
+                      <a:round/>
+                      <a:headEnd type="none" w="med" len="med"/>
+                      <a:tailEnd type="none" w="med" len="med"/>
+                    </a:lnR>
+                    <a:lnT w="12700" cap="flat" cmpd="sng" algn="ctr">
+                      <a:solidFill>
+                        <a:schemeClr val="tx1"/>
+                      </a:solidFill>
+                      <a:prstDash val="solid"/>
+                      <a:round/>
+                      <a:headEnd type="none" w="med" len="med"/>
+                      <a:tailEnd type="none" w="med" len="med"/>
+                    </a:lnT>
+                    <a:lnB w="12700" cap="flat" cmpd="sng" algn="ctr">
+                      <a:solidFill>
+                        <a:schemeClr val="tx1"/>
+                      </a:solidFill>
+                      <a:prstDash val="solid"/>
+                      <a:round/>
+                      <a:headEnd type="none" w="med" len="med"/>
+                      <a:tailEnd type="none" w="med" len="med"/>
+                    </a:lnB>
+                    <a:solidFill>
+                      <a:srgbClr val="92D050"/>
+                    </a:solidFill>
+                  </a:tcPr>
+                </a:tc>
+                <a:extLst>
+                  <a:ext uri="{0D108BD9-81ED-4DB2-BD59-A6C34878D82A}">
+                    <a16:rowId xmlns:a16="http://schemas.microsoft.com/office/drawing/2014/main" val="3688764702"/>
+                  </a:ext>
+                </a:extLst>
+              </a:tr>
+              <a:tr h="511505">
+                <a:tc>
+                  <a:txBody>
+                    <a:bodyPr/>
+                    <a:lstStyle/>
+                    <a:p>
+                      <a:endParaRPr kumimoji="1" lang="ja-JP" altLang="en-US"/>
+                    </a:p>
+                  </a:txBody>
+                  <a:tcPr>
+                    <a:lnL w="12700" cap="flat" cmpd="sng" algn="ctr">
+                      <a:solidFill>
+                        <a:schemeClr val="tx1"/>
+                      </a:solidFill>
+                      <a:prstDash val="solid"/>
+                      <a:round/>
+                      <a:headEnd type="none" w="med" len="med"/>
+                      <a:tailEnd type="none" w="med" len="med"/>
+                    </a:lnL>
+                    <a:lnR w="12700" cap="flat" cmpd="sng" algn="ctr">
+                      <a:solidFill>
+                        <a:schemeClr val="tx1"/>
+                      </a:solidFill>
+                      <a:prstDash val="solid"/>
+                      <a:round/>
+                      <a:headEnd type="none" w="med" len="med"/>
+                      <a:tailEnd type="none" w="med" len="med"/>
+                    </a:lnR>
+                    <a:lnT w="12700" cap="flat" cmpd="sng" algn="ctr">
+                      <a:solidFill>
+                        <a:schemeClr val="tx1"/>
+                      </a:solidFill>
+                      <a:prstDash val="solid"/>
+                      <a:round/>
+                      <a:headEnd type="none" w="med" len="med"/>
+                      <a:tailEnd type="none" w="med" len="med"/>
+                    </a:lnT>
+                    <a:lnB w="12700" cap="flat" cmpd="sng" algn="ctr">
+                      <a:solidFill>
+                        <a:schemeClr val="tx1"/>
+                      </a:solidFill>
+                      <a:prstDash val="solid"/>
+                      <a:round/>
+                      <a:headEnd type="none" w="med" len="med"/>
+                      <a:tailEnd type="none" w="med" len="med"/>
+                    </a:lnB>
+                    <a:solidFill>
+                      <a:srgbClr val="FFC000"/>
+                    </a:solidFill>
+                  </a:tcPr>
+                </a:tc>
+                <a:tc>
+                  <a:txBody>
+                    <a:bodyPr/>
+                    <a:lstStyle/>
+                    <a:p>
+                      <a:endParaRPr kumimoji="1" lang="ja-JP" altLang="en-US"/>
+                    </a:p>
+                  </a:txBody>
+                  <a:tcPr>
+                    <a:lnL w="12700" cap="flat" cmpd="sng" algn="ctr">
+                      <a:solidFill>
+                        <a:schemeClr val="tx1"/>
+                      </a:solidFill>
+                      <a:prstDash val="solid"/>
+                      <a:round/>
+                      <a:headEnd type="none" w="med" len="med"/>
+                      <a:tailEnd type="none" w="med" len="med"/>
+                    </a:lnL>
+                    <a:lnR w="12700" cap="flat" cmpd="sng" algn="ctr">
+                      <a:solidFill>
+                        <a:schemeClr val="tx1"/>
+                      </a:solidFill>
+                      <a:prstDash val="solid"/>
+                      <a:round/>
+                      <a:headEnd type="none" w="med" len="med"/>
+                      <a:tailEnd type="none" w="med" len="med"/>
+                    </a:lnR>
+                    <a:lnT w="12700" cap="flat" cmpd="sng" algn="ctr">
+                      <a:solidFill>
+                        <a:schemeClr val="tx1"/>
+                      </a:solidFill>
+                      <a:prstDash val="solid"/>
+                      <a:round/>
+                      <a:headEnd type="none" w="med" len="med"/>
+                      <a:tailEnd type="none" w="med" len="med"/>
+                    </a:lnT>
+                    <a:lnB w="12700" cap="flat" cmpd="sng" algn="ctr">
+                      <a:solidFill>
+                        <a:schemeClr val="tx1"/>
+                      </a:solidFill>
+                      <a:prstDash val="solid"/>
+                      <a:round/>
+                      <a:headEnd type="none" w="med" len="med"/>
+                      <a:tailEnd type="none" w="med" len="med"/>
+                    </a:lnB>
+                    <a:solidFill>
+                      <a:srgbClr val="00B0F0"/>
+                    </a:solidFill>
+                  </a:tcPr>
+                </a:tc>
+                <a:tc>
+                  <a:txBody>
+                    <a:bodyPr/>
+                    <a:lstStyle/>
+                    <a:p>
+                      <a:endParaRPr kumimoji="1" lang="ja-JP" altLang="en-US"/>
+                    </a:p>
+                  </a:txBody>
+                  <a:tcPr>
+                    <a:lnL w="12700" cap="flat" cmpd="sng" algn="ctr">
+                      <a:solidFill>
+                        <a:schemeClr val="tx1"/>
+                      </a:solidFill>
+                      <a:prstDash val="solid"/>
+                      <a:round/>
+                      <a:headEnd type="none" w="med" len="med"/>
+                      <a:tailEnd type="none" w="med" len="med"/>
+                    </a:lnL>
+                    <a:lnR w="12700" cap="flat" cmpd="sng" algn="ctr">
+                      <a:solidFill>
+                        <a:schemeClr val="tx1"/>
+                      </a:solidFill>
+                      <a:prstDash val="solid"/>
+                      <a:round/>
+                      <a:headEnd type="none" w="med" len="med"/>
+                      <a:tailEnd type="none" w="med" len="med"/>
+                    </a:lnR>
+                    <a:lnT w="12700" cap="flat" cmpd="sng" algn="ctr">
+                      <a:solidFill>
+                        <a:schemeClr val="tx1"/>
+                      </a:solidFill>
+                      <a:prstDash val="solid"/>
+                      <a:round/>
+                      <a:headEnd type="none" w="med" len="med"/>
+                      <a:tailEnd type="none" w="med" len="med"/>
+                    </a:lnT>
+                    <a:lnB w="12700" cap="flat" cmpd="sng" algn="ctr">
+                      <a:solidFill>
+                        <a:schemeClr val="tx1"/>
+                      </a:solidFill>
+                      <a:prstDash val="solid"/>
+                      <a:round/>
+                      <a:headEnd type="none" w="med" len="med"/>
+                      <a:tailEnd type="none" w="med" len="med"/>
+                    </a:lnB>
+                    <a:solidFill>
+                      <a:srgbClr val="00B0F0"/>
+                    </a:solidFill>
+                  </a:tcPr>
+                </a:tc>
+                <a:extLst>
+                  <a:ext uri="{0D108BD9-81ED-4DB2-BD59-A6C34878D82A}">
+                    <a16:rowId xmlns:a16="http://schemas.microsoft.com/office/drawing/2014/main" val="1514342851"/>
+                  </a:ext>
+                </a:extLst>
+              </a:tr>
+            </a:tbl>
+          </a:graphicData>
+        </a:graphic>
+      </p:graphicFrame>
+      <p:sp>
+        <p:nvSpPr>
+          <p:cNvPr id="13" name="円/楕円 12">
+            <a:extLst>
+              <a:ext uri="{FF2B5EF4-FFF2-40B4-BE49-F238E27FC236}">
+                <a16:creationId xmlns:a16="http://schemas.microsoft.com/office/drawing/2014/main" id="{A5AF72D6-57C1-CE4F-B30F-24EF655E3270}"/>
+              </a:ext>
+            </a:extLst>
+          </p:cNvPr>
+          <p:cNvSpPr/>
+          <p:nvPr/>
+        </p:nvSpPr>
+        <p:spPr>
+          <a:xfrm>
+            <a:off x="8870348" y="2339008"/>
+            <a:ext cx="250257" cy="250257"/>
+          </a:xfrm>
+          <a:prstGeom prst="ellipse">
+            <a:avLst/>
+          </a:prstGeom>
+          <a:solidFill>
+            <a:schemeClr val="bg1">
+              <a:lumMod val="75000"/>
+            </a:schemeClr>
+          </a:solidFill>
+          <a:ln>
+            <a:solidFill>
+              <a:schemeClr val="tx1"/>
+            </a:solidFill>
+          </a:ln>
+        </p:spPr>
+        <p:style>
+          <a:lnRef idx="2">
+            <a:schemeClr val="accent1">
+              <a:shade val="50000"/>
+            </a:schemeClr>
+          </a:lnRef>
+          <a:fillRef idx="1">
+            <a:schemeClr val="accent1"/>
+          </a:fillRef>
+          <a:effectRef idx="0">
+            <a:schemeClr val="accent1"/>
+          </a:effectRef>
+          <a:fontRef idx="minor">
+            <a:schemeClr val="lt1"/>
+          </a:fontRef>
+        </p:style>
+        <p:txBody>
+          <a:bodyPr rtlCol="0" anchor="ctr"/>
+          <a:lstStyle/>
+          <a:p>
+            <a:pPr algn="ctr"/>
+            <a:endParaRPr kumimoji="1" lang="ja-JP" altLang="en-US"/>
+          </a:p>
+        </p:txBody>
+      </p:sp>
+      <p:sp>
+        <p:nvSpPr>
+          <p:cNvPr id="14" name="円/楕円 13">
+            <a:extLst>
+              <a:ext uri="{FF2B5EF4-FFF2-40B4-BE49-F238E27FC236}">
+                <a16:creationId xmlns:a16="http://schemas.microsoft.com/office/drawing/2014/main" id="{55ED3B84-71E4-4C49-98D9-153861B71901}"/>
+              </a:ext>
+            </a:extLst>
+          </p:cNvPr>
+          <p:cNvSpPr/>
+          <p:nvPr/>
+        </p:nvSpPr>
+        <p:spPr>
+          <a:xfrm>
+            <a:off x="9395325" y="2339008"/>
+            <a:ext cx="250257" cy="250257"/>
+          </a:xfrm>
+          <a:prstGeom prst="ellipse">
+            <a:avLst/>
+          </a:prstGeom>
+          <a:solidFill>
+            <a:schemeClr val="bg1">
+              <a:lumMod val="75000"/>
+            </a:schemeClr>
+          </a:solidFill>
+          <a:ln>
+            <a:solidFill>
+              <a:schemeClr val="tx1"/>
+            </a:solidFill>
+          </a:ln>
+        </p:spPr>
+        <p:style>
+          <a:lnRef idx="2">
+            <a:schemeClr val="accent1">
+              <a:shade val="50000"/>
+            </a:schemeClr>
+          </a:lnRef>
+          <a:fillRef idx="1">
+            <a:schemeClr val="accent1"/>
+          </a:fillRef>
+          <a:effectRef idx="0">
+            <a:schemeClr val="accent1"/>
+          </a:effectRef>
+          <a:fontRef idx="minor">
+            <a:schemeClr val="lt1"/>
+          </a:fontRef>
+        </p:style>
+        <p:txBody>
+          <a:bodyPr rtlCol="0" anchor="ctr"/>
+          <a:lstStyle/>
+          <a:p>
+            <a:pPr algn="ctr"/>
+            <a:endParaRPr kumimoji="1" lang="ja-JP" altLang="en-US"/>
+          </a:p>
+        </p:txBody>
+      </p:sp>
+      <p:sp>
+        <p:nvSpPr>
+          <p:cNvPr id="15" name="円/楕円 14">
+            <a:extLst>
+              <a:ext uri="{FF2B5EF4-FFF2-40B4-BE49-F238E27FC236}">
+                <a16:creationId xmlns:a16="http://schemas.microsoft.com/office/drawing/2014/main" id="{0AF81A3A-DF47-8744-A2FF-4D0152CB8E7E}"/>
+              </a:ext>
+            </a:extLst>
+          </p:cNvPr>
+          <p:cNvSpPr/>
+          <p:nvPr/>
+        </p:nvSpPr>
+        <p:spPr>
+          <a:xfrm>
+            <a:off x="9920303" y="2339008"/>
+            <a:ext cx="250257" cy="250257"/>
+          </a:xfrm>
+          <a:prstGeom prst="ellipse">
+            <a:avLst/>
+          </a:prstGeom>
+          <a:solidFill>
+            <a:schemeClr val="bg1">
+              <a:lumMod val="75000"/>
+            </a:schemeClr>
+          </a:solidFill>
+          <a:ln>
+            <a:solidFill>
+              <a:schemeClr val="tx1"/>
+            </a:solidFill>
+          </a:ln>
+        </p:spPr>
+        <p:style>
+          <a:lnRef idx="2">
+            <a:schemeClr val="accent1">
+              <a:shade val="50000"/>
+            </a:schemeClr>
+          </a:lnRef>
+          <a:fillRef idx="1">
+            <a:schemeClr val="accent1"/>
+          </a:fillRef>
+          <a:effectRef idx="0">
+            <a:schemeClr val="accent1"/>
+          </a:effectRef>
+          <a:fontRef idx="minor">
+            <a:schemeClr val="lt1"/>
+          </a:fontRef>
+        </p:style>
+        <p:txBody>
+          <a:bodyPr rtlCol="0" anchor="ctr"/>
+          <a:lstStyle/>
+          <a:p>
+            <a:pPr algn="ctr"/>
+            <a:endParaRPr kumimoji="1" lang="ja-JP" altLang="en-US"/>
+          </a:p>
+        </p:txBody>
+      </p:sp>
+      <p:sp>
+        <p:nvSpPr>
+          <p:cNvPr id="16" name="直角三角形 15">
+            <a:extLst>
+              <a:ext uri="{FF2B5EF4-FFF2-40B4-BE49-F238E27FC236}">
+                <a16:creationId xmlns:a16="http://schemas.microsoft.com/office/drawing/2014/main" id="{39573A9B-A7CF-BD48-8359-8B6897371C13}"/>
+              </a:ext>
+            </a:extLst>
+          </p:cNvPr>
+          <p:cNvSpPr/>
+          <p:nvPr/>
+        </p:nvSpPr>
+        <p:spPr>
+          <a:xfrm rot="10800000">
+            <a:off x="6215914" y="2788139"/>
+            <a:ext cx="503999" cy="1534515"/>
+          </a:xfrm>
+          <a:prstGeom prst="rtTriangle">
+            <a:avLst/>
+          </a:prstGeom>
+          <a:solidFill>
+            <a:schemeClr val="bg1">
+              <a:lumMod val="75000"/>
+            </a:schemeClr>
+          </a:solidFill>
+          <a:ln>
+            <a:solidFill>
+              <a:schemeClr val="tx1"/>
+            </a:solidFill>
+          </a:ln>
+        </p:spPr>
+        <p:style>
+          <a:lnRef idx="2">
+            <a:schemeClr val="accent1">
+              <a:shade val="50000"/>
+            </a:schemeClr>
+          </a:lnRef>
+          <a:fillRef idx="1">
+            <a:schemeClr val="accent1"/>
+          </a:fillRef>
+          <a:effectRef idx="0">
+            <a:schemeClr val="accent1"/>
+          </a:effectRef>
+          <a:fontRef idx="minor">
+            <a:schemeClr val="lt1"/>
+          </a:fontRef>
+        </p:style>
+        <p:txBody>
+          <a:bodyPr rtlCol="0" anchor="ctr"/>
+          <a:lstStyle/>
+          <a:p>
+            <a:pPr algn="ctr"/>
+            <a:endParaRPr kumimoji="1" lang="ja-JP" altLang="en-US"/>
+          </a:p>
+        </p:txBody>
+      </p:sp>
+      <p:sp>
+        <p:nvSpPr>
+          <p:cNvPr id="17" name="直角三角形 16">
+            <a:extLst>
+              <a:ext uri="{FF2B5EF4-FFF2-40B4-BE49-F238E27FC236}">
+                <a16:creationId xmlns:a16="http://schemas.microsoft.com/office/drawing/2014/main" id="{A9DEC2DB-A5FA-2E46-96FA-0C4DF9A7ACF8}"/>
+              </a:ext>
+            </a:extLst>
+          </p:cNvPr>
+          <p:cNvSpPr/>
+          <p:nvPr/>
+        </p:nvSpPr>
+        <p:spPr>
+          <a:xfrm rot="10800000" flipH="1">
+            <a:off x="11364133" y="2788138"/>
+            <a:ext cx="503999" cy="1534513"/>
+          </a:xfrm>
+          <a:prstGeom prst="rtTriangle">
+            <a:avLst/>
+          </a:prstGeom>
+          <a:solidFill>
+            <a:schemeClr val="bg1">
+              <a:lumMod val="75000"/>
+            </a:schemeClr>
+          </a:solidFill>
+          <a:ln>
+            <a:solidFill>
+              <a:schemeClr val="tx1"/>
+            </a:solidFill>
+          </a:ln>
+        </p:spPr>
+        <p:style>
+          <a:lnRef idx="2">
+            <a:schemeClr val="accent1">
+              <a:shade val="50000"/>
+            </a:schemeClr>
+          </a:lnRef>
+          <a:fillRef idx="1">
+            <a:schemeClr val="accent1"/>
+          </a:fillRef>
+          <a:effectRef idx="0">
+            <a:schemeClr val="accent1"/>
+          </a:effectRef>
+          <a:fontRef idx="minor">
+            <a:schemeClr val="lt1"/>
+          </a:fontRef>
+        </p:style>
+        <p:txBody>
+          <a:bodyPr rtlCol="0" anchor="ctr"/>
+          <a:lstStyle/>
+          <a:p>
+            <a:pPr algn="ctr"/>
+            <a:endParaRPr kumimoji="1" lang="ja-JP" altLang="en-US"/>
+          </a:p>
+        </p:txBody>
+      </p:sp>
+      <p:sp>
+        <p:nvSpPr>
+          <p:cNvPr id="18" name="弦 17">
+            <a:extLst>
+              <a:ext uri="{FF2B5EF4-FFF2-40B4-BE49-F238E27FC236}">
+                <a16:creationId xmlns:a16="http://schemas.microsoft.com/office/drawing/2014/main" id="{AE2C39A9-D03E-4448-8C10-38AAC69E60EB}"/>
+              </a:ext>
+            </a:extLst>
+          </p:cNvPr>
+          <p:cNvSpPr/>
+          <p:nvPr/>
+        </p:nvSpPr>
+        <p:spPr>
+          <a:xfrm>
+            <a:off x="5189634" y="1681058"/>
+            <a:ext cx="7698657" cy="2940219"/>
+          </a:xfrm>
+          <a:prstGeom prst="chord">
+            <a:avLst>
+              <a:gd name="adj1" fmla="val 1611090"/>
+              <a:gd name="adj2" fmla="val 9184230"/>
+            </a:avLst>
+          </a:prstGeom>
+          <a:solidFill>
+            <a:schemeClr val="bg1">
+              <a:lumMod val="75000"/>
+            </a:schemeClr>
+          </a:solidFill>
+          <a:ln>
+            <a:solidFill>
+              <a:schemeClr val="tx1"/>
+            </a:solidFill>
+          </a:ln>
+        </p:spPr>
+        <p:style>
+          <a:lnRef idx="2">
+            <a:schemeClr val="accent1">
+              <a:shade val="50000"/>
+            </a:schemeClr>
+          </a:lnRef>
+          <a:fillRef idx="1">
+            <a:schemeClr val="accent1"/>
+          </a:fillRef>
+          <a:effectRef idx="0">
+            <a:schemeClr val="accent1"/>
+          </a:effectRef>
+          <a:fontRef idx="minor">
+            <a:schemeClr val="lt1"/>
+          </a:fontRef>
+        </p:style>
+        <p:txBody>
+          <a:bodyPr rtlCol="0" anchor="ctr"/>
+          <a:lstStyle/>
+          <a:p>
+            <a:pPr algn="ctr"/>
+            <a:endParaRPr kumimoji="1" lang="ja-JP" altLang="en-US"/>
+          </a:p>
+        </p:txBody>
+      </p:sp>
+      <p:sp>
+        <p:nvSpPr>
+          <p:cNvPr id="19" name="正方形/長方形 18">
+            <a:extLst>
+              <a:ext uri="{FF2B5EF4-FFF2-40B4-BE49-F238E27FC236}">
+                <a16:creationId xmlns:a16="http://schemas.microsoft.com/office/drawing/2014/main" id="{C9C02457-3440-6C49-9E4E-75781C021AC5}"/>
+              </a:ext>
+            </a:extLst>
+          </p:cNvPr>
+          <p:cNvSpPr/>
+          <p:nvPr/>
+        </p:nvSpPr>
+        <p:spPr>
+          <a:xfrm>
+            <a:off x="9670047" y="1675273"/>
+            <a:ext cx="250256" cy="472009"/>
           </a:xfrm>
           <a:prstGeom prst="rect">
             <a:avLst/>
           </a:prstGeom>
+          <a:solidFill>
+            <a:schemeClr val="bg1">
+              <a:lumMod val="75000"/>
+            </a:schemeClr>
+          </a:solidFill>
+          <a:ln>
+            <a:solidFill>
+              <a:schemeClr val="tx1"/>
+            </a:solidFill>
+          </a:ln>
         </p:spPr>
-      </p:pic>
-      <p:pic>
-        <p:nvPicPr>
-          <p:cNvPr id="38" name="図 37">
-            <a:extLst>
-              <a:ext uri="{FF2B5EF4-FFF2-40B4-BE49-F238E27FC236}">
-                <a16:creationId xmlns:a16="http://schemas.microsoft.com/office/drawing/2014/main" id="{4AA6436C-54F4-B542-A3FB-8011B98B0C5C}"/>
-              </a:ext>
-            </a:extLst>
-          </p:cNvPr>
-          <p:cNvPicPr>
-            <a:picLocks noChangeAspect="1"/>
-          </p:cNvPicPr>
+        <p:style>
+          <a:lnRef idx="2">
+            <a:schemeClr val="accent1">
+              <a:shade val="50000"/>
+            </a:schemeClr>
+          </a:lnRef>
+          <a:fillRef idx="1">
+            <a:schemeClr val="accent1"/>
+          </a:fillRef>
+          <a:effectRef idx="0">
+            <a:schemeClr val="accent1"/>
+          </a:effectRef>
+          <a:fontRef idx="minor">
+            <a:schemeClr val="lt1"/>
+          </a:fontRef>
+        </p:style>
+        <p:txBody>
+          <a:bodyPr rtlCol="0" anchor="ctr"/>
+          <a:lstStyle/>
+          <a:p>
+            <a:pPr algn="ctr"/>
+            <a:endParaRPr kumimoji="1" lang="ja-JP" altLang="en-US"/>
+          </a:p>
+        </p:txBody>
+      </p:sp>
+      <p:cxnSp>
+        <p:nvCxnSpPr>
+          <p:cNvPr id="5" name="直線矢印コネクタ 4">
+            <a:extLst>
+              <a:ext uri="{FF2B5EF4-FFF2-40B4-BE49-F238E27FC236}">
+                <a16:creationId xmlns:a16="http://schemas.microsoft.com/office/drawing/2014/main" id="{C3C7744F-7D57-AA4A-A021-5C8C12DACBD7}"/>
+              </a:ext>
+            </a:extLst>
+          </p:cNvPr>
+          <p:cNvCxnSpPr/>
           <p:nvPr/>
-        </p:nvPicPr>
-        <p:blipFill>
-          <a:blip r:embed="rId3"/>
-          <a:stretch>
-            <a:fillRect/>
-          </a:stretch>
-        </p:blipFill>
+        </p:nvCxnSpPr>
         <p:spPr>
           <a:xfrm>
-            <a:off x="7864941" y="3445794"/>
-            <a:ext cx="554426" cy="401996"/>
+            <a:off x="7515616" y="3131507"/>
+            <a:ext cx="0" cy="297493"/>
           </a:xfrm>
-          <a:prstGeom prst="rect">
+          <a:prstGeom prst="straightConnector1">
             <a:avLst/>
           </a:prstGeom>
+          <a:ln>
+            <a:headEnd type="triangle"/>
+            <a:tailEnd type="triangle"/>
+          </a:ln>
         </p:spPr>
-      </p:pic>
-      <p:pic>
-        <p:nvPicPr>
-          <p:cNvPr id="39" name="図 38">
-            <a:extLst>
-              <a:ext uri="{FF2B5EF4-FFF2-40B4-BE49-F238E27FC236}">
-                <a16:creationId xmlns:a16="http://schemas.microsoft.com/office/drawing/2014/main" id="{79A8DA5D-A683-AB4B-BDF6-BAFFA60578A6}"/>
-              </a:ext>
-            </a:extLst>
-          </p:cNvPr>
-          <p:cNvPicPr>
-            <a:picLocks noChangeAspect="1"/>
-          </p:cNvPicPr>
+        <p:style>
+          <a:lnRef idx="1">
+            <a:schemeClr val="accent1"/>
+          </a:lnRef>
+          <a:fillRef idx="0">
+            <a:schemeClr val="accent1"/>
+          </a:fillRef>
+          <a:effectRef idx="0">
+            <a:schemeClr val="accent1"/>
+          </a:effectRef>
+          <a:fontRef idx="minor">
+            <a:schemeClr val="tx1"/>
+          </a:fontRef>
+        </p:style>
+      </p:cxnSp>
+      <p:cxnSp>
+        <p:nvCxnSpPr>
+          <p:cNvPr id="21" name="直線矢印コネクタ 20">
+            <a:extLst>
+              <a:ext uri="{FF2B5EF4-FFF2-40B4-BE49-F238E27FC236}">
+                <a16:creationId xmlns:a16="http://schemas.microsoft.com/office/drawing/2014/main" id="{ECB09287-0068-174C-80E4-8CCF394A4F34}"/>
+              </a:ext>
+            </a:extLst>
+          </p:cNvPr>
+          <p:cNvCxnSpPr/>
           <p:nvPr/>
-        </p:nvPicPr>
-        <p:blipFill>
-          <a:blip r:embed="rId3"/>
-          <a:stretch>
-            <a:fillRect/>
-          </a:stretch>
-        </p:blipFill>
+        </p:nvCxnSpPr>
         <p:spPr>
           <a:xfrm>
-            <a:off x="8449619" y="3439544"/>
-            <a:ext cx="554426" cy="401996"/>
+            <a:off x="10611632" y="3647162"/>
+            <a:ext cx="0" cy="297493"/>
           </a:xfrm>
-          <a:prstGeom prst="rect">
+          <a:prstGeom prst="straightConnector1">
             <a:avLst/>
           </a:prstGeom>
+          <a:ln>
+            <a:headEnd type="triangle"/>
+            <a:tailEnd type="triangle"/>
+          </a:ln>
         </p:spPr>
-      </p:pic>
-      <p:pic>
-        <p:nvPicPr>
-          <p:cNvPr id="40" name="図 39">
-            <a:extLst>
-              <a:ext uri="{FF2B5EF4-FFF2-40B4-BE49-F238E27FC236}">
-                <a16:creationId xmlns:a16="http://schemas.microsoft.com/office/drawing/2014/main" id="{E007BD98-DD22-B146-80D4-A9DD17B2DC27}"/>
-              </a:ext>
-            </a:extLst>
-          </p:cNvPr>
-          <p:cNvPicPr>
-            <a:picLocks noChangeAspect="1"/>
-          </p:cNvPicPr>
-          <p:nvPr/>
-        </p:nvPicPr>
-        <p:blipFill>
-          <a:blip r:embed="rId3"/>
-          <a:stretch>
-            <a:fillRect/>
-          </a:stretch>
-        </p:blipFill>
-        <p:spPr>
-          <a:xfrm>
-            <a:off x="9056604" y="3445794"/>
-            <a:ext cx="554426" cy="401996"/>
-          </a:xfrm>
-          <a:prstGeom prst="rect">
-            <a:avLst/>
-          </a:prstGeom>
-        </p:spPr>
-      </p:pic>
-      <p:pic>
-        <p:nvPicPr>
-          <p:cNvPr id="41" name="図 40">
-            <a:extLst>
-              <a:ext uri="{FF2B5EF4-FFF2-40B4-BE49-F238E27FC236}">
-                <a16:creationId xmlns:a16="http://schemas.microsoft.com/office/drawing/2014/main" id="{EFE2FE22-EE59-5C4A-B470-1170373F5D54}"/>
-              </a:ext>
-            </a:extLst>
-          </p:cNvPr>
-          <p:cNvPicPr>
-            <a:picLocks noChangeAspect="1"/>
-          </p:cNvPicPr>
-          <p:nvPr/>
-        </p:nvPicPr>
-        <p:blipFill>
-          <a:blip r:embed="rId3"/>
-          <a:stretch>
-            <a:fillRect/>
-          </a:stretch>
-        </p:blipFill>
-        <p:spPr>
-          <a:xfrm>
-            <a:off x="9625540" y="3433156"/>
-            <a:ext cx="554426" cy="401996"/>
-          </a:xfrm>
-          <a:prstGeom prst="rect">
-            <a:avLst/>
-          </a:prstGeom>
-        </p:spPr>
-      </p:pic>
-      <p:pic>
-        <p:nvPicPr>
-          <p:cNvPr id="45" name="図 44">
-            <a:extLst>
-              <a:ext uri="{FF2B5EF4-FFF2-40B4-BE49-F238E27FC236}">
-                <a16:creationId xmlns:a16="http://schemas.microsoft.com/office/drawing/2014/main" id="{59CD855F-1572-EA4D-9BD6-9F738AFFE79A}"/>
-              </a:ext>
-            </a:extLst>
-          </p:cNvPr>
-          <p:cNvPicPr>
-            <a:picLocks noChangeAspect="1"/>
-          </p:cNvPicPr>
-          <p:nvPr/>
-        </p:nvPicPr>
-        <p:blipFill>
-          <a:blip r:embed="rId4"/>
-          <a:stretch>
-            <a:fillRect/>
-          </a:stretch>
-        </p:blipFill>
-        <p:spPr>
-          <a:xfrm>
-            <a:off x="10217767" y="2917408"/>
-            <a:ext cx="575872" cy="417546"/>
-          </a:xfrm>
-          <a:prstGeom prst="rect">
-            <a:avLst/>
-          </a:prstGeom>
-        </p:spPr>
-      </p:pic>
-      <p:pic>
-        <p:nvPicPr>
-          <p:cNvPr id="46" name="図 45">
-            <a:extLst>
-              <a:ext uri="{FF2B5EF4-FFF2-40B4-BE49-F238E27FC236}">
-                <a16:creationId xmlns:a16="http://schemas.microsoft.com/office/drawing/2014/main" id="{807CF8CF-4D50-2C4F-B56A-0F86362ADF94}"/>
-              </a:ext>
-            </a:extLst>
-          </p:cNvPr>
-          <p:cNvPicPr>
-            <a:picLocks noChangeAspect="1"/>
-          </p:cNvPicPr>
-          <p:nvPr/>
-        </p:nvPicPr>
-        <p:blipFill>
-          <a:blip r:embed="rId4"/>
-          <a:stretch>
-            <a:fillRect/>
-          </a:stretch>
-        </p:blipFill>
-        <p:spPr>
-          <a:xfrm>
-            <a:off x="10781706" y="2907625"/>
-            <a:ext cx="575872" cy="417546"/>
-          </a:xfrm>
-          <a:prstGeom prst="rect">
-            <a:avLst/>
-          </a:prstGeom>
-        </p:spPr>
-      </p:pic>
-      <p:pic>
-        <p:nvPicPr>
-          <p:cNvPr id="51" name="図 50">
-            <a:extLst>
-              <a:ext uri="{FF2B5EF4-FFF2-40B4-BE49-F238E27FC236}">
-                <a16:creationId xmlns:a16="http://schemas.microsoft.com/office/drawing/2014/main" id="{E62396BC-221C-AB43-9E5E-AD9557DA57E5}"/>
-              </a:ext>
-            </a:extLst>
-          </p:cNvPr>
-          <p:cNvPicPr>
-            <a:picLocks noChangeAspect="1"/>
-          </p:cNvPicPr>
-          <p:nvPr/>
-        </p:nvPicPr>
-        <p:blipFill>
-          <a:blip r:embed="rId2"/>
-          <a:stretch>
-            <a:fillRect/>
-          </a:stretch>
-        </p:blipFill>
-        <p:spPr>
-          <a:xfrm>
-            <a:off x="6763133" y="3945807"/>
-            <a:ext cx="560136" cy="406136"/>
-          </a:xfrm>
-          <a:prstGeom prst="rect">
-            <a:avLst/>
-          </a:prstGeom>
-        </p:spPr>
-      </p:pic>
-      <p:pic>
-        <p:nvPicPr>
-          <p:cNvPr id="52" name="図 51">
-            <a:extLst>
-              <a:ext uri="{FF2B5EF4-FFF2-40B4-BE49-F238E27FC236}">
-                <a16:creationId xmlns:a16="http://schemas.microsoft.com/office/drawing/2014/main" id="{59B6D407-2318-4343-BBF3-38D7F6AC5982}"/>
-              </a:ext>
-            </a:extLst>
-          </p:cNvPr>
-          <p:cNvPicPr>
-            <a:picLocks noChangeAspect="1"/>
-          </p:cNvPicPr>
-          <p:nvPr/>
-        </p:nvPicPr>
-        <p:blipFill>
-          <a:blip r:embed="rId2"/>
-          <a:stretch>
-            <a:fillRect/>
-          </a:stretch>
-        </p:blipFill>
-        <p:spPr>
-          <a:xfrm>
-            <a:off x="8462266" y="3945807"/>
-            <a:ext cx="560136" cy="406136"/>
-          </a:xfrm>
-          <a:prstGeom prst="rect">
-            <a:avLst/>
-          </a:prstGeom>
-        </p:spPr>
-      </p:pic>
-      <p:pic>
-        <p:nvPicPr>
-          <p:cNvPr id="53" name="図 52">
-            <a:extLst>
-              <a:ext uri="{FF2B5EF4-FFF2-40B4-BE49-F238E27FC236}">
-                <a16:creationId xmlns:a16="http://schemas.microsoft.com/office/drawing/2014/main" id="{90E99B71-102F-F548-859F-8D823C80AF85}"/>
-              </a:ext>
-            </a:extLst>
-          </p:cNvPr>
-          <p:cNvPicPr>
-            <a:picLocks noChangeAspect="1"/>
-          </p:cNvPicPr>
-          <p:nvPr/>
-        </p:nvPicPr>
-        <p:blipFill>
-          <a:blip r:embed="rId2"/>
-          <a:stretch>
-            <a:fillRect/>
-          </a:stretch>
-        </p:blipFill>
-        <p:spPr>
-          <a:xfrm>
-            <a:off x="7887466" y="3945807"/>
-            <a:ext cx="560136" cy="406136"/>
-          </a:xfrm>
-          <a:prstGeom prst="rect">
-            <a:avLst/>
-          </a:prstGeom>
-        </p:spPr>
-      </p:pic>
-      <p:pic>
-        <p:nvPicPr>
-          <p:cNvPr id="54" name="図 53">
-            <a:extLst>
-              <a:ext uri="{FF2B5EF4-FFF2-40B4-BE49-F238E27FC236}">
-                <a16:creationId xmlns:a16="http://schemas.microsoft.com/office/drawing/2014/main" id="{C81D66FD-C292-F04E-8B04-44CCCFC72DEE}"/>
-              </a:ext>
-            </a:extLst>
-          </p:cNvPr>
-          <p:cNvPicPr>
-            <a:picLocks noChangeAspect="1"/>
-          </p:cNvPicPr>
-          <p:nvPr/>
-        </p:nvPicPr>
-        <p:blipFill>
-          <a:blip r:embed="rId2"/>
-          <a:stretch>
-            <a:fillRect/>
-          </a:stretch>
-        </p:blipFill>
-        <p:spPr>
-          <a:xfrm>
-            <a:off x="10760777" y="3948088"/>
-            <a:ext cx="560136" cy="406136"/>
-          </a:xfrm>
-          <a:prstGeom prst="rect">
-            <a:avLst/>
-          </a:prstGeom>
-        </p:spPr>
-      </p:pic>
-      <p:pic>
-        <p:nvPicPr>
-          <p:cNvPr id="55" name="図 54">
-            <a:extLst>
-              <a:ext uri="{FF2B5EF4-FFF2-40B4-BE49-F238E27FC236}">
-                <a16:creationId xmlns:a16="http://schemas.microsoft.com/office/drawing/2014/main" id="{316807AB-F217-0E43-9BC3-8CEF7A010F57}"/>
-              </a:ext>
-            </a:extLst>
-          </p:cNvPr>
-          <p:cNvPicPr>
-            <a:picLocks noChangeAspect="1"/>
-          </p:cNvPicPr>
-          <p:nvPr/>
-        </p:nvPicPr>
-        <p:blipFill>
-          <a:blip r:embed="rId2"/>
-          <a:stretch>
-            <a:fillRect/>
-          </a:stretch>
-        </p:blipFill>
-        <p:spPr>
-          <a:xfrm>
-            <a:off x="10198133" y="3948088"/>
-            <a:ext cx="560136" cy="406136"/>
-          </a:xfrm>
-          <a:prstGeom prst="rect">
-            <a:avLst/>
-          </a:prstGeom>
-        </p:spPr>
-      </p:pic>
-      <p:pic>
-        <p:nvPicPr>
-          <p:cNvPr id="56" name="図 55">
-            <a:extLst>
-              <a:ext uri="{FF2B5EF4-FFF2-40B4-BE49-F238E27FC236}">
-                <a16:creationId xmlns:a16="http://schemas.microsoft.com/office/drawing/2014/main" id="{BDC83F33-8DCC-8F43-8050-62ABBBD42441}"/>
-              </a:ext>
-            </a:extLst>
-          </p:cNvPr>
-          <p:cNvPicPr>
-            <a:picLocks noChangeAspect="1"/>
-          </p:cNvPicPr>
-          <p:nvPr/>
-        </p:nvPicPr>
-        <p:blipFill>
-          <a:blip r:embed="rId2"/>
-          <a:stretch>
-            <a:fillRect/>
-          </a:stretch>
-        </p:blipFill>
-        <p:spPr>
-          <a:xfrm>
-            <a:off x="9582193" y="3948088"/>
-            <a:ext cx="560136" cy="406136"/>
-          </a:xfrm>
-          <a:prstGeom prst="rect">
-            <a:avLst/>
-          </a:prstGeom>
-        </p:spPr>
-      </p:pic>
-      <p:pic>
-        <p:nvPicPr>
-          <p:cNvPr id="57" name="図 56">
-            <a:extLst>
-              <a:ext uri="{FF2B5EF4-FFF2-40B4-BE49-F238E27FC236}">
-                <a16:creationId xmlns:a16="http://schemas.microsoft.com/office/drawing/2014/main" id="{EF52042D-E1A4-A246-9C39-A9FC0DF4CFED}"/>
-              </a:ext>
-            </a:extLst>
-          </p:cNvPr>
-          <p:cNvPicPr>
-            <a:picLocks noChangeAspect="1"/>
-          </p:cNvPicPr>
-          <p:nvPr/>
-        </p:nvPicPr>
-        <p:blipFill>
-          <a:blip r:embed="rId2"/>
-          <a:stretch>
-            <a:fillRect/>
-          </a:stretch>
-        </p:blipFill>
-        <p:spPr>
-          <a:xfrm>
-            <a:off x="9030036" y="3948088"/>
-            <a:ext cx="560136" cy="406136"/>
-          </a:xfrm>
-          <a:prstGeom prst="rect">
-            <a:avLst/>
-          </a:prstGeom>
-        </p:spPr>
-      </p:pic>
-      <p:pic>
-        <p:nvPicPr>
-          <p:cNvPr id="58" name="図 57">
-            <a:extLst>
-              <a:ext uri="{FF2B5EF4-FFF2-40B4-BE49-F238E27FC236}">
-                <a16:creationId xmlns:a16="http://schemas.microsoft.com/office/drawing/2014/main" id="{90BA822B-5402-FF42-851A-B71DFC0F62A8}"/>
-              </a:ext>
-            </a:extLst>
-          </p:cNvPr>
-          <p:cNvPicPr>
-            <a:picLocks noChangeAspect="1"/>
-          </p:cNvPicPr>
-          <p:nvPr/>
-        </p:nvPicPr>
-        <p:blipFill>
-          <a:blip r:embed="rId3"/>
-          <a:stretch>
-            <a:fillRect/>
-          </a:stretch>
-        </p:blipFill>
-        <p:spPr>
-          <a:xfrm>
-            <a:off x="7320548" y="3443613"/>
-            <a:ext cx="554426" cy="401996"/>
-          </a:xfrm>
-          <a:prstGeom prst="rect">
-            <a:avLst/>
-          </a:prstGeom>
-        </p:spPr>
-      </p:pic>
-      <p:pic>
-        <p:nvPicPr>
-          <p:cNvPr id="59" name="図 58">
-            <a:extLst>
-              <a:ext uri="{FF2B5EF4-FFF2-40B4-BE49-F238E27FC236}">
-                <a16:creationId xmlns:a16="http://schemas.microsoft.com/office/drawing/2014/main" id="{4BADDD9C-2646-5A42-88AC-282BBD74C533}"/>
-              </a:ext>
-            </a:extLst>
-          </p:cNvPr>
-          <p:cNvPicPr>
-            <a:picLocks noChangeAspect="1"/>
-          </p:cNvPicPr>
-          <p:nvPr/>
-        </p:nvPicPr>
-        <p:blipFill>
-          <a:blip r:embed="rId3"/>
-          <a:stretch>
-            <a:fillRect/>
-          </a:stretch>
-        </p:blipFill>
-        <p:spPr>
-          <a:xfrm>
-            <a:off x="6743623" y="3443613"/>
-            <a:ext cx="554426" cy="401996"/>
-          </a:xfrm>
-          <a:prstGeom prst="rect">
-            <a:avLst/>
-          </a:prstGeom>
-        </p:spPr>
-      </p:pic>
-      <p:pic>
-        <p:nvPicPr>
-          <p:cNvPr id="60" name="図 59">
-            <a:extLst>
-              <a:ext uri="{FF2B5EF4-FFF2-40B4-BE49-F238E27FC236}">
-                <a16:creationId xmlns:a16="http://schemas.microsoft.com/office/drawing/2014/main" id="{C32CB372-09A5-554C-ACE6-024733A921A7}"/>
-              </a:ext>
-            </a:extLst>
-          </p:cNvPr>
-          <p:cNvPicPr>
-            <a:picLocks noChangeAspect="1"/>
-          </p:cNvPicPr>
-          <p:nvPr/>
-        </p:nvPicPr>
-        <p:blipFill>
-          <a:blip r:embed="rId3"/>
-          <a:stretch>
-            <a:fillRect/>
-          </a:stretch>
-        </p:blipFill>
-        <p:spPr>
-          <a:xfrm>
-            <a:off x="10232281" y="3443613"/>
-            <a:ext cx="554426" cy="401996"/>
-          </a:xfrm>
-          <a:prstGeom prst="rect">
-            <a:avLst/>
-          </a:prstGeom>
-        </p:spPr>
-      </p:pic>
-      <p:pic>
-        <p:nvPicPr>
-          <p:cNvPr id="61" name="図 60">
-            <a:extLst>
-              <a:ext uri="{FF2B5EF4-FFF2-40B4-BE49-F238E27FC236}">
-                <a16:creationId xmlns:a16="http://schemas.microsoft.com/office/drawing/2014/main" id="{57CCBFA9-C36E-9A4A-8462-281E41E3CEE3}"/>
-              </a:ext>
-            </a:extLst>
-          </p:cNvPr>
-          <p:cNvPicPr>
-            <a:picLocks noChangeAspect="1"/>
-          </p:cNvPicPr>
-          <p:nvPr/>
-        </p:nvPicPr>
-        <p:blipFill>
-          <a:blip r:embed="rId3"/>
-          <a:stretch>
-            <a:fillRect/>
-          </a:stretch>
-        </p:blipFill>
-        <p:spPr>
-          <a:xfrm>
-            <a:off x="10794897" y="3433156"/>
-            <a:ext cx="554426" cy="401996"/>
-          </a:xfrm>
-          <a:prstGeom prst="rect">
-            <a:avLst/>
-          </a:prstGeom>
-        </p:spPr>
-      </p:pic>
-      <p:pic>
-        <p:nvPicPr>
-          <p:cNvPr id="62" name="図 61">
-            <a:extLst>
-              <a:ext uri="{FF2B5EF4-FFF2-40B4-BE49-F238E27FC236}">
-                <a16:creationId xmlns:a16="http://schemas.microsoft.com/office/drawing/2014/main" id="{248A638E-2CE1-6A4E-B1B8-BBFCC9925944}"/>
-              </a:ext>
-            </a:extLst>
-          </p:cNvPr>
-          <p:cNvPicPr>
-            <a:picLocks noChangeAspect="1"/>
-          </p:cNvPicPr>
-          <p:nvPr/>
-        </p:nvPicPr>
-        <p:blipFill>
-          <a:blip r:embed="rId4"/>
-          <a:stretch>
-            <a:fillRect/>
-          </a:stretch>
-        </p:blipFill>
-        <p:spPr>
-          <a:xfrm>
-            <a:off x="9589868" y="2907625"/>
-            <a:ext cx="575872" cy="417546"/>
-          </a:xfrm>
-          <a:prstGeom prst="rect">
-            <a:avLst/>
-          </a:prstGeom>
-        </p:spPr>
-      </p:pic>
-      <p:pic>
-        <p:nvPicPr>
-          <p:cNvPr id="63" name="図 62">
-            <a:extLst>
-              <a:ext uri="{FF2B5EF4-FFF2-40B4-BE49-F238E27FC236}">
-                <a16:creationId xmlns:a16="http://schemas.microsoft.com/office/drawing/2014/main" id="{FCBD5944-957B-2E46-BA8A-56083493D994}"/>
-              </a:ext>
-            </a:extLst>
-          </p:cNvPr>
-          <p:cNvPicPr>
-            <a:picLocks noChangeAspect="1"/>
-          </p:cNvPicPr>
-          <p:nvPr/>
-        </p:nvPicPr>
-        <p:blipFill>
-          <a:blip r:embed="rId4"/>
-          <a:stretch>
-            <a:fillRect/>
-          </a:stretch>
-        </p:blipFill>
-        <p:spPr>
-          <a:xfrm>
-            <a:off x="8447602" y="2918311"/>
-            <a:ext cx="575872" cy="417546"/>
-          </a:xfrm>
-          <a:prstGeom prst="rect">
-            <a:avLst/>
-          </a:prstGeom>
-        </p:spPr>
-      </p:pic>
-      <p:pic>
-        <p:nvPicPr>
-          <p:cNvPr id="64" name="図 63">
-            <a:extLst>
-              <a:ext uri="{FF2B5EF4-FFF2-40B4-BE49-F238E27FC236}">
-                <a16:creationId xmlns:a16="http://schemas.microsoft.com/office/drawing/2014/main" id="{945F14FD-355C-3742-84DA-F5E56B4F9739}"/>
-              </a:ext>
-            </a:extLst>
-          </p:cNvPr>
-          <p:cNvPicPr>
-            <a:picLocks noChangeAspect="1"/>
-          </p:cNvPicPr>
-          <p:nvPr/>
-        </p:nvPicPr>
-        <p:blipFill>
-          <a:blip r:embed="rId4"/>
-          <a:stretch>
-            <a:fillRect/>
-          </a:stretch>
-        </p:blipFill>
-        <p:spPr>
-          <a:xfrm>
-            <a:off x="7896768" y="2917731"/>
-            <a:ext cx="575872" cy="417546"/>
-          </a:xfrm>
-          <a:prstGeom prst="rect">
-            <a:avLst/>
-          </a:prstGeom>
-        </p:spPr>
-      </p:pic>
-      <p:pic>
-        <p:nvPicPr>
-          <p:cNvPr id="65" name="図 64">
-            <a:extLst>
-              <a:ext uri="{FF2B5EF4-FFF2-40B4-BE49-F238E27FC236}">
-                <a16:creationId xmlns:a16="http://schemas.microsoft.com/office/drawing/2014/main" id="{4C1DAEF6-BD8E-7D4E-9B55-15E2BF0105B8}"/>
-              </a:ext>
-            </a:extLst>
-          </p:cNvPr>
-          <p:cNvPicPr>
-            <a:picLocks noChangeAspect="1"/>
-          </p:cNvPicPr>
-          <p:nvPr/>
-        </p:nvPicPr>
-        <p:blipFill>
-          <a:blip r:embed="rId4"/>
-          <a:stretch>
-            <a:fillRect/>
-          </a:stretch>
-        </p:blipFill>
-        <p:spPr>
-          <a:xfrm>
-            <a:off x="7280802" y="2907104"/>
-            <a:ext cx="575872" cy="417546"/>
-          </a:xfrm>
-          <a:prstGeom prst="rect">
-            <a:avLst/>
-          </a:prstGeom>
-        </p:spPr>
-      </p:pic>
-      <p:pic>
-        <p:nvPicPr>
-          <p:cNvPr id="66" name="図 65">
-            <a:extLst>
-              <a:ext uri="{FF2B5EF4-FFF2-40B4-BE49-F238E27FC236}">
-                <a16:creationId xmlns:a16="http://schemas.microsoft.com/office/drawing/2014/main" id="{561C59C8-9E4A-D645-80EB-4DC8D4ABCA80}"/>
-              </a:ext>
-            </a:extLst>
-          </p:cNvPr>
-          <p:cNvPicPr>
-            <a:picLocks noChangeAspect="1"/>
-          </p:cNvPicPr>
-          <p:nvPr/>
-        </p:nvPicPr>
-        <p:blipFill>
-          <a:blip r:embed="rId4"/>
-          <a:stretch>
-            <a:fillRect/>
-          </a:stretch>
-        </p:blipFill>
-        <p:spPr>
-          <a:xfrm>
-            <a:off x="6716863" y="2914491"/>
-            <a:ext cx="575872" cy="417546"/>
-          </a:xfrm>
-          <a:prstGeom prst="rect">
-            <a:avLst/>
-          </a:prstGeom>
-        </p:spPr>
-      </p:pic>
-      <p:pic>
-        <p:nvPicPr>
-          <p:cNvPr id="68" name="図 67">
-            <a:extLst>
-              <a:ext uri="{FF2B5EF4-FFF2-40B4-BE49-F238E27FC236}">
-                <a16:creationId xmlns:a16="http://schemas.microsoft.com/office/drawing/2014/main" id="{DB0102BC-1624-F44D-AB3E-686F7C969063}"/>
-              </a:ext>
-            </a:extLst>
-          </p:cNvPr>
-          <p:cNvPicPr>
-            <a:picLocks noChangeAspect="1"/>
-          </p:cNvPicPr>
-          <p:nvPr/>
-        </p:nvPicPr>
-        <p:blipFill>
-          <a:blip r:embed="rId4"/>
-          <a:stretch>
-            <a:fillRect/>
-          </a:stretch>
-        </p:blipFill>
-        <p:spPr>
-          <a:xfrm>
-            <a:off x="9044748" y="2911781"/>
-            <a:ext cx="575872" cy="417546"/>
-          </a:xfrm>
-          <a:prstGeom prst="rect">
-            <a:avLst/>
-          </a:prstGeom>
-        </p:spPr>
-      </p:pic>
+        <p:style>
+          <a:lnRef idx="1">
+            <a:schemeClr val="accent1"/>
+          </a:lnRef>
+          <a:fillRef idx="0">
+            <a:schemeClr val="accent1"/>
+          </a:fillRef>
+          <a:effectRef idx="0">
+            <a:schemeClr val="accent1"/>
+          </a:effectRef>
+          <a:fontRef idx="minor">
+            <a:schemeClr val="tx1"/>
+          </a:fontRef>
+        </p:style>
+      </p:cxnSp>
     </p:spTree>
     <p:extLst>
       <p:ext uri="{BB962C8B-B14F-4D97-AF65-F5344CB8AC3E}">
-        <p14:creationId xmlns:p14="http://schemas.microsoft.com/office/powerpoint/2010/main" val="452549147"/>
+        <p14:creationId xmlns:p14="http://schemas.microsoft.com/office/powerpoint/2010/main" val="4096720724"/>
       </p:ext>
     </p:extLst>
   </p:cSld>

--- a/きよし＿船.pptx
+++ b/きよし＿船.pptx
@@ -5,7 +5,7 @@
     <p:sldMasterId id="2147483648" r:id="rId1"/>
   </p:sldMasterIdLst>
   <p:notesMasterIdLst>
-    <p:notesMasterId r:id="rId7"/>
+    <p:notesMasterId r:id="rId8"/>
   </p:notesMasterIdLst>
   <p:sldIdLst>
     <p:sldId id="257" r:id="rId2"/>
@@ -13,6 +13,7 @@
     <p:sldId id="260" r:id="rId4"/>
     <p:sldId id="261" r:id="rId5"/>
     <p:sldId id="262" r:id="rId6"/>
+    <p:sldId id="263" r:id="rId7"/>
   </p:sldIdLst>
   <p:sldSz cx="12192000" cy="6858000"/>
   <p:notesSz cx="6858000" cy="9144000"/>
@@ -743,6 +744,90 @@
     <p:extLst>
       <p:ext uri="{BB962C8B-B14F-4D97-AF65-F5344CB8AC3E}">
         <p14:creationId xmlns:p14="http://schemas.microsoft.com/office/powerpoint/2010/main" val="2774396199"/>
+      </p:ext>
+    </p:extLst>
+  </p:cSld>
+  <p:clrMapOvr>
+    <a:masterClrMapping/>
+  </p:clrMapOvr>
+</p:notes>
+</file>
+
+<file path=ppt/notesSlides/notesSlide4.xml><?xml version="1.0" encoding="utf-8"?>
+<p:notes xmlns:a="http://schemas.openxmlformats.org/drawingml/2006/main" xmlns:r="http://schemas.openxmlformats.org/officeDocument/2006/relationships" xmlns:p="http://schemas.openxmlformats.org/presentationml/2006/main">
+  <p:cSld>
+    <p:spTree>
+      <p:nvGrpSpPr>
+        <p:cNvPr id="1" name=""/>
+        <p:cNvGrpSpPr/>
+        <p:nvPr/>
+      </p:nvGrpSpPr>
+      <p:grpSpPr>
+        <a:xfrm>
+          <a:off x="0" y="0"/>
+          <a:ext cx="0" cy="0"/>
+          <a:chOff x="0" y="0"/>
+          <a:chExt cx="0" cy="0"/>
+        </a:xfrm>
+      </p:grpSpPr>
+      <p:sp>
+        <p:nvSpPr>
+          <p:cNvPr id="2" name="スライド イメージ プレースホルダー 1"/>
+          <p:cNvSpPr>
+            <a:spLocks noGrp="1" noRot="1" noChangeAspect="1"/>
+          </p:cNvSpPr>
+          <p:nvPr>
+            <p:ph type="sldImg"/>
+          </p:nvPr>
+        </p:nvSpPr>
+        <p:spPr/>
+      </p:sp>
+      <p:sp>
+        <p:nvSpPr>
+          <p:cNvPr id="3" name="ノート プレースホルダー 2"/>
+          <p:cNvSpPr>
+            <a:spLocks noGrp="1"/>
+          </p:cNvSpPr>
+          <p:nvPr>
+            <p:ph type="body" idx="1"/>
+          </p:nvPr>
+        </p:nvSpPr>
+        <p:spPr/>
+        <p:txBody>
+          <a:bodyPr/>
+          <a:lstStyle/>
+          <a:p>
+            <a:endParaRPr kumimoji="1" lang="ja-JP" altLang="en-US"/>
+          </a:p>
+        </p:txBody>
+      </p:sp>
+      <p:sp>
+        <p:nvSpPr>
+          <p:cNvPr id="4" name="スライド番号プレースホルダー 3"/>
+          <p:cNvSpPr>
+            <a:spLocks noGrp="1"/>
+          </p:cNvSpPr>
+          <p:nvPr>
+            <p:ph type="sldNum" sz="quarter" idx="5"/>
+          </p:nvPr>
+        </p:nvSpPr>
+        <p:spPr/>
+        <p:txBody>
+          <a:bodyPr/>
+          <a:lstStyle/>
+          <a:p>
+            <a:fld id="{1AE8CFB7-0F18-0240-AC4E-5BAEBAFDD5F5}" type="slidenum">
+              <a:rPr kumimoji="1" lang="ja-JP" altLang="en-US" smtClean="0"/>
+              <a:t>6</a:t>
+            </a:fld>
+            <a:endParaRPr kumimoji="1" lang="ja-JP" altLang="en-US"/>
+          </a:p>
+        </p:txBody>
+      </p:sp>
+    </p:spTree>
+    <p:extLst>
+      <p:ext uri="{BB962C8B-B14F-4D97-AF65-F5344CB8AC3E}">
+        <p14:creationId xmlns:p14="http://schemas.microsoft.com/office/powerpoint/2010/main" val="3369676070"/>
       </p:ext>
     </p:extLst>
   </p:cSld>
@@ -10628,7 +10713,7 @@
           <p:nvPr>
             <p:extLst>
               <p:ext uri="{D42A27DB-BD31-4B8C-83A1-F6EECF244321}">
-                <p14:modId xmlns:p14="http://schemas.microsoft.com/office/powerpoint/2010/main" val="4016008817"/>
+                <p14:modId xmlns:p14="http://schemas.microsoft.com/office/powerpoint/2010/main" val="2727106608"/>
               </p:ext>
             </p:extLst>
           </p:nvPr>
@@ -10672,7 +10757,20 @@
                     <a:bodyPr/>
                     <a:lstStyle/>
                     <a:p>
-                      <a:endParaRPr kumimoji="1" lang="ja-JP" altLang="en-US"/>
+                      <a:pPr lvl="0" algn="ctr"/>
+                      <a:r>
+                        <a:rPr kumimoji="1" lang="en-US" altLang="ja-JP" sz="2000" dirty="0">
+                          <a:solidFill>
+                            <a:schemeClr val="tx1"/>
+                          </a:solidFill>
+                        </a:rPr>
+                        <a:t>90% full</a:t>
+                      </a:r>
+                      <a:endParaRPr kumimoji="1" lang="ja-JP" altLang="en-US" sz="2000">
+                        <a:solidFill>
+                          <a:schemeClr val="tx1"/>
+                        </a:solidFill>
+                      </a:endParaRPr>
                     </a:p>
                   </a:txBody>
                   <a:tcPr>
@@ -10779,7 +10877,7 @@
                       <a:prstDash val="solid"/>
                     </a:lnBlToTr>
                     <a:solidFill>
-                      <a:srgbClr val="92D050"/>
+                      <a:schemeClr val="bg1"/>
                     </a:solidFill>
                   </a:tcPr>
                 </a:tc>
@@ -10829,7 +10927,7 @@
                       <a:tailEnd type="none" w="med" len="med"/>
                     </a:lnB>
                     <a:solidFill>
-                      <a:srgbClr val="00B0F0"/>
+                      <a:schemeClr val="bg1"/>
                     </a:solidFill>
                   </a:tcPr>
                 </a:tc>
@@ -10890,7 +10988,7 @@
                       <a:tailEnd type="none" w="med" len="med"/>
                     </a:lnB>
                     <a:solidFill>
-                      <a:srgbClr val="92D050"/>
+                      <a:srgbClr val="00B0F0"/>
                     </a:solidFill>
                   </a:tcPr>
                 </a:tc>
@@ -10940,7 +11038,7 @@
                       <a:tailEnd type="none" w="med" len="med"/>
                     </a:lnB>
                     <a:solidFill>
-                      <a:srgbClr val="FFC000"/>
+                      <a:srgbClr val="92D050"/>
                     </a:solidFill>
                   </a:tcPr>
                 </a:tc>
@@ -11097,7 +11195,7 @@
                       <a:tailEnd type="none" w="med" len="med"/>
                     </a:lnB>
                     <a:solidFill>
-                      <a:srgbClr val="00B0F0"/>
+                      <a:srgbClr val="FFC000"/>
                     </a:solidFill>
                   </a:tcPr>
                 </a:tc>
@@ -11147,7 +11245,7 @@
                       <a:tailEnd type="none" w="med" len="med"/>
                     </a:lnB>
                     <a:solidFill>
-                      <a:srgbClr val="00B0F0"/>
+                      <a:srgbClr val="92D050"/>
                     </a:solidFill>
                   </a:tcPr>
                 </a:tc>
@@ -11576,7 +11674,10 @@
           <a:prstGeom prst="straightConnector1">
             <a:avLst/>
           </a:prstGeom>
-          <a:ln>
+          <a:ln w="25400">
+            <a:solidFill>
+              <a:schemeClr val="tx1"/>
+            </a:solidFill>
             <a:headEnd type="triangle"/>
             <a:tailEnd type="triangle"/>
           </a:ln>
@@ -11640,6 +11741,1713 @@
     <p:extLst>
       <p:ext uri="{BB962C8B-B14F-4D97-AF65-F5344CB8AC3E}">
         <p14:creationId xmlns:p14="http://schemas.microsoft.com/office/powerpoint/2010/main" val="4096720724"/>
+      </p:ext>
+    </p:extLst>
+  </p:cSld>
+  <p:clrMapOvr>
+    <a:masterClrMapping/>
+  </p:clrMapOvr>
+</p:sld>
+</file>
+
+<file path=ppt/slides/slide6.xml><?xml version="1.0" encoding="utf-8"?>
+<p:sld xmlns:a="http://schemas.openxmlformats.org/drawingml/2006/main" xmlns:r="http://schemas.openxmlformats.org/officeDocument/2006/relationships" xmlns:p="http://schemas.openxmlformats.org/presentationml/2006/main">
+  <p:cSld>
+    <p:spTree>
+      <p:nvGrpSpPr>
+        <p:cNvPr id="1" name=""/>
+        <p:cNvGrpSpPr/>
+        <p:nvPr/>
+      </p:nvGrpSpPr>
+      <p:grpSpPr>
+        <a:xfrm>
+          <a:off x="0" y="0"/>
+          <a:ext cx="0" cy="0"/>
+          <a:chOff x="0" y="0"/>
+          <a:chExt cx="0" cy="0"/>
+        </a:xfrm>
+      </p:grpSpPr>
+      <p:sp>
+        <p:nvSpPr>
+          <p:cNvPr id="12" name="ホームベース 11">
+            <a:extLst>
+              <a:ext uri="{FF2B5EF4-FFF2-40B4-BE49-F238E27FC236}">
+                <a16:creationId xmlns:a16="http://schemas.microsoft.com/office/drawing/2014/main" id="{A62E56CF-FE34-8C4C-B2D6-1158072C7885}"/>
+              </a:ext>
+            </a:extLst>
+          </p:cNvPr>
+          <p:cNvSpPr/>
+          <p:nvPr/>
+        </p:nvSpPr>
+        <p:spPr>
+          <a:xfrm>
+            <a:off x="8644154" y="2147282"/>
+            <a:ext cx="2396691" cy="1281718"/>
+          </a:xfrm>
+          <a:prstGeom prst="homePlate">
+            <a:avLst/>
+          </a:prstGeom>
+          <a:noFill/>
+          <a:ln>
+            <a:solidFill>
+              <a:schemeClr val="tx1"/>
+            </a:solidFill>
+          </a:ln>
+        </p:spPr>
+        <p:style>
+          <a:lnRef idx="2">
+            <a:schemeClr val="accent1">
+              <a:shade val="50000"/>
+            </a:schemeClr>
+          </a:lnRef>
+          <a:fillRef idx="1">
+            <a:schemeClr val="accent1"/>
+          </a:fillRef>
+          <a:effectRef idx="0">
+            <a:schemeClr val="accent1"/>
+          </a:effectRef>
+          <a:fontRef idx="minor">
+            <a:schemeClr val="lt1"/>
+          </a:fontRef>
+        </p:style>
+        <p:txBody>
+          <a:bodyPr rtlCol="0" anchor="ctr"/>
+          <a:lstStyle/>
+          <a:p>
+            <a:pPr algn="ctr"/>
+            <a:endParaRPr kumimoji="1" lang="ja-JP" altLang="en-US"/>
+          </a:p>
+        </p:txBody>
+      </p:sp>
+      <p:graphicFrame>
+        <p:nvGraphicFramePr>
+          <p:cNvPr id="11" name="表 11">
+            <a:extLst>
+              <a:ext uri="{FF2B5EF4-FFF2-40B4-BE49-F238E27FC236}">
+                <a16:creationId xmlns:a16="http://schemas.microsoft.com/office/drawing/2014/main" id="{C4CBB207-E9A2-E34E-B643-538FB5FA51ED}"/>
+              </a:ext>
+            </a:extLst>
+          </p:cNvPr>
+          <p:cNvGraphicFramePr>
+            <a:graphicFrameLocks noGrp="1"/>
+          </p:cNvGraphicFramePr>
+          <p:nvPr>
+            <p:extLst>
+              <p:ext uri="{D42A27DB-BD31-4B8C-83A1-F6EECF244321}">
+                <p14:modId xmlns:p14="http://schemas.microsoft.com/office/powerpoint/2010/main" val="1980660458"/>
+              </p:ext>
+            </p:extLst>
+          </p:nvPr>
+        </p:nvGraphicFramePr>
+        <p:xfrm>
+          <a:off x="6718701" y="2788141"/>
+          <a:ext cx="4644316" cy="1534515"/>
+        </p:xfrm>
+        <a:graphic>
+          <a:graphicData uri="http://schemas.openxmlformats.org/drawingml/2006/table">
+            <a:tbl>
+              <a:tblPr firstRow="1" bandRow="1">
+                <a:tableStyleId>{5C22544A-7EE6-4342-B048-85BDC9FD1C3A}</a:tableStyleId>
+              </a:tblPr>
+              <a:tblGrid>
+                <a:gridCol w="1161079">
+                  <a:extLst>
+                    <a:ext uri="{9D8B030D-6E8A-4147-A177-3AD203B41FA5}">
+                      <a16:colId xmlns:a16="http://schemas.microsoft.com/office/drawing/2014/main" val="415769867"/>
+                    </a:ext>
+                  </a:extLst>
+                </a:gridCol>
+                <a:gridCol w="1161079">
+                  <a:extLst>
+                    <a:ext uri="{9D8B030D-6E8A-4147-A177-3AD203B41FA5}">
+                      <a16:colId xmlns:a16="http://schemas.microsoft.com/office/drawing/2014/main" val="1120760323"/>
+                    </a:ext>
+                  </a:extLst>
+                </a:gridCol>
+                <a:gridCol w="1161079">
+                  <a:extLst>
+                    <a:ext uri="{9D8B030D-6E8A-4147-A177-3AD203B41FA5}">
+                      <a16:colId xmlns:a16="http://schemas.microsoft.com/office/drawing/2014/main" val="1830531746"/>
+                    </a:ext>
+                  </a:extLst>
+                </a:gridCol>
+                <a:gridCol w="1161079">
+                  <a:extLst>
+                    <a:ext uri="{9D8B030D-6E8A-4147-A177-3AD203B41FA5}">
+                      <a16:colId xmlns:a16="http://schemas.microsoft.com/office/drawing/2014/main" val="3898694262"/>
+                    </a:ext>
+                  </a:extLst>
+                </a:gridCol>
+              </a:tblGrid>
+              <a:tr h="511505">
+                <a:tc>
+                  <a:txBody>
+                    <a:bodyPr/>
+                    <a:lstStyle/>
+                    <a:p>
+                      <a:endParaRPr kumimoji="1" lang="ja-JP" altLang="en-US"/>
+                    </a:p>
+                  </a:txBody>
+                  <a:tcPr>
+                    <a:lnL w="12700" cap="flat" cmpd="sng" algn="ctr">
+                      <a:solidFill>
+                        <a:schemeClr val="tx1"/>
+                      </a:solidFill>
+                      <a:prstDash val="solid"/>
+                      <a:round/>
+                      <a:headEnd type="none" w="med" len="med"/>
+                      <a:tailEnd type="none" w="med" len="med"/>
+                    </a:lnL>
+                    <a:lnR w="12700" cap="flat" cmpd="sng" algn="ctr">
+                      <a:solidFill>
+                        <a:schemeClr val="tx1"/>
+                      </a:solidFill>
+                      <a:prstDash val="solid"/>
+                      <a:round/>
+                      <a:headEnd type="none" w="med" len="med"/>
+                      <a:tailEnd type="none" w="med" len="med"/>
+                    </a:lnR>
+                    <a:lnT w="12700" cap="flat" cmpd="sng" algn="ctr">
+                      <a:solidFill>
+                        <a:schemeClr val="tx1"/>
+                      </a:solidFill>
+                      <a:prstDash val="solid"/>
+                      <a:round/>
+                      <a:headEnd type="none" w="med" len="med"/>
+                      <a:tailEnd type="none" w="med" len="med"/>
+                    </a:lnT>
+                    <a:lnB w="12700" cap="flat" cmpd="sng" algn="ctr">
+                      <a:solidFill>
+                        <a:schemeClr val="tx1"/>
+                      </a:solidFill>
+                      <a:prstDash val="solid"/>
+                      <a:round/>
+                      <a:headEnd type="none" w="med" len="med"/>
+                      <a:tailEnd type="none" w="med" len="med"/>
+                    </a:lnB>
+                    <a:lnTlToBr w="12700" cmpd="sng">
+                      <a:noFill/>
+                      <a:prstDash val="solid"/>
+                    </a:lnTlToBr>
+                    <a:lnBlToTr w="12700" cmpd="sng">
+                      <a:noFill/>
+                      <a:prstDash val="solid"/>
+                    </a:lnBlToTr>
+                    <a:solidFill>
+                      <a:srgbClr val="00B0F0"/>
+                    </a:solidFill>
+                  </a:tcPr>
+                </a:tc>
+                <a:tc>
+                  <a:txBody>
+                    <a:bodyPr/>
+                    <a:lstStyle/>
+                    <a:p>
+                      <a:endParaRPr kumimoji="1" lang="ja-JP" altLang="en-US"/>
+                    </a:p>
+                  </a:txBody>
+                  <a:tcPr>
+                    <a:lnL w="12700" cap="flat" cmpd="sng" algn="ctr">
+                      <a:solidFill>
+                        <a:schemeClr val="tx1"/>
+                      </a:solidFill>
+                      <a:prstDash val="solid"/>
+                      <a:round/>
+                      <a:headEnd type="none" w="med" len="med"/>
+                      <a:tailEnd type="none" w="med" len="med"/>
+                    </a:lnL>
+                    <a:lnR w="12700" cap="flat" cmpd="sng" algn="ctr">
+                      <a:solidFill>
+                        <a:schemeClr val="tx1"/>
+                      </a:solidFill>
+                      <a:prstDash val="solid"/>
+                      <a:round/>
+                      <a:headEnd type="none" w="med" len="med"/>
+                      <a:tailEnd type="none" w="med" len="med"/>
+                    </a:lnR>
+                    <a:lnT w="12700" cap="flat" cmpd="sng" algn="ctr">
+                      <a:solidFill>
+                        <a:schemeClr val="tx1"/>
+                      </a:solidFill>
+                      <a:prstDash val="solid"/>
+                      <a:round/>
+                      <a:headEnd type="none" w="med" len="med"/>
+                      <a:tailEnd type="none" w="med" len="med"/>
+                    </a:lnT>
+                    <a:lnB w="12700" cap="flat" cmpd="sng" algn="ctr">
+                      <a:solidFill>
+                        <a:schemeClr val="tx1"/>
+                      </a:solidFill>
+                      <a:prstDash val="solid"/>
+                      <a:round/>
+                      <a:headEnd type="none" w="med" len="med"/>
+                      <a:tailEnd type="none" w="med" len="med"/>
+                    </a:lnB>
+                    <a:lnTlToBr w="12700" cmpd="sng">
+                      <a:noFill/>
+                      <a:prstDash val="solid"/>
+                    </a:lnTlToBr>
+                    <a:lnBlToTr w="12700" cmpd="sng">
+                      <a:noFill/>
+                      <a:prstDash val="solid"/>
+                    </a:lnBlToTr>
+                    <a:solidFill>
+                      <a:srgbClr val="00B0F0"/>
+                    </a:solidFill>
+                  </a:tcPr>
+                </a:tc>
+                <a:tc>
+                  <a:txBody>
+                    <a:bodyPr/>
+                    <a:lstStyle/>
+                    <a:p>
+                      <a:endParaRPr kumimoji="1" lang="ja-JP" altLang="en-US"/>
+                    </a:p>
+                  </a:txBody>
+                  <a:tcPr>
+                    <a:lnL w="12700" cap="flat" cmpd="sng" algn="ctr">
+                      <a:solidFill>
+                        <a:schemeClr val="tx1"/>
+                      </a:solidFill>
+                      <a:prstDash val="solid"/>
+                      <a:round/>
+                      <a:headEnd type="none" w="med" len="med"/>
+                      <a:tailEnd type="none" w="med" len="med"/>
+                    </a:lnL>
+                    <a:lnR w="12700" cap="flat" cmpd="sng" algn="ctr">
+                      <a:solidFill>
+                        <a:schemeClr val="tx1"/>
+                      </a:solidFill>
+                      <a:prstDash val="solid"/>
+                      <a:round/>
+                      <a:headEnd type="none" w="med" len="med"/>
+                      <a:tailEnd type="none" w="med" len="med"/>
+                    </a:lnR>
+                    <a:lnT w="12700" cap="flat" cmpd="sng" algn="ctr">
+                      <a:solidFill>
+                        <a:schemeClr val="tx1"/>
+                      </a:solidFill>
+                      <a:prstDash val="solid"/>
+                      <a:round/>
+                      <a:headEnd type="none" w="med" len="med"/>
+                      <a:tailEnd type="none" w="med" len="med"/>
+                    </a:lnT>
+                    <a:lnB w="12700" cap="flat" cmpd="sng" algn="ctr">
+                      <a:solidFill>
+                        <a:schemeClr val="tx1"/>
+                      </a:solidFill>
+                      <a:prstDash val="solid"/>
+                      <a:round/>
+                      <a:headEnd type="none" w="med" len="med"/>
+                      <a:tailEnd type="none" w="med" len="med"/>
+                    </a:lnB>
+                    <a:lnTlToBr w="12700" cmpd="sng">
+                      <a:noFill/>
+                      <a:prstDash val="solid"/>
+                    </a:lnTlToBr>
+                    <a:lnBlToTr w="12700" cmpd="sng">
+                      <a:noFill/>
+                      <a:prstDash val="solid"/>
+                    </a:lnBlToTr>
+                    <a:solidFill>
+                      <a:srgbClr val="0070C0"/>
+                    </a:solidFill>
+                  </a:tcPr>
+                </a:tc>
+                <a:tc>
+                  <a:txBody>
+                    <a:bodyPr/>
+                    <a:lstStyle/>
+                    <a:p>
+                      <a:endParaRPr kumimoji="1" lang="ja-JP" altLang="en-US"/>
+                    </a:p>
+                  </a:txBody>
+                  <a:tcPr>
+                    <a:lnL w="12700" cap="flat" cmpd="sng" algn="ctr">
+                      <a:solidFill>
+                        <a:schemeClr val="tx1"/>
+                      </a:solidFill>
+                      <a:prstDash val="solid"/>
+                      <a:round/>
+                      <a:headEnd type="none" w="med" len="med"/>
+                      <a:tailEnd type="none" w="med" len="med"/>
+                    </a:lnL>
+                    <a:lnR w="12700" cap="flat" cmpd="sng" algn="ctr">
+                      <a:solidFill>
+                        <a:schemeClr val="tx1"/>
+                      </a:solidFill>
+                      <a:prstDash val="solid"/>
+                      <a:round/>
+                      <a:headEnd type="none" w="med" len="med"/>
+                      <a:tailEnd type="none" w="med" len="med"/>
+                    </a:lnR>
+                    <a:lnT w="12700" cap="flat" cmpd="sng" algn="ctr">
+                      <a:solidFill>
+                        <a:schemeClr val="tx1"/>
+                      </a:solidFill>
+                      <a:prstDash val="solid"/>
+                      <a:round/>
+                      <a:headEnd type="none" w="med" len="med"/>
+                      <a:tailEnd type="none" w="med" len="med"/>
+                    </a:lnT>
+                    <a:lnB w="12700" cap="flat" cmpd="sng" algn="ctr">
+                      <a:solidFill>
+                        <a:schemeClr val="tx1"/>
+                      </a:solidFill>
+                      <a:prstDash val="solid"/>
+                      <a:round/>
+                      <a:headEnd type="none" w="med" len="med"/>
+                      <a:tailEnd type="none" w="med" len="med"/>
+                    </a:lnB>
+                    <a:solidFill>
+                      <a:srgbClr val="0070C0"/>
+                    </a:solidFill>
+                  </a:tcPr>
+                </a:tc>
+                <a:extLst>
+                  <a:ext uri="{0D108BD9-81ED-4DB2-BD59-A6C34878D82A}">
+                    <a16:rowId xmlns:a16="http://schemas.microsoft.com/office/drawing/2014/main" val="4197178994"/>
+                  </a:ext>
+                </a:extLst>
+              </a:tr>
+              <a:tr h="511505">
+                <a:tc>
+                  <a:txBody>
+                    <a:bodyPr/>
+                    <a:lstStyle/>
+                    <a:p>
+                      <a:endParaRPr kumimoji="1" lang="ja-JP" altLang="en-US"/>
+                    </a:p>
+                  </a:txBody>
+                  <a:tcPr>
+                    <a:lnL w="12700" cap="flat" cmpd="sng" algn="ctr">
+                      <a:solidFill>
+                        <a:schemeClr val="tx1"/>
+                      </a:solidFill>
+                      <a:prstDash val="solid"/>
+                      <a:round/>
+                      <a:headEnd type="none" w="med" len="med"/>
+                      <a:tailEnd type="none" w="med" len="med"/>
+                    </a:lnL>
+                    <a:lnR w="12700" cap="flat" cmpd="sng" algn="ctr">
+                      <a:solidFill>
+                        <a:schemeClr val="tx1"/>
+                      </a:solidFill>
+                      <a:prstDash val="solid"/>
+                      <a:round/>
+                      <a:headEnd type="none" w="med" len="med"/>
+                      <a:tailEnd type="none" w="med" len="med"/>
+                    </a:lnR>
+                    <a:lnT w="12700" cap="flat" cmpd="sng" algn="ctr">
+                      <a:solidFill>
+                        <a:schemeClr val="tx1"/>
+                      </a:solidFill>
+                      <a:prstDash val="solid"/>
+                      <a:round/>
+                      <a:headEnd type="none" w="med" len="med"/>
+                      <a:tailEnd type="none" w="med" len="med"/>
+                    </a:lnT>
+                    <a:lnB w="12700" cap="flat" cmpd="sng" algn="ctr">
+                      <a:solidFill>
+                        <a:schemeClr val="tx1"/>
+                      </a:solidFill>
+                      <a:prstDash val="solid"/>
+                      <a:round/>
+                      <a:headEnd type="none" w="med" len="med"/>
+                      <a:tailEnd type="none" w="med" len="med"/>
+                    </a:lnB>
+                    <a:solidFill>
+                      <a:schemeClr val="bg1"/>
+                    </a:solidFill>
+                  </a:tcPr>
+                </a:tc>
+                <a:tc>
+                  <a:txBody>
+                    <a:bodyPr/>
+                    <a:lstStyle/>
+                    <a:p>
+                      <a:endParaRPr kumimoji="1" lang="ja-JP" altLang="en-US">
+                        <a:solidFill>
+                          <a:srgbClr val="FF0000"/>
+                        </a:solidFill>
+                      </a:endParaRPr>
+                    </a:p>
+                  </a:txBody>
+                  <a:tcPr>
+                    <a:lnL w="12700" cap="flat" cmpd="sng" algn="ctr">
+                      <a:solidFill>
+                        <a:schemeClr val="tx1"/>
+                      </a:solidFill>
+                      <a:prstDash val="solid"/>
+                      <a:round/>
+                      <a:headEnd type="none" w="med" len="med"/>
+                      <a:tailEnd type="none" w="med" len="med"/>
+                    </a:lnL>
+                    <a:lnR w="12700" cap="flat" cmpd="sng" algn="ctr">
+                      <a:solidFill>
+                        <a:schemeClr val="tx1"/>
+                      </a:solidFill>
+                      <a:prstDash val="solid"/>
+                      <a:round/>
+                      <a:headEnd type="none" w="med" len="med"/>
+                      <a:tailEnd type="none" w="med" len="med"/>
+                    </a:lnR>
+                    <a:lnT w="12700" cap="flat" cmpd="sng" algn="ctr">
+                      <a:solidFill>
+                        <a:schemeClr val="tx1"/>
+                      </a:solidFill>
+                      <a:prstDash val="solid"/>
+                      <a:round/>
+                      <a:headEnd type="none" w="med" len="med"/>
+                      <a:tailEnd type="none" w="med" len="med"/>
+                    </a:lnT>
+                    <a:lnB w="12700" cap="flat" cmpd="sng" algn="ctr">
+                      <a:solidFill>
+                        <a:schemeClr val="tx1"/>
+                      </a:solidFill>
+                      <a:prstDash val="solid"/>
+                      <a:round/>
+                      <a:headEnd type="none" w="med" len="med"/>
+                      <a:tailEnd type="none" w="med" len="med"/>
+                    </a:lnB>
+                    <a:solidFill>
+                      <a:schemeClr val="bg1"/>
+                    </a:solidFill>
+                  </a:tcPr>
+                </a:tc>
+                <a:tc>
+                  <a:txBody>
+                    <a:bodyPr/>
+                    <a:lstStyle/>
+                    <a:p>
+                      <a:endParaRPr kumimoji="1" lang="ja-JP" altLang="en-US"/>
+                    </a:p>
+                  </a:txBody>
+                  <a:tcPr>
+                    <a:lnL w="12700" cap="flat" cmpd="sng" algn="ctr">
+                      <a:solidFill>
+                        <a:schemeClr val="tx1"/>
+                      </a:solidFill>
+                      <a:prstDash val="solid"/>
+                      <a:round/>
+                      <a:headEnd type="none" w="med" len="med"/>
+                      <a:tailEnd type="none" w="med" len="med"/>
+                    </a:lnL>
+                    <a:lnR w="12700" cap="flat" cmpd="sng" algn="ctr">
+                      <a:solidFill>
+                        <a:schemeClr val="tx1"/>
+                      </a:solidFill>
+                      <a:prstDash val="solid"/>
+                      <a:round/>
+                      <a:headEnd type="none" w="med" len="med"/>
+                      <a:tailEnd type="none" w="med" len="med"/>
+                    </a:lnR>
+                    <a:lnT w="12700" cap="flat" cmpd="sng" algn="ctr">
+                      <a:solidFill>
+                        <a:schemeClr val="tx1"/>
+                      </a:solidFill>
+                      <a:prstDash val="solid"/>
+                      <a:round/>
+                      <a:headEnd type="none" w="med" len="med"/>
+                      <a:tailEnd type="none" w="med" len="med"/>
+                    </a:lnT>
+                    <a:lnB w="12700" cap="flat" cmpd="sng" algn="ctr">
+                      <a:solidFill>
+                        <a:schemeClr val="tx1"/>
+                      </a:solidFill>
+                      <a:prstDash val="solid"/>
+                      <a:round/>
+                      <a:headEnd type="none" w="med" len="med"/>
+                      <a:tailEnd type="none" w="med" len="med"/>
+                    </a:lnB>
+                    <a:solidFill>
+                      <a:srgbClr val="92D050"/>
+                    </a:solidFill>
+                  </a:tcPr>
+                </a:tc>
+                <a:tc>
+                  <a:txBody>
+                    <a:bodyPr/>
+                    <a:lstStyle/>
+                    <a:p>
+                      <a:endParaRPr kumimoji="1" lang="ja-JP" altLang="en-US"/>
+                    </a:p>
+                  </a:txBody>
+                  <a:tcPr>
+                    <a:lnL w="12700" cap="flat" cmpd="sng" algn="ctr">
+                      <a:solidFill>
+                        <a:schemeClr val="tx1"/>
+                      </a:solidFill>
+                      <a:prstDash val="solid"/>
+                      <a:round/>
+                      <a:headEnd type="none" w="med" len="med"/>
+                      <a:tailEnd type="none" w="med" len="med"/>
+                    </a:lnL>
+                    <a:lnR w="12700" cap="flat" cmpd="sng" algn="ctr">
+                      <a:solidFill>
+                        <a:schemeClr val="tx1"/>
+                      </a:solidFill>
+                      <a:prstDash val="solid"/>
+                      <a:round/>
+                      <a:headEnd type="none" w="med" len="med"/>
+                      <a:tailEnd type="none" w="med" len="med"/>
+                    </a:lnR>
+                    <a:lnT w="12700" cap="flat" cmpd="sng" algn="ctr">
+                      <a:solidFill>
+                        <a:schemeClr val="tx1"/>
+                      </a:solidFill>
+                      <a:prstDash val="solid"/>
+                      <a:round/>
+                      <a:headEnd type="none" w="med" len="med"/>
+                      <a:tailEnd type="none" w="med" len="med"/>
+                    </a:lnT>
+                    <a:lnB w="12700" cap="flat" cmpd="sng" algn="ctr">
+                      <a:solidFill>
+                        <a:schemeClr val="tx1"/>
+                      </a:solidFill>
+                      <a:prstDash val="solid"/>
+                      <a:round/>
+                      <a:headEnd type="none" w="med" len="med"/>
+                      <a:tailEnd type="none" w="med" len="med"/>
+                    </a:lnB>
+                    <a:solidFill>
+                      <a:srgbClr val="92D050"/>
+                    </a:solidFill>
+                  </a:tcPr>
+                </a:tc>
+                <a:extLst>
+                  <a:ext uri="{0D108BD9-81ED-4DB2-BD59-A6C34878D82A}">
+                    <a16:rowId xmlns:a16="http://schemas.microsoft.com/office/drawing/2014/main" val="3688764702"/>
+                  </a:ext>
+                </a:extLst>
+              </a:tr>
+              <a:tr h="511505">
+                <a:tc>
+                  <a:txBody>
+                    <a:bodyPr/>
+                    <a:lstStyle/>
+                    <a:p>
+                      <a:endParaRPr kumimoji="1" lang="ja-JP" altLang="en-US"/>
+                    </a:p>
+                  </a:txBody>
+                  <a:tcPr>
+                    <a:lnL w="12700" cap="flat" cmpd="sng" algn="ctr">
+                      <a:solidFill>
+                        <a:schemeClr val="tx1"/>
+                      </a:solidFill>
+                      <a:prstDash val="solid"/>
+                      <a:round/>
+                      <a:headEnd type="none" w="med" len="med"/>
+                      <a:tailEnd type="none" w="med" len="med"/>
+                    </a:lnL>
+                    <a:lnR w="12700" cap="flat" cmpd="sng" algn="ctr">
+                      <a:solidFill>
+                        <a:schemeClr val="tx1"/>
+                      </a:solidFill>
+                      <a:prstDash val="solid"/>
+                      <a:round/>
+                      <a:headEnd type="none" w="med" len="med"/>
+                      <a:tailEnd type="none" w="med" len="med"/>
+                    </a:lnR>
+                    <a:lnT w="12700" cap="flat" cmpd="sng" algn="ctr">
+                      <a:solidFill>
+                        <a:schemeClr val="tx1"/>
+                      </a:solidFill>
+                      <a:prstDash val="solid"/>
+                      <a:round/>
+                      <a:headEnd type="none" w="med" len="med"/>
+                      <a:tailEnd type="none" w="med" len="med"/>
+                    </a:lnT>
+                    <a:lnB w="12700" cap="flat" cmpd="sng" algn="ctr">
+                      <a:solidFill>
+                        <a:schemeClr val="tx1"/>
+                      </a:solidFill>
+                      <a:prstDash val="solid"/>
+                      <a:round/>
+                      <a:headEnd type="none" w="med" len="med"/>
+                      <a:tailEnd type="none" w="med" len="med"/>
+                    </a:lnB>
+                    <a:solidFill>
+                      <a:srgbClr val="FFC000"/>
+                    </a:solidFill>
+                  </a:tcPr>
+                </a:tc>
+                <a:tc>
+                  <a:txBody>
+                    <a:bodyPr/>
+                    <a:lstStyle/>
+                    <a:p>
+                      <a:endParaRPr kumimoji="1" lang="ja-JP" altLang="en-US"/>
+                    </a:p>
+                  </a:txBody>
+                  <a:tcPr>
+                    <a:lnL w="12700" cap="flat" cmpd="sng" algn="ctr">
+                      <a:solidFill>
+                        <a:schemeClr val="tx1"/>
+                      </a:solidFill>
+                      <a:prstDash val="solid"/>
+                      <a:round/>
+                      <a:headEnd type="none" w="med" len="med"/>
+                      <a:tailEnd type="none" w="med" len="med"/>
+                    </a:lnL>
+                    <a:lnR w="12700" cap="flat" cmpd="sng" algn="ctr">
+                      <a:solidFill>
+                        <a:schemeClr val="tx1"/>
+                      </a:solidFill>
+                      <a:prstDash val="solid"/>
+                      <a:round/>
+                      <a:headEnd type="none" w="med" len="med"/>
+                      <a:tailEnd type="none" w="med" len="med"/>
+                    </a:lnR>
+                    <a:lnT w="12700" cap="flat" cmpd="sng" algn="ctr">
+                      <a:solidFill>
+                        <a:schemeClr val="tx1"/>
+                      </a:solidFill>
+                      <a:prstDash val="solid"/>
+                      <a:round/>
+                      <a:headEnd type="none" w="med" len="med"/>
+                      <a:tailEnd type="none" w="med" len="med"/>
+                    </a:lnT>
+                    <a:lnB w="12700" cap="flat" cmpd="sng" algn="ctr">
+                      <a:solidFill>
+                        <a:schemeClr val="tx1"/>
+                      </a:solidFill>
+                      <a:prstDash val="solid"/>
+                      <a:round/>
+                      <a:headEnd type="none" w="med" len="med"/>
+                      <a:tailEnd type="none" w="med" len="med"/>
+                    </a:lnB>
+                    <a:solidFill>
+                      <a:srgbClr val="FFC000"/>
+                    </a:solidFill>
+                  </a:tcPr>
+                </a:tc>
+                <a:tc>
+                  <a:txBody>
+                    <a:bodyPr/>
+                    <a:lstStyle/>
+                    <a:p>
+                      <a:endParaRPr kumimoji="1" lang="ja-JP" altLang="en-US"/>
+                    </a:p>
+                  </a:txBody>
+                  <a:tcPr>
+                    <a:lnL w="12700" cap="flat" cmpd="sng" algn="ctr">
+                      <a:solidFill>
+                        <a:schemeClr val="tx1"/>
+                      </a:solidFill>
+                      <a:prstDash val="solid"/>
+                      <a:round/>
+                      <a:headEnd type="none" w="med" len="med"/>
+                      <a:tailEnd type="none" w="med" len="med"/>
+                    </a:lnL>
+                    <a:lnR w="12700" cap="flat" cmpd="sng" algn="ctr">
+                      <a:solidFill>
+                        <a:schemeClr val="tx1"/>
+                      </a:solidFill>
+                      <a:prstDash val="solid"/>
+                      <a:round/>
+                      <a:headEnd type="none" w="med" len="med"/>
+                      <a:tailEnd type="none" w="med" len="med"/>
+                    </a:lnR>
+                    <a:lnT w="12700" cap="flat" cmpd="sng" algn="ctr">
+                      <a:solidFill>
+                        <a:schemeClr val="tx1"/>
+                      </a:solidFill>
+                      <a:prstDash val="solid"/>
+                      <a:round/>
+                      <a:headEnd type="none" w="med" len="med"/>
+                      <a:tailEnd type="none" w="med" len="med"/>
+                    </a:lnT>
+                    <a:lnB w="12700" cap="flat" cmpd="sng" algn="ctr">
+                      <a:solidFill>
+                        <a:schemeClr val="tx1"/>
+                      </a:solidFill>
+                      <a:prstDash val="solid"/>
+                      <a:round/>
+                      <a:headEnd type="none" w="med" len="med"/>
+                      <a:tailEnd type="none" w="med" len="med"/>
+                    </a:lnB>
+                    <a:solidFill>
+                      <a:srgbClr val="FFC000"/>
+                    </a:solidFill>
+                  </a:tcPr>
+                </a:tc>
+                <a:tc>
+                  <a:txBody>
+                    <a:bodyPr/>
+                    <a:lstStyle/>
+                    <a:p>
+                      <a:endParaRPr kumimoji="1" lang="ja-JP" altLang="en-US"/>
+                    </a:p>
+                  </a:txBody>
+                  <a:tcPr>
+                    <a:lnL w="12700" cap="flat" cmpd="sng" algn="ctr">
+                      <a:solidFill>
+                        <a:schemeClr val="tx1"/>
+                      </a:solidFill>
+                      <a:prstDash val="solid"/>
+                      <a:round/>
+                      <a:headEnd type="none" w="med" len="med"/>
+                      <a:tailEnd type="none" w="med" len="med"/>
+                    </a:lnL>
+                    <a:lnR w="12700" cap="flat" cmpd="sng" algn="ctr">
+                      <a:solidFill>
+                        <a:schemeClr val="tx1"/>
+                      </a:solidFill>
+                      <a:prstDash val="solid"/>
+                      <a:round/>
+                      <a:headEnd type="none" w="med" len="med"/>
+                      <a:tailEnd type="none" w="med" len="med"/>
+                    </a:lnR>
+                    <a:lnT w="12700" cap="flat" cmpd="sng" algn="ctr">
+                      <a:solidFill>
+                        <a:schemeClr val="tx1"/>
+                      </a:solidFill>
+                      <a:prstDash val="solid"/>
+                      <a:round/>
+                      <a:headEnd type="none" w="med" len="med"/>
+                      <a:tailEnd type="none" w="med" len="med"/>
+                    </a:lnT>
+                    <a:lnB w="12700" cap="flat" cmpd="sng" algn="ctr">
+                      <a:solidFill>
+                        <a:schemeClr val="tx1"/>
+                      </a:solidFill>
+                      <a:prstDash val="solid"/>
+                      <a:round/>
+                      <a:headEnd type="none" w="med" len="med"/>
+                      <a:tailEnd type="none" w="med" len="med"/>
+                    </a:lnB>
+                    <a:solidFill>
+                      <a:srgbClr val="92D050"/>
+                    </a:solidFill>
+                  </a:tcPr>
+                </a:tc>
+                <a:extLst>
+                  <a:ext uri="{0D108BD9-81ED-4DB2-BD59-A6C34878D82A}">
+                    <a16:rowId xmlns:a16="http://schemas.microsoft.com/office/drawing/2014/main" val="1514342851"/>
+                  </a:ext>
+                </a:extLst>
+              </a:tr>
+            </a:tbl>
+          </a:graphicData>
+        </a:graphic>
+      </p:graphicFrame>
+      <p:sp>
+        <p:nvSpPr>
+          <p:cNvPr id="13" name="円/楕円 12">
+            <a:extLst>
+              <a:ext uri="{FF2B5EF4-FFF2-40B4-BE49-F238E27FC236}">
+                <a16:creationId xmlns:a16="http://schemas.microsoft.com/office/drawing/2014/main" id="{A5AF72D6-57C1-CE4F-B30F-24EF655E3270}"/>
+              </a:ext>
+            </a:extLst>
+          </p:cNvPr>
+          <p:cNvSpPr/>
+          <p:nvPr/>
+        </p:nvSpPr>
+        <p:spPr>
+          <a:xfrm>
+            <a:off x="8870348" y="2339008"/>
+            <a:ext cx="250257" cy="250257"/>
+          </a:xfrm>
+          <a:prstGeom prst="ellipse">
+            <a:avLst/>
+          </a:prstGeom>
+          <a:solidFill>
+            <a:schemeClr val="bg1">
+              <a:lumMod val="75000"/>
+            </a:schemeClr>
+          </a:solidFill>
+          <a:ln>
+            <a:solidFill>
+              <a:schemeClr val="tx1"/>
+            </a:solidFill>
+          </a:ln>
+        </p:spPr>
+        <p:style>
+          <a:lnRef idx="2">
+            <a:schemeClr val="accent1">
+              <a:shade val="50000"/>
+            </a:schemeClr>
+          </a:lnRef>
+          <a:fillRef idx="1">
+            <a:schemeClr val="accent1"/>
+          </a:fillRef>
+          <a:effectRef idx="0">
+            <a:schemeClr val="accent1"/>
+          </a:effectRef>
+          <a:fontRef idx="minor">
+            <a:schemeClr val="lt1"/>
+          </a:fontRef>
+        </p:style>
+        <p:txBody>
+          <a:bodyPr rtlCol="0" anchor="ctr"/>
+          <a:lstStyle/>
+          <a:p>
+            <a:pPr algn="ctr"/>
+            <a:endParaRPr kumimoji="1" lang="ja-JP" altLang="en-US"/>
+          </a:p>
+        </p:txBody>
+      </p:sp>
+      <p:sp>
+        <p:nvSpPr>
+          <p:cNvPr id="14" name="円/楕円 13">
+            <a:extLst>
+              <a:ext uri="{FF2B5EF4-FFF2-40B4-BE49-F238E27FC236}">
+                <a16:creationId xmlns:a16="http://schemas.microsoft.com/office/drawing/2014/main" id="{55ED3B84-71E4-4C49-98D9-153861B71901}"/>
+              </a:ext>
+            </a:extLst>
+          </p:cNvPr>
+          <p:cNvSpPr/>
+          <p:nvPr/>
+        </p:nvSpPr>
+        <p:spPr>
+          <a:xfrm>
+            <a:off x="9395325" y="2339008"/>
+            <a:ext cx="250257" cy="250257"/>
+          </a:xfrm>
+          <a:prstGeom prst="ellipse">
+            <a:avLst/>
+          </a:prstGeom>
+          <a:solidFill>
+            <a:schemeClr val="bg1">
+              <a:lumMod val="75000"/>
+            </a:schemeClr>
+          </a:solidFill>
+          <a:ln>
+            <a:solidFill>
+              <a:schemeClr val="tx1"/>
+            </a:solidFill>
+          </a:ln>
+        </p:spPr>
+        <p:style>
+          <a:lnRef idx="2">
+            <a:schemeClr val="accent1">
+              <a:shade val="50000"/>
+            </a:schemeClr>
+          </a:lnRef>
+          <a:fillRef idx="1">
+            <a:schemeClr val="accent1"/>
+          </a:fillRef>
+          <a:effectRef idx="0">
+            <a:schemeClr val="accent1"/>
+          </a:effectRef>
+          <a:fontRef idx="minor">
+            <a:schemeClr val="lt1"/>
+          </a:fontRef>
+        </p:style>
+        <p:txBody>
+          <a:bodyPr rtlCol="0" anchor="ctr"/>
+          <a:lstStyle/>
+          <a:p>
+            <a:pPr algn="ctr"/>
+            <a:endParaRPr kumimoji="1" lang="ja-JP" altLang="en-US"/>
+          </a:p>
+        </p:txBody>
+      </p:sp>
+      <p:sp>
+        <p:nvSpPr>
+          <p:cNvPr id="15" name="円/楕円 14">
+            <a:extLst>
+              <a:ext uri="{FF2B5EF4-FFF2-40B4-BE49-F238E27FC236}">
+                <a16:creationId xmlns:a16="http://schemas.microsoft.com/office/drawing/2014/main" id="{0AF81A3A-DF47-8744-A2FF-4D0152CB8E7E}"/>
+              </a:ext>
+            </a:extLst>
+          </p:cNvPr>
+          <p:cNvSpPr/>
+          <p:nvPr/>
+        </p:nvSpPr>
+        <p:spPr>
+          <a:xfrm>
+            <a:off x="9920303" y="2339008"/>
+            <a:ext cx="250257" cy="250257"/>
+          </a:xfrm>
+          <a:prstGeom prst="ellipse">
+            <a:avLst/>
+          </a:prstGeom>
+          <a:solidFill>
+            <a:schemeClr val="bg1">
+              <a:lumMod val="75000"/>
+            </a:schemeClr>
+          </a:solidFill>
+          <a:ln>
+            <a:solidFill>
+              <a:schemeClr val="tx1"/>
+            </a:solidFill>
+          </a:ln>
+        </p:spPr>
+        <p:style>
+          <a:lnRef idx="2">
+            <a:schemeClr val="accent1">
+              <a:shade val="50000"/>
+            </a:schemeClr>
+          </a:lnRef>
+          <a:fillRef idx="1">
+            <a:schemeClr val="accent1"/>
+          </a:fillRef>
+          <a:effectRef idx="0">
+            <a:schemeClr val="accent1"/>
+          </a:effectRef>
+          <a:fontRef idx="minor">
+            <a:schemeClr val="lt1"/>
+          </a:fontRef>
+        </p:style>
+        <p:txBody>
+          <a:bodyPr rtlCol="0" anchor="ctr"/>
+          <a:lstStyle/>
+          <a:p>
+            <a:pPr algn="ctr"/>
+            <a:endParaRPr kumimoji="1" lang="ja-JP" altLang="en-US"/>
+          </a:p>
+        </p:txBody>
+      </p:sp>
+      <p:sp>
+        <p:nvSpPr>
+          <p:cNvPr id="16" name="直角三角形 15">
+            <a:extLst>
+              <a:ext uri="{FF2B5EF4-FFF2-40B4-BE49-F238E27FC236}">
+                <a16:creationId xmlns:a16="http://schemas.microsoft.com/office/drawing/2014/main" id="{39573A9B-A7CF-BD48-8359-8B6897371C13}"/>
+              </a:ext>
+            </a:extLst>
+          </p:cNvPr>
+          <p:cNvSpPr/>
+          <p:nvPr/>
+        </p:nvSpPr>
+        <p:spPr>
+          <a:xfrm rot="10800000">
+            <a:off x="6215914" y="2788139"/>
+            <a:ext cx="503999" cy="1534515"/>
+          </a:xfrm>
+          <a:prstGeom prst="rtTriangle">
+            <a:avLst/>
+          </a:prstGeom>
+          <a:solidFill>
+            <a:schemeClr val="bg1">
+              <a:lumMod val="75000"/>
+            </a:schemeClr>
+          </a:solidFill>
+          <a:ln>
+            <a:solidFill>
+              <a:schemeClr val="tx1"/>
+            </a:solidFill>
+          </a:ln>
+        </p:spPr>
+        <p:style>
+          <a:lnRef idx="2">
+            <a:schemeClr val="accent1">
+              <a:shade val="50000"/>
+            </a:schemeClr>
+          </a:lnRef>
+          <a:fillRef idx="1">
+            <a:schemeClr val="accent1"/>
+          </a:fillRef>
+          <a:effectRef idx="0">
+            <a:schemeClr val="accent1"/>
+          </a:effectRef>
+          <a:fontRef idx="minor">
+            <a:schemeClr val="lt1"/>
+          </a:fontRef>
+        </p:style>
+        <p:txBody>
+          <a:bodyPr rtlCol="0" anchor="ctr"/>
+          <a:lstStyle/>
+          <a:p>
+            <a:pPr algn="ctr"/>
+            <a:endParaRPr kumimoji="1" lang="ja-JP" altLang="en-US"/>
+          </a:p>
+        </p:txBody>
+      </p:sp>
+      <p:sp>
+        <p:nvSpPr>
+          <p:cNvPr id="17" name="直角三角形 16">
+            <a:extLst>
+              <a:ext uri="{FF2B5EF4-FFF2-40B4-BE49-F238E27FC236}">
+                <a16:creationId xmlns:a16="http://schemas.microsoft.com/office/drawing/2014/main" id="{A9DEC2DB-A5FA-2E46-96FA-0C4DF9A7ACF8}"/>
+              </a:ext>
+            </a:extLst>
+          </p:cNvPr>
+          <p:cNvSpPr/>
+          <p:nvPr/>
+        </p:nvSpPr>
+        <p:spPr>
+          <a:xfrm rot="10800000" flipH="1">
+            <a:off x="11364133" y="2788138"/>
+            <a:ext cx="503999" cy="1534513"/>
+          </a:xfrm>
+          <a:prstGeom prst="rtTriangle">
+            <a:avLst/>
+          </a:prstGeom>
+          <a:solidFill>
+            <a:schemeClr val="bg1">
+              <a:lumMod val="75000"/>
+            </a:schemeClr>
+          </a:solidFill>
+          <a:ln>
+            <a:solidFill>
+              <a:schemeClr val="tx1"/>
+            </a:solidFill>
+          </a:ln>
+        </p:spPr>
+        <p:style>
+          <a:lnRef idx="2">
+            <a:schemeClr val="accent1">
+              <a:shade val="50000"/>
+            </a:schemeClr>
+          </a:lnRef>
+          <a:fillRef idx="1">
+            <a:schemeClr val="accent1"/>
+          </a:fillRef>
+          <a:effectRef idx="0">
+            <a:schemeClr val="accent1"/>
+          </a:effectRef>
+          <a:fontRef idx="minor">
+            <a:schemeClr val="lt1"/>
+          </a:fontRef>
+        </p:style>
+        <p:txBody>
+          <a:bodyPr rtlCol="0" anchor="ctr"/>
+          <a:lstStyle/>
+          <a:p>
+            <a:pPr algn="ctr"/>
+            <a:endParaRPr kumimoji="1" lang="ja-JP" altLang="en-US"/>
+          </a:p>
+        </p:txBody>
+      </p:sp>
+      <p:sp>
+        <p:nvSpPr>
+          <p:cNvPr id="18" name="弦 17">
+            <a:extLst>
+              <a:ext uri="{FF2B5EF4-FFF2-40B4-BE49-F238E27FC236}">
+                <a16:creationId xmlns:a16="http://schemas.microsoft.com/office/drawing/2014/main" id="{AE2C39A9-D03E-4448-8C10-38AAC69E60EB}"/>
+              </a:ext>
+            </a:extLst>
+          </p:cNvPr>
+          <p:cNvSpPr/>
+          <p:nvPr/>
+        </p:nvSpPr>
+        <p:spPr>
+          <a:xfrm>
+            <a:off x="5189634" y="1681058"/>
+            <a:ext cx="7698657" cy="2940219"/>
+          </a:xfrm>
+          <a:prstGeom prst="chord">
+            <a:avLst>
+              <a:gd name="adj1" fmla="val 1611090"/>
+              <a:gd name="adj2" fmla="val 9184230"/>
+            </a:avLst>
+          </a:prstGeom>
+          <a:solidFill>
+            <a:schemeClr val="bg1">
+              <a:lumMod val="75000"/>
+            </a:schemeClr>
+          </a:solidFill>
+          <a:ln>
+            <a:solidFill>
+              <a:schemeClr val="tx1"/>
+            </a:solidFill>
+          </a:ln>
+        </p:spPr>
+        <p:style>
+          <a:lnRef idx="2">
+            <a:schemeClr val="accent1">
+              <a:shade val="50000"/>
+            </a:schemeClr>
+          </a:lnRef>
+          <a:fillRef idx="1">
+            <a:schemeClr val="accent1"/>
+          </a:fillRef>
+          <a:effectRef idx="0">
+            <a:schemeClr val="accent1"/>
+          </a:effectRef>
+          <a:fontRef idx="minor">
+            <a:schemeClr val="lt1"/>
+          </a:fontRef>
+        </p:style>
+        <p:txBody>
+          <a:bodyPr rtlCol="0" anchor="ctr"/>
+          <a:lstStyle/>
+          <a:p>
+            <a:pPr algn="ctr"/>
+            <a:endParaRPr kumimoji="1" lang="ja-JP" altLang="en-US"/>
+          </a:p>
+        </p:txBody>
+      </p:sp>
+      <p:sp>
+        <p:nvSpPr>
+          <p:cNvPr id="19" name="正方形/長方形 18">
+            <a:extLst>
+              <a:ext uri="{FF2B5EF4-FFF2-40B4-BE49-F238E27FC236}">
+                <a16:creationId xmlns:a16="http://schemas.microsoft.com/office/drawing/2014/main" id="{C9C02457-3440-6C49-9E4E-75781C021AC5}"/>
+              </a:ext>
+            </a:extLst>
+          </p:cNvPr>
+          <p:cNvSpPr/>
+          <p:nvPr/>
+        </p:nvSpPr>
+        <p:spPr>
+          <a:xfrm>
+            <a:off x="9670047" y="1675273"/>
+            <a:ext cx="250256" cy="472009"/>
+          </a:xfrm>
+          <a:prstGeom prst="rect">
+            <a:avLst/>
+          </a:prstGeom>
+          <a:solidFill>
+            <a:schemeClr val="bg1">
+              <a:lumMod val="75000"/>
+            </a:schemeClr>
+          </a:solidFill>
+          <a:ln>
+            <a:solidFill>
+              <a:schemeClr val="tx1"/>
+            </a:solidFill>
+          </a:ln>
+        </p:spPr>
+        <p:style>
+          <a:lnRef idx="2">
+            <a:schemeClr val="accent1">
+              <a:shade val="50000"/>
+            </a:schemeClr>
+          </a:lnRef>
+          <a:fillRef idx="1">
+            <a:schemeClr val="accent1"/>
+          </a:fillRef>
+          <a:effectRef idx="0">
+            <a:schemeClr val="accent1"/>
+          </a:effectRef>
+          <a:fontRef idx="minor">
+            <a:schemeClr val="lt1"/>
+          </a:fontRef>
+        </p:style>
+        <p:txBody>
+          <a:bodyPr rtlCol="0" anchor="ctr"/>
+          <a:lstStyle/>
+          <a:p>
+            <a:pPr algn="ctr"/>
+            <a:endParaRPr kumimoji="1" lang="ja-JP" altLang="en-US"/>
+          </a:p>
+        </p:txBody>
+      </p:sp>
+      <p:sp>
+        <p:nvSpPr>
+          <p:cNvPr id="22" name="フリーフォーム 21">
+            <a:extLst>
+              <a:ext uri="{FF2B5EF4-FFF2-40B4-BE49-F238E27FC236}">
+                <a16:creationId xmlns:a16="http://schemas.microsoft.com/office/drawing/2014/main" id="{EEF9830E-A3D0-4341-AE70-5EA37130E7FA}"/>
+              </a:ext>
+            </a:extLst>
+          </p:cNvPr>
+          <p:cNvSpPr/>
+          <p:nvPr/>
+        </p:nvSpPr>
+        <p:spPr>
+          <a:xfrm rot="20944649">
+            <a:off x="4595172" y="3338808"/>
+            <a:ext cx="1167713" cy="661087"/>
+          </a:xfrm>
+          <a:custGeom>
+            <a:avLst/>
+            <a:gdLst>
+              <a:gd name="connsiteX0" fmla="*/ 49427 w 1167713"/>
+              <a:gd name="connsiteY0" fmla="*/ 661087 h 661087"/>
+              <a:gd name="connsiteX1" fmla="*/ 142103 w 1167713"/>
+              <a:gd name="connsiteY1" fmla="*/ 661087 h 661087"/>
+              <a:gd name="connsiteX2" fmla="*/ 142103 w 1167713"/>
+              <a:gd name="connsiteY2" fmla="*/ 661087 h 661087"/>
+              <a:gd name="connsiteX3" fmla="*/ 148281 w 1167713"/>
+              <a:gd name="connsiteY3" fmla="*/ 605481 h 661087"/>
+              <a:gd name="connsiteX4" fmla="*/ 154459 w 1167713"/>
+              <a:gd name="connsiteY4" fmla="*/ 586946 h 661087"/>
+              <a:gd name="connsiteX5" fmla="*/ 191530 w 1167713"/>
+              <a:gd name="connsiteY5" fmla="*/ 562232 h 661087"/>
+              <a:gd name="connsiteX6" fmla="*/ 228600 w 1167713"/>
+              <a:gd name="connsiteY6" fmla="*/ 543697 h 661087"/>
+              <a:gd name="connsiteX7" fmla="*/ 327454 w 1167713"/>
+              <a:gd name="connsiteY7" fmla="*/ 556054 h 661087"/>
+              <a:gd name="connsiteX8" fmla="*/ 345989 w 1167713"/>
+              <a:gd name="connsiteY8" fmla="*/ 568411 h 661087"/>
+              <a:gd name="connsiteX9" fmla="*/ 370703 w 1167713"/>
+              <a:gd name="connsiteY9" fmla="*/ 605481 h 661087"/>
+              <a:gd name="connsiteX10" fmla="*/ 376881 w 1167713"/>
+              <a:gd name="connsiteY10" fmla="*/ 642551 h 661087"/>
+              <a:gd name="connsiteX11" fmla="*/ 747584 w 1167713"/>
+              <a:gd name="connsiteY11" fmla="*/ 642551 h 661087"/>
+              <a:gd name="connsiteX12" fmla="*/ 747584 w 1167713"/>
+              <a:gd name="connsiteY12" fmla="*/ 617838 h 661087"/>
+              <a:gd name="connsiteX13" fmla="*/ 778476 w 1167713"/>
+              <a:gd name="connsiteY13" fmla="*/ 543697 h 661087"/>
+              <a:gd name="connsiteX14" fmla="*/ 797011 w 1167713"/>
+              <a:gd name="connsiteY14" fmla="*/ 537519 h 661087"/>
+              <a:gd name="connsiteX15" fmla="*/ 908222 w 1167713"/>
+              <a:gd name="connsiteY15" fmla="*/ 531341 h 661087"/>
+              <a:gd name="connsiteX16" fmla="*/ 945292 w 1167713"/>
+              <a:gd name="connsiteY16" fmla="*/ 543697 h 661087"/>
+              <a:gd name="connsiteX17" fmla="*/ 963827 w 1167713"/>
+              <a:gd name="connsiteY17" fmla="*/ 549876 h 661087"/>
+              <a:gd name="connsiteX18" fmla="*/ 976184 w 1167713"/>
+              <a:gd name="connsiteY18" fmla="*/ 568411 h 661087"/>
+              <a:gd name="connsiteX19" fmla="*/ 994719 w 1167713"/>
+              <a:gd name="connsiteY19" fmla="*/ 580768 h 661087"/>
+              <a:gd name="connsiteX20" fmla="*/ 1007076 w 1167713"/>
+              <a:gd name="connsiteY20" fmla="*/ 617838 h 661087"/>
+              <a:gd name="connsiteX21" fmla="*/ 1167713 w 1167713"/>
+              <a:gd name="connsiteY21" fmla="*/ 617838 h 661087"/>
+              <a:gd name="connsiteX22" fmla="*/ 1167713 w 1167713"/>
+              <a:gd name="connsiteY22" fmla="*/ 389238 h 661087"/>
+              <a:gd name="connsiteX23" fmla="*/ 864973 w 1167713"/>
+              <a:gd name="connsiteY23" fmla="*/ 253314 h 661087"/>
+              <a:gd name="connsiteX24" fmla="*/ 716692 w 1167713"/>
+              <a:gd name="connsiteY24" fmla="*/ 0 h 661087"/>
+              <a:gd name="connsiteX25" fmla="*/ 142103 w 1167713"/>
+              <a:gd name="connsiteY25" fmla="*/ 0 h 661087"/>
+              <a:gd name="connsiteX26" fmla="*/ 0 w 1167713"/>
+              <a:gd name="connsiteY26" fmla="*/ 358346 h 661087"/>
+              <a:gd name="connsiteX27" fmla="*/ 49427 w 1167713"/>
+              <a:gd name="connsiteY27" fmla="*/ 661087 h 661087"/>
+            </a:gdLst>
+            <a:ahLst/>
+            <a:cxnLst>
+              <a:cxn ang="0">
+                <a:pos x="connsiteX0" y="connsiteY0"/>
+              </a:cxn>
+              <a:cxn ang="0">
+                <a:pos x="connsiteX1" y="connsiteY1"/>
+              </a:cxn>
+              <a:cxn ang="0">
+                <a:pos x="connsiteX2" y="connsiteY2"/>
+              </a:cxn>
+              <a:cxn ang="0">
+                <a:pos x="connsiteX3" y="connsiteY3"/>
+              </a:cxn>
+              <a:cxn ang="0">
+                <a:pos x="connsiteX4" y="connsiteY4"/>
+              </a:cxn>
+              <a:cxn ang="0">
+                <a:pos x="connsiteX5" y="connsiteY5"/>
+              </a:cxn>
+              <a:cxn ang="0">
+                <a:pos x="connsiteX6" y="connsiteY6"/>
+              </a:cxn>
+              <a:cxn ang="0">
+                <a:pos x="connsiteX7" y="connsiteY7"/>
+              </a:cxn>
+              <a:cxn ang="0">
+                <a:pos x="connsiteX8" y="connsiteY8"/>
+              </a:cxn>
+              <a:cxn ang="0">
+                <a:pos x="connsiteX9" y="connsiteY9"/>
+              </a:cxn>
+              <a:cxn ang="0">
+                <a:pos x="connsiteX10" y="connsiteY10"/>
+              </a:cxn>
+              <a:cxn ang="0">
+                <a:pos x="connsiteX11" y="connsiteY11"/>
+              </a:cxn>
+              <a:cxn ang="0">
+                <a:pos x="connsiteX12" y="connsiteY12"/>
+              </a:cxn>
+              <a:cxn ang="0">
+                <a:pos x="connsiteX13" y="connsiteY13"/>
+              </a:cxn>
+              <a:cxn ang="0">
+                <a:pos x="connsiteX14" y="connsiteY14"/>
+              </a:cxn>
+              <a:cxn ang="0">
+                <a:pos x="connsiteX15" y="connsiteY15"/>
+              </a:cxn>
+              <a:cxn ang="0">
+                <a:pos x="connsiteX16" y="connsiteY16"/>
+              </a:cxn>
+              <a:cxn ang="0">
+                <a:pos x="connsiteX17" y="connsiteY17"/>
+              </a:cxn>
+              <a:cxn ang="0">
+                <a:pos x="connsiteX18" y="connsiteY18"/>
+              </a:cxn>
+              <a:cxn ang="0">
+                <a:pos x="connsiteX19" y="connsiteY19"/>
+              </a:cxn>
+              <a:cxn ang="0">
+                <a:pos x="connsiteX20" y="connsiteY20"/>
+              </a:cxn>
+              <a:cxn ang="0">
+                <a:pos x="connsiteX21" y="connsiteY21"/>
+              </a:cxn>
+              <a:cxn ang="0">
+                <a:pos x="connsiteX22" y="connsiteY22"/>
+              </a:cxn>
+              <a:cxn ang="0">
+                <a:pos x="connsiteX23" y="connsiteY23"/>
+              </a:cxn>
+              <a:cxn ang="0">
+                <a:pos x="connsiteX24" y="connsiteY24"/>
+              </a:cxn>
+              <a:cxn ang="0">
+                <a:pos x="connsiteX25" y="connsiteY25"/>
+              </a:cxn>
+              <a:cxn ang="0">
+                <a:pos x="connsiteX26" y="connsiteY26"/>
+              </a:cxn>
+              <a:cxn ang="0">
+                <a:pos x="connsiteX27" y="connsiteY27"/>
+              </a:cxn>
+            </a:cxnLst>
+            <a:rect l="l" t="t" r="r" b="b"/>
+            <a:pathLst>
+              <a:path w="1167713" h="661087">
+                <a:moveTo>
+                  <a:pt x="49427" y="661087"/>
+                </a:moveTo>
+                <a:lnTo>
+                  <a:pt x="142103" y="661087"/>
+                </a:lnTo>
+                <a:lnTo>
+                  <a:pt x="142103" y="661087"/>
+                </a:lnTo>
+                <a:cubicBezTo>
+                  <a:pt x="144162" y="642552"/>
+                  <a:pt x="145215" y="623877"/>
+                  <a:pt x="148281" y="605481"/>
+                </a:cubicBezTo>
+                <a:cubicBezTo>
+                  <a:pt x="149352" y="599057"/>
+                  <a:pt x="149854" y="591551"/>
+                  <a:pt x="154459" y="586946"/>
+                </a:cubicBezTo>
+                <a:cubicBezTo>
+                  <a:pt x="164960" y="576445"/>
+                  <a:pt x="179173" y="570470"/>
+                  <a:pt x="191530" y="562232"/>
+                </a:cubicBezTo>
+                <a:cubicBezTo>
+                  <a:pt x="215482" y="546264"/>
+                  <a:pt x="203022" y="552224"/>
+                  <a:pt x="228600" y="543697"/>
+                </a:cubicBezTo>
+                <a:cubicBezTo>
+                  <a:pt x="243920" y="544876"/>
+                  <a:pt x="300784" y="542719"/>
+                  <a:pt x="327454" y="556054"/>
+                </a:cubicBezTo>
+                <a:cubicBezTo>
+                  <a:pt x="334096" y="559375"/>
+                  <a:pt x="339811" y="564292"/>
+                  <a:pt x="345989" y="568411"/>
+                </a:cubicBezTo>
+                <a:cubicBezTo>
+                  <a:pt x="354227" y="580768"/>
+                  <a:pt x="368262" y="590832"/>
+                  <a:pt x="370703" y="605481"/>
+                </a:cubicBezTo>
+                <a:lnTo>
+                  <a:pt x="376881" y="642551"/>
+                </a:lnTo>
+                <a:lnTo>
+                  <a:pt x="747584" y="642551"/>
+                </a:lnTo>
+                <a:lnTo>
+                  <a:pt x="747584" y="617838"/>
+                </a:lnTo>
+                <a:cubicBezTo>
+                  <a:pt x="749050" y="613441"/>
+                  <a:pt x="762661" y="556349"/>
+                  <a:pt x="778476" y="543697"/>
+                </a:cubicBezTo>
+                <a:cubicBezTo>
+                  <a:pt x="783561" y="539629"/>
+                  <a:pt x="790833" y="539578"/>
+                  <a:pt x="797011" y="537519"/>
+                </a:cubicBezTo>
+                <a:cubicBezTo>
+                  <a:pt x="839048" y="509494"/>
+                  <a:pt x="817556" y="518389"/>
+                  <a:pt x="908222" y="531341"/>
+                </a:cubicBezTo>
+                <a:cubicBezTo>
+                  <a:pt x="921116" y="533183"/>
+                  <a:pt x="932935" y="539578"/>
+                  <a:pt x="945292" y="543697"/>
+                </a:cubicBezTo>
+                <a:lnTo>
+                  <a:pt x="963827" y="549876"/>
+                </a:lnTo>
+                <a:cubicBezTo>
+                  <a:pt x="967946" y="556054"/>
+                  <a:pt x="970933" y="563160"/>
+                  <a:pt x="976184" y="568411"/>
+                </a:cubicBezTo>
+                <a:cubicBezTo>
+                  <a:pt x="981435" y="573662"/>
+                  <a:pt x="990783" y="574471"/>
+                  <a:pt x="994719" y="580768"/>
+                </a:cubicBezTo>
+                <a:cubicBezTo>
+                  <a:pt x="1001622" y="591813"/>
+                  <a:pt x="1007076" y="617838"/>
+                  <a:pt x="1007076" y="617838"/>
+                </a:cubicBezTo>
+                <a:lnTo>
+                  <a:pt x="1167713" y="617838"/>
+                </a:lnTo>
+                <a:lnTo>
+                  <a:pt x="1167713" y="389238"/>
+                </a:lnTo>
+                <a:lnTo>
+                  <a:pt x="864973" y="253314"/>
+                </a:lnTo>
+                <a:lnTo>
+                  <a:pt x="716692" y="0"/>
+                </a:lnTo>
+                <a:lnTo>
+                  <a:pt x="142103" y="0"/>
+                </a:lnTo>
+                <a:lnTo>
+                  <a:pt x="0" y="358346"/>
+                </a:lnTo>
+                <a:lnTo>
+                  <a:pt x="49427" y="661087"/>
+                </a:lnTo>
+                <a:close/>
+              </a:path>
+            </a:pathLst>
+          </a:custGeom>
+          <a:noFill/>
+          <a:ln>
+            <a:solidFill>
+              <a:schemeClr val="tx1"/>
+            </a:solidFill>
+          </a:ln>
+        </p:spPr>
+        <p:style>
+          <a:lnRef idx="2">
+            <a:schemeClr val="accent1">
+              <a:shade val="50000"/>
+            </a:schemeClr>
+          </a:lnRef>
+          <a:fillRef idx="1">
+            <a:schemeClr val="accent1"/>
+          </a:fillRef>
+          <a:effectRef idx="0">
+            <a:schemeClr val="accent1"/>
+          </a:effectRef>
+          <a:fontRef idx="minor">
+            <a:schemeClr val="lt1"/>
+          </a:fontRef>
+        </p:style>
+        <p:txBody>
+          <a:bodyPr rtlCol="0" anchor="ctr"/>
+          <a:lstStyle/>
+          <a:p>
+            <a:pPr algn="ctr"/>
+            <a:endParaRPr kumimoji="1" lang="ja-JP" altLang="en-US"/>
+          </a:p>
+        </p:txBody>
+      </p:sp>
+      <p:sp>
+        <p:nvSpPr>
+          <p:cNvPr id="23" name="円/楕円 22">
+            <a:extLst>
+              <a:ext uri="{FF2B5EF4-FFF2-40B4-BE49-F238E27FC236}">
+                <a16:creationId xmlns:a16="http://schemas.microsoft.com/office/drawing/2014/main" id="{F60CEDFF-854B-8B4D-82C8-526AF4104C5C}"/>
+              </a:ext>
+            </a:extLst>
+          </p:cNvPr>
+          <p:cNvSpPr/>
+          <p:nvPr/>
+        </p:nvSpPr>
+        <p:spPr>
+          <a:xfrm rot="20944649">
+            <a:off x="4849031" y="3981227"/>
+            <a:ext cx="148281" cy="148281"/>
+          </a:xfrm>
+          <a:prstGeom prst="ellipse">
+            <a:avLst/>
+          </a:prstGeom>
+          <a:noFill/>
+          <a:ln>
+            <a:solidFill>
+              <a:schemeClr val="tx1"/>
+            </a:solidFill>
+          </a:ln>
+        </p:spPr>
+        <p:style>
+          <a:lnRef idx="2">
+            <a:schemeClr val="accent1">
+              <a:shade val="50000"/>
+            </a:schemeClr>
+          </a:lnRef>
+          <a:fillRef idx="1">
+            <a:schemeClr val="accent1"/>
+          </a:fillRef>
+          <a:effectRef idx="0">
+            <a:schemeClr val="accent1"/>
+          </a:effectRef>
+          <a:fontRef idx="minor">
+            <a:schemeClr val="lt1"/>
+          </a:fontRef>
+        </p:style>
+        <p:txBody>
+          <a:bodyPr rtlCol="0" anchor="ctr"/>
+          <a:lstStyle/>
+          <a:p>
+            <a:pPr algn="ctr"/>
+            <a:endParaRPr kumimoji="1" lang="ja-JP" altLang="en-US"/>
+          </a:p>
+        </p:txBody>
+      </p:sp>
+      <p:sp>
+        <p:nvSpPr>
+          <p:cNvPr id="24" name="円/楕円 23">
+            <a:extLst>
+              <a:ext uri="{FF2B5EF4-FFF2-40B4-BE49-F238E27FC236}">
+                <a16:creationId xmlns:a16="http://schemas.microsoft.com/office/drawing/2014/main" id="{3D65484D-B4A0-FF4B-88E9-EDB3AFEBECB5}"/>
+              </a:ext>
+            </a:extLst>
+          </p:cNvPr>
+          <p:cNvSpPr/>
+          <p:nvPr/>
+        </p:nvSpPr>
+        <p:spPr>
+          <a:xfrm rot="20944649">
+            <a:off x="5445501" y="3840954"/>
+            <a:ext cx="148281" cy="148281"/>
+          </a:xfrm>
+          <a:prstGeom prst="ellipse">
+            <a:avLst/>
+          </a:prstGeom>
+          <a:noFill/>
+          <a:ln>
+            <a:solidFill>
+              <a:schemeClr val="tx1"/>
+            </a:solidFill>
+          </a:ln>
+        </p:spPr>
+        <p:style>
+          <a:lnRef idx="2">
+            <a:schemeClr val="accent1">
+              <a:shade val="50000"/>
+            </a:schemeClr>
+          </a:lnRef>
+          <a:fillRef idx="1">
+            <a:schemeClr val="accent1"/>
+          </a:fillRef>
+          <a:effectRef idx="0">
+            <a:schemeClr val="accent1"/>
+          </a:effectRef>
+          <a:fontRef idx="minor">
+            <a:schemeClr val="lt1"/>
+          </a:fontRef>
+        </p:style>
+        <p:txBody>
+          <a:bodyPr rtlCol="0" anchor="ctr"/>
+          <a:lstStyle/>
+          <a:p>
+            <a:pPr algn="ctr"/>
+            <a:endParaRPr kumimoji="1" lang="ja-JP" altLang="en-US"/>
+          </a:p>
+        </p:txBody>
+      </p:sp>
+      <p:cxnSp>
+        <p:nvCxnSpPr>
+          <p:cNvPr id="26" name="直線コネクタ 25">
+            <a:extLst>
+              <a:ext uri="{FF2B5EF4-FFF2-40B4-BE49-F238E27FC236}">
+                <a16:creationId xmlns:a16="http://schemas.microsoft.com/office/drawing/2014/main" id="{CB1B0687-D4FA-B048-A227-1AF5EFE98465}"/>
+              </a:ext>
+            </a:extLst>
+          </p:cNvPr>
+          <p:cNvCxnSpPr>
+            <a:cxnSpLocks/>
+          </p:cNvCxnSpPr>
+          <p:nvPr/>
+        </p:nvCxnSpPr>
+        <p:spPr>
+          <a:xfrm flipH="1">
+            <a:off x="3426372" y="3807574"/>
+            <a:ext cx="3292331" cy="652654"/>
+          </a:xfrm>
+          <a:prstGeom prst="line">
+            <a:avLst/>
+          </a:prstGeom>
+          <a:ln w="38100">
+            <a:solidFill>
+              <a:schemeClr val="tx1"/>
+            </a:solidFill>
+          </a:ln>
+        </p:spPr>
+        <p:style>
+          <a:lnRef idx="1">
+            <a:schemeClr val="accent1"/>
+          </a:lnRef>
+          <a:fillRef idx="0">
+            <a:schemeClr val="accent1"/>
+          </a:fillRef>
+          <a:effectRef idx="0">
+            <a:schemeClr val="accent1"/>
+          </a:effectRef>
+          <a:fontRef idx="minor">
+            <a:schemeClr val="tx1"/>
+          </a:fontRef>
+        </p:style>
+      </p:cxnSp>
+      <p:sp>
+        <p:nvSpPr>
+          <p:cNvPr id="32" name="雲形吹き出し 31">
+            <a:extLst>
+              <a:ext uri="{FF2B5EF4-FFF2-40B4-BE49-F238E27FC236}">
+                <a16:creationId xmlns:a16="http://schemas.microsoft.com/office/drawing/2014/main" id="{A9A69D84-4133-BE42-A367-093DAA8D2EE7}"/>
+              </a:ext>
+            </a:extLst>
+          </p:cNvPr>
+          <p:cNvSpPr/>
+          <p:nvPr/>
+        </p:nvSpPr>
+        <p:spPr>
+          <a:xfrm rot="14564046">
+            <a:off x="4149477" y="3860234"/>
+            <a:ext cx="251155" cy="369355"/>
+          </a:xfrm>
+          <a:prstGeom prst="cloudCallout">
+            <a:avLst>
+              <a:gd name="adj1" fmla="val -32253"/>
+              <a:gd name="adj2" fmla="val 66987"/>
+            </a:avLst>
+          </a:prstGeom>
+          <a:noFill/>
+          <a:ln>
+            <a:solidFill>
+              <a:schemeClr val="tx1"/>
+            </a:solidFill>
+          </a:ln>
+        </p:spPr>
+        <p:style>
+          <a:lnRef idx="2">
+            <a:schemeClr val="accent1">
+              <a:shade val="50000"/>
+            </a:schemeClr>
+          </a:lnRef>
+          <a:fillRef idx="1">
+            <a:schemeClr val="accent1"/>
+          </a:fillRef>
+          <a:effectRef idx="0">
+            <a:schemeClr val="accent1"/>
+          </a:effectRef>
+          <a:fontRef idx="minor">
+            <a:schemeClr val="lt1"/>
+          </a:fontRef>
+        </p:style>
+        <p:txBody>
+          <a:bodyPr rtlCol="0" anchor="ctr"/>
+          <a:lstStyle/>
+          <a:p>
+            <a:pPr algn="ctr"/>
+            <a:endParaRPr kumimoji="1" lang="ja-JP" altLang="en-US"/>
+          </a:p>
+        </p:txBody>
+      </p:sp>
+    </p:spTree>
+    <p:extLst>
+      <p:ext uri="{BB962C8B-B14F-4D97-AF65-F5344CB8AC3E}">
+        <p14:creationId xmlns:p14="http://schemas.microsoft.com/office/powerpoint/2010/main" val="782356490"/>
       </p:ext>
     </p:extLst>
   </p:cSld>

--- a/きよし＿船.pptx
+++ b/きよし＿船.pptx
@@ -5,7 +5,7 @@
     <p:sldMasterId id="2147483648" r:id="rId1"/>
   </p:sldMasterIdLst>
   <p:notesMasterIdLst>
-    <p:notesMasterId r:id="rId8"/>
+    <p:notesMasterId r:id="rId9"/>
   </p:notesMasterIdLst>
   <p:sldIdLst>
     <p:sldId id="257" r:id="rId2"/>
@@ -14,6 +14,7 @@
     <p:sldId id="261" r:id="rId5"/>
     <p:sldId id="262" r:id="rId6"/>
     <p:sldId id="263" r:id="rId7"/>
+    <p:sldId id="264" r:id="rId8"/>
   </p:sldIdLst>
   <p:sldSz cx="12192000" cy="6858000"/>
   <p:notesSz cx="6858000" cy="9144000"/>
@@ -202,7 +203,7 @@
           <a:p>
             <a:fld id="{AD15C658-6E08-1B45-B1CA-6D99F752F486}" type="datetimeFigureOut">
               <a:rPr kumimoji="1" lang="ja-JP" altLang="en-US" smtClean="0"/>
-              <a:t>2022/1/4</a:t>
+              <a:t>2022/1/12</a:t>
             </a:fld>
             <a:endParaRPr kumimoji="1" lang="ja-JP" altLang="en-US"/>
           </a:p>
@@ -837,6 +838,90 @@
 </p:notes>
 </file>
 
+<file path=ppt/notesSlides/notesSlide5.xml><?xml version="1.0" encoding="utf-8"?>
+<p:notes xmlns:a="http://schemas.openxmlformats.org/drawingml/2006/main" xmlns:r="http://schemas.openxmlformats.org/officeDocument/2006/relationships" xmlns:p="http://schemas.openxmlformats.org/presentationml/2006/main">
+  <p:cSld>
+    <p:spTree>
+      <p:nvGrpSpPr>
+        <p:cNvPr id="1" name=""/>
+        <p:cNvGrpSpPr/>
+        <p:nvPr/>
+      </p:nvGrpSpPr>
+      <p:grpSpPr>
+        <a:xfrm>
+          <a:off x="0" y="0"/>
+          <a:ext cx="0" cy="0"/>
+          <a:chOff x="0" y="0"/>
+          <a:chExt cx="0" cy="0"/>
+        </a:xfrm>
+      </p:grpSpPr>
+      <p:sp>
+        <p:nvSpPr>
+          <p:cNvPr id="2" name="スライド イメージ プレースホルダー 1"/>
+          <p:cNvSpPr>
+            <a:spLocks noGrp="1" noRot="1" noChangeAspect="1"/>
+          </p:cNvSpPr>
+          <p:nvPr>
+            <p:ph type="sldImg"/>
+          </p:nvPr>
+        </p:nvSpPr>
+        <p:spPr/>
+      </p:sp>
+      <p:sp>
+        <p:nvSpPr>
+          <p:cNvPr id="3" name="ノート プレースホルダー 2"/>
+          <p:cNvSpPr>
+            <a:spLocks noGrp="1"/>
+          </p:cNvSpPr>
+          <p:nvPr>
+            <p:ph type="body" idx="1"/>
+          </p:nvPr>
+        </p:nvSpPr>
+        <p:spPr/>
+        <p:txBody>
+          <a:bodyPr/>
+          <a:lstStyle/>
+          <a:p>
+            <a:endParaRPr kumimoji="1" lang="ja-JP" altLang="en-US"/>
+          </a:p>
+        </p:txBody>
+      </p:sp>
+      <p:sp>
+        <p:nvSpPr>
+          <p:cNvPr id="4" name="スライド番号プレースホルダー 3"/>
+          <p:cNvSpPr>
+            <a:spLocks noGrp="1"/>
+          </p:cNvSpPr>
+          <p:nvPr>
+            <p:ph type="sldNum" sz="quarter" idx="5"/>
+          </p:nvPr>
+        </p:nvSpPr>
+        <p:spPr/>
+        <p:txBody>
+          <a:bodyPr/>
+          <a:lstStyle/>
+          <a:p>
+            <a:fld id="{1AE8CFB7-0F18-0240-AC4E-5BAEBAFDD5F5}" type="slidenum">
+              <a:rPr kumimoji="1" lang="ja-JP" altLang="en-US" smtClean="0"/>
+              <a:t>7</a:t>
+            </a:fld>
+            <a:endParaRPr kumimoji="1" lang="ja-JP" altLang="en-US"/>
+          </a:p>
+        </p:txBody>
+      </p:sp>
+    </p:spTree>
+    <p:extLst>
+      <p:ext uri="{BB962C8B-B14F-4D97-AF65-F5344CB8AC3E}">
+        <p14:creationId xmlns:p14="http://schemas.microsoft.com/office/powerpoint/2010/main" val="1467322764"/>
+      </p:ext>
+    </p:extLst>
+  </p:cSld>
+  <p:clrMapOvr>
+    <a:masterClrMapping/>
+  </p:clrMapOvr>
+</p:notes>
+</file>
+
 <file path=ppt/slideLayouts/slideLayout1.xml><?xml version="1.0" encoding="utf-8"?>
 <p:sldLayout xmlns:a="http://schemas.openxmlformats.org/drawingml/2006/main" xmlns:r="http://schemas.openxmlformats.org/officeDocument/2006/relationships" xmlns:p="http://schemas.openxmlformats.org/presentationml/2006/main" type="title" preserve="1">
   <p:cSld name="タイトル スライド">
@@ -984,7 +1069,7 @@
           <a:p>
             <a:fld id="{2BF4BE7D-BE22-5944-AC3B-FFB96F373BCE}" type="datetimeFigureOut">
               <a:rPr kumimoji="1" lang="ja-JP" altLang="en-US" smtClean="0"/>
-              <a:t>2022/1/4</a:t>
+              <a:t>2022/1/12</a:t>
             </a:fld>
             <a:endParaRPr kumimoji="1" lang="ja-JP" altLang="en-US"/>
           </a:p>
@@ -1214,7 +1299,7 @@
           <a:p>
             <a:fld id="{2BF4BE7D-BE22-5944-AC3B-FFB96F373BCE}" type="datetimeFigureOut">
               <a:rPr kumimoji="1" lang="ja-JP" altLang="en-US" smtClean="0"/>
-              <a:t>2022/1/4</a:t>
+              <a:t>2022/1/12</a:t>
             </a:fld>
             <a:endParaRPr kumimoji="1" lang="ja-JP" altLang="en-US"/>
           </a:p>
@@ -1454,7 +1539,7 @@
           <a:p>
             <a:fld id="{2BF4BE7D-BE22-5944-AC3B-FFB96F373BCE}" type="datetimeFigureOut">
               <a:rPr kumimoji="1" lang="ja-JP" altLang="en-US" smtClean="0"/>
-              <a:t>2022/1/4</a:t>
+              <a:t>2022/1/12</a:t>
             </a:fld>
             <a:endParaRPr kumimoji="1" lang="ja-JP" altLang="en-US"/>
           </a:p>
@@ -1684,7 +1769,7 @@
           <a:p>
             <a:fld id="{2BF4BE7D-BE22-5944-AC3B-FFB96F373BCE}" type="datetimeFigureOut">
               <a:rPr kumimoji="1" lang="ja-JP" altLang="en-US" smtClean="0"/>
-              <a:t>2022/1/4</a:t>
+              <a:t>2022/1/12</a:t>
             </a:fld>
             <a:endParaRPr kumimoji="1" lang="ja-JP" altLang="en-US"/>
           </a:p>
@@ -1959,7 +2044,7 @@
           <a:p>
             <a:fld id="{2BF4BE7D-BE22-5944-AC3B-FFB96F373BCE}" type="datetimeFigureOut">
               <a:rPr kumimoji="1" lang="ja-JP" altLang="en-US" smtClean="0"/>
-              <a:t>2022/1/4</a:t>
+              <a:t>2022/1/12</a:t>
             </a:fld>
             <a:endParaRPr kumimoji="1" lang="ja-JP" altLang="en-US"/>
           </a:p>
@@ -2288,7 +2373,7 @@
           <a:p>
             <a:fld id="{2BF4BE7D-BE22-5944-AC3B-FFB96F373BCE}" type="datetimeFigureOut">
               <a:rPr kumimoji="1" lang="ja-JP" altLang="en-US" smtClean="0"/>
-              <a:t>2022/1/4</a:t>
+              <a:t>2022/1/12</a:t>
             </a:fld>
             <a:endParaRPr kumimoji="1" lang="ja-JP" altLang="en-US"/>
           </a:p>
@@ -2764,7 +2849,7 @@
           <a:p>
             <a:fld id="{2BF4BE7D-BE22-5944-AC3B-FFB96F373BCE}" type="datetimeFigureOut">
               <a:rPr kumimoji="1" lang="ja-JP" altLang="en-US" smtClean="0"/>
-              <a:t>2022/1/4</a:t>
+              <a:t>2022/1/12</a:t>
             </a:fld>
             <a:endParaRPr kumimoji="1" lang="ja-JP" altLang="en-US"/>
           </a:p>
@@ -2905,7 +2990,7 @@
           <a:p>
             <a:fld id="{2BF4BE7D-BE22-5944-AC3B-FFB96F373BCE}" type="datetimeFigureOut">
               <a:rPr kumimoji="1" lang="ja-JP" altLang="en-US" smtClean="0"/>
-              <a:t>2022/1/4</a:t>
+              <a:t>2022/1/12</a:t>
             </a:fld>
             <a:endParaRPr kumimoji="1" lang="ja-JP" altLang="en-US"/>
           </a:p>
@@ -3018,7 +3103,7 @@
           <a:p>
             <a:fld id="{2BF4BE7D-BE22-5944-AC3B-FFB96F373BCE}" type="datetimeFigureOut">
               <a:rPr kumimoji="1" lang="ja-JP" altLang="en-US" smtClean="0"/>
-              <a:t>2022/1/4</a:t>
+              <a:t>2022/1/12</a:t>
             </a:fld>
             <a:endParaRPr kumimoji="1" lang="ja-JP" altLang="en-US"/>
           </a:p>
@@ -3361,7 +3446,7 @@
           <a:p>
             <a:fld id="{2BF4BE7D-BE22-5944-AC3B-FFB96F373BCE}" type="datetimeFigureOut">
               <a:rPr kumimoji="1" lang="ja-JP" altLang="en-US" smtClean="0"/>
-              <a:t>2022/1/4</a:t>
+              <a:t>2022/1/12</a:t>
             </a:fld>
             <a:endParaRPr kumimoji="1" lang="ja-JP" altLang="en-US"/>
           </a:p>
@@ -3649,7 +3734,7 @@
           <a:p>
             <a:fld id="{2BF4BE7D-BE22-5944-AC3B-FFB96F373BCE}" type="datetimeFigureOut">
               <a:rPr kumimoji="1" lang="ja-JP" altLang="en-US" smtClean="0"/>
-              <a:t>2022/1/4</a:t>
+              <a:t>2022/1/12</a:t>
             </a:fld>
             <a:endParaRPr kumimoji="1" lang="ja-JP" altLang="en-US"/>
           </a:p>
@@ -3922,7 +4007,7 @@
           <a:p>
             <a:fld id="{2BF4BE7D-BE22-5944-AC3B-FFB96F373BCE}" type="datetimeFigureOut">
               <a:rPr kumimoji="1" lang="ja-JP" altLang="en-US" smtClean="0"/>
-              <a:t>2022/1/4</a:t>
+              <a:t>2022/1/12</a:t>
             </a:fld>
             <a:endParaRPr kumimoji="1" lang="ja-JP" altLang="en-US"/>
           </a:p>
@@ -13448,6 +13533,2856 @@
     <p:extLst>
       <p:ext uri="{BB962C8B-B14F-4D97-AF65-F5344CB8AC3E}">
         <p14:creationId xmlns:p14="http://schemas.microsoft.com/office/powerpoint/2010/main" val="782356490"/>
+      </p:ext>
+    </p:extLst>
+  </p:cSld>
+  <p:clrMapOvr>
+    <a:masterClrMapping/>
+  </p:clrMapOvr>
+</p:sld>
+</file>
+
+<file path=ppt/slides/slide7.xml><?xml version="1.0" encoding="utf-8"?>
+<p:sld xmlns:a="http://schemas.openxmlformats.org/drawingml/2006/main" xmlns:r="http://schemas.openxmlformats.org/officeDocument/2006/relationships" xmlns:p="http://schemas.openxmlformats.org/presentationml/2006/main">
+  <p:cSld>
+    <p:spTree>
+      <p:nvGrpSpPr>
+        <p:cNvPr id="1" name=""/>
+        <p:cNvGrpSpPr/>
+        <p:nvPr/>
+      </p:nvGrpSpPr>
+      <p:grpSpPr>
+        <a:xfrm>
+          <a:off x="0" y="0"/>
+          <a:ext cx="0" cy="0"/>
+          <a:chOff x="0" y="0"/>
+          <a:chExt cx="0" cy="0"/>
+        </a:xfrm>
+      </p:grpSpPr>
+      <p:sp>
+        <p:nvSpPr>
+          <p:cNvPr id="12" name="ホームベース 11">
+            <a:extLst>
+              <a:ext uri="{FF2B5EF4-FFF2-40B4-BE49-F238E27FC236}">
+                <a16:creationId xmlns:a16="http://schemas.microsoft.com/office/drawing/2014/main" id="{A62E56CF-FE34-8C4C-B2D6-1158072C7885}"/>
+              </a:ext>
+            </a:extLst>
+          </p:cNvPr>
+          <p:cNvSpPr/>
+          <p:nvPr/>
+        </p:nvSpPr>
+        <p:spPr>
+          <a:xfrm>
+            <a:off x="8644154" y="2147282"/>
+            <a:ext cx="2396691" cy="1281718"/>
+          </a:xfrm>
+          <a:prstGeom prst="homePlate">
+            <a:avLst/>
+          </a:prstGeom>
+          <a:noFill/>
+          <a:ln>
+            <a:solidFill>
+              <a:schemeClr val="tx1"/>
+            </a:solidFill>
+          </a:ln>
+        </p:spPr>
+        <p:style>
+          <a:lnRef idx="2">
+            <a:schemeClr val="accent1">
+              <a:shade val="50000"/>
+            </a:schemeClr>
+          </a:lnRef>
+          <a:fillRef idx="1">
+            <a:schemeClr val="accent1"/>
+          </a:fillRef>
+          <a:effectRef idx="0">
+            <a:schemeClr val="accent1"/>
+          </a:effectRef>
+          <a:fontRef idx="minor">
+            <a:schemeClr val="lt1"/>
+          </a:fontRef>
+        </p:style>
+        <p:txBody>
+          <a:bodyPr rtlCol="0" anchor="ctr"/>
+          <a:lstStyle/>
+          <a:p>
+            <a:pPr algn="ctr"/>
+            <a:endParaRPr kumimoji="1" lang="ja-JP" altLang="en-US"/>
+          </a:p>
+        </p:txBody>
+      </p:sp>
+      <p:sp>
+        <p:nvSpPr>
+          <p:cNvPr id="13" name="円/楕円 12">
+            <a:extLst>
+              <a:ext uri="{FF2B5EF4-FFF2-40B4-BE49-F238E27FC236}">
+                <a16:creationId xmlns:a16="http://schemas.microsoft.com/office/drawing/2014/main" id="{A5AF72D6-57C1-CE4F-B30F-24EF655E3270}"/>
+              </a:ext>
+            </a:extLst>
+          </p:cNvPr>
+          <p:cNvSpPr/>
+          <p:nvPr/>
+        </p:nvSpPr>
+        <p:spPr>
+          <a:xfrm>
+            <a:off x="8870348" y="2339008"/>
+            <a:ext cx="250257" cy="250257"/>
+          </a:xfrm>
+          <a:prstGeom prst="ellipse">
+            <a:avLst/>
+          </a:prstGeom>
+          <a:solidFill>
+            <a:schemeClr val="bg1">
+              <a:lumMod val="75000"/>
+            </a:schemeClr>
+          </a:solidFill>
+          <a:ln>
+            <a:solidFill>
+              <a:schemeClr val="tx1"/>
+            </a:solidFill>
+          </a:ln>
+        </p:spPr>
+        <p:style>
+          <a:lnRef idx="2">
+            <a:schemeClr val="accent1">
+              <a:shade val="50000"/>
+            </a:schemeClr>
+          </a:lnRef>
+          <a:fillRef idx="1">
+            <a:schemeClr val="accent1"/>
+          </a:fillRef>
+          <a:effectRef idx="0">
+            <a:schemeClr val="accent1"/>
+          </a:effectRef>
+          <a:fontRef idx="minor">
+            <a:schemeClr val="lt1"/>
+          </a:fontRef>
+        </p:style>
+        <p:txBody>
+          <a:bodyPr rtlCol="0" anchor="ctr"/>
+          <a:lstStyle/>
+          <a:p>
+            <a:pPr algn="ctr"/>
+            <a:endParaRPr kumimoji="1" lang="ja-JP" altLang="en-US"/>
+          </a:p>
+        </p:txBody>
+      </p:sp>
+      <p:sp>
+        <p:nvSpPr>
+          <p:cNvPr id="14" name="円/楕円 13">
+            <a:extLst>
+              <a:ext uri="{FF2B5EF4-FFF2-40B4-BE49-F238E27FC236}">
+                <a16:creationId xmlns:a16="http://schemas.microsoft.com/office/drawing/2014/main" id="{55ED3B84-71E4-4C49-98D9-153861B71901}"/>
+              </a:ext>
+            </a:extLst>
+          </p:cNvPr>
+          <p:cNvSpPr/>
+          <p:nvPr/>
+        </p:nvSpPr>
+        <p:spPr>
+          <a:xfrm>
+            <a:off x="9395325" y="2339008"/>
+            <a:ext cx="250257" cy="250257"/>
+          </a:xfrm>
+          <a:prstGeom prst="ellipse">
+            <a:avLst/>
+          </a:prstGeom>
+          <a:solidFill>
+            <a:schemeClr val="bg1">
+              <a:lumMod val="75000"/>
+            </a:schemeClr>
+          </a:solidFill>
+          <a:ln>
+            <a:solidFill>
+              <a:schemeClr val="tx1"/>
+            </a:solidFill>
+          </a:ln>
+        </p:spPr>
+        <p:style>
+          <a:lnRef idx="2">
+            <a:schemeClr val="accent1">
+              <a:shade val="50000"/>
+            </a:schemeClr>
+          </a:lnRef>
+          <a:fillRef idx="1">
+            <a:schemeClr val="accent1"/>
+          </a:fillRef>
+          <a:effectRef idx="0">
+            <a:schemeClr val="accent1"/>
+          </a:effectRef>
+          <a:fontRef idx="minor">
+            <a:schemeClr val="lt1"/>
+          </a:fontRef>
+        </p:style>
+        <p:txBody>
+          <a:bodyPr rtlCol="0" anchor="ctr"/>
+          <a:lstStyle/>
+          <a:p>
+            <a:pPr algn="ctr"/>
+            <a:endParaRPr kumimoji="1" lang="ja-JP" altLang="en-US"/>
+          </a:p>
+        </p:txBody>
+      </p:sp>
+      <p:sp>
+        <p:nvSpPr>
+          <p:cNvPr id="15" name="円/楕円 14">
+            <a:extLst>
+              <a:ext uri="{FF2B5EF4-FFF2-40B4-BE49-F238E27FC236}">
+                <a16:creationId xmlns:a16="http://schemas.microsoft.com/office/drawing/2014/main" id="{0AF81A3A-DF47-8744-A2FF-4D0152CB8E7E}"/>
+              </a:ext>
+            </a:extLst>
+          </p:cNvPr>
+          <p:cNvSpPr/>
+          <p:nvPr/>
+        </p:nvSpPr>
+        <p:spPr>
+          <a:xfrm>
+            <a:off x="9920303" y="2339008"/>
+            <a:ext cx="250257" cy="250257"/>
+          </a:xfrm>
+          <a:prstGeom prst="ellipse">
+            <a:avLst/>
+          </a:prstGeom>
+          <a:solidFill>
+            <a:schemeClr val="bg1">
+              <a:lumMod val="75000"/>
+            </a:schemeClr>
+          </a:solidFill>
+          <a:ln>
+            <a:solidFill>
+              <a:schemeClr val="tx1"/>
+            </a:solidFill>
+          </a:ln>
+        </p:spPr>
+        <p:style>
+          <a:lnRef idx="2">
+            <a:schemeClr val="accent1">
+              <a:shade val="50000"/>
+            </a:schemeClr>
+          </a:lnRef>
+          <a:fillRef idx="1">
+            <a:schemeClr val="accent1"/>
+          </a:fillRef>
+          <a:effectRef idx="0">
+            <a:schemeClr val="accent1"/>
+          </a:effectRef>
+          <a:fontRef idx="minor">
+            <a:schemeClr val="lt1"/>
+          </a:fontRef>
+        </p:style>
+        <p:txBody>
+          <a:bodyPr rtlCol="0" anchor="ctr"/>
+          <a:lstStyle/>
+          <a:p>
+            <a:pPr algn="ctr"/>
+            <a:endParaRPr kumimoji="1" lang="ja-JP" altLang="en-US"/>
+          </a:p>
+        </p:txBody>
+      </p:sp>
+      <p:sp>
+        <p:nvSpPr>
+          <p:cNvPr id="16" name="直角三角形 15">
+            <a:extLst>
+              <a:ext uri="{FF2B5EF4-FFF2-40B4-BE49-F238E27FC236}">
+                <a16:creationId xmlns:a16="http://schemas.microsoft.com/office/drawing/2014/main" id="{39573A9B-A7CF-BD48-8359-8B6897371C13}"/>
+              </a:ext>
+            </a:extLst>
+          </p:cNvPr>
+          <p:cNvSpPr/>
+          <p:nvPr/>
+        </p:nvSpPr>
+        <p:spPr>
+          <a:xfrm rot="10800000">
+            <a:off x="6215914" y="2788139"/>
+            <a:ext cx="503999" cy="1534515"/>
+          </a:xfrm>
+          <a:prstGeom prst="rtTriangle">
+            <a:avLst/>
+          </a:prstGeom>
+          <a:solidFill>
+            <a:schemeClr val="bg1">
+              <a:lumMod val="75000"/>
+            </a:schemeClr>
+          </a:solidFill>
+          <a:ln>
+            <a:solidFill>
+              <a:schemeClr val="tx1"/>
+            </a:solidFill>
+          </a:ln>
+        </p:spPr>
+        <p:style>
+          <a:lnRef idx="2">
+            <a:schemeClr val="accent1">
+              <a:shade val="50000"/>
+            </a:schemeClr>
+          </a:lnRef>
+          <a:fillRef idx="1">
+            <a:schemeClr val="accent1"/>
+          </a:fillRef>
+          <a:effectRef idx="0">
+            <a:schemeClr val="accent1"/>
+          </a:effectRef>
+          <a:fontRef idx="minor">
+            <a:schemeClr val="lt1"/>
+          </a:fontRef>
+        </p:style>
+        <p:txBody>
+          <a:bodyPr rtlCol="0" anchor="ctr"/>
+          <a:lstStyle/>
+          <a:p>
+            <a:pPr algn="ctr"/>
+            <a:endParaRPr kumimoji="1" lang="ja-JP" altLang="en-US"/>
+          </a:p>
+        </p:txBody>
+      </p:sp>
+      <p:sp>
+        <p:nvSpPr>
+          <p:cNvPr id="17" name="直角三角形 16">
+            <a:extLst>
+              <a:ext uri="{FF2B5EF4-FFF2-40B4-BE49-F238E27FC236}">
+                <a16:creationId xmlns:a16="http://schemas.microsoft.com/office/drawing/2014/main" id="{A9DEC2DB-A5FA-2E46-96FA-0C4DF9A7ACF8}"/>
+              </a:ext>
+            </a:extLst>
+          </p:cNvPr>
+          <p:cNvSpPr/>
+          <p:nvPr/>
+        </p:nvSpPr>
+        <p:spPr>
+          <a:xfrm rot="10800000" flipH="1">
+            <a:off x="11364133" y="2788138"/>
+            <a:ext cx="503999" cy="1534513"/>
+          </a:xfrm>
+          <a:prstGeom prst="rtTriangle">
+            <a:avLst/>
+          </a:prstGeom>
+          <a:solidFill>
+            <a:schemeClr val="bg1">
+              <a:lumMod val="75000"/>
+            </a:schemeClr>
+          </a:solidFill>
+          <a:ln>
+            <a:solidFill>
+              <a:schemeClr val="tx1"/>
+            </a:solidFill>
+          </a:ln>
+        </p:spPr>
+        <p:style>
+          <a:lnRef idx="2">
+            <a:schemeClr val="accent1">
+              <a:shade val="50000"/>
+            </a:schemeClr>
+          </a:lnRef>
+          <a:fillRef idx="1">
+            <a:schemeClr val="accent1"/>
+          </a:fillRef>
+          <a:effectRef idx="0">
+            <a:schemeClr val="accent1"/>
+          </a:effectRef>
+          <a:fontRef idx="minor">
+            <a:schemeClr val="lt1"/>
+          </a:fontRef>
+        </p:style>
+        <p:txBody>
+          <a:bodyPr rtlCol="0" anchor="ctr"/>
+          <a:lstStyle/>
+          <a:p>
+            <a:pPr algn="ctr"/>
+            <a:endParaRPr kumimoji="1" lang="ja-JP" altLang="en-US"/>
+          </a:p>
+        </p:txBody>
+      </p:sp>
+      <p:sp>
+        <p:nvSpPr>
+          <p:cNvPr id="18" name="弦 17">
+            <a:extLst>
+              <a:ext uri="{FF2B5EF4-FFF2-40B4-BE49-F238E27FC236}">
+                <a16:creationId xmlns:a16="http://schemas.microsoft.com/office/drawing/2014/main" id="{AE2C39A9-D03E-4448-8C10-38AAC69E60EB}"/>
+              </a:ext>
+            </a:extLst>
+          </p:cNvPr>
+          <p:cNvSpPr/>
+          <p:nvPr/>
+        </p:nvSpPr>
+        <p:spPr>
+          <a:xfrm>
+            <a:off x="5189634" y="1681058"/>
+            <a:ext cx="7698657" cy="2940219"/>
+          </a:xfrm>
+          <a:prstGeom prst="chord">
+            <a:avLst>
+              <a:gd name="adj1" fmla="val 1611090"/>
+              <a:gd name="adj2" fmla="val 9184230"/>
+            </a:avLst>
+          </a:prstGeom>
+          <a:solidFill>
+            <a:schemeClr val="bg1">
+              <a:lumMod val="75000"/>
+            </a:schemeClr>
+          </a:solidFill>
+          <a:ln>
+            <a:solidFill>
+              <a:schemeClr val="tx1"/>
+            </a:solidFill>
+          </a:ln>
+        </p:spPr>
+        <p:style>
+          <a:lnRef idx="2">
+            <a:schemeClr val="accent1">
+              <a:shade val="50000"/>
+            </a:schemeClr>
+          </a:lnRef>
+          <a:fillRef idx="1">
+            <a:schemeClr val="accent1"/>
+          </a:fillRef>
+          <a:effectRef idx="0">
+            <a:schemeClr val="accent1"/>
+          </a:effectRef>
+          <a:fontRef idx="minor">
+            <a:schemeClr val="lt1"/>
+          </a:fontRef>
+        </p:style>
+        <p:txBody>
+          <a:bodyPr rtlCol="0" anchor="ctr"/>
+          <a:lstStyle/>
+          <a:p>
+            <a:pPr algn="ctr"/>
+            <a:endParaRPr kumimoji="1" lang="ja-JP" altLang="en-US"/>
+          </a:p>
+        </p:txBody>
+      </p:sp>
+      <p:sp>
+        <p:nvSpPr>
+          <p:cNvPr id="19" name="正方形/長方形 18">
+            <a:extLst>
+              <a:ext uri="{FF2B5EF4-FFF2-40B4-BE49-F238E27FC236}">
+                <a16:creationId xmlns:a16="http://schemas.microsoft.com/office/drawing/2014/main" id="{C9C02457-3440-6C49-9E4E-75781C021AC5}"/>
+              </a:ext>
+            </a:extLst>
+          </p:cNvPr>
+          <p:cNvSpPr/>
+          <p:nvPr/>
+        </p:nvSpPr>
+        <p:spPr>
+          <a:xfrm>
+            <a:off x="9670047" y="1675273"/>
+            <a:ext cx="250256" cy="472009"/>
+          </a:xfrm>
+          <a:prstGeom prst="rect">
+            <a:avLst/>
+          </a:prstGeom>
+          <a:solidFill>
+            <a:schemeClr val="bg1">
+              <a:lumMod val="75000"/>
+            </a:schemeClr>
+          </a:solidFill>
+          <a:ln>
+            <a:solidFill>
+              <a:schemeClr val="tx1"/>
+            </a:solidFill>
+          </a:ln>
+        </p:spPr>
+        <p:style>
+          <a:lnRef idx="2">
+            <a:schemeClr val="accent1">
+              <a:shade val="50000"/>
+            </a:schemeClr>
+          </a:lnRef>
+          <a:fillRef idx="1">
+            <a:schemeClr val="accent1"/>
+          </a:fillRef>
+          <a:effectRef idx="0">
+            <a:schemeClr val="accent1"/>
+          </a:effectRef>
+          <a:fontRef idx="minor">
+            <a:schemeClr val="lt1"/>
+          </a:fontRef>
+        </p:style>
+        <p:txBody>
+          <a:bodyPr rtlCol="0" anchor="ctr"/>
+          <a:lstStyle/>
+          <a:p>
+            <a:pPr algn="ctr"/>
+            <a:endParaRPr kumimoji="1" lang="ja-JP" altLang="en-US"/>
+          </a:p>
+        </p:txBody>
+      </p:sp>
+      <p:sp>
+        <p:nvSpPr>
+          <p:cNvPr id="22" name="フリーフォーム 21">
+            <a:extLst>
+              <a:ext uri="{FF2B5EF4-FFF2-40B4-BE49-F238E27FC236}">
+                <a16:creationId xmlns:a16="http://schemas.microsoft.com/office/drawing/2014/main" id="{EEF9830E-A3D0-4341-AE70-5EA37130E7FA}"/>
+              </a:ext>
+            </a:extLst>
+          </p:cNvPr>
+          <p:cNvSpPr/>
+          <p:nvPr/>
+        </p:nvSpPr>
+        <p:spPr>
+          <a:xfrm rot="20944649">
+            <a:off x="4595172" y="3338808"/>
+            <a:ext cx="1167713" cy="661087"/>
+          </a:xfrm>
+          <a:custGeom>
+            <a:avLst/>
+            <a:gdLst>
+              <a:gd name="connsiteX0" fmla="*/ 49427 w 1167713"/>
+              <a:gd name="connsiteY0" fmla="*/ 661087 h 661087"/>
+              <a:gd name="connsiteX1" fmla="*/ 142103 w 1167713"/>
+              <a:gd name="connsiteY1" fmla="*/ 661087 h 661087"/>
+              <a:gd name="connsiteX2" fmla="*/ 142103 w 1167713"/>
+              <a:gd name="connsiteY2" fmla="*/ 661087 h 661087"/>
+              <a:gd name="connsiteX3" fmla="*/ 148281 w 1167713"/>
+              <a:gd name="connsiteY3" fmla="*/ 605481 h 661087"/>
+              <a:gd name="connsiteX4" fmla="*/ 154459 w 1167713"/>
+              <a:gd name="connsiteY4" fmla="*/ 586946 h 661087"/>
+              <a:gd name="connsiteX5" fmla="*/ 191530 w 1167713"/>
+              <a:gd name="connsiteY5" fmla="*/ 562232 h 661087"/>
+              <a:gd name="connsiteX6" fmla="*/ 228600 w 1167713"/>
+              <a:gd name="connsiteY6" fmla="*/ 543697 h 661087"/>
+              <a:gd name="connsiteX7" fmla="*/ 327454 w 1167713"/>
+              <a:gd name="connsiteY7" fmla="*/ 556054 h 661087"/>
+              <a:gd name="connsiteX8" fmla="*/ 345989 w 1167713"/>
+              <a:gd name="connsiteY8" fmla="*/ 568411 h 661087"/>
+              <a:gd name="connsiteX9" fmla="*/ 370703 w 1167713"/>
+              <a:gd name="connsiteY9" fmla="*/ 605481 h 661087"/>
+              <a:gd name="connsiteX10" fmla="*/ 376881 w 1167713"/>
+              <a:gd name="connsiteY10" fmla="*/ 642551 h 661087"/>
+              <a:gd name="connsiteX11" fmla="*/ 747584 w 1167713"/>
+              <a:gd name="connsiteY11" fmla="*/ 642551 h 661087"/>
+              <a:gd name="connsiteX12" fmla="*/ 747584 w 1167713"/>
+              <a:gd name="connsiteY12" fmla="*/ 617838 h 661087"/>
+              <a:gd name="connsiteX13" fmla="*/ 778476 w 1167713"/>
+              <a:gd name="connsiteY13" fmla="*/ 543697 h 661087"/>
+              <a:gd name="connsiteX14" fmla="*/ 797011 w 1167713"/>
+              <a:gd name="connsiteY14" fmla="*/ 537519 h 661087"/>
+              <a:gd name="connsiteX15" fmla="*/ 908222 w 1167713"/>
+              <a:gd name="connsiteY15" fmla="*/ 531341 h 661087"/>
+              <a:gd name="connsiteX16" fmla="*/ 945292 w 1167713"/>
+              <a:gd name="connsiteY16" fmla="*/ 543697 h 661087"/>
+              <a:gd name="connsiteX17" fmla="*/ 963827 w 1167713"/>
+              <a:gd name="connsiteY17" fmla="*/ 549876 h 661087"/>
+              <a:gd name="connsiteX18" fmla="*/ 976184 w 1167713"/>
+              <a:gd name="connsiteY18" fmla="*/ 568411 h 661087"/>
+              <a:gd name="connsiteX19" fmla="*/ 994719 w 1167713"/>
+              <a:gd name="connsiteY19" fmla="*/ 580768 h 661087"/>
+              <a:gd name="connsiteX20" fmla="*/ 1007076 w 1167713"/>
+              <a:gd name="connsiteY20" fmla="*/ 617838 h 661087"/>
+              <a:gd name="connsiteX21" fmla="*/ 1167713 w 1167713"/>
+              <a:gd name="connsiteY21" fmla="*/ 617838 h 661087"/>
+              <a:gd name="connsiteX22" fmla="*/ 1167713 w 1167713"/>
+              <a:gd name="connsiteY22" fmla="*/ 389238 h 661087"/>
+              <a:gd name="connsiteX23" fmla="*/ 864973 w 1167713"/>
+              <a:gd name="connsiteY23" fmla="*/ 253314 h 661087"/>
+              <a:gd name="connsiteX24" fmla="*/ 716692 w 1167713"/>
+              <a:gd name="connsiteY24" fmla="*/ 0 h 661087"/>
+              <a:gd name="connsiteX25" fmla="*/ 142103 w 1167713"/>
+              <a:gd name="connsiteY25" fmla="*/ 0 h 661087"/>
+              <a:gd name="connsiteX26" fmla="*/ 0 w 1167713"/>
+              <a:gd name="connsiteY26" fmla="*/ 358346 h 661087"/>
+              <a:gd name="connsiteX27" fmla="*/ 49427 w 1167713"/>
+              <a:gd name="connsiteY27" fmla="*/ 661087 h 661087"/>
+            </a:gdLst>
+            <a:ahLst/>
+            <a:cxnLst>
+              <a:cxn ang="0">
+                <a:pos x="connsiteX0" y="connsiteY0"/>
+              </a:cxn>
+              <a:cxn ang="0">
+                <a:pos x="connsiteX1" y="connsiteY1"/>
+              </a:cxn>
+              <a:cxn ang="0">
+                <a:pos x="connsiteX2" y="connsiteY2"/>
+              </a:cxn>
+              <a:cxn ang="0">
+                <a:pos x="connsiteX3" y="connsiteY3"/>
+              </a:cxn>
+              <a:cxn ang="0">
+                <a:pos x="connsiteX4" y="connsiteY4"/>
+              </a:cxn>
+              <a:cxn ang="0">
+                <a:pos x="connsiteX5" y="connsiteY5"/>
+              </a:cxn>
+              <a:cxn ang="0">
+                <a:pos x="connsiteX6" y="connsiteY6"/>
+              </a:cxn>
+              <a:cxn ang="0">
+                <a:pos x="connsiteX7" y="connsiteY7"/>
+              </a:cxn>
+              <a:cxn ang="0">
+                <a:pos x="connsiteX8" y="connsiteY8"/>
+              </a:cxn>
+              <a:cxn ang="0">
+                <a:pos x="connsiteX9" y="connsiteY9"/>
+              </a:cxn>
+              <a:cxn ang="0">
+                <a:pos x="connsiteX10" y="connsiteY10"/>
+              </a:cxn>
+              <a:cxn ang="0">
+                <a:pos x="connsiteX11" y="connsiteY11"/>
+              </a:cxn>
+              <a:cxn ang="0">
+                <a:pos x="connsiteX12" y="connsiteY12"/>
+              </a:cxn>
+              <a:cxn ang="0">
+                <a:pos x="connsiteX13" y="connsiteY13"/>
+              </a:cxn>
+              <a:cxn ang="0">
+                <a:pos x="connsiteX14" y="connsiteY14"/>
+              </a:cxn>
+              <a:cxn ang="0">
+                <a:pos x="connsiteX15" y="connsiteY15"/>
+              </a:cxn>
+              <a:cxn ang="0">
+                <a:pos x="connsiteX16" y="connsiteY16"/>
+              </a:cxn>
+              <a:cxn ang="0">
+                <a:pos x="connsiteX17" y="connsiteY17"/>
+              </a:cxn>
+              <a:cxn ang="0">
+                <a:pos x="connsiteX18" y="connsiteY18"/>
+              </a:cxn>
+              <a:cxn ang="0">
+                <a:pos x="connsiteX19" y="connsiteY19"/>
+              </a:cxn>
+              <a:cxn ang="0">
+                <a:pos x="connsiteX20" y="connsiteY20"/>
+              </a:cxn>
+              <a:cxn ang="0">
+                <a:pos x="connsiteX21" y="connsiteY21"/>
+              </a:cxn>
+              <a:cxn ang="0">
+                <a:pos x="connsiteX22" y="connsiteY22"/>
+              </a:cxn>
+              <a:cxn ang="0">
+                <a:pos x="connsiteX23" y="connsiteY23"/>
+              </a:cxn>
+              <a:cxn ang="0">
+                <a:pos x="connsiteX24" y="connsiteY24"/>
+              </a:cxn>
+              <a:cxn ang="0">
+                <a:pos x="connsiteX25" y="connsiteY25"/>
+              </a:cxn>
+              <a:cxn ang="0">
+                <a:pos x="connsiteX26" y="connsiteY26"/>
+              </a:cxn>
+              <a:cxn ang="0">
+                <a:pos x="connsiteX27" y="connsiteY27"/>
+              </a:cxn>
+            </a:cxnLst>
+            <a:rect l="l" t="t" r="r" b="b"/>
+            <a:pathLst>
+              <a:path w="1167713" h="661087">
+                <a:moveTo>
+                  <a:pt x="49427" y="661087"/>
+                </a:moveTo>
+                <a:lnTo>
+                  <a:pt x="142103" y="661087"/>
+                </a:lnTo>
+                <a:lnTo>
+                  <a:pt x="142103" y="661087"/>
+                </a:lnTo>
+                <a:cubicBezTo>
+                  <a:pt x="144162" y="642552"/>
+                  <a:pt x="145215" y="623877"/>
+                  <a:pt x="148281" y="605481"/>
+                </a:cubicBezTo>
+                <a:cubicBezTo>
+                  <a:pt x="149352" y="599057"/>
+                  <a:pt x="149854" y="591551"/>
+                  <a:pt x="154459" y="586946"/>
+                </a:cubicBezTo>
+                <a:cubicBezTo>
+                  <a:pt x="164960" y="576445"/>
+                  <a:pt x="179173" y="570470"/>
+                  <a:pt x="191530" y="562232"/>
+                </a:cubicBezTo>
+                <a:cubicBezTo>
+                  <a:pt x="215482" y="546264"/>
+                  <a:pt x="203022" y="552224"/>
+                  <a:pt x="228600" y="543697"/>
+                </a:cubicBezTo>
+                <a:cubicBezTo>
+                  <a:pt x="243920" y="544876"/>
+                  <a:pt x="300784" y="542719"/>
+                  <a:pt x="327454" y="556054"/>
+                </a:cubicBezTo>
+                <a:cubicBezTo>
+                  <a:pt x="334096" y="559375"/>
+                  <a:pt x="339811" y="564292"/>
+                  <a:pt x="345989" y="568411"/>
+                </a:cubicBezTo>
+                <a:cubicBezTo>
+                  <a:pt x="354227" y="580768"/>
+                  <a:pt x="368262" y="590832"/>
+                  <a:pt x="370703" y="605481"/>
+                </a:cubicBezTo>
+                <a:lnTo>
+                  <a:pt x="376881" y="642551"/>
+                </a:lnTo>
+                <a:lnTo>
+                  <a:pt x="747584" y="642551"/>
+                </a:lnTo>
+                <a:lnTo>
+                  <a:pt x="747584" y="617838"/>
+                </a:lnTo>
+                <a:cubicBezTo>
+                  <a:pt x="749050" y="613441"/>
+                  <a:pt x="762661" y="556349"/>
+                  <a:pt x="778476" y="543697"/>
+                </a:cubicBezTo>
+                <a:cubicBezTo>
+                  <a:pt x="783561" y="539629"/>
+                  <a:pt x="790833" y="539578"/>
+                  <a:pt x="797011" y="537519"/>
+                </a:cubicBezTo>
+                <a:cubicBezTo>
+                  <a:pt x="839048" y="509494"/>
+                  <a:pt x="817556" y="518389"/>
+                  <a:pt x="908222" y="531341"/>
+                </a:cubicBezTo>
+                <a:cubicBezTo>
+                  <a:pt x="921116" y="533183"/>
+                  <a:pt x="932935" y="539578"/>
+                  <a:pt x="945292" y="543697"/>
+                </a:cubicBezTo>
+                <a:lnTo>
+                  <a:pt x="963827" y="549876"/>
+                </a:lnTo>
+                <a:cubicBezTo>
+                  <a:pt x="967946" y="556054"/>
+                  <a:pt x="970933" y="563160"/>
+                  <a:pt x="976184" y="568411"/>
+                </a:cubicBezTo>
+                <a:cubicBezTo>
+                  <a:pt x="981435" y="573662"/>
+                  <a:pt x="990783" y="574471"/>
+                  <a:pt x="994719" y="580768"/>
+                </a:cubicBezTo>
+                <a:cubicBezTo>
+                  <a:pt x="1001622" y="591813"/>
+                  <a:pt x="1007076" y="617838"/>
+                  <a:pt x="1007076" y="617838"/>
+                </a:cubicBezTo>
+                <a:lnTo>
+                  <a:pt x="1167713" y="617838"/>
+                </a:lnTo>
+                <a:lnTo>
+                  <a:pt x="1167713" y="389238"/>
+                </a:lnTo>
+                <a:lnTo>
+                  <a:pt x="864973" y="253314"/>
+                </a:lnTo>
+                <a:lnTo>
+                  <a:pt x="716692" y="0"/>
+                </a:lnTo>
+                <a:lnTo>
+                  <a:pt x="142103" y="0"/>
+                </a:lnTo>
+                <a:lnTo>
+                  <a:pt x="0" y="358346"/>
+                </a:lnTo>
+                <a:lnTo>
+                  <a:pt x="49427" y="661087"/>
+                </a:lnTo>
+                <a:close/>
+              </a:path>
+            </a:pathLst>
+          </a:custGeom>
+          <a:noFill/>
+          <a:ln>
+            <a:solidFill>
+              <a:schemeClr val="tx1"/>
+            </a:solidFill>
+          </a:ln>
+        </p:spPr>
+        <p:style>
+          <a:lnRef idx="2">
+            <a:schemeClr val="accent1">
+              <a:shade val="50000"/>
+            </a:schemeClr>
+          </a:lnRef>
+          <a:fillRef idx="1">
+            <a:schemeClr val="accent1"/>
+          </a:fillRef>
+          <a:effectRef idx="0">
+            <a:schemeClr val="accent1"/>
+          </a:effectRef>
+          <a:fontRef idx="minor">
+            <a:schemeClr val="lt1"/>
+          </a:fontRef>
+        </p:style>
+        <p:txBody>
+          <a:bodyPr rtlCol="0" anchor="ctr"/>
+          <a:lstStyle/>
+          <a:p>
+            <a:pPr algn="ctr"/>
+            <a:endParaRPr kumimoji="1" lang="ja-JP" altLang="en-US"/>
+          </a:p>
+        </p:txBody>
+      </p:sp>
+      <p:sp>
+        <p:nvSpPr>
+          <p:cNvPr id="23" name="円/楕円 22">
+            <a:extLst>
+              <a:ext uri="{FF2B5EF4-FFF2-40B4-BE49-F238E27FC236}">
+                <a16:creationId xmlns:a16="http://schemas.microsoft.com/office/drawing/2014/main" id="{F60CEDFF-854B-8B4D-82C8-526AF4104C5C}"/>
+              </a:ext>
+            </a:extLst>
+          </p:cNvPr>
+          <p:cNvSpPr/>
+          <p:nvPr/>
+        </p:nvSpPr>
+        <p:spPr>
+          <a:xfrm rot="20944649">
+            <a:off x="4849031" y="3981227"/>
+            <a:ext cx="148281" cy="148281"/>
+          </a:xfrm>
+          <a:prstGeom prst="ellipse">
+            <a:avLst/>
+          </a:prstGeom>
+          <a:noFill/>
+          <a:ln>
+            <a:solidFill>
+              <a:schemeClr val="tx1"/>
+            </a:solidFill>
+          </a:ln>
+        </p:spPr>
+        <p:style>
+          <a:lnRef idx="2">
+            <a:schemeClr val="accent1">
+              <a:shade val="50000"/>
+            </a:schemeClr>
+          </a:lnRef>
+          <a:fillRef idx="1">
+            <a:schemeClr val="accent1"/>
+          </a:fillRef>
+          <a:effectRef idx="0">
+            <a:schemeClr val="accent1"/>
+          </a:effectRef>
+          <a:fontRef idx="minor">
+            <a:schemeClr val="lt1"/>
+          </a:fontRef>
+        </p:style>
+        <p:txBody>
+          <a:bodyPr rtlCol="0" anchor="ctr"/>
+          <a:lstStyle/>
+          <a:p>
+            <a:pPr algn="ctr"/>
+            <a:endParaRPr kumimoji="1" lang="ja-JP" altLang="en-US"/>
+          </a:p>
+        </p:txBody>
+      </p:sp>
+      <p:sp>
+        <p:nvSpPr>
+          <p:cNvPr id="24" name="円/楕円 23">
+            <a:extLst>
+              <a:ext uri="{FF2B5EF4-FFF2-40B4-BE49-F238E27FC236}">
+                <a16:creationId xmlns:a16="http://schemas.microsoft.com/office/drawing/2014/main" id="{3D65484D-B4A0-FF4B-88E9-EDB3AFEBECB5}"/>
+              </a:ext>
+            </a:extLst>
+          </p:cNvPr>
+          <p:cNvSpPr/>
+          <p:nvPr/>
+        </p:nvSpPr>
+        <p:spPr>
+          <a:xfrm rot="20944649">
+            <a:off x="5445501" y="3840954"/>
+            <a:ext cx="148281" cy="148281"/>
+          </a:xfrm>
+          <a:prstGeom prst="ellipse">
+            <a:avLst/>
+          </a:prstGeom>
+          <a:noFill/>
+          <a:ln>
+            <a:solidFill>
+              <a:schemeClr val="tx1"/>
+            </a:solidFill>
+          </a:ln>
+        </p:spPr>
+        <p:style>
+          <a:lnRef idx="2">
+            <a:schemeClr val="accent1">
+              <a:shade val="50000"/>
+            </a:schemeClr>
+          </a:lnRef>
+          <a:fillRef idx="1">
+            <a:schemeClr val="accent1"/>
+          </a:fillRef>
+          <a:effectRef idx="0">
+            <a:schemeClr val="accent1"/>
+          </a:effectRef>
+          <a:fontRef idx="minor">
+            <a:schemeClr val="lt1"/>
+          </a:fontRef>
+        </p:style>
+        <p:txBody>
+          <a:bodyPr rtlCol="0" anchor="ctr"/>
+          <a:lstStyle/>
+          <a:p>
+            <a:pPr algn="ctr"/>
+            <a:endParaRPr kumimoji="1" lang="ja-JP" altLang="en-US"/>
+          </a:p>
+        </p:txBody>
+      </p:sp>
+      <p:cxnSp>
+        <p:nvCxnSpPr>
+          <p:cNvPr id="26" name="直線コネクタ 25">
+            <a:extLst>
+              <a:ext uri="{FF2B5EF4-FFF2-40B4-BE49-F238E27FC236}">
+                <a16:creationId xmlns:a16="http://schemas.microsoft.com/office/drawing/2014/main" id="{CB1B0687-D4FA-B048-A227-1AF5EFE98465}"/>
+              </a:ext>
+            </a:extLst>
+          </p:cNvPr>
+          <p:cNvCxnSpPr>
+            <a:cxnSpLocks/>
+          </p:cNvCxnSpPr>
+          <p:nvPr/>
+        </p:nvCxnSpPr>
+        <p:spPr>
+          <a:xfrm flipH="1">
+            <a:off x="3426372" y="3807574"/>
+            <a:ext cx="3292331" cy="652654"/>
+          </a:xfrm>
+          <a:prstGeom prst="line">
+            <a:avLst/>
+          </a:prstGeom>
+          <a:ln w="38100">
+            <a:solidFill>
+              <a:schemeClr val="tx1"/>
+            </a:solidFill>
+          </a:ln>
+        </p:spPr>
+        <p:style>
+          <a:lnRef idx="1">
+            <a:schemeClr val="accent1"/>
+          </a:lnRef>
+          <a:fillRef idx="0">
+            <a:schemeClr val="accent1"/>
+          </a:fillRef>
+          <a:effectRef idx="0">
+            <a:schemeClr val="accent1"/>
+          </a:effectRef>
+          <a:fontRef idx="minor">
+            <a:schemeClr val="tx1"/>
+          </a:fontRef>
+        </p:style>
+      </p:cxnSp>
+      <p:sp>
+        <p:nvSpPr>
+          <p:cNvPr id="32" name="雲形吹き出し 31">
+            <a:extLst>
+              <a:ext uri="{FF2B5EF4-FFF2-40B4-BE49-F238E27FC236}">
+                <a16:creationId xmlns:a16="http://schemas.microsoft.com/office/drawing/2014/main" id="{A9A69D84-4133-BE42-A367-093DAA8D2EE7}"/>
+              </a:ext>
+            </a:extLst>
+          </p:cNvPr>
+          <p:cNvSpPr/>
+          <p:nvPr/>
+        </p:nvSpPr>
+        <p:spPr>
+          <a:xfrm rot="14564046">
+            <a:off x="4149477" y="3860234"/>
+            <a:ext cx="251155" cy="369355"/>
+          </a:xfrm>
+          <a:prstGeom prst="cloudCallout">
+            <a:avLst>
+              <a:gd name="adj1" fmla="val -32253"/>
+              <a:gd name="adj2" fmla="val 66987"/>
+            </a:avLst>
+          </a:prstGeom>
+          <a:noFill/>
+          <a:ln>
+            <a:solidFill>
+              <a:schemeClr val="tx1"/>
+            </a:solidFill>
+          </a:ln>
+        </p:spPr>
+        <p:style>
+          <a:lnRef idx="2">
+            <a:schemeClr val="accent1">
+              <a:shade val="50000"/>
+            </a:schemeClr>
+          </a:lnRef>
+          <a:fillRef idx="1">
+            <a:schemeClr val="accent1"/>
+          </a:fillRef>
+          <a:effectRef idx="0">
+            <a:schemeClr val="accent1"/>
+          </a:effectRef>
+          <a:fontRef idx="minor">
+            <a:schemeClr val="lt1"/>
+          </a:fontRef>
+        </p:style>
+        <p:txBody>
+          <a:bodyPr rtlCol="0" anchor="ctr"/>
+          <a:lstStyle/>
+          <a:p>
+            <a:pPr algn="ctr"/>
+            <a:endParaRPr kumimoji="1" lang="ja-JP" altLang="en-US"/>
+          </a:p>
+        </p:txBody>
+      </p:sp>
+      <p:graphicFrame>
+        <p:nvGraphicFramePr>
+          <p:cNvPr id="11" name="表 11">
+            <a:extLst>
+              <a:ext uri="{FF2B5EF4-FFF2-40B4-BE49-F238E27FC236}">
+                <a16:creationId xmlns:a16="http://schemas.microsoft.com/office/drawing/2014/main" id="{C4CBB207-E9A2-E34E-B643-538FB5FA51ED}"/>
+              </a:ext>
+            </a:extLst>
+          </p:cNvPr>
+          <p:cNvGraphicFramePr>
+            <a:graphicFrameLocks noGrp="1"/>
+          </p:cNvGraphicFramePr>
+          <p:nvPr>
+            <p:extLst>
+              <p:ext uri="{D42A27DB-BD31-4B8C-83A1-F6EECF244321}">
+                <p14:modId xmlns:p14="http://schemas.microsoft.com/office/powerpoint/2010/main" val="2026312850"/>
+              </p:ext>
+            </p:extLst>
+          </p:nvPr>
+        </p:nvGraphicFramePr>
+        <p:xfrm>
+          <a:off x="6718701" y="2788141"/>
+          <a:ext cx="4644316" cy="1534515"/>
+        </p:xfrm>
+        <a:graphic>
+          <a:graphicData uri="http://schemas.openxmlformats.org/drawingml/2006/table">
+            <a:tbl>
+              <a:tblPr firstRow="1" bandRow="1">
+                <a:tableStyleId>{5C22544A-7EE6-4342-B048-85BDC9FD1C3A}</a:tableStyleId>
+              </a:tblPr>
+              <a:tblGrid>
+                <a:gridCol w="1161079">
+                  <a:extLst>
+                    <a:ext uri="{9D8B030D-6E8A-4147-A177-3AD203B41FA5}">
+                      <a16:colId xmlns:a16="http://schemas.microsoft.com/office/drawing/2014/main" val="415769867"/>
+                    </a:ext>
+                  </a:extLst>
+                </a:gridCol>
+                <a:gridCol w="1161079">
+                  <a:extLst>
+                    <a:ext uri="{9D8B030D-6E8A-4147-A177-3AD203B41FA5}">
+                      <a16:colId xmlns:a16="http://schemas.microsoft.com/office/drawing/2014/main" val="1120760323"/>
+                    </a:ext>
+                  </a:extLst>
+                </a:gridCol>
+                <a:gridCol w="1161079">
+                  <a:extLst>
+                    <a:ext uri="{9D8B030D-6E8A-4147-A177-3AD203B41FA5}">
+                      <a16:colId xmlns:a16="http://schemas.microsoft.com/office/drawing/2014/main" val="1830531746"/>
+                    </a:ext>
+                  </a:extLst>
+                </a:gridCol>
+                <a:gridCol w="1161079">
+                  <a:extLst>
+                    <a:ext uri="{9D8B030D-6E8A-4147-A177-3AD203B41FA5}">
+                      <a16:colId xmlns:a16="http://schemas.microsoft.com/office/drawing/2014/main" val="3898694262"/>
+                    </a:ext>
+                  </a:extLst>
+                </a:gridCol>
+              </a:tblGrid>
+              <a:tr h="511505">
+                <a:tc>
+                  <a:txBody>
+                    <a:bodyPr/>
+                    <a:lstStyle/>
+                    <a:p>
+                      <a:endParaRPr kumimoji="1" lang="ja-JP" altLang="en-US"/>
+                    </a:p>
+                  </a:txBody>
+                  <a:tcPr>
+                    <a:lnL w="12700" cap="flat" cmpd="sng" algn="ctr">
+                      <a:solidFill>
+                        <a:schemeClr val="tx1"/>
+                      </a:solidFill>
+                      <a:prstDash val="solid"/>
+                      <a:round/>
+                      <a:headEnd type="none" w="med" len="med"/>
+                      <a:tailEnd type="none" w="med" len="med"/>
+                    </a:lnL>
+                    <a:lnR w="12700" cap="flat" cmpd="sng" algn="ctr">
+                      <a:solidFill>
+                        <a:schemeClr val="tx1"/>
+                      </a:solidFill>
+                      <a:prstDash val="solid"/>
+                      <a:round/>
+                      <a:headEnd type="none" w="med" len="med"/>
+                      <a:tailEnd type="none" w="med" len="med"/>
+                    </a:lnR>
+                    <a:lnT w="12700" cap="flat" cmpd="sng" algn="ctr">
+                      <a:solidFill>
+                        <a:schemeClr val="tx1"/>
+                      </a:solidFill>
+                      <a:prstDash val="solid"/>
+                      <a:round/>
+                      <a:headEnd type="none" w="med" len="med"/>
+                      <a:tailEnd type="none" w="med" len="med"/>
+                    </a:lnT>
+                    <a:lnB w="12700" cap="flat" cmpd="sng" algn="ctr">
+                      <a:solidFill>
+                        <a:schemeClr val="tx1"/>
+                      </a:solidFill>
+                      <a:prstDash val="solid"/>
+                      <a:round/>
+                      <a:headEnd type="none" w="med" len="med"/>
+                      <a:tailEnd type="none" w="med" len="med"/>
+                    </a:lnB>
+                    <a:lnTlToBr w="12700" cmpd="sng">
+                      <a:noFill/>
+                      <a:prstDash val="solid"/>
+                    </a:lnTlToBr>
+                    <a:lnBlToTr w="12700" cmpd="sng">
+                      <a:noFill/>
+                      <a:prstDash val="solid"/>
+                    </a:lnBlToTr>
+                    <a:solidFill>
+                      <a:schemeClr val="bg1"/>
+                    </a:solidFill>
+                  </a:tcPr>
+                </a:tc>
+                <a:tc>
+                  <a:txBody>
+                    <a:bodyPr/>
+                    <a:lstStyle/>
+                    <a:p>
+                      <a:endParaRPr kumimoji="1" lang="ja-JP" altLang="en-US"/>
+                    </a:p>
+                  </a:txBody>
+                  <a:tcPr>
+                    <a:lnL w="12700" cap="flat" cmpd="sng" algn="ctr">
+                      <a:solidFill>
+                        <a:schemeClr val="tx1"/>
+                      </a:solidFill>
+                      <a:prstDash val="solid"/>
+                      <a:round/>
+                      <a:headEnd type="none" w="med" len="med"/>
+                      <a:tailEnd type="none" w="med" len="med"/>
+                    </a:lnL>
+                    <a:lnR w="12700" cap="flat" cmpd="sng" algn="ctr">
+                      <a:solidFill>
+                        <a:schemeClr val="tx1"/>
+                      </a:solidFill>
+                      <a:prstDash val="solid"/>
+                      <a:round/>
+                      <a:headEnd type="none" w="med" len="med"/>
+                      <a:tailEnd type="none" w="med" len="med"/>
+                    </a:lnR>
+                    <a:lnT w="12700" cap="flat" cmpd="sng" algn="ctr">
+                      <a:solidFill>
+                        <a:schemeClr val="tx1"/>
+                      </a:solidFill>
+                      <a:prstDash val="solid"/>
+                      <a:round/>
+                      <a:headEnd type="none" w="med" len="med"/>
+                      <a:tailEnd type="none" w="med" len="med"/>
+                    </a:lnT>
+                    <a:lnB w="12700" cap="flat" cmpd="sng" algn="ctr">
+                      <a:solidFill>
+                        <a:schemeClr val="tx1"/>
+                      </a:solidFill>
+                      <a:prstDash val="solid"/>
+                      <a:round/>
+                      <a:headEnd type="none" w="med" len="med"/>
+                      <a:tailEnd type="none" w="med" len="med"/>
+                    </a:lnB>
+                    <a:lnTlToBr w="12700" cmpd="sng">
+                      <a:noFill/>
+                      <a:prstDash val="solid"/>
+                    </a:lnTlToBr>
+                    <a:lnBlToTr w="12700" cmpd="sng">
+                      <a:noFill/>
+                      <a:prstDash val="solid"/>
+                    </a:lnBlToTr>
+                    <a:solidFill>
+                      <a:schemeClr val="bg1"/>
+                    </a:solidFill>
+                  </a:tcPr>
+                </a:tc>
+                <a:tc>
+                  <a:txBody>
+                    <a:bodyPr/>
+                    <a:lstStyle/>
+                    <a:p>
+                      <a:endParaRPr kumimoji="1" lang="ja-JP" altLang="en-US"/>
+                    </a:p>
+                  </a:txBody>
+                  <a:tcPr>
+                    <a:lnL w="12700" cap="flat" cmpd="sng" algn="ctr">
+                      <a:solidFill>
+                        <a:schemeClr val="tx1"/>
+                      </a:solidFill>
+                      <a:prstDash val="solid"/>
+                      <a:round/>
+                      <a:headEnd type="none" w="med" len="med"/>
+                      <a:tailEnd type="none" w="med" len="med"/>
+                    </a:lnL>
+                    <a:lnR w="12700" cap="flat" cmpd="sng" algn="ctr">
+                      <a:solidFill>
+                        <a:schemeClr val="tx1"/>
+                      </a:solidFill>
+                      <a:prstDash val="solid"/>
+                      <a:round/>
+                      <a:headEnd type="none" w="med" len="med"/>
+                      <a:tailEnd type="none" w="med" len="med"/>
+                    </a:lnR>
+                    <a:lnT w="12700" cap="flat" cmpd="sng" algn="ctr">
+                      <a:solidFill>
+                        <a:schemeClr val="tx1"/>
+                      </a:solidFill>
+                      <a:prstDash val="solid"/>
+                      <a:round/>
+                      <a:headEnd type="none" w="med" len="med"/>
+                      <a:tailEnd type="none" w="med" len="med"/>
+                    </a:lnT>
+                    <a:lnB w="12700" cap="flat" cmpd="sng" algn="ctr">
+                      <a:solidFill>
+                        <a:schemeClr val="tx1"/>
+                      </a:solidFill>
+                      <a:prstDash val="solid"/>
+                      <a:round/>
+                      <a:headEnd type="none" w="med" len="med"/>
+                      <a:tailEnd type="none" w="med" len="med"/>
+                    </a:lnB>
+                    <a:lnTlToBr w="12700" cmpd="sng">
+                      <a:noFill/>
+                      <a:prstDash val="solid"/>
+                    </a:lnTlToBr>
+                    <a:lnBlToTr w="12700" cmpd="sng">
+                      <a:noFill/>
+                      <a:prstDash val="solid"/>
+                    </a:lnBlToTr>
+                    <a:solidFill>
+                      <a:schemeClr val="bg1"/>
+                    </a:solidFill>
+                  </a:tcPr>
+                </a:tc>
+                <a:tc>
+                  <a:txBody>
+                    <a:bodyPr/>
+                    <a:lstStyle/>
+                    <a:p>
+                      <a:endParaRPr kumimoji="1" lang="ja-JP" altLang="en-US"/>
+                    </a:p>
+                  </a:txBody>
+                  <a:tcPr>
+                    <a:lnL w="12700" cap="flat" cmpd="sng" algn="ctr">
+                      <a:solidFill>
+                        <a:schemeClr val="tx1"/>
+                      </a:solidFill>
+                      <a:prstDash val="solid"/>
+                      <a:round/>
+                      <a:headEnd type="none" w="med" len="med"/>
+                      <a:tailEnd type="none" w="med" len="med"/>
+                    </a:lnL>
+                    <a:lnR w="12700" cap="flat" cmpd="sng" algn="ctr">
+                      <a:solidFill>
+                        <a:schemeClr val="tx1"/>
+                      </a:solidFill>
+                      <a:prstDash val="solid"/>
+                      <a:round/>
+                      <a:headEnd type="none" w="med" len="med"/>
+                      <a:tailEnd type="none" w="med" len="med"/>
+                    </a:lnR>
+                    <a:lnT w="12700" cap="flat" cmpd="sng" algn="ctr">
+                      <a:solidFill>
+                        <a:schemeClr val="tx1"/>
+                      </a:solidFill>
+                      <a:prstDash val="solid"/>
+                      <a:round/>
+                      <a:headEnd type="none" w="med" len="med"/>
+                      <a:tailEnd type="none" w="med" len="med"/>
+                    </a:lnT>
+                    <a:lnB w="12700" cap="flat" cmpd="sng" algn="ctr">
+                      <a:solidFill>
+                        <a:schemeClr val="tx1"/>
+                      </a:solidFill>
+                      <a:prstDash val="solid"/>
+                      <a:round/>
+                      <a:headEnd type="none" w="med" len="med"/>
+                      <a:tailEnd type="none" w="med" len="med"/>
+                    </a:lnB>
+                    <a:solidFill>
+                      <a:schemeClr val="bg1"/>
+                    </a:solidFill>
+                  </a:tcPr>
+                </a:tc>
+                <a:extLst>
+                  <a:ext uri="{0D108BD9-81ED-4DB2-BD59-A6C34878D82A}">
+                    <a16:rowId xmlns:a16="http://schemas.microsoft.com/office/drawing/2014/main" val="4197178994"/>
+                  </a:ext>
+                </a:extLst>
+              </a:tr>
+              <a:tr h="511505">
+                <a:tc>
+                  <a:txBody>
+                    <a:bodyPr/>
+                    <a:lstStyle/>
+                    <a:p>
+                      <a:endParaRPr kumimoji="1" lang="ja-JP" altLang="en-US"/>
+                    </a:p>
+                  </a:txBody>
+                  <a:tcPr>
+                    <a:lnL w="12700" cap="flat" cmpd="sng" algn="ctr">
+                      <a:solidFill>
+                        <a:schemeClr val="tx1"/>
+                      </a:solidFill>
+                      <a:prstDash val="solid"/>
+                      <a:round/>
+                      <a:headEnd type="none" w="med" len="med"/>
+                      <a:tailEnd type="none" w="med" len="med"/>
+                    </a:lnL>
+                    <a:lnR w="12700" cap="flat" cmpd="sng" algn="ctr">
+                      <a:solidFill>
+                        <a:schemeClr val="tx1"/>
+                      </a:solidFill>
+                      <a:prstDash val="solid"/>
+                      <a:round/>
+                      <a:headEnd type="none" w="med" len="med"/>
+                      <a:tailEnd type="none" w="med" len="med"/>
+                    </a:lnR>
+                    <a:lnT w="12700" cap="flat" cmpd="sng" algn="ctr">
+                      <a:solidFill>
+                        <a:schemeClr val="tx1"/>
+                      </a:solidFill>
+                      <a:prstDash val="solid"/>
+                      <a:round/>
+                      <a:headEnd type="none" w="med" len="med"/>
+                      <a:tailEnd type="none" w="med" len="med"/>
+                    </a:lnT>
+                    <a:lnB w="12700" cap="flat" cmpd="sng" algn="ctr">
+                      <a:solidFill>
+                        <a:schemeClr val="tx1"/>
+                      </a:solidFill>
+                      <a:prstDash val="solid"/>
+                      <a:round/>
+                      <a:headEnd type="none" w="med" len="med"/>
+                      <a:tailEnd type="none" w="med" len="med"/>
+                    </a:lnB>
+                    <a:solidFill>
+                      <a:schemeClr val="bg1"/>
+                    </a:solidFill>
+                  </a:tcPr>
+                </a:tc>
+                <a:tc>
+                  <a:txBody>
+                    <a:bodyPr/>
+                    <a:lstStyle/>
+                    <a:p>
+                      <a:endParaRPr kumimoji="1" lang="ja-JP" altLang="en-US">
+                        <a:solidFill>
+                          <a:srgbClr val="FF0000"/>
+                        </a:solidFill>
+                      </a:endParaRPr>
+                    </a:p>
+                  </a:txBody>
+                  <a:tcPr>
+                    <a:lnL w="12700" cap="flat" cmpd="sng" algn="ctr">
+                      <a:solidFill>
+                        <a:schemeClr val="tx1"/>
+                      </a:solidFill>
+                      <a:prstDash val="solid"/>
+                      <a:round/>
+                      <a:headEnd type="none" w="med" len="med"/>
+                      <a:tailEnd type="none" w="med" len="med"/>
+                    </a:lnL>
+                    <a:lnR w="12700" cap="flat" cmpd="sng" algn="ctr">
+                      <a:solidFill>
+                        <a:schemeClr val="tx1"/>
+                      </a:solidFill>
+                      <a:prstDash val="solid"/>
+                      <a:round/>
+                      <a:headEnd type="none" w="med" len="med"/>
+                      <a:tailEnd type="none" w="med" len="med"/>
+                    </a:lnR>
+                    <a:lnT w="12700" cap="flat" cmpd="sng" algn="ctr">
+                      <a:solidFill>
+                        <a:schemeClr val="tx1"/>
+                      </a:solidFill>
+                      <a:prstDash val="solid"/>
+                      <a:round/>
+                      <a:headEnd type="none" w="med" len="med"/>
+                      <a:tailEnd type="none" w="med" len="med"/>
+                    </a:lnT>
+                    <a:lnB w="12700" cap="flat" cmpd="sng" algn="ctr">
+                      <a:solidFill>
+                        <a:schemeClr val="tx1"/>
+                      </a:solidFill>
+                      <a:prstDash val="solid"/>
+                      <a:round/>
+                      <a:headEnd type="none" w="med" len="med"/>
+                      <a:tailEnd type="none" w="med" len="med"/>
+                    </a:lnB>
+                    <a:solidFill>
+                      <a:schemeClr val="bg1"/>
+                    </a:solidFill>
+                  </a:tcPr>
+                </a:tc>
+                <a:tc>
+                  <a:txBody>
+                    <a:bodyPr/>
+                    <a:lstStyle/>
+                    <a:p>
+                      <a:endParaRPr kumimoji="1" lang="ja-JP" altLang="en-US"/>
+                    </a:p>
+                  </a:txBody>
+                  <a:tcPr>
+                    <a:lnL w="12700" cap="flat" cmpd="sng" algn="ctr">
+                      <a:solidFill>
+                        <a:schemeClr val="tx1"/>
+                      </a:solidFill>
+                      <a:prstDash val="solid"/>
+                      <a:round/>
+                      <a:headEnd type="none" w="med" len="med"/>
+                      <a:tailEnd type="none" w="med" len="med"/>
+                    </a:lnL>
+                    <a:lnR w="12700" cap="flat" cmpd="sng" algn="ctr">
+                      <a:solidFill>
+                        <a:schemeClr val="tx1"/>
+                      </a:solidFill>
+                      <a:prstDash val="solid"/>
+                      <a:round/>
+                      <a:headEnd type="none" w="med" len="med"/>
+                      <a:tailEnd type="none" w="med" len="med"/>
+                    </a:lnR>
+                    <a:lnT w="12700" cap="flat" cmpd="sng" algn="ctr">
+                      <a:solidFill>
+                        <a:schemeClr val="tx1"/>
+                      </a:solidFill>
+                      <a:prstDash val="solid"/>
+                      <a:round/>
+                      <a:headEnd type="none" w="med" len="med"/>
+                      <a:tailEnd type="none" w="med" len="med"/>
+                    </a:lnT>
+                    <a:lnB w="12700" cap="flat" cmpd="sng" algn="ctr">
+                      <a:solidFill>
+                        <a:schemeClr val="tx1"/>
+                      </a:solidFill>
+                      <a:prstDash val="solid"/>
+                      <a:round/>
+                      <a:headEnd type="none" w="med" len="med"/>
+                      <a:tailEnd type="none" w="med" len="med"/>
+                    </a:lnB>
+                    <a:solidFill>
+                      <a:schemeClr val="bg1"/>
+                    </a:solidFill>
+                  </a:tcPr>
+                </a:tc>
+                <a:tc>
+                  <a:txBody>
+                    <a:bodyPr/>
+                    <a:lstStyle/>
+                    <a:p>
+                      <a:endParaRPr kumimoji="1" lang="ja-JP" altLang="en-US"/>
+                    </a:p>
+                  </a:txBody>
+                  <a:tcPr>
+                    <a:lnL w="12700" cap="flat" cmpd="sng" algn="ctr">
+                      <a:solidFill>
+                        <a:schemeClr val="tx1"/>
+                      </a:solidFill>
+                      <a:prstDash val="solid"/>
+                      <a:round/>
+                      <a:headEnd type="none" w="med" len="med"/>
+                      <a:tailEnd type="none" w="med" len="med"/>
+                    </a:lnL>
+                    <a:lnR w="12700" cap="flat" cmpd="sng" algn="ctr">
+                      <a:solidFill>
+                        <a:schemeClr val="tx1"/>
+                      </a:solidFill>
+                      <a:prstDash val="solid"/>
+                      <a:round/>
+                      <a:headEnd type="none" w="med" len="med"/>
+                      <a:tailEnd type="none" w="med" len="med"/>
+                    </a:lnR>
+                    <a:lnT w="12700" cap="flat" cmpd="sng" algn="ctr">
+                      <a:solidFill>
+                        <a:schemeClr val="tx1"/>
+                      </a:solidFill>
+                      <a:prstDash val="solid"/>
+                      <a:round/>
+                      <a:headEnd type="none" w="med" len="med"/>
+                      <a:tailEnd type="none" w="med" len="med"/>
+                    </a:lnT>
+                    <a:lnB w="12700" cap="flat" cmpd="sng" algn="ctr">
+                      <a:solidFill>
+                        <a:schemeClr val="tx1"/>
+                      </a:solidFill>
+                      <a:prstDash val="solid"/>
+                      <a:round/>
+                      <a:headEnd type="none" w="med" len="med"/>
+                      <a:tailEnd type="none" w="med" len="med"/>
+                    </a:lnB>
+                    <a:solidFill>
+                      <a:schemeClr val="bg1"/>
+                    </a:solidFill>
+                  </a:tcPr>
+                </a:tc>
+                <a:extLst>
+                  <a:ext uri="{0D108BD9-81ED-4DB2-BD59-A6C34878D82A}">
+                    <a16:rowId xmlns:a16="http://schemas.microsoft.com/office/drawing/2014/main" val="3688764702"/>
+                  </a:ext>
+                </a:extLst>
+              </a:tr>
+              <a:tr h="511505">
+                <a:tc>
+                  <a:txBody>
+                    <a:bodyPr/>
+                    <a:lstStyle/>
+                    <a:p>
+                      <a:endParaRPr kumimoji="1" lang="ja-JP" altLang="en-US"/>
+                    </a:p>
+                  </a:txBody>
+                  <a:tcPr>
+                    <a:lnL w="12700" cap="flat" cmpd="sng" algn="ctr">
+                      <a:solidFill>
+                        <a:schemeClr val="tx1"/>
+                      </a:solidFill>
+                      <a:prstDash val="solid"/>
+                      <a:round/>
+                      <a:headEnd type="none" w="med" len="med"/>
+                      <a:tailEnd type="none" w="med" len="med"/>
+                    </a:lnL>
+                    <a:lnR w="12700" cap="flat" cmpd="sng" algn="ctr">
+                      <a:solidFill>
+                        <a:schemeClr val="tx1"/>
+                      </a:solidFill>
+                      <a:prstDash val="solid"/>
+                      <a:round/>
+                      <a:headEnd type="none" w="med" len="med"/>
+                      <a:tailEnd type="none" w="med" len="med"/>
+                    </a:lnR>
+                    <a:lnT w="12700" cap="flat" cmpd="sng" algn="ctr">
+                      <a:solidFill>
+                        <a:schemeClr val="tx1"/>
+                      </a:solidFill>
+                      <a:prstDash val="solid"/>
+                      <a:round/>
+                      <a:headEnd type="none" w="med" len="med"/>
+                      <a:tailEnd type="none" w="med" len="med"/>
+                    </a:lnT>
+                    <a:lnB w="12700" cap="flat" cmpd="sng" algn="ctr">
+                      <a:solidFill>
+                        <a:schemeClr val="tx1"/>
+                      </a:solidFill>
+                      <a:prstDash val="solid"/>
+                      <a:round/>
+                      <a:headEnd type="none" w="med" len="med"/>
+                      <a:tailEnd type="none" w="med" len="med"/>
+                    </a:lnB>
+                    <a:solidFill>
+                      <a:schemeClr val="bg1"/>
+                    </a:solidFill>
+                  </a:tcPr>
+                </a:tc>
+                <a:tc>
+                  <a:txBody>
+                    <a:bodyPr/>
+                    <a:lstStyle/>
+                    <a:p>
+                      <a:endParaRPr kumimoji="1" lang="ja-JP" altLang="en-US"/>
+                    </a:p>
+                  </a:txBody>
+                  <a:tcPr>
+                    <a:lnL w="12700" cap="flat" cmpd="sng" algn="ctr">
+                      <a:solidFill>
+                        <a:schemeClr val="tx1"/>
+                      </a:solidFill>
+                      <a:prstDash val="solid"/>
+                      <a:round/>
+                      <a:headEnd type="none" w="med" len="med"/>
+                      <a:tailEnd type="none" w="med" len="med"/>
+                    </a:lnL>
+                    <a:lnR w="12700" cap="flat" cmpd="sng" algn="ctr">
+                      <a:solidFill>
+                        <a:schemeClr val="tx1"/>
+                      </a:solidFill>
+                      <a:prstDash val="solid"/>
+                      <a:round/>
+                      <a:headEnd type="none" w="med" len="med"/>
+                      <a:tailEnd type="none" w="med" len="med"/>
+                    </a:lnR>
+                    <a:lnT w="12700" cap="flat" cmpd="sng" algn="ctr">
+                      <a:solidFill>
+                        <a:schemeClr val="tx1"/>
+                      </a:solidFill>
+                      <a:prstDash val="solid"/>
+                      <a:round/>
+                      <a:headEnd type="none" w="med" len="med"/>
+                      <a:tailEnd type="none" w="med" len="med"/>
+                    </a:lnT>
+                    <a:lnB w="12700" cap="flat" cmpd="sng" algn="ctr">
+                      <a:solidFill>
+                        <a:schemeClr val="tx1"/>
+                      </a:solidFill>
+                      <a:prstDash val="solid"/>
+                      <a:round/>
+                      <a:headEnd type="none" w="med" len="med"/>
+                      <a:tailEnd type="none" w="med" len="med"/>
+                    </a:lnB>
+                    <a:solidFill>
+                      <a:schemeClr val="bg1"/>
+                    </a:solidFill>
+                  </a:tcPr>
+                </a:tc>
+                <a:tc>
+                  <a:txBody>
+                    <a:bodyPr/>
+                    <a:lstStyle/>
+                    <a:p>
+                      <a:endParaRPr kumimoji="1" lang="ja-JP" altLang="en-US"/>
+                    </a:p>
+                  </a:txBody>
+                  <a:tcPr>
+                    <a:lnL w="12700" cap="flat" cmpd="sng" algn="ctr">
+                      <a:solidFill>
+                        <a:schemeClr val="tx1"/>
+                      </a:solidFill>
+                      <a:prstDash val="solid"/>
+                      <a:round/>
+                      <a:headEnd type="none" w="med" len="med"/>
+                      <a:tailEnd type="none" w="med" len="med"/>
+                    </a:lnL>
+                    <a:lnR w="12700" cap="flat" cmpd="sng" algn="ctr">
+                      <a:solidFill>
+                        <a:schemeClr val="tx1"/>
+                      </a:solidFill>
+                      <a:prstDash val="solid"/>
+                      <a:round/>
+                      <a:headEnd type="none" w="med" len="med"/>
+                      <a:tailEnd type="none" w="med" len="med"/>
+                    </a:lnR>
+                    <a:lnT w="12700" cap="flat" cmpd="sng" algn="ctr">
+                      <a:solidFill>
+                        <a:schemeClr val="tx1"/>
+                      </a:solidFill>
+                      <a:prstDash val="solid"/>
+                      <a:round/>
+                      <a:headEnd type="none" w="med" len="med"/>
+                      <a:tailEnd type="none" w="med" len="med"/>
+                    </a:lnT>
+                    <a:lnB w="12700" cap="flat" cmpd="sng" algn="ctr">
+                      <a:solidFill>
+                        <a:schemeClr val="tx1"/>
+                      </a:solidFill>
+                      <a:prstDash val="solid"/>
+                      <a:round/>
+                      <a:headEnd type="none" w="med" len="med"/>
+                      <a:tailEnd type="none" w="med" len="med"/>
+                    </a:lnB>
+                    <a:solidFill>
+                      <a:schemeClr val="bg1"/>
+                    </a:solidFill>
+                  </a:tcPr>
+                </a:tc>
+                <a:tc>
+                  <a:txBody>
+                    <a:bodyPr/>
+                    <a:lstStyle/>
+                    <a:p>
+                      <a:endParaRPr kumimoji="1" lang="ja-JP" altLang="en-US"/>
+                    </a:p>
+                  </a:txBody>
+                  <a:tcPr>
+                    <a:lnL w="12700" cap="flat" cmpd="sng" algn="ctr">
+                      <a:solidFill>
+                        <a:schemeClr val="tx1"/>
+                      </a:solidFill>
+                      <a:prstDash val="solid"/>
+                      <a:round/>
+                      <a:headEnd type="none" w="med" len="med"/>
+                      <a:tailEnd type="none" w="med" len="med"/>
+                    </a:lnL>
+                    <a:lnR w="12700" cap="flat" cmpd="sng" algn="ctr">
+                      <a:solidFill>
+                        <a:schemeClr val="tx1"/>
+                      </a:solidFill>
+                      <a:prstDash val="solid"/>
+                      <a:round/>
+                      <a:headEnd type="none" w="med" len="med"/>
+                      <a:tailEnd type="none" w="med" len="med"/>
+                    </a:lnR>
+                    <a:lnT w="12700" cap="flat" cmpd="sng" algn="ctr">
+                      <a:solidFill>
+                        <a:schemeClr val="tx1"/>
+                      </a:solidFill>
+                      <a:prstDash val="solid"/>
+                      <a:round/>
+                      <a:headEnd type="none" w="med" len="med"/>
+                      <a:tailEnd type="none" w="med" len="med"/>
+                    </a:lnT>
+                    <a:lnB w="12700" cap="flat" cmpd="sng" algn="ctr">
+                      <a:solidFill>
+                        <a:schemeClr val="tx1"/>
+                      </a:solidFill>
+                      <a:prstDash val="solid"/>
+                      <a:round/>
+                      <a:headEnd type="none" w="med" len="med"/>
+                      <a:tailEnd type="none" w="med" len="med"/>
+                    </a:lnB>
+                    <a:solidFill>
+                      <a:schemeClr val="bg1"/>
+                    </a:solidFill>
+                  </a:tcPr>
+                </a:tc>
+                <a:extLst>
+                  <a:ext uri="{0D108BD9-81ED-4DB2-BD59-A6C34878D82A}">
+                    <a16:rowId xmlns:a16="http://schemas.microsoft.com/office/drawing/2014/main" val="1514342851"/>
+                  </a:ext>
+                </a:extLst>
+              </a:tr>
+            </a:tbl>
+          </a:graphicData>
+        </a:graphic>
+      </p:graphicFrame>
+      <p:pic>
+        <p:nvPicPr>
+          <p:cNvPr id="3" name="図 2">
+            <a:extLst>
+              <a:ext uri="{FF2B5EF4-FFF2-40B4-BE49-F238E27FC236}">
+                <a16:creationId xmlns:a16="http://schemas.microsoft.com/office/drawing/2014/main" id="{BA2B95C5-B6A0-F14D-A3FE-4777C08B2A7F}"/>
+              </a:ext>
+            </a:extLst>
+          </p:cNvPr>
+          <p:cNvPicPr>
+            <a:picLocks noChangeAspect="1"/>
+          </p:cNvPicPr>
+          <p:nvPr/>
+        </p:nvPicPr>
+        <p:blipFill>
+          <a:blip r:embed="rId3"/>
+          <a:stretch>
+            <a:fillRect/>
+          </a:stretch>
+        </p:blipFill>
+        <p:spPr>
+          <a:xfrm>
+            <a:off x="10617645" y="2521437"/>
+            <a:ext cx="412017" cy="533400"/>
+          </a:xfrm>
+          <a:prstGeom prst="rect">
+            <a:avLst/>
+          </a:prstGeom>
+        </p:spPr>
+      </p:pic>
+      <p:cxnSp>
+        <p:nvCxnSpPr>
+          <p:cNvPr id="10" name="直線コネクタ 9">
+            <a:extLst>
+              <a:ext uri="{FF2B5EF4-FFF2-40B4-BE49-F238E27FC236}">
+                <a16:creationId xmlns:a16="http://schemas.microsoft.com/office/drawing/2014/main" id="{6C0FC20E-CB4D-3249-A28D-CD5D12215B69}"/>
+              </a:ext>
+            </a:extLst>
+          </p:cNvPr>
+          <p:cNvCxnSpPr>
+            <a:cxnSpLocks/>
+          </p:cNvCxnSpPr>
+          <p:nvPr/>
+        </p:nvCxnSpPr>
+        <p:spPr>
+          <a:xfrm>
+            <a:off x="6004460" y="3657600"/>
+            <a:ext cx="1253302" cy="0"/>
+          </a:xfrm>
+          <a:prstGeom prst="line">
+            <a:avLst/>
+          </a:prstGeom>
+          <a:ln w="38100"/>
+        </p:spPr>
+        <p:style>
+          <a:lnRef idx="1">
+            <a:schemeClr val="accent1"/>
+          </a:lnRef>
+          <a:fillRef idx="0">
+            <a:schemeClr val="accent1"/>
+          </a:fillRef>
+          <a:effectRef idx="0">
+            <a:schemeClr val="accent1"/>
+          </a:effectRef>
+          <a:fontRef idx="minor">
+            <a:schemeClr val="tx1"/>
+          </a:fontRef>
+        </p:style>
+      </p:cxnSp>
+      <p:cxnSp>
+        <p:nvCxnSpPr>
+          <p:cNvPr id="25" name="直線コネクタ 24">
+            <a:extLst>
+              <a:ext uri="{FF2B5EF4-FFF2-40B4-BE49-F238E27FC236}">
+                <a16:creationId xmlns:a16="http://schemas.microsoft.com/office/drawing/2014/main" id="{6F4F99FD-4AAB-D348-BF3D-897FE0598644}"/>
+              </a:ext>
+            </a:extLst>
+          </p:cNvPr>
+          <p:cNvCxnSpPr>
+            <a:cxnSpLocks/>
+          </p:cNvCxnSpPr>
+          <p:nvPr/>
+        </p:nvCxnSpPr>
+        <p:spPr>
+          <a:xfrm flipV="1">
+            <a:off x="7257764" y="3028462"/>
+            <a:ext cx="0" cy="647283"/>
+          </a:xfrm>
+          <a:prstGeom prst="line">
+            <a:avLst/>
+          </a:prstGeom>
+          <a:ln w="38100"/>
+        </p:spPr>
+        <p:style>
+          <a:lnRef idx="1">
+            <a:schemeClr val="accent1"/>
+          </a:lnRef>
+          <a:fillRef idx="0">
+            <a:schemeClr val="accent1"/>
+          </a:fillRef>
+          <a:effectRef idx="0">
+            <a:schemeClr val="accent1"/>
+          </a:effectRef>
+          <a:fontRef idx="minor">
+            <a:schemeClr val="tx1"/>
+          </a:fontRef>
+        </p:style>
+      </p:cxnSp>
+      <p:pic>
+        <p:nvPicPr>
+          <p:cNvPr id="47" name="図 46">
+            <a:extLst>
+              <a:ext uri="{FF2B5EF4-FFF2-40B4-BE49-F238E27FC236}">
+                <a16:creationId xmlns:a16="http://schemas.microsoft.com/office/drawing/2014/main" id="{2E12016D-16B5-7C4B-8F84-F21B94BB8F70}"/>
+              </a:ext>
+            </a:extLst>
+          </p:cNvPr>
+          <p:cNvPicPr>
+            <a:picLocks noChangeAspect="1"/>
+          </p:cNvPicPr>
+          <p:nvPr/>
+        </p:nvPicPr>
+        <p:blipFill>
+          <a:blip r:embed="rId4"/>
+          <a:stretch>
+            <a:fillRect/>
+          </a:stretch>
+        </p:blipFill>
+        <p:spPr>
+          <a:xfrm rot="5400000">
+            <a:off x="8206589" y="2976688"/>
+            <a:ext cx="325570" cy="411594"/>
+          </a:xfrm>
+          <a:prstGeom prst="rect">
+            <a:avLst/>
+          </a:prstGeom>
+        </p:spPr>
+      </p:pic>
+      <p:pic>
+        <p:nvPicPr>
+          <p:cNvPr id="49" name="図 48">
+            <a:extLst>
+              <a:ext uri="{FF2B5EF4-FFF2-40B4-BE49-F238E27FC236}">
+                <a16:creationId xmlns:a16="http://schemas.microsoft.com/office/drawing/2014/main" id="{235AB10B-2C48-3E4D-9878-88525946967F}"/>
+              </a:ext>
+            </a:extLst>
+          </p:cNvPr>
+          <p:cNvPicPr>
+            <a:picLocks noChangeAspect="1"/>
+          </p:cNvPicPr>
+          <p:nvPr/>
+        </p:nvPicPr>
+        <p:blipFill>
+          <a:blip r:embed="rId4"/>
+          <a:stretch>
+            <a:fillRect/>
+          </a:stretch>
+        </p:blipFill>
+        <p:spPr>
+          <a:xfrm rot="5400000">
+            <a:off x="8618741" y="2976688"/>
+            <a:ext cx="325570" cy="411594"/>
+          </a:xfrm>
+          <a:prstGeom prst="rect">
+            <a:avLst/>
+          </a:prstGeom>
+        </p:spPr>
+      </p:pic>
+      <p:pic>
+        <p:nvPicPr>
+          <p:cNvPr id="50" name="図 49">
+            <a:extLst>
+              <a:ext uri="{FF2B5EF4-FFF2-40B4-BE49-F238E27FC236}">
+                <a16:creationId xmlns:a16="http://schemas.microsoft.com/office/drawing/2014/main" id="{E77EA042-A37C-A248-8E76-DAD8D4691E53}"/>
+              </a:ext>
+            </a:extLst>
+          </p:cNvPr>
+          <p:cNvPicPr>
+            <a:picLocks noChangeAspect="1"/>
+          </p:cNvPicPr>
+          <p:nvPr/>
+        </p:nvPicPr>
+        <p:blipFill>
+          <a:blip r:embed="rId4"/>
+          <a:stretch>
+            <a:fillRect/>
+          </a:stretch>
+        </p:blipFill>
+        <p:spPr>
+          <a:xfrm rot="5400000">
+            <a:off x="8207147" y="2697912"/>
+            <a:ext cx="325570" cy="411594"/>
+          </a:xfrm>
+          <a:prstGeom prst="rect">
+            <a:avLst/>
+          </a:prstGeom>
+        </p:spPr>
+      </p:pic>
+      <p:cxnSp>
+        <p:nvCxnSpPr>
+          <p:cNvPr id="27" name="直線矢印コネクタ 26">
+            <a:extLst>
+              <a:ext uri="{FF2B5EF4-FFF2-40B4-BE49-F238E27FC236}">
+                <a16:creationId xmlns:a16="http://schemas.microsoft.com/office/drawing/2014/main" id="{D89CA807-FDFF-C34B-B8C3-DD0D1D83ED4E}"/>
+              </a:ext>
+            </a:extLst>
+          </p:cNvPr>
+          <p:cNvCxnSpPr>
+            <a:cxnSpLocks/>
+          </p:cNvCxnSpPr>
+          <p:nvPr/>
+        </p:nvCxnSpPr>
+        <p:spPr>
+          <a:xfrm>
+            <a:off x="7257762" y="3028462"/>
+            <a:ext cx="3545953" cy="0"/>
+          </a:xfrm>
+          <a:prstGeom prst="straightConnector1">
+            <a:avLst/>
+          </a:prstGeom>
+          <a:ln w="38100">
+            <a:tailEnd type="triangle"/>
+          </a:ln>
+        </p:spPr>
+        <p:style>
+          <a:lnRef idx="1">
+            <a:schemeClr val="accent1"/>
+          </a:lnRef>
+          <a:fillRef idx="0">
+            <a:schemeClr val="accent1"/>
+          </a:fillRef>
+          <a:effectRef idx="0">
+            <a:schemeClr val="accent1"/>
+          </a:effectRef>
+          <a:fontRef idx="minor">
+            <a:schemeClr val="tx1"/>
+          </a:fontRef>
+        </p:style>
+      </p:cxnSp>
+      <p:pic>
+        <p:nvPicPr>
+          <p:cNvPr id="51" name="図 50">
+            <a:extLst>
+              <a:ext uri="{FF2B5EF4-FFF2-40B4-BE49-F238E27FC236}">
+                <a16:creationId xmlns:a16="http://schemas.microsoft.com/office/drawing/2014/main" id="{80A1CD57-C06D-E744-9A55-2B4E75DDD676}"/>
+              </a:ext>
+            </a:extLst>
+          </p:cNvPr>
+          <p:cNvPicPr>
+            <a:picLocks noChangeAspect="1"/>
+          </p:cNvPicPr>
+          <p:nvPr/>
+        </p:nvPicPr>
+        <p:blipFill>
+          <a:blip r:embed="rId4"/>
+          <a:stretch>
+            <a:fillRect/>
+          </a:stretch>
+        </p:blipFill>
+        <p:spPr>
+          <a:xfrm rot="5400000">
+            <a:off x="8626894" y="2697021"/>
+            <a:ext cx="325570" cy="411594"/>
+          </a:xfrm>
+          <a:prstGeom prst="rect">
+            <a:avLst/>
+          </a:prstGeom>
+        </p:spPr>
+      </p:pic>
+      <p:pic>
+        <p:nvPicPr>
+          <p:cNvPr id="52" name="図 51">
+            <a:extLst>
+              <a:ext uri="{FF2B5EF4-FFF2-40B4-BE49-F238E27FC236}">
+                <a16:creationId xmlns:a16="http://schemas.microsoft.com/office/drawing/2014/main" id="{D7B35C49-1E2D-C34A-9F8B-AD7916A3F59A}"/>
+              </a:ext>
+            </a:extLst>
+          </p:cNvPr>
+          <p:cNvPicPr>
+            <a:picLocks noChangeAspect="1"/>
+          </p:cNvPicPr>
+          <p:nvPr/>
+        </p:nvPicPr>
+        <p:blipFill>
+          <a:blip r:embed="rId4"/>
+          <a:stretch>
+            <a:fillRect/>
+          </a:stretch>
+        </p:blipFill>
+        <p:spPr>
+          <a:xfrm>
+            <a:off x="7871756" y="2819728"/>
+            <a:ext cx="325570" cy="411594"/>
+          </a:xfrm>
+          <a:prstGeom prst="rect">
+            <a:avLst/>
+          </a:prstGeom>
+        </p:spPr>
+      </p:pic>
+      <p:pic>
+        <p:nvPicPr>
+          <p:cNvPr id="53" name="図 52">
+            <a:extLst>
+              <a:ext uri="{FF2B5EF4-FFF2-40B4-BE49-F238E27FC236}">
+                <a16:creationId xmlns:a16="http://schemas.microsoft.com/office/drawing/2014/main" id="{235E7C97-BD70-2E40-90C2-72F241FBD1DA}"/>
+              </a:ext>
+            </a:extLst>
+          </p:cNvPr>
+          <p:cNvPicPr>
+            <a:picLocks noChangeAspect="1"/>
+          </p:cNvPicPr>
+          <p:nvPr/>
+        </p:nvPicPr>
+        <p:blipFill>
+          <a:blip r:embed="rId4"/>
+          <a:stretch>
+            <a:fillRect/>
+          </a:stretch>
+        </p:blipFill>
+        <p:spPr>
+          <a:xfrm>
+            <a:off x="6693837" y="2885013"/>
+            <a:ext cx="325570" cy="411594"/>
+          </a:xfrm>
+          <a:prstGeom prst="rect">
+            <a:avLst/>
+          </a:prstGeom>
+        </p:spPr>
+      </p:pic>
+      <p:pic>
+        <p:nvPicPr>
+          <p:cNvPr id="54" name="図 53">
+            <a:extLst>
+              <a:ext uri="{FF2B5EF4-FFF2-40B4-BE49-F238E27FC236}">
+                <a16:creationId xmlns:a16="http://schemas.microsoft.com/office/drawing/2014/main" id="{D79209A1-B445-8C4D-98E3-9B82254D74B8}"/>
+              </a:ext>
+            </a:extLst>
+          </p:cNvPr>
+          <p:cNvPicPr>
+            <a:picLocks noChangeAspect="1"/>
+          </p:cNvPicPr>
+          <p:nvPr/>
+        </p:nvPicPr>
+        <p:blipFill>
+          <a:blip r:embed="rId4"/>
+          <a:stretch>
+            <a:fillRect/>
+          </a:stretch>
+        </p:blipFill>
+        <p:spPr>
+          <a:xfrm>
+            <a:off x="6932192" y="2885013"/>
+            <a:ext cx="325570" cy="411594"/>
+          </a:xfrm>
+          <a:prstGeom prst="rect">
+            <a:avLst/>
+          </a:prstGeom>
+        </p:spPr>
+      </p:pic>
+      <p:pic>
+        <p:nvPicPr>
+          <p:cNvPr id="55" name="図 54">
+            <a:extLst>
+              <a:ext uri="{FF2B5EF4-FFF2-40B4-BE49-F238E27FC236}">
+                <a16:creationId xmlns:a16="http://schemas.microsoft.com/office/drawing/2014/main" id="{3C8C2A7E-DA73-8541-B3C7-BB3D538FD1DB}"/>
+              </a:ext>
+            </a:extLst>
+          </p:cNvPr>
+          <p:cNvPicPr>
+            <a:picLocks noChangeAspect="1"/>
+          </p:cNvPicPr>
+          <p:nvPr/>
+        </p:nvPicPr>
+        <p:blipFill>
+          <a:blip r:embed="rId4"/>
+          <a:stretch>
+            <a:fillRect/>
+          </a:stretch>
+        </p:blipFill>
+        <p:spPr>
+          <a:xfrm rot="5400000">
+            <a:off x="9119755" y="2971405"/>
+            <a:ext cx="325570" cy="411594"/>
+          </a:xfrm>
+          <a:prstGeom prst="rect">
+            <a:avLst/>
+          </a:prstGeom>
+        </p:spPr>
+      </p:pic>
+      <p:pic>
+        <p:nvPicPr>
+          <p:cNvPr id="56" name="図 55">
+            <a:extLst>
+              <a:ext uri="{FF2B5EF4-FFF2-40B4-BE49-F238E27FC236}">
+                <a16:creationId xmlns:a16="http://schemas.microsoft.com/office/drawing/2014/main" id="{1F7446F5-FFC3-FE4B-A9AD-C7719D5D5482}"/>
+              </a:ext>
+            </a:extLst>
+          </p:cNvPr>
+          <p:cNvPicPr>
+            <a:picLocks noChangeAspect="1"/>
+          </p:cNvPicPr>
+          <p:nvPr/>
+        </p:nvPicPr>
+        <p:blipFill>
+          <a:blip r:embed="rId4"/>
+          <a:stretch>
+            <a:fillRect/>
+          </a:stretch>
+        </p:blipFill>
+        <p:spPr>
+          <a:xfrm rot="5400000">
+            <a:off x="9531349" y="2970048"/>
+            <a:ext cx="325570" cy="411594"/>
+          </a:xfrm>
+          <a:prstGeom prst="rect">
+            <a:avLst/>
+          </a:prstGeom>
+        </p:spPr>
+      </p:pic>
+      <p:pic>
+        <p:nvPicPr>
+          <p:cNvPr id="58" name="図 57">
+            <a:extLst>
+              <a:ext uri="{FF2B5EF4-FFF2-40B4-BE49-F238E27FC236}">
+                <a16:creationId xmlns:a16="http://schemas.microsoft.com/office/drawing/2014/main" id="{7BEE4205-007B-DE4E-A25B-1F6FDF7245B6}"/>
+              </a:ext>
+            </a:extLst>
+          </p:cNvPr>
+          <p:cNvPicPr>
+            <a:picLocks noChangeAspect="1"/>
+          </p:cNvPicPr>
+          <p:nvPr/>
+        </p:nvPicPr>
+        <p:blipFill>
+          <a:blip r:embed="rId4"/>
+          <a:stretch>
+            <a:fillRect/>
+          </a:stretch>
+        </p:blipFill>
+        <p:spPr>
+          <a:xfrm rot="5400000">
+            <a:off x="7503174" y="3469947"/>
+            <a:ext cx="325570" cy="411594"/>
+          </a:xfrm>
+          <a:prstGeom prst="rect">
+            <a:avLst/>
+          </a:prstGeom>
+        </p:spPr>
+      </p:pic>
+      <p:pic>
+        <p:nvPicPr>
+          <p:cNvPr id="59" name="図 58">
+            <a:extLst>
+              <a:ext uri="{FF2B5EF4-FFF2-40B4-BE49-F238E27FC236}">
+                <a16:creationId xmlns:a16="http://schemas.microsoft.com/office/drawing/2014/main" id="{0D436778-AD92-9F47-B5E7-EDF8BEF7B105}"/>
+              </a:ext>
+            </a:extLst>
+          </p:cNvPr>
+          <p:cNvPicPr>
+            <a:picLocks noChangeAspect="1"/>
+          </p:cNvPicPr>
+          <p:nvPr/>
+        </p:nvPicPr>
+        <p:blipFill>
+          <a:blip r:embed="rId4"/>
+          <a:stretch>
+            <a:fillRect/>
+          </a:stretch>
+        </p:blipFill>
+        <p:spPr>
+          <a:xfrm rot="5400000">
+            <a:off x="7505494" y="3234629"/>
+            <a:ext cx="325570" cy="411594"/>
+          </a:xfrm>
+          <a:prstGeom prst="rect">
+            <a:avLst/>
+          </a:prstGeom>
+        </p:spPr>
+      </p:pic>
+      <p:pic>
+        <p:nvPicPr>
+          <p:cNvPr id="68" name="図 67">
+            <a:extLst>
+              <a:ext uri="{FF2B5EF4-FFF2-40B4-BE49-F238E27FC236}">
+                <a16:creationId xmlns:a16="http://schemas.microsoft.com/office/drawing/2014/main" id="{DBD6292B-DF06-874F-84A3-6EC885C65785}"/>
+              </a:ext>
+            </a:extLst>
+          </p:cNvPr>
+          <p:cNvPicPr>
+            <a:picLocks noChangeAspect="1"/>
+          </p:cNvPicPr>
+          <p:nvPr/>
+        </p:nvPicPr>
+        <p:blipFill>
+          <a:blip r:embed="rId5"/>
+          <a:stretch>
+            <a:fillRect/>
+          </a:stretch>
+        </p:blipFill>
+        <p:spPr>
+          <a:xfrm>
+            <a:off x="6804333" y="3889551"/>
+            <a:ext cx="299111" cy="429972"/>
+          </a:xfrm>
+          <a:prstGeom prst="rect">
+            <a:avLst/>
+          </a:prstGeom>
+        </p:spPr>
+      </p:pic>
+      <p:pic>
+        <p:nvPicPr>
+          <p:cNvPr id="69" name="図 68">
+            <a:extLst>
+              <a:ext uri="{FF2B5EF4-FFF2-40B4-BE49-F238E27FC236}">
+                <a16:creationId xmlns:a16="http://schemas.microsoft.com/office/drawing/2014/main" id="{91095FCC-94D3-1A4D-8166-1C8B09BC15DD}"/>
+              </a:ext>
+            </a:extLst>
+          </p:cNvPr>
+          <p:cNvPicPr>
+            <a:picLocks noChangeAspect="1"/>
+          </p:cNvPicPr>
+          <p:nvPr/>
+        </p:nvPicPr>
+        <p:blipFill>
+          <a:blip r:embed="rId5"/>
+          <a:stretch>
+            <a:fillRect/>
+          </a:stretch>
+        </p:blipFill>
+        <p:spPr>
+          <a:xfrm>
+            <a:off x="7161051" y="3880463"/>
+            <a:ext cx="299111" cy="429972"/>
+          </a:xfrm>
+          <a:prstGeom prst="rect">
+            <a:avLst/>
+          </a:prstGeom>
+        </p:spPr>
+      </p:pic>
+      <p:pic>
+        <p:nvPicPr>
+          <p:cNvPr id="70" name="図 69">
+            <a:extLst>
+              <a:ext uri="{FF2B5EF4-FFF2-40B4-BE49-F238E27FC236}">
+                <a16:creationId xmlns:a16="http://schemas.microsoft.com/office/drawing/2014/main" id="{413ED0B4-4B98-6046-AE2A-ADFA6F1B6544}"/>
+              </a:ext>
+            </a:extLst>
+          </p:cNvPr>
+          <p:cNvPicPr>
+            <a:picLocks noChangeAspect="1"/>
+          </p:cNvPicPr>
+          <p:nvPr/>
+        </p:nvPicPr>
+        <p:blipFill>
+          <a:blip r:embed="rId5"/>
+          <a:stretch>
+            <a:fillRect/>
+          </a:stretch>
+        </p:blipFill>
+        <p:spPr>
+          <a:xfrm>
+            <a:off x="7489396" y="3885746"/>
+            <a:ext cx="299111" cy="429972"/>
+          </a:xfrm>
+          <a:prstGeom prst="rect">
+            <a:avLst/>
+          </a:prstGeom>
+        </p:spPr>
+      </p:pic>
+      <p:pic>
+        <p:nvPicPr>
+          <p:cNvPr id="72" name="図 71">
+            <a:extLst>
+              <a:ext uri="{FF2B5EF4-FFF2-40B4-BE49-F238E27FC236}">
+                <a16:creationId xmlns:a16="http://schemas.microsoft.com/office/drawing/2014/main" id="{9DD3F490-E656-214C-9722-91985862A247}"/>
+              </a:ext>
+            </a:extLst>
+          </p:cNvPr>
+          <p:cNvPicPr>
+            <a:picLocks noChangeAspect="1"/>
+          </p:cNvPicPr>
+          <p:nvPr/>
+        </p:nvPicPr>
+        <p:blipFill>
+          <a:blip r:embed="rId5"/>
+          <a:stretch>
+            <a:fillRect/>
+          </a:stretch>
+        </p:blipFill>
+        <p:spPr>
+          <a:xfrm>
+            <a:off x="7962950" y="3889551"/>
+            <a:ext cx="299111" cy="429972"/>
+          </a:xfrm>
+          <a:prstGeom prst="rect">
+            <a:avLst/>
+          </a:prstGeom>
+        </p:spPr>
+      </p:pic>
+      <p:pic>
+        <p:nvPicPr>
+          <p:cNvPr id="73" name="図 72">
+            <a:extLst>
+              <a:ext uri="{FF2B5EF4-FFF2-40B4-BE49-F238E27FC236}">
+                <a16:creationId xmlns:a16="http://schemas.microsoft.com/office/drawing/2014/main" id="{0FA844DD-83F5-FA4C-A4AB-187E2031C918}"/>
+              </a:ext>
+            </a:extLst>
+          </p:cNvPr>
+          <p:cNvPicPr>
+            <a:picLocks noChangeAspect="1"/>
+          </p:cNvPicPr>
+          <p:nvPr/>
+        </p:nvPicPr>
+        <p:blipFill>
+          <a:blip r:embed="rId5"/>
+          <a:stretch>
+            <a:fillRect/>
+          </a:stretch>
+        </p:blipFill>
+        <p:spPr>
+          <a:xfrm>
+            <a:off x="8319668" y="3880463"/>
+            <a:ext cx="299111" cy="429972"/>
+          </a:xfrm>
+          <a:prstGeom prst="rect">
+            <a:avLst/>
+          </a:prstGeom>
+        </p:spPr>
+      </p:pic>
+      <p:pic>
+        <p:nvPicPr>
+          <p:cNvPr id="74" name="図 73">
+            <a:extLst>
+              <a:ext uri="{FF2B5EF4-FFF2-40B4-BE49-F238E27FC236}">
+                <a16:creationId xmlns:a16="http://schemas.microsoft.com/office/drawing/2014/main" id="{A6DDF9FF-AF3E-7049-96EF-C11DEC570B81}"/>
+              </a:ext>
+            </a:extLst>
+          </p:cNvPr>
+          <p:cNvPicPr>
+            <a:picLocks noChangeAspect="1"/>
+          </p:cNvPicPr>
+          <p:nvPr/>
+        </p:nvPicPr>
+        <p:blipFill>
+          <a:blip r:embed="rId5"/>
+          <a:stretch>
+            <a:fillRect/>
+          </a:stretch>
+        </p:blipFill>
+        <p:spPr>
+          <a:xfrm>
+            <a:off x="8648013" y="3885746"/>
+            <a:ext cx="299111" cy="429972"/>
+          </a:xfrm>
+          <a:prstGeom prst="rect">
+            <a:avLst/>
+          </a:prstGeom>
+        </p:spPr>
+      </p:pic>
+      <p:pic>
+        <p:nvPicPr>
+          <p:cNvPr id="77" name="図 76">
+            <a:extLst>
+              <a:ext uri="{FF2B5EF4-FFF2-40B4-BE49-F238E27FC236}">
+                <a16:creationId xmlns:a16="http://schemas.microsoft.com/office/drawing/2014/main" id="{600398BF-C0F8-974E-A94D-84FD4B9899F1}"/>
+              </a:ext>
+            </a:extLst>
+          </p:cNvPr>
+          <p:cNvPicPr>
+            <a:picLocks noChangeAspect="1"/>
+          </p:cNvPicPr>
+          <p:nvPr/>
+        </p:nvPicPr>
+        <p:blipFill>
+          <a:blip r:embed="rId5"/>
+          <a:stretch>
+            <a:fillRect/>
+          </a:stretch>
+        </p:blipFill>
+        <p:spPr>
+          <a:xfrm rot="5400000">
+            <a:off x="9200449" y="3865833"/>
+            <a:ext cx="299111" cy="429972"/>
+          </a:xfrm>
+          <a:prstGeom prst="rect">
+            <a:avLst/>
+          </a:prstGeom>
+        </p:spPr>
+      </p:pic>
+      <p:pic>
+        <p:nvPicPr>
+          <p:cNvPr id="78" name="図 77">
+            <a:extLst>
+              <a:ext uri="{FF2B5EF4-FFF2-40B4-BE49-F238E27FC236}">
+                <a16:creationId xmlns:a16="http://schemas.microsoft.com/office/drawing/2014/main" id="{0F8F5EB4-B46C-4645-BAF9-3CA5BF580737}"/>
+              </a:ext>
+            </a:extLst>
+          </p:cNvPr>
+          <p:cNvPicPr>
+            <a:picLocks noChangeAspect="1"/>
+          </p:cNvPicPr>
+          <p:nvPr/>
+        </p:nvPicPr>
+        <p:blipFill>
+          <a:blip r:embed="rId5"/>
+          <a:stretch>
+            <a:fillRect/>
+          </a:stretch>
+        </p:blipFill>
+        <p:spPr>
+          <a:xfrm rot="5400000">
+            <a:off x="9718894" y="3869815"/>
+            <a:ext cx="299111" cy="429972"/>
+          </a:xfrm>
+          <a:prstGeom prst="rect">
+            <a:avLst/>
+          </a:prstGeom>
+        </p:spPr>
+      </p:pic>
+      <p:pic>
+        <p:nvPicPr>
+          <p:cNvPr id="87" name="図 86">
+            <a:extLst>
+              <a:ext uri="{FF2B5EF4-FFF2-40B4-BE49-F238E27FC236}">
+                <a16:creationId xmlns:a16="http://schemas.microsoft.com/office/drawing/2014/main" id="{82CA1389-30AE-B146-AEC0-C2CAE14D6E48}"/>
+              </a:ext>
+            </a:extLst>
+          </p:cNvPr>
+          <p:cNvPicPr>
+            <a:picLocks noChangeAspect="1"/>
+          </p:cNvPicPr>
+          <p:nvPr/>
+        </p:nvPicPr>
+        <p:blipFill>
+          <a:blip r:embed="rId5"/>
+          <a:stretch>
+            <a:fillRect/>
+          </a:stretch>
+        </p:blipFill>
+        <p:spPr>
+          <a:xfrm>
+            <a:off x="7990079" y="3358365"/>
+            <a:ext cx="299111" cy="429972"/>
+          </a:xfrm>
+          <a:prstGeom prst="rect">
+            <a:avLst/>
+          </a:prstGeom>
+        </p:spPr>
+      </p:pic>
+      <p:pic>
+        <p:nvPicPr>
+          <p:cNvPr id="88" name="図 87">
+            <a:extLst>
+              <a:ext uri="{FF2B5EF4-FFF2-40B4-BE49-F238E27FC236}">
+                <a16:creationId xmlns:a16="http://schemas.microsoft.com/office/drawing/2014/main" id="{BF886297-B28E-0745-B0C6-F038BB1B8F0A}"/>
+              </a:ext>
+            </a:extLst>
+          </p:cNvPr>
+          <p:cNvPicPr>
+            <a:picLocks noChangeAspect="1"/>
+          </p:cNvPicPr>
+          <p:nvPr/>
+        </p:nvPicPr>
+        <p:blipFill>
+          <a:blip r:embed="rId5"/>
+          <a:stretch>
+            <a:fillRect/>
+          </a:stretch>
+        </p:blipFill>
+        <p:spPr>
+          <a:xfrm>
+            <a:off x="8346797" y="3349277"/>
+            <a:ext cx="299111" cy="429972"/>
+          </a:xfrm>
+          <a:prstGeom prst="rect">
+            <a:avLst/>
+          </a:prstGeom>
+        </p:spPr>
+      </p:pic>
+      <p:pic>
+        <p:nvPicPr>
+          <p:cNvPr id="89" name="図 88">
+            <a:extLst>
+              <a:ext uri="{FF2B5EF4-FFF2-40B4-BE49-F238E27FC236}">
+                <a16:creationId xmlns:a16="http://schemas.microsoft.com/office/drawing/2014/main" id="{9AA6B54A-98C1-8C44-A551-3CDA150A9B01}"/>
+              </a:ext>
+            </a:extLst>
+          </p:cNvPr>
+          <p:cNvPicPr>
+            <a:picLocks noChangeAspect="1"/>
+          </p:cNvPicPr>
+          <p:nvPr/>
+        </p:nvPicPr>
+        <p:blipFill>
+          <a:blip r:embed="rId5"/>
+          <a:stretch>
+            <a:fillRect/>
+          </a:stretch>
+        </p:blipFill>
+        <p:spPr>
+          <a:xfrm>
+            <a:off x="8675142" y="3354560"/>
+            <a:ext cx="299111" cy="429972"/>
+          </a:xfrm>
+          <a:prstGeom prst="rect">
+            <a:avLst/>
+          </a:prstGeom>
+        </p:spPr>
+      </p:pic>
+      <p:pic>
+        <p:nvPicPr>
+          <p:cNvPr id="90" name="図 89">
+            <a:extLst>
+              <a:ext uri="{FF2B5EF4-FFF2-40B4-BE49-F238E27FC236}">
+                <a16:creationId xmlns:a16="http://schemas.microsoft.com/office/drawing/2014/main" id="{8B9059C6-EBC4-0E4F-9F9C-59616A88A114}"/>
+              </a:ext>
+            </a:extLst>
+          </p:cNvPr>
+          <p:cNvPicPr>
+            <a:picLocks noChangeAspect="1"/>
+          </p:cNvPicPr>
+          <p:nvPr/>
+        </p:nvPicPr>
+        <p:blipFill>
+          <a:blip r:embed="rId5"/>
+          <a:stretch>
+            <a:fillRect/>
+          </a:stretch>
+        </p:blipFill>
+        <p:spPr>
+          <a:xfrm>
+            <a:off x="9111598" y="3348743"/>
+            <a:ext cx="299111" cy="429972"/>
+          </a:xfrm>
+          <a:prstGeom prst="rect">
+            <a:avLst/>
+          </a:prstGeom>
+        </p:spPr>
+      </p:pic>
+      <p:pic>
+        <p:nvPicPr>
+          <p:cNvPr id="91" name="図 90">
+            <a:extLst>
+              <a:ext uri="{FF2B5EF4-FFF2-40B4-BE49-F238E27FC236}">
+                <a16:creationId xmlns:a16="http://schemas.microsoft.com/office/drawing/2014/main" id="{9BC76943-2F7A-4E44-8A34-BECB3A1507F5}"/>
+              </a:ext>
+            </a:extLst>
+          </p:cNvPr>
+          <p:cNvPicPr>
+            <a:picLocks noChangeAspect="1"/>
+          </p:cNvPicPr>
+          <p:nvPr/>
+        </p:nvPicPr>
+        <p:blipFill>
+          <a:blip r:embed="rId5"/>
+          <a:stretch>
+            <a:fillRect/>
+          </a:stretch>
+        </p:blipFill>
+        <p:spPr>
+          <a:xfrm>
+            <a:off x="9468316" y="3339655"/>
+            <a:ext cx="299111" cy="429972"/>
+          </a:xfrm>
+          <a:prstGeom prst="rect">
+            <a:avLst/>
+          </a:prstGeom>
+        </p:spPr>
+      </p:pic>
+      <p:pic>
+        <p:nvPicPr>
+          <p:cNvPr id="92" name="図 91">
+            <a:extLst>
+              <a:ext uri="{FF2B5EF4-FFF2-40B4-BE49-F238E27FC236}">
+                <a16:creationId xmlns:a16="http://schemas.microsoft.com/office/drawing/2014/main" id="{9C027C61-C4A8-EE49-B3AF-5690A5FF3E4F}"/>
+              </a:ext>
+            </a:extLst>
+          </p:cNvPr>
+          <p:cNvPicPr>
+            <a:picLocks noChangeAspect="1"/>
+          </p:cNvPicPr>
+          <p:nvPr/>
+        </p:nvPicPr>
+        <p:blipFill>
+          <a:blip r:embed="rId5"/>
+          <a:stretch>
+            <a:fillRect/>
+          </a:stretch>
+        </p:blipFill>
+        <p:spPr>
+          <a:xfrm>
+            <a:off x="9796661" y="3344938"/>
+            <a:ext cx="299111" cy="429972"/>
+          </a:xfrm>
+          <a:prstGeom prst="rect">
+            <a:avLst/>
+          </a:prstGeom>
+        </p:spPr>
+      </p:pic>
+      <p:pic>
+        <p:nvPicPr>
+          <p:cNvPr id="94" name="図 93">
+            <a:extLst>
+              <a:ext uri="{FF2B5EF4-FFF2-40B4-BE49-F238E27FC236}">
+                <a16:creationId xmlns:a16="http://schemas.microsoft.com/office/drawing/2014/main" id="{43C015D4-C437-124F-9952-8573D80532D5}"/>
+              </a:ext>
+            </a:extLst>
+          </p:cNvPr>
+          <p:cNvPicPr>
+            <a:picLocks noChangeAspect="1"/>
+          </p:cNvPicPr>
+          <p:nvPr/>
+        </p:nvPicPr>
+        <p:blipFill>
+          <a:blip r:embed="rId5"/>
+          <a:stretch>
+            <a:fillRect/>
+          </a:stretch>
+        </p:blipFill>
+        <p:spPr>
+          <a:xfrm rot="5400000">
+            <a:off x="10393923" y="3875355"/>
+            <a:ext cx="299111" cy="429972"/>
+          </a:xfrm>
+          <a:prstGeom prst="rect">
+            <a:avLst/>
+          </a:prstGeom>
+        </p:spPr>
+      </p:pic>
+      <p:pic>
+        <p:nvPicPr>
+          <p:cNvPr id="95" name="図 94">
+            <a:extLst>
+              <a:ext uri="{FF2B5EF4-FFF2-40B4-BE49-F238E27FC236}">
+                <a16:creationId xmlns:a16="http://schemas.microsoft.com/office/drawing/2014/main" id="{8FAD98DD-08E7-0E4A-B93A-939797244A3D}"/>
+              </a:ext>
+            </a:extLst>
+          </p:cNvPr>
+          <p:cNvPicPr>
+            <a:picLocks noChangeAspect="1"/>
+          </p:cNvPicPr>
+          <p:nvPr/>
+        </p:nvPicPr>
+        <p:blipFill>
+          <a:blip r:embed="rId5"/>
+          <a:stretch>
+            <a:fillRect/>
+          </a:stretch>
+        </p:blipFill>
+        <p:spPr>
+          <a:xfrm rot="5400000">
+            <a:off x="10912368" y="3879337"/>
+            <a:ext cx="299111" cy="429972"/>
+          </a:xfrm>
+          <a:prstGeom prst="rect">
+            <a:avLst/>
+          </a:prstGeom>
+        </p:spPr>
+      </p:pic>
+      <p:pic>
+        <p:nvPicPr>
+          <p:cNvPr id="96" name="図 95">
+            <a:extLst>
+              <a:ext uri="{FF2B5EF4-FFF2-40B4-BE49-F238E27FC236}">
+                <a16:creationId xmlns:a16="http://schemas.microsoft.com/office/drawing/2014/main" id="{1B9F7E2F-196C-DE4E-9A6F-865A8AE457B6}"/>
+              </a:ext>
+            </a:extLst>
+          </p:cNvPr>
+          <p:cNvPicPr>
+            <a:picLocks noChangeAspect="1"/>
+          </p:cNvPicPr>
+          <p:nvPr/>
+        </p:nvPicPr>
+        <p:blipFill>
+          <a:blip r:embed="rId5"/>
+          <a:stretch>
+            <a:fillRect/>
+          </a:stretch>
+        </p:blipFill>
+        <p:spPr>
+          <a:xfrm rot="5400000">
+            <a:off x="10372973" y="3344452"/>
+            <a:ext cx="299111" cy="429972"/>
+          </a:xfrm>
+          <a:prstGeom prst="rect">
+            <a:avLst/>
+          </a:prstGeom>
+        </p:spPr>
+      </p:pic>
+      <p:pic>
+        <p:nvPicPr>
+          <p:cNvPr id="97" name="図 96">
+            <a:extLst>
+              <a:ext uri="{FF2B5EF4-FFF2-40B4-BE49-F238E27FC236}">
+                <a16:creationId xmlns:a16="http://schemas.microsoft.com/office/drawing/2014/main" id="{AF6E533C-8380-6A47-913C-520EBF57CDA0}"/>
+              </a:ext>
+            </a:extLst>
+          </p:cNvPr>
+          <p:cNvPicPr>
+            <a:picLocks noChangeAspect="1"/>
+          </p:cNvPicPr>
+          <p:nvPr/>
+        </p:nvPicPr>
+        <p:blipFill>
+          <a:blip r:embed="rId5"/>
+          <a:stretch>
+            <a:fillRect/>
+          </a:stretch>
+        </p:blipFill>
+        <p:spPr>
+          <a:xfrm rot="5400000">
+            <a:off x="10891418" y="3348434"/>
+            <a:ext cx="299111" cy="429972"/>
+          </a:xfrm>
+          <a:prstGeom prst="rect">
+            <a:avLst/>
+          </a:prstGeom>
+        </p:spPr>
+      </p:pic>
+      <p:sp>
+        <p:nvSpPr>
+          <p:cNvPr id="99" name="四角形吹き出し 98">
+            <a:extLst>
+              <a:ext uri="{FF2B5EF4-FFF2-40B4-BE49-F238E27FC236}">
+                <a16:creationId xmlns:a16="http://schemas.microsoft.com/office/drawing/2014/main" id="{3181EBEC-5EA5-034C-80E5-87B93C2BD5C1}"/>
+              </a:ext>
+            </a:extLst>
+          </p:cNvPr>
+          <p:cNvSpPr/>
+          <p:nvPr/>
+        </p:nvSpPr>
+        <p:spPr>
+          <a:xfrm>
+            <a:off x="6693837" y="1936139"/>
+            <a:ext cx="1177919" cy="543713"/>
+          </a:xfrm>
+          <a:prstGeom prst="wedgeRectCallout">
+            <a:avLst>
+              <a:gd name="adj1" fmla="val 43189"/>
+              <a:gd name="adj2" fmla="val 151739"/>
+            </a:avLst>
+          </a:prstGeom>
+          <a:noFill/>
+        </p:spPr>
+        <p:style>
+          <a:lnRef idx="2">
+            <a:schemeClr val="accent1">
+              <a:shade val="50000"/>
+            </a:schemeClr>
+          </a:lnRef>
+          <a:fillRef idx="1">
+            <a:schemeClr val="accent1"/>
+          </a:fillRef>
+          <a:effectRef idx="0">
+            <a:schemeClr val="accent1"/>
+          </a:effectRef>
+          <a:fontRef idx="minor">
+            <a:schemeClr val="lt1"/>
+          </a:fontRef>
+        </p:style>
+        <p:txBody>
+          <a:bodyPr rtlCol="0" anchor="ctr"/>
+          <a:lstStyle/>
+          <a:p>
+            <a:pPr algn="ctr"/>
+            <a:endParaRPr kumimoji="1" lang="ja-JP" altLang="en-US"/>
+          </a:p>
+        </p:txBody>
+      </p:sp>
+      <p:pic>
+        <p:nvPicPr>
+          <p:cNvPr id="101" name="図 100">
+            <a:extLst>
+              <a:ext uri="{FF2B5EF4-FFF2-40B4-BE49-F238E27FC236}">
+                <a16:creationId xmlns:a16="http://schemas.microsoft.com/office/drawing/2014/main" id="{6A31AFC5-786C-D54E-815A-F632E4771172}"/>
+              </a:ext>
+            </a:extLst>
+          </p:cNvPr>
+          <p:cNvPicPr>
+            <a:picLocks noChangeAspect="1"/>
+          </p:cNvPicPr>
+          <p:nvPr/>
+        </p:nvPicPr>
+        <p:blipFill>
+          <a:blip r:embed="rId6"/>
+          <a:stretch>
+            <a:fillRect/>
+          </a:stretch>
+        </p:blipFill>
+        <p:spPr>
+          <a:xfrm>
+            <a:off x="7709458" y="2864337"/>
+            <a:ext cx="322364" cy="322364"/>
+          </a:xfrm>
+          <a:prstGeom prst="rect">
+            <a:avLst/>
+          </a:prstGeom>
+        </p:spPr>
+      </p:pic>
+      <p:sp>
+        <p:nvSpPr>
+          <p:cNvPr id="102" name="テキスト ボックス 101">
+            <a:extLst>
+              <a:ext uri="{FF2B5EF4-FFF2-40B4-BE49-F238E27FC236}">
+                <a16:creationId xmlns:a16="http://schemas.microsoft.com/office/drawing/2014/main" id="{96EEE8ED-3ADD-9444-98B9-0F45D47037BF}"/>
+              </a:ext>
+            </a:extLst>
+          </p:cNvPr>
+          <p:cNvSpPr txBox="1"/>
+          <p:nvPr/>
+        </p:nvSpPr>
+        <p:spPr>
+          <a:xfrm>
+            <a:off x="6749535" y="2030046"/>
+            <a:ext cx="1128835" cy="369332"/>
+          </a:xfrm>
+          <a:prstGeom prst="rect">
+            <a:avLst/>
+          </a:prstGeom>
+          <a:noFill/>
+        </p:spPr>
+        <p:txBody>
+          <a:bodyPr wrap="none" rtlCol="0">
+            <a:spAutoFit/>
+          </a:bodyPr>
+          <a:lstStyle/>
+          <a:p>
+            <a:r>
+              <a:rPr kumimoji="1" lang="en-US" altLang="ja-JP" b="1" dirty="0">
+                <a:solidFill>
+                  <a:srgbClr val="FF0000"/>
+                </a:solidFill>
+              </a:rPr>
+              <a:t>blocking</a:t>
+            </a:r>
+            <a:endParaRPr kumimoji="1" lang="ja-JP" altLang="en-US" b="1">
+              <a:solidFill>
+                <a:srgbClr val="FF0000"/>
+              </a:solidFill>
+            </a:endParaRPr>
+          </a:p>
+        </p:txBody>
+      </p:sp>
+    </p:spTree>
+    <p:extLst>
+      <p:ext uri="{BB962C8B-B14F-4D97-AF65-F5344CB8AC3E}">
+        <p14:creationId xmlns:p14="http://schemas.microsoft.com/office/powerpoint/2010/main" val="2205528345"/>
       </p:ext>
     </p:extLst>
   </p:cSld>
